--- a/Presentation1.pptx
+++ b/Presentation1.pptx
@@ -5,13 +5,12 @@
     <p:sldMasterId id="2147483648" r:id="rId1"/>
   </p:sldMasterIdLst>
   <p:notesMasterIdLst>
-    <p:notesMasterId r:id="rId6"/>
+    <p:notesMasterId r:id="rId5"/>
   </p:notesMasterIdLst>
   <p:sldIdLst>
     <p:sldId id="256" r:id="rId2"/>
-    <p:sldId id="277" r:id="rId3"/>
-    <p:sldId id="278" r:id="rId4"/>
-    <p:sldId id="272" r:id="rId5"/>
+    <p:sldId id="278" r:id="rId3"/>
+    <p:sldId id="272" r:id="rId4"/>
   </p:sldIdLst>
   <p:sldSz cx="12192000" cy="6858000"/>
   <p:notesSz cx="6858000" cy="9144000"/>
@@ -110,6 +109,11 @@
       </a:defRPr>
     </a:lvl9pPr>
   </p:defaultTextStyle>
+  <p:extLst>
+    <p:ext uri="{EFAFB233-063F-42B5-8137-9DF3F51BA10A}">
+      <p15:sldGuideLst xmlns:p15="http://schemas.microsoft.com/office/powerpoint/2012/main"/>
+    </p:ext>
+  </p:extLst>
 </p:presentation>
 </file>
 
@@ -195,7 +199,7 @@
           <a:p>
             <a:fld id="{2A3076CF-BCFB-4869-BC3D-A9737A4AD8BE}" type="datetimeFigureOut">
               <a:rPr lang="pt-BR" smtClean="0"/>
-              <a:t>30/04/2019</a:t>
+              <a:t>13/05/2019</a:t>
             </a:fld>
             <a:endParaRPr lang="pt-BR"/>
           </a:p>
@@ -583,7 +587,7 @@
           <a:p>
             <a:fld id="{C9337EA0-A027-479A-A3B1-AEB32157D4B8}" type="slidenum">
               <a:rPr lang="en-US" smtClean="0"/>
-              <a:t>3</a:t>
+              <a:t>2</a:t>
             </a:fld>
             <a:endParaRPr lang="en-US" dirty="0"/>
           </a:p>
@@ -768,7 +772,7 @@
           <a:p>
             <a:fld id="{C9337EA0-A027-479A-A3B1-AEB32157D4B8}" type="slidenum">
               <a:rPr lang="en-US" smtClean="0"/>
-              <a:t>4</a:t>
+              <a:t>3</a:t>
             </a:fld>
             <a:endParaRPr lang="en-US" dirty="0"/>
           </a:p>
@@ -982,7 +986,7 @@
           <a:p>
             <a:fld id="{EBD9F7C2-5D5A-41BB-A88A-DED32D0919CB}" type="datetimeFigureOut">
               <a:rPr lang="pt-BR" smtClean="0"/>
-              <a:t>30/04/2019</a:t>
+              <a:t>13/05/2019</a:t>
             </a:fld>
             <a:endParaRPr lang="pt-BR"/>
           </a:p>
@@ -1182,7 +1186,7 @@
           <a:p>
             <a:fld id="{EBD9F7C2-5D5A-41BB-A88A-DED32D0919CB}" type="datetimeFigureOut">
               <a:rPr lang="pt-BR" smtClean="0"/>
-              <a:t>30/04/2019</a:t>
+              <a:t>13/05/2019</a:t>
             </a:fld>
             <a:endParaRPr lang="pt-BR"/>
           </a:p>
@@ -1392,7 +1396,7 @@
           <a:p>
             <a:fld id="{EBD9F7C2-5D5A-41BB-A88A-DED32D0919CB}" type="datetimeFigureOut">
               <a:rPr lang="pt-BR" smtClean="0"/>
-              <a:t>30/04/2019</a:t>
+              <a:t>13/05/2019</a:t>
             </a:fld>
             <a:endParaRPr lang="pt-BR"/>
           </a:p>
@@ -1579,175 +1583,6 @@
 </p:sldLayout>
 </file>
 
-<file path=ppt/slideLayouts/slideLayout13.xml><?xml version="1.0" encoding="utf-8"?>
-<p:sldLayout xmlns:a="http://schemas.openxmlformats.org/drawingml/2006/main" xmlns:r="http://schemas.openxmlformats.org/officeDocument/2006/relationships" xmlns:p="http://schemas.openxmlformats.org/presentationml/2006/main" userDrawn="1">
-  <p:cSld name="Title and 2 columns">
-    <p:spTree>
-      <p:nvGrpSpPr>
-        <p:cNvPr id="1" name=""/>
-        <p:cNvGrpSpPr/>
-        <p:nvPr/>
-      </p:nvGrpSpPr>
-      <p:grpSpPr>
-        <a:xfrm>
-          <a:off x="0" y="0"/>
-          <a:ext cx="0" cy="0"/>
-          <a:chOff x="0" y="0"/>
-          <a:chExt cx="0" cy="0"/>
-        </a:xfrm>
-      </p:grpSpPr>
-      <p:sp>
-        <p:nvSpPr>
-          <p:cNvPr id="5" name="Content Placeholder 3"/>
-          <p:cNvSpPr>
-            <a:spLocks noGrp="1"/>
-          </p:cNvSpPr>
-          <p:nvPr>
-            <p:ph sz="quarter" idx="3"/>
-          </p:nvPr>
-        </p:nvSpPr>
-        <p:spPr>
-          <a:xfrm>
-            <a:off x="6193367" y="1795464"/>
-            <a:ext cx="5467351" cy="4284662"/>
-          </a:xfrm>
-        </p:spPr>
-        <p:txBody>
-          <a:bodyPr/>
-          <a:lstStyle/>
-          <a:p>
-            <a:pPr lvl="0"/>
-            <a:r>
-              <a:rPr lang="en-US" dirty="0"/>
-              <a:t>Click to edit Master text styles</a:t>
-            </a:r>
-          </a:p>
-          <a:p>
-            <a:pPr lvl="1"/>
-            <a:r>
-              <a:rPr lang="en-US" dirty="0"/>
-              <a:t>Second level</a:t>
-            </a:r>
-          </a:p>
-          <a:p>
-            <a:pPr lvl="2"/>
-            <a:r>
-              <a:rPr lang="en-US" dirty="0"/>
-              <a:t>Third level</a:t>
-            </a:r>
-          </a:p>
-          <a:p>
-            <a:pPr lvl="3"/>
-            <a:r>
-              <a:rPr lang="en-US" dirty="0"/>
-              <a:t>Fourth level</a:t>
-            </a:r>
-          </a:p>
-          <a:p>
-            <a:pPr lvl="4"/>
-            <a:r>
-              <a:rPr lang="en-US" dirty="0"/>
-              <a:t>Fifth level</a:t>
-            </a:r>
-          </a:p>
-        </p:txBody>
-      </p:sp>
-      <p:sp>
-        <p:nvSpPr>
-          <p:cNvPr id="3" name="Content Placeholder 1"/>
-          <p:cNvSpPr>
-            <a:spLocks noGrp="1"/>
-          </p:cNvSpPr>
-          <p:nvPr>
-            <p:ph sz="half" idx="1"/>
-          </p:nvPr>
-        </p:nvSpPr>
-        <p:spPr>
-          <a:xfrm>
-            <a:off x="524934" y="1795463"/>
-            <a:ext cx="5465233" cy="4284662"/>
-          </a:xfrm>
-        </p:spPr>
-        <p:txBody>
-          <a:bodyPr/>
-          <a:lstStyle/>
-          <a:p>
-            <a:pPr lvl="0"/>
-            <a:r>
-              <a:rPr lang="en-US"/>
-              <a:t>Click to edit Master text styles</a:t>
-            </a:r>
-          </a:p>
-          <a:p>
-            <a:pPr lvl="1"/>
-            <a:r>
-              <a:rPr lang="en-US"/>
-              <a:t>Second level</a:t>
-            </a:r>
-          </a:p>
-          <a:p>
-            <a:pPr lvl="2"/>
-            <a:r>
-              <a:rPr lang="en-US"/>
-              <a:t>Third level</a:t>
-            </a:r>
-          </a:p>
-          <a:p>
-            <a:pPr lvl="3"/>
-            <a:r>
-              <a:rPr lang="en-US"/>
-              <a:t>Fourth level</a:t>
-            </a:r>
-          </a:p>
-          <a:p>
-            <a:pPr lvl="4"/>
-            <a:r>
-              <a:rPr lang="en-US"/>
-              <a:t>Fifth level</a:t>
-            </a:r>
-          </a:p>
-        </p:txBody>
-      </p:sp>
-      <p:sp>
-        <p:nvSpPr>
-          <p:cNvPr id="2" name="Title 1"/>
-          <p:cNvSpPr>
-            <a:spLocks noGrp="1"/>
-          </p:cNvSpPr>
-          <p:nvPr>
-            <p:ph type="title"/>
-          </p:nvPr>
-        </p:nvSpPr>
-        <p:spPr>
-          <a:xfrm>
-            <a:off x="524935" y="239714"/>
-            <a:ext cx="9992784" cy="1085371"/>
-          </a:xfrm>
-        </p:spPr>
-        <p:txBody>
-          <a:bodyPr/>
-          <a:lstStyle/>
-          <a:p>
-            <a:r>
-              <a:rPr lang="en-US"/>
-              <a:t>Click to edit Master title style</a:t>
-            </a:r>
-          </a:p>
-        </p:txBody>
-      </p:sp>
-    </p:spTree>
-    <p:extLst>
-      <p:ext uri="{BB962C8B-B14F-4D97-AF65-F5344CB8AC3E}">
-        <p14:creationId xmlns:p14="http://schemas.microsoft.com/office/powerpoint/2010/main" val="485218652"/>
-      </p:ext>
-    </p:extLst>
-  </p:cSld>
-  <p:clrMapOvr>
-    <a:masterClrMapping/>
-  </p:clrMapOvr>
-</p:sldLayout>
-</file>
-
 <file path=ppt/slideLayouts/slideLayout2.xml><?xml version="1.0" encoding="utf-8"?>
 <p:sldLayout xmlns:a="http://schemas.openxmlformats.org/drawingml/2006/main" xmlns:r="http://schemas.openxmlformats.org/officeDocument/2006/relationships" xmlns:p="http://schemas.openxmlformats.org/presentationml/2006/main" type="obj" preserve="1">
   <p:cSld name="Title and Content">
@@ -1875,7 +1710,7 @@
           <a:p>
             <a:fld id="{EBD9F7C2-5D5A-41BB-A88A-DED32D0919CB}" type="datetimeFigureOut">
               <a:rPr lang="pt-BR" smtClean="0"/>
-              <a:t>30/04/2019</a:t>
+              <a:t>13/05/2019</a:t>
             </a:fld>
             <a:endParaRPr lang="pt-BR"/>
           </a:p>
@@ -2151,7 +1986,7 @@
           <a:p>
             <a:fld id="{EBD9F7C2-5D5A-41BB-A88A-DED32D0919CB}" type="datetimeFigureOut">
               <a:rPr lang="pt-BR" smtClean="0"/>
-              <a:t>30/04/2019</a:t>
+              <a:t>13/05/2019</a:t>
             </a:fld>
             <a:endParaRPr lang="pt-BR"/>
           </a:p>
@@ -2419,7 +2254,7 @@
           <a:p>
             <a:fld id="{EBD9F7C2-5D5A-41BB-A88A-DED32D0919CB}" type="datetimeFigureOut">
               <a:rPr lang="pt-BR" smtClean="0"/>
-              <a:t>30/04/2019</a:t>
+              <a:t>13/05/2019</a:t>
             </a:fld>
             <a:endParaRPr lang="pt-BR"/>
           </a:p>
@@ -2834,7 +2669,7 @@
           <a:p>
             <a:fld id="{EBD9F7C2-5D5A-41BB-A88A-DED32D0919CB}" type="datetimeFigureOut">
               <a:rPr lang="pt-BR" smtClean="0"/>
-              <a:t>30/04/2019</a:t>
+              <a:t>13/05/2019</a:t>
             </a:fld>
             <a:endParaRPr lang="pt-BR"/>
           </a:p>
@@ -2976,7 +2811,7 @@
           <a:p>
             <a:fld id="{EBD9F7C2-5D5A-41BB-A88A-DED32D0919CB}" type="datetimeFigureOut">
               <a:rPr lang="pt-BR" smtClean="0"/>
-              <a:t>30/04/2019</a:t>
+              <a:t>13/05/2019</a:t>
             </a:fld>
             <a:endParaRPr lang="pt-BR"/>
           </a:p>
@@ -3089,7 +2924,7 @@
           <a:p>
             <a:fld id="{EBD9F7C2-5D5A-41BB-A88A-DED32D0919CB}" type="datetimeFigureOut">
               <a:rPr lang="pt-BR" smtClean="0"/>
-              <a:t>30/04/2019</a:t>
+              <a:t>13/05/2019</a:t>
             </a:fld>
             <a:endParaRPr lang="pt-BR"/>
           </a:p>
@@ -3402,7 +3237,7 @@
           <a:p>
             <a:fld id="{EBD9F7C2-5D5A-41BB-A88A-DED32D0919CB}" type="datetimeFigureOut">
               <a:rPr lang="pt-BR" smtClean="0"/>
-              <a:t>30/04/2019</a:t>
+              <a:t>13/05/2019</a:t>
             </a:fld>
             <a:endParaRPr lang="pt-BR"/>
           </a:p>
@@ -3691,7 +3526,7 @@
           <a:p>
             <a:fld id="{EBD9F7C2-5D5A-41BB-A88A-DED32D0919CB}" type="datetimeFigureOut">
               <a:rPr lang="pt-BR" smtClean="0"/>
-              <a:t>30/04/2019</a:t>
+              <a:t>13/05/2019</a:t>
             </a:fld>
             <a:endParaRPr lang="pt-BR"/>
           </a:p>
@@ -3934,7 +3769,7 @@
           <a:p>
             <a:fld id="{EBD9F7C2-5D5A-41BB-A88A-DED32D0919CB}" type="datetimeFigureOut">
               <a:rPr lang="pt-BR" smtClean="0"/>
-              <a:t>30/04/2019</a:t>
+              <a:t>13/05/2019</a:t>
             </a:fld>
             <a:endParaRPr lang="pt-BR"/>
           </a:p>
@@ -4051,7 +3886,6 @@
     <p:sldLayoutId id="2147483658" r:id="rId10"/>
     <p:sldLayoutId id="2147483659" r:id="rId11"/>
     <p:sldLayoutId id="2147483660" r:id="rId12"/>
-    <p:sldLayoutId id="2147483661" r:id="rId13"/>
   </p:sldLayoutIdLst>
   <p:txStyles>
     <p:titleStyle>
@@ -4417,9020 +4251,6 @@
 </file>
 
 <file path=ppt/slides/slide2.xml><?xml version="1.0" encoding="utf-8"?>
-<p:sld xmlns:a="http://schemas.openxmlformats.org/drawingml/2006/main" xmlns:r="http://schemas.openxmlformats.org/officeDocument/2006/relationships" xmlns:p="http://schemas.openxmlformats.org/presentationml/2006/main">
-  <p:cSld>
-    <p:spTree>
-      <p:nvGrpSpPr>
-        <p:cNvPr id="1" name=""/>
-        <p:cNvGrpSpPr/>
-        <p:nvPr/>
-      </p:nvGrpSpPr>
-      <p:grpSpPr>
-        <a:xfrm>
-          <a:off x="0" y="0"/>
-          <a:ext cx="0" cy="0"/>
-          <a:chOff x="0" y="0"/>
-          <a:chExt cx="0" cy="0"/>
-        </a:xfrm>
-      </p:grpSpPr>
-      <p:sp>
-        <p:nvSpPr>
-          <p:cNvPr id="3" name="Title 2"/>
-          <p:cNvSpPr>
-            <a:spLocks noGrp="1"/>
-          </p:cNvSpPr>
-          <p:nvPr>
-            <p:ph type="title"/>
-          </p:nvPr>
-        </p:nvSpPr>
-        <p:spPr/>
-        <p:txBody>
-          <a:bodyPr>
-            <a:normAutofit fontScale="90000"/>
-          </a:bodyPr>
-          <a:lstStyle/>
-          <a:p>
-            <a:r>
-              <a:rPr lang="en-US" dirty="0">
-                <a:blipFill>
-                  <a:blip r:embed="rId2"/>
-                  <a:stretch>
-                    <a:fillRect/>
-                  </a:stretch>
-                </a:blipFill>
-              </a:rPr>
-              <a:t>Southbound Solution  </a:t>
-            </a:r>
-            <a:br>
-              <a:rPr lang="en-US" dirty="0">
-                <a:blipFill>
-                  <a:blip r:embed="rId2"/>
-                  <a:stretch>
-                    <a:fillRect/>
-                  </a:stretch>
-                </a:blipFill>
-              </a:rPr>
-            </a:br>
-            <a:r>
-              <a:rPr lang="en-US" dirty="0">
-                <a:blipFill>
-                  <a:blip r:embed="rId2"/>
-                  <a:stretch>
-                    <a:fillRect/>
-                  </a:stretch>
-                </a:blipFill>
-              </a:rPr>
-              <a:t>for Transport (ITS-N)</a:t>
-            </a:r>
-            <a:endParaRPr lang="en-US" dirty="0"/>
-          </a:p>
-        </p:txBody>
-      </p:sp>
-      <p:grpSp>
-        <p:nvGrpSpPr>
-          <p:cNvPr id="189" name="Group 188"/>
-          <p:cNvGrpSpPr/>
-          <p:nvPr/>
-        </p:nvGrpSpPr>
-        <p:grpSpPr>
-          <a:xfrm>
-            <a:off x="897777" y="1424940"/>
-            <a:ext cx="4671752" cy="4655184"/>
-            <a:chOff x="897777" y="1424940"/>
-            <a:chExt cx="4671752" cy="4655184"/>
-          </a:xfrm>
-        </p:grpSpPr>
-        <p:sp>
-          <p:nvSpPr>
-            <p:cNvPr id="5" name="Rounded Rectangle 4"/>
-            <p:cNvSpPr/>
-            <p:nvPr/>
-          </p:nvSpPr>
-          <p:spPr bwMode="auto">
-            <a:xfrm>
-              <a:off x="897777" y="1792018"/>
-              <a:ext cx="4671752" cy="4288106"/>
-            </a:xfrm>
-            <a:prstGeom prst="roundRect">
-              <a:avLst>
-                <a:gd name="adj" fmla="val 5489"/>
-              </a:avLst>
-            </a:prstGeom>
-            <a:solidFill>
-              <a:schemeClr val="bg1"/>
-            </a:solidFill>
-            <a:ln w="12700" cap="flat" cmpd="sng" algn="ctr">
-              <a:solidFill>
-                <a:srgbClr val="64863C"/>
-              </a:solidFill>
-              <a:prstDash val="dash"/>
-              <a:round/>
-              <a:headEnd type="none" w="med" len="med"/>
-              <a:tailEnd type="none" w="med" len="med"/>
-            </a:ln>
-            <a:effectLst/>
-          </p:spPr>
-          <p:txBody>
-            <a:bodyPr vert="horz" wrap="none" lIns="72000" tIns="45720" rIns="72000" bIns="45720" numCol="1" rtlCol="0" anchor="t" anchorCtr="0" compatLnSpc="1">
-              <a:prstTxWarp prst="textNoShape">
-                <a:avLst/>
-              </a:prstTxWarp>
-            </a:bodyPr>
-            <a:lstStyle/>
-            <a:p>
-              <a:pPr marL="0" marR="0" indent="0" algn="l" defTabSz="914400" rtl="0" eaLnBrk="1" fontAlgn="base" latinLnBrk="0" hangingPunct="1">
-                <a:lnSpc>
-                  <a:spcPct val="100000"/>
-                </a:lnSpc>
-                <a:spcBef>
-                  <a:spcPct val="50000"/>
-                </a:spcBef>
-                <a:spcAft>
-                  <a:spcPct val="0"/>
-                </a:spcAft>
-                <a:buClrTx/>
-                <a:buSzTx/>
-                <a:buFontTx/>
-                <a:buNone/>
-                <a:tabLst/>
-              </a:pPr>
-              <a:r>
-                <a:rPr kumimoji="0" lang="en-US" sz="700" b="1" i="0" u="none" strike="noStrike" cap="none" normalizeH="0" baseline="0">
-                  <a:ln>
-                    <a:noFill/>
-                  </a:ln>
-                  <a:solidFill>
-                    <a:schemeClr val="accent1">
-                      <a:lumMod val="50000"/>
-                    </a:schemeClr>
-                  </a:solidFill>
-                  <a:effectLst/>
-                  <a:latin typeface="Arial" charset="0"/>
-                </a:rPr>
-                <a:t>Transport </a:t>
-              </a:r>
-              <a:r>
-                <a:rPr kumimoji="0" lang="en-US" sz="700" b="1" i="1" u="none" strike="noStrike" cap="none" normalizeH="0" baseline="0">
-                  <a:ln>
-                    <a:noFill/>
-                  </a:ln>
-                  <a:solidFill>
-                    <a:schemeClr val="accent1">
-                      <a:lumMod val="50000"/>
-                    </a:schemeClr>
-                  </a:solidFill>
-                  <a:effectLst/>
-                  <a:latin typeface="Arial" charset="0"/>
-                </a:rPr>
-                <a:t>New</a:t>
-              </a:r>
-              <a:endParaRPr kumimoji="0" lang="en-US" sz="800" b="1" i="1" u="none" strike="noStrike" cap="none" normalizeH="0" baseline="0">
-                <a:ln>
-                  <a:noFill/>
-                </a:ln>
-                <a:solidFill>
-                  <a:schemeClr val="accent1">
-                    <a:lumMod val="50000"/>
-                  </a:schemeClr>
-                </a:solidFill>
-                <a:effectLst/>
-                <a:latin typeface="Arial" charset="0"/>
-              </a:endParaRPr>
-            </a:p>
-          </p:txBody>
-        </p:sp>
-        <p:sp>
-          <p:nvSpPr>
-            <p:cNvPr id="6" name="Rounded Rectangle 5"/>
-            <p:cNvSpPr/>
-            <p:nvPr/>
-          </p:nvSpPr>
-          <p:spPr bwMode="auto">
-            <a:xfrm>
-              <a:off x="1141214" y="3470411"/>
-              <a:ext cx="4191997" cy="2448329"/>
-            </a:xfrm>
-            <a:prstGeom prst="roundRect">
-              <a:avLst>
-                <a:gd name="adj" fmla="val 4621"/>
-              </a:avLst>
-            </a:prstGeom>
-            <a:solidFill>
-              <a:schemeClr val="accent1">
-                <a:lumMod val="20000"/>
-                <a:lumOff val="80000"/>
-              </a:schemeClr>
-            </a:solidFill>
-            <a:ln w="12700" cap="flat" cmpd="sng" algn="ctr">
-              <a:solidFill>
-                <a:schemeClr val="accent5">
-                  <a:lumMod val="50000"/>
-                </a:schemeClr>
-              </a:solidFill>
-              <a:prstDash val="solid"/>
-              <a:round/>
-              <a:headEnd type="none" w="med" len="med"/>
-              <a:tailEnd type="none" w="med" len="med"/>
-            </a:ln>
-            <a:effectLst/>
-          </p:spPr>
-          <p:txBody>
-            <a:bodyPr vert="horz" wrap="none" lIns="72000" tIns="45720" rIns="72000" bIns="45720" numCol="1" rtlCol="0" anchor="t" anchorCtr="0" compatLnSpc="1">
-              <a:prstTxWarp prst="textNoShape">
-                <a:avLst/>
-              </a:prstTxWarp>
-            </a:bodyPr>
-            <a:lstStyle/>
-            <a:p>
-              <a:r>
-                <a:rPr lang="en-US" sz="700" b="1" dirty="0">
-                  <a:solidFill>
-                    <a:schemeClr val="accent1">
-                      <a:lumMod val="50000"/>
-                    </a:schemeClr>
-                  </a:solidFill>
-                </a:rPr>
-                <a:t>In-vehicle</a:t>
-              </a:r>
-            </a:p>
-          </p:txBody>
-        </p:sp>
-        <p:sp>
-          <p:nvSpPr>
-            <p:cNvPr id="7" name="Rounded Rectangle 6"/>
-            <p:cNvSpPr/>
-            <p:nvPr/>
-          </p:nvSpPr>
-          <p:spPr bwMode="auto">
-            <a:xfrm>
-              <a:off x="1226175" y="3780403"/>
-              <a:ext cx="3969265" cy="1572149"/>
-            </a:xfrm>
-            <a:prstGeom prst="roundRect">
-              <a:avLst>
-                <a:gd name="adj" fmla="val 6447"/>
-              </a:avLst>
-            </a:prstGeom>
-            <a:solidFill>
-              <a:schemeClr val="accent5">
-                <a:lumMod val="75000"/>
-              </a:schemeClr>
-            </a:solidFill>
-            <a:ln w="19050" cap="flat" cmpd="sng" algn="ctr">
-              <a:noFill/>
-              <a:prstDash val="solid"/>
-              <a:round/>
-              <a:headEnd type="none" w="med" len="med"/>
-              <a:tailEnd type="none" w="med" len="med"/>
-            </a:ln>
-            <a:effectLst/>
-          </p:spPr>
-          <p:txBody>
-            <a:bodyPr vert="vert270" wrap="none" lIns="36000" tIns="36000" rIns="36000" bIns="36000" numCol="1" rtlCol="0" anchor="t" anchorCtr="0" compatLnSpc="1">
-              <a:prstTxWarp prst="textNoShape">
-                <a:avLst/>
-              </a:prstTxWarp>
-            </a:bodyPr>
-            <a:lstStyle/>
-            <a:p>
-              <a:pPr algn="ctr"/>
-              <a:r>
-                <a:rPr lang="pt-BR" sz="900" b="1" dirty="0">
-                  <a:solidFill>
-                    <a:schemeClr val="accent1">
-                      <a:lumMod val="50000"/>
-                    </a:schemeClr>
-                  </a:solidFill>
-                </a:rPr>
-                <a:t>AGGREGATOR</a:t>
-              </a:r>
-              <a:endParaRPr lang="en-US" sz="1000" b="1" dirty="0">
-                <a:solidFill>
-                  <a:schemeClr val="accent1">
-                    <a:lumMod val="50000"/>
-                  </a:schemeClr>
-                </a:solidFill>
-              </a:endParaRPr>
-            </a:p>
-          </p:txBody>
-        </p:sp>
-        <p:sp>
-          <p:nvSpPr>
-            <p:cNvPr id="8" name="Rounded Rectangle 7"/>
-            <p:cNvSpPr/>
-            <p:nvPr/>
-          </p:nvSpPr>
-          <p:spPr bwMode="auto">
-            <a:xfrm>
-              <a:off x="1844734" y="3847646"/>
-              <a:ext cx="3303158" cy="613405"/>
-            </a:xfrm>
-            <a:prstGeom prst="roundRect">
-              <a:avLst>
-                <a:gd name="adj" fmla="val 8570"/>
-              </a:avLst>
-            </a:prstGeom>
-            <a:solidFill>
-              <a:schemeClr val="accent5">
-                <a:lumMod val="60000"/>
-                <a:lumOff val="40000"/>
-              </a:schemeClr>
-            </a:solidFill>
-            <a:ln w="12700" cap="flat" cmpd="sng" algn="ctr">
-              <a:solidFill>
-                <a:schemeClr val="accent5">
-                  <a:lumMod val="75000"/>
-                </a:schemeClr>
-              </a:solidFill>
-              <a:prstDash val="solid"/>
-              <a:round/>
-              <a:headEnd type="none" w="med" len="med"/>
-              <a:tailEnd type="none" w="med" len="med"/>
-            </a:ln>
-            <a:effectLst/>
-          </p:spPr>
-          <p:txBody>
-            <a:bodyPr vert="horz" wrap="none" lIns="72000" tIns="45720" rIns="72000" bIns="45720" numCol="1" rtlCol="0" anchor="t" anchorCtr="0" compatLnSpc="1">
-              <a:prstTxWarp prst="textNoShape">
-                <a:avLst/>
-              </a:prstTxWarp>
-            </a:bodyPr>
-            <a:lstStyle/>
-            <a:p>
-              <a:pPr marL="0" marR="0" indent="0" algn="l" defTabSz="914400" rtl="0" eaLnBrk="1" fontAlgn="base" latinLnBrk="0" hangingPunct="1">
-                <a:lnSpc>
-                  <a:spcPct val="100000"/>
-                </a:lnSpc>
-                <a:spcBef>
-                  <a:spcPct val="50000"/>
-                </a:spcBef>
-                <a:spcAft>
-                  <a:spcPct val="0"/>
-                </a:spcAft>
-                <a:buClrTx/>
-                <a:buSzTx/>
-                <a:buFontTx/>
-                <a:buNone/>
-                <a:tabLst/>
-              </a:pPr>
-              <a:endParaRPr kumimoji="0" lang="en-US" sz="2400" b="1" i="0" u="none" strike="noStrike" cap="none" normalizeH="0" baseline="0">
-                <a:ln>
-                  <a:noFill/>
-                </a:ln>
-                <a:solidFill>
-                  <a:schemeClr val="tx1"/>
-                </a:solidFill>
-                <a:effectLst/>
-                <a:latin typeface="Arial" charset="0"/>
-              </a:endParaRPr>
-            </a:p>
-          </p:txBody>
-        </p:sp>
-        <p:sp>
-          <p:nvSpPr>
-            <p:cNvPr id="9" name="Rounded Rectangle 8"/>
-            <p:cNvSpPr/>
-            <p:nvPr/>
-          </p:nvSpPr>
-          <p:spPr bwMode="auto">
-            <a:xfrm>
-              <a:off x="1148398" y="2288476"/>
-              <a:ext cx="4137345" cy="703040"/>
-            </a:xfrm>
-            <a:prstGeom prst="roundRect">
-              <a:avLst>
-                <a:gd name="adj" fmla="val 11287"/>
-              </a:avLst>
-            </a:prstGeom>
-            <a:solidFill>
-              <a:schemeClr val="accent5">
-                <a:lumMod val="75000"/>
-              </a:schemeClr>
-            </a:solidFill>
-            <a:ln w="19050" cap="flat" cmpd="sng" algn="ctr">
-              <a:solidFill>
-                <a:schemeClr val="accent1">
-                  <a:lumMod val="50000"/>
-                </a:schemeClr>
-              </a:solidFill>
-              <a:prstDash val="solid"/>
-              <a:round/>
-              <a:headEnd type="none" w="med" len="med"/>
-              <a:tailEnd type="none" w="med" len="med"/>
-            </a:ln>
-            <a:effectLst/>
-          </p:spPr>
-          <p:txBody>
-            <a:bodyPr vert="vert270" wrap="none" lIns="72000" tIns="45720" rIns="72000" bIns="45720" numCol="1" rtlCol="0" anchor="t" anchorCtr="0" compatLnSpc="1">
-              <a:prstTxWarp prst="textNoShape">
-                <a:avLst/>
-              </a:prstTxWarp>
-            </a:bodyPr>
-            <a:lstStyle/>
-            <a:p>
-              <a:pPr algn="ctr"/>
-              <a:r>
-                <a:rPr lang="pt-BR" sz="900" b="1">
-                  <a:solidFill>
-                    <a:schemeClr val="accent1">
-                      <a:lumMod val="50000"/>
-                    </a:schemeClr>
-                  </a:solidFill>
-                </a:rPr>
-                <a:t>GATEWAY</a:t>
-              </a:r>
-              <a:endParaRPr lang="pt-BR" sz="1000" b="1">
-                <a:solidFill>
-                  <a:schemeClr val="accent1">
-                    <a:lumMod val="50000"/>
-                  </a:schemeClr>
-                </a:solidFill>
-              </a:endParaRPr>
-            </a:p>
-          </p:txBody>
-        </p:sp>
-        <p:sp>
-          <p:nvSpPr>
-            <p:cNvPr id="10" name="Rounded Rectangle 9"/>
-            <p:cNvSpPr/>
-            <p:nvPr/>
-          </p:nvSpPr>
-          <p:spPr bwMode="auto">
-            <a:xfrm>
-              <a:off x="1844735" y="4558286"/>
-              <a:ext cx="3303158" cy="747397"/>
-            </a:xfrm>
-            <a:prstGeom prst="roundRect">
-              <a:avLst>
-                <a:gd name="adj" fmla="val 8570"/>
-              </a:avLst>
-            </a:prstGeom>
-            <a:solidFill>
-              <a:schemeClr val="accent5">
-                <a:lumMod val="60000"/>
-                <a:lumOff val="40000"/>
-              </a:schemeClr>
-            </a:solidFill>
-            <a:ln w="12700" cap="flat" cmpd="sng" algn="ctr">
-              <a:solidFill>
-                <a:schemeClr val="accent5">
-                  <a:lumMod val="75000"/>
-                </a:schemeClr>
-              </a:solidFill>
-              <a:prstDash val="solid"/>
-              <a:round/>
-              <a:headEnd type="none" w="med" len="med"/>
-              <a:tailEnd type="none" w="med" len="med"/>
-            </a:ln>
-            <a:effectLst/>
-          </p:spPr>
-          <p:txBody>
-            <a:bodyPr vert="horz" wrap="none" lIns="72000" tIns="45720" rIns="72000" bIns="45720" numCol="1" rtlCol="0" anchor="t" anchorCtr="0" compatLnSpc="1">
-              <a:prstTxWarp prst="textNoShape">
-                <a:avLst/>
-              </a:prstTxWarp>
-            </a:bodyPr>
-            <a:lstStyle/>
-            <a:p>
-              <a:pPr marL="0" marR="0" indent="0" algn="l" defTabSz="914400" rtl="0" eaLnBrk="1" fontAlgn="base" latinLnBrk="0" hangingPunct="1">
-                <a:lnSpc>
-                  <a:spcPct val="100000"/>
-                </a:lnSpc>
-                <a:spcBef>
-                  <a:spcPct val="50000"/>
-                </a:spcBef>
-                <a:spcAft>
-                  <a:spcPct val="0"/>
-                </a:spcAft>
-                <a:buClrTx/>
-                <a:buSzTx/>
-                <a:buFontTx/>
-                <a:buNone/>
-                <a:tabLst/>
-              </a:pPr>
-              <a:endParaRPr kumimoji="0" lang="en-US" sz="2400" b="1" i="0" u="none" strike="noStrike" cap="none" normalizeH="0" baseline="0">
-                <a:ln>
-                  <a:noFill/>
-                </a:ln>
-                <a:solidFill>
-                  <a:schemeClr val="tx1"/>
-                </a:solidFill>
-                <a:effectLst/>
-                <a:latin typeface="Arial" charset="0"/>
-              </a:endParaRPr>
-            </a:p>
-          </p:txBody>
-        </p:sp>
-        <p:grpSp>
-          <p:nvGrpSpPr>
-            <p:cNvPr id="11" name="Group 10"/>
-            <p:cNvGrpSpPr/>
-            <p:nvPr/>
-          </p:nvGrpSpPr>
-          <p:grpSpPr>
-            <a:xfrm>
-              <a:off x="1924220" y="4636036"/>
-              <a:ext cx="467322" cy="605343"/>
-              <a:chOff x="633410" y="2760110"/>
-              <a:chExt cx="413134" cy="508838"/>
-            </a:xfrm>
-            <a:effectLst>
-              <a:outerShdw blurRad="50800" dist="38100" dir="2700000" algn="tl" rotWithShape="0">
-                <a:prstClr val="black">
-                  <a:alpha val="40000"/>
-                </a:prstClr>
-              </a:outerShdw>
-            </a:effectLst>
-          </p:grpSpPr>
-          <p:sp>
-            <p:nvSpPr>
-              <p:cNvPr id="76" name="Round Same Side Corner Rectangle 75"/>
-              <p:cNvSpPr/>
-              <p:nvPr/>
-            </p:nvSpPr>
-            <p:spPr bwMode="auto">
-              <a:xfrm>
-                <a:off x="633414" y="2760110"/>
-                <a:ext cx="413130" cy="207598"/>
-              </a:xfrm>
-              <a:prstGeom prst="round2SameRect">
-                <a:avLst/>
-              </a:prstGeom>
-              <a:solidFill>
-                <a:schemeClr val="accent5">
-                  <a:lumMod val="75000"/>
-                </a:schemeClr>
-              </a:solidFill>
-              <a:ln w="19050" cap="flat" cmpd="sng" algn="ctr">
-                <a:solidFill>
-                  <a:schemeClr val="accent1">
-                    <a:lumMod val="50000"/>
-                  </a:schemeClr>
-                </a:solidFill>
-                <a:prstDash val="solid"/>
-                <a:round/>
-                <a:headEnd type="none" w="med" len="med"/>
-                <a:tailEnd type="none" w="med" len="med"/>
-              </a:ln>
-              <a:effectLst/>
-            </p:spPr>
-            <p:txBody>
-              <a:bodyPr vert="horz" wrap="none" lIns="0" tIns="0" rIns="0" bIns="0" numCol="1" rtlCol="0" anchor="b" anchorCtr="0" compatLnSpc="1">
-                <a:prstTxWarp prst="textNoShape">
-                  <a:avLst/>
-                </a:prstTxWarp>
-              </a:bodyPr>
-              <a:lstStyle/>
-              <a:p>
-                <a:endParaRPr lang="en-US" sz="700" b="1">
-                  <a:solidFill>
-                    <a:schemeClr val="accent1">
-                      <a:lumMod val="50000"/>
-                    </a:schemeClr>
-                  </a:solidFill>
-                </a:endParaRPr>
-              </a:p>
-            </p:txBody>
-          </p:sp>
-          <p:sp>
-            <p:nvSpPr>
-              <p:cNvPr id="77" name="TextBox 76"/>
-              <p:cNvSpPr txBox="1"/>
-              <p:nvPr/>
-            </p:nvSpPr>
-            <p:spPr>
-              <a:xfrm>
-                <a:off x="672721" y="2780940"/>
-                <a:ext cx="341341" cy="90549"/>
-              </a:xfrm>
-              <a:prstGeom prst="rect">
-                <a:avLst/>
-              </a:prstGeom>
-              <a:noFill/>
-            </p:spPr>
-            <p:txBody>
-              <a:bodyPr wrap="square" lIns="0" tIns="0" rIns="0" bIns="0" rtlCol="0">
-                <a:spAutoFit/>
-              </a:bodyPr>
-              <a:lstStyle/>
-              <a:p>
-                <a:pPr algn="ctr"/>
-                <a:r>
-                  <a:rPr lang="pt-BR" sz="700" b="1" dirty="0" err="1">
-                    <a:solidFill>
-                      <a:schemeClr val="accent1">
-                        <a:lumMod val="50000"/>
-                      </a:schemeClr>
-                    </a:solidFill>
-                  </a:rPr>
-                  <a:t>OpenCV</a:t>
-                </a:r>
-                <a:endParaRPr lang="en-US" sz="700" b="1" dirty="0">
-                  <a:solidFill>
-                    <a:schemeClr val="accent1">
-                      <a:lumMod val="50000"/>
-                    </a:schemeClr>
-                  </a:solidFill>
-                </a:endParaRPr>
-              </a:p>
-            </p:txBody>
-          </p:sp>
-          <p:sp>
-            <p:nvSpPr>
-              <p:cNvPr id="78" name="Round Same Side Corner Rectangle 77"/>
-              <p:cNvSpPr/>
-              <p:nvPr/>
-            </p:nvSpPr>
-            <p:spPr bwMode="auto">
-              <a:xfrm rot="10800000">
-                <a:off x="633410" y="2967707"/>
-                <a:ext cx="413130" cy="301241"/>
-              </a:xfrm>
-              <a:prstGeom prst="round2SameRect">
-                <a:avLst/>
-              </a:prstGeom>
-              <a:solidFill>
-                <a:schemeClr val="accent1">
-                  <a:lumMod val="50000"/>
-                </a:schemeClr>
-              </a:solidFill>
-              <a:ln w="19050" cap="flat" cmpd="sng" algn="ctr">
-                <a:solidFill>
-                  <a:schemeClr val="accent1">
-                    <a:lumMod val="50000"/>
-                  </a:schemeClr>
-                </a:solidFill>
-                <a:prstDash val="solid"/>
-                <a:round/>
-                <a:headEnd type="none" w="med" len="med"/>
-                <a:tailEnd type="none" w="med" len="med"/>
-              </a:ln>
-              <a:effectLst/>
-            </p:spPr>
-            <p:txBody>
-              <a:bodyPr vert="horz" wrap="none" lIns="0" tIns="0" rIns="0" bIns="0" numCol="1" rtlCol="0" anchor="b" anchorCtr="0" compatLnSpc="1">
-                <a:prstTxWarp prst="textNoShape">
-                  <a:avLst/>
-                </a:prstTxWarp>
-              </a:bodyPr>
-              <a:lstStyle/>
-              <a:p>
-                <a:endParaRPr lang="en-US" sz="700" b="1">
-                  <a:solidFill>
-                    <a:schemeClr val="bg1"/>
-                  </a:solidFill>
-                </a:endParaRPr>
-              </a:p>
-            </p:txBody>
-          </p:sp>
-          <p:sp>
-            <p:nvSpPr>
-              <p:cNvPr id="79" name="TextBox 78"/>
-              <p:cNvSpPr txBox="1"/>
-              <p:nvPr/>
-            </p:nvSpPr>
-            <p:spPr>
-              <a:xfrm>
-                <a:off x="672722" y="2988077"/>
-                <a:ext cx="341341" cy="181097"/>
-              </a:xfrm>
-              <a:prstGeom prst="rect">
-                <a:avLst/>
-              </a:prstGeom>
-              <a:noFill/>
-            </p:spPr>
-            <p:txBody>
-              <a:bodyPr wrap="square" lIns="0" tIns="0" rIns="0" bIns="0" rtlCol="0">
-                <a:spAutoFit/>
-              </a:bodyPr>
-              <a:lstStyle/>
-              <a:p>
-                <a:pPr algn="ctr"/>
-                <a:r>
-                  <a:rPr lang="pt-BR" sz="700" b="1" dirty="0">
-                    <a:solidFill>
-                      <a:schemeClr val="bg1"/>
-                    </a:solidFill>
-                  </a:rPr>
-                  <a:t>Modelo .</a:t>
-                </a:r>
-                <a:r>
-                  <a:rPr lang="pt-BR" sz="700" b="1" dirty="0" err="1">
-                    <a:solidFill>
-                      <a:schemeClr val="bg1"/>
-                    </a:solidFill>
-                  </a:rPr>
-                  <a:t>java</a:t>
-                </a:r>
-                <a:r>
-                  <a:rPr lang="pt-BR" sz="700" b="1" dirty="0">
-                    <a:solidFill>
-                      <a:schemeClr val="bg1"/>
-                    </a:solidFill>
-                  </a:rPr>
-                  <a:t>/.</a:t>
-                </a:r>
-                <a:r>
-                  <a:rPr lang="pt-BR" sz="700" b="1" dirty="0" err="1">
-                    <a:solidFill>
-                      <a:schemeClr val="bg1"/>
-                    </a:solidFill>
-                  </a:rPr>
-                  <a:t>xml</a:t>
-                </a:r>
-                <a:endParaRPr lang="en-US" sz="700" b="1" dirty="0">
-                  <a:solidFill>
-                    <a:schemeClr val="bg1"/>
-                  </a:solidFill>
-                </a:endParaRPr>
-              </a:p>
-            </p:txBody>
-          </p:sp>
-        </p:grpSp>
-        <p:grpSp>
-          <p:nvGrpSpPr>
-            <p:cNvPr id="12" name="Group 11"/>
-            <p:cNvGrpSpPr/>
-            <p:nvPr/>
-          </p:nvGrpSpPr>
-          <p:grpSpPr>
-            <a:xfrm>
-              <a:off x="2457651" y="4636036"/>
-              <a:ext cx="467322" cy="605343"/>
-              <a:chOff x="633410" y="2760110"/>
-              <a:chExt cx="413134" cy="508838"/>
-            </a:xfrm>
-            <a:effectLst>
-              <a:outerShdw blurRad="50800" dist="38100" dir="2700000" algn="tl" rotWithShape="0">
-                <a:prstClr val="black">
-                  <a:alpha val="40000"/>
-                </a:prstClr>
-              </a:outerShdw>
-            </a:effectLst>
-          </p:grpSpPr>
-          <p:sp>
-            <p:nvSpPr>
-              <p:cNvPr id="72" name="Round Same Side Corner Rectangle 71"/>
-              <p:cNvSpPr/>
-              <p:nvPr/>
-            </p:nvSpPr>
-            <p:spPr bwMode="auto">
-              <a:xfrm>
-                <a:off x="633414" y="2760110"/>
-                <a:ext cx="413130" cy="207598"/>
-              </a:xfrm>
-              <a:prstGeom prst="round2SameRect">
-                <a:avLst/>
-              </a:prstGeom>
-              <a:solidFill>
-                <a:schemeClr val="accent5">
-                  <a:lumMod val="75000"/>
-                </a:schemeClr>
-              </a:solidFill>
-              <a:ln w="19050" cap="flat" cmpd="sng" algn="ctr">
-                <a:solidFill>
-                  <a:schemeClr val="accent1">
-                    <a:lumMod val="50000"/>
-                  </a:schemeClr>
-                </a:solidFill>
-                <a:prstDash val="solid"/>
-                <a:round/>
-                <a:headEnd type="none" w="med" len="med"/>
-                <a:tailEnd type="none" w="med" len="med"/>
-              </a:ln>
-              <a:effectLst/>
-            </p:spPr>
-            <p:txBody>
-              <a:bodyPr vert="horz" wrap="none" lIns="0" tIns="0" rIns="0" bIns="0" numCol="1" rtlCol="0" anchor="b" anchorCtr="0" compatLnSpc="1">
-                <a:prstTxWarp prst="textNoShape">
-                  <a:avLst/>
-                </a:prstTxWarp>
-              </a:bodyPr>
-              <a:lstStyle/>
-              <a:p>
-                <a:endParaRPr lang="en-US" sz="700" b="1">
-                  <a:solidFill>
-                    <a:schemeClr val="accent1">
-                      <a:lumMod val="50000"/>
-                    </a:schemeClr>
-                  </a:solidFill>
-                </a:endParaRPr>
-              </a:p>
-            </p:txBody>
-          </p:sp>
-          <p:sp>
-            <p:nvSpPr>
-              <p:cNvPr id="73" name="TextBox 72"/>
-              <p:cNvSpPr txBox="1"/>
-              <p:nvPr/>
-            </p:nvSpPr>
-            <p:spPr>
-              <a:xfrm>
-                <a:off x="672721" y="2780940"/>
-                <a:ext cx="341341" cy="181097"/>
-              </a:xfrm>
-              <a:prstGeom prst="rect">
-                <a:avLst/>
-              </a:prstGeom>
-              <a:noFill/>
-            </p:spPr>
-            <p:txBody>
-              <a:bodyPr wrap="square" lIns="0" tIns="0" rIns="0" bIns="0" rtlCol="0">
-                <a:spAutoFit/>
-              </a:bodyPr>
-              <a:lstStyle/>
-              <a:p>
-                <a:pPr algn="ctr"/>
-                <a:r>
-                  <a:rPr lang="pt-BR" sz="700" b="1" dirty="0">
-                    <a:solidFill>
-                      <a:schemeClr val="accent1">
-                        <a:lumMod val="50000"/>
-                      </a:schemeClr>
-                    </a:solidFill>
-                  </a:rPr>
-                  <a:t>Common </a:t>
-                </a:r>
-                <a:r>
-                  <a:rPr lang="pt-BR" sz="700" b="1" dirty="0" err="1">
-                    <a:solidFill>
-                      <a:schemeClr val="accent1">
-                        <a:lumMod val="50000"/>
-                      </a:schemeClr>
-                    </a:solidFill>
-                  </a:rPr>
-                  <a:t>Lib</a:t>
-                </a:r>
-                <a:endParaRPr lang="en-US" sz="700" b="1" dirty="0">
-                  <a:solidFill>
-                    <a:schemeClr val="accent1">
-                      <a:lumMod val="50000"/>
-                    </a:schemeClr>
-                  </a:solidFill>
-                </a:endParaRPr>
-              </a:p>
-            </p:txBody>
-          </p:sp>
-          <p:sp>
-            <p:nvSpPr>
-              <p:cNvPr id="74" name="Round Same Side Corner Rectangle 73"/>
-              <p:cNvSpPr/>
-              <p:nvPr/>
-            </p:nvSpPr>
-            <p:spPr bwMode="auto">
-              <a:xfrm rot="10800000">
-                <a:off x="633410" y="2967707"/>
-                <a:ext cx="413130" cy="301241"/>
-              </a:xfrm>
-              <a:prstGeom prst="round2SameRect">
-                <a:avLst/>
-              </a:prstGeom>
-              <a:solidFill>
-                <a:schemeClr val="accent1">
-                  <a:lumMod val="50000"/>
-                </a:schemeClr>
-              </a:solidFill>
-              <a:ln w="19050" cap="flat" cmpd="sng" algn="ctr">
-                <a:solidFill>
-                  <a:schemeClr val="accent1">
-                    <a:lumMod val="50000"/>
-                  </a:schemeClr>
-                </a:solidFill>
-                <a:prstDash val="solid"/>
-                <a:round/>
-                <a:headEnd type="none" w="med" len="med"/>
-                <a:tailEnd type="none" w="med" len="med"/>
-              </a:ln>
-              <a:effectLst/>
-            </p:spPr>
-            <p:txBody>
-              <a:bodyPr vert="horz" wrap="none" lIns="0" tIns="0" rIns="0" bIns="0" numCol="1" rtlCol="0" anchor="b" anchorCtr="0" compatLnSpc="1">
-                <a:prstTxWarp prst="textNoShape">
-                  <a:avLst/>
-                </a:prstTxWarp>
-              </a:bodyPr>
-              <a:lstStyle/>
-              <a:p>
-                <a:endParaRPr lang="en-US" sz="700" b="1">
-                  <a:solidFill>
-                    <a:schemeClr val="bg1"/>
-                  </a:solidFill>
-                </a:endParaRPr>
-              </a:p>
-            </p:txBody>
-          </p:sp>
-          <p:sp>
-            <p:nvSpPr>
-              <p:cNvPr id="75" name="TextBox 74"/>
-              <p:cNvSpPr txBox="1"/>
-              <p:nvPr/>
-            </p:nvSpPr>
-            <p:spPr>
-              <a:xfrm>
-                <a:off x="672722" y="2988077"/>
-                <a:ext cx="341341" cy="271645"/>
-              </a:xfrm>
-              <a:prstGeom prst="rect">
-                <a:avLst/>
-              </a:prstGeom>
-              <a:noFill/>
-            </p:spPr>
-            <p:txBody>
-              <a:bodyPr wrap="square" lIns="0" tIns="0" rIns="0" bIns="0" rtlCol="0">
-                <a:spAutoFit/>
-              </a:bodyPr>
-              <a:lstStyle/>
-              <a:p>
-                <a:pPr algn="ctr"/>
-                <a:r>
-                  <a:rPr lang="pt-BR" sz="700" b="1">
-                    <a:solidFill>
-                      <a:schemeClr val="bg1"/>
-                    </a:solidFill>
-                  </a:rPr>
-                  <a:t>Sensor Related Code</a:t>
-                </a:r>
-                <a:endParaRPr lang="en-US" sz="700" b="1">
-                  <a:solidFill>
-                    <a:schemeClr val="bg1"/>
-                  </a:solidFill>
-                </a:endParaRPr>
-              </a:p>
-            </p:txBody>
-          </p:sp>
-        </p:grpSp>
-        <p:grpSp>
-          <p:nvGrpSpPr>
-            <p:cNvPr id="13" name="Group 12"/>
-            <p:cNvGrpSpPr/>
-            <p:nvPr/>
-          </p:nvGrpSpPr>
-          <p:grpSpPr>
-            <a:xfrm>
-              <a:off x="2996490" y="4636036"/>
-              <a:ext cx="467322" cy="605343"/>
-              <a:chOff x="633410" y="2760110"/>
-              <a:chExt cx="413134" cy="508838"/>
-            </a:xfrm>
-            <a:effectLst>
-              <a:outerShdw blurRad="50800" dist="38100" dir="2700000" algn="tl" rotWithShape="0">
-                <a:prstClr val="black">
-                  <a:alpha val="40000"/>
-                </a:prstClr>
-              </a:outerShdw>
-            </a:effectLst>
-          </p:grpSpPr>
-          <p:sp>
-            <p:nvSpPr>
-              <p:cNvPr id="68" name="Round Same Side Corner Rectangle 67"/>
-              <p:cNvSpPr/>
-              <p:nvPr/>
-            </p:nvSpPr>
-            <p:spPr bwMode="auto">
-              <a:xfrm>
-                <a:off x="633414" y="2760110"/>
-                <a:ext cx="413130" cy="207598"/>
-              </a:xfrm>
-              <a:prstGeom prst="round2SameRect">
-                <a:avLst/>
-              </a:prstGeom>
-              <a:solidFill>
-                <a:schemeClr val="accent5">
-                  <a:lumMod val="75000"/>
-                </a:schemeClr>
-              </a:solidFill>
-              <a:ln w="19050" cap="flat" cmpd="sng" algn="ctr">
-                <a:solidFill>
-                  <a:schemeClr val="accent1">
-                    <a:lumMod val="50000"/>
-                  </a:schemeClr>
-                </a:solidFill>
-                <a:prstDash val="solid"/>
-                <a:round/>
-                <a:headEnd type="none" w="med" len="med"/>
-                <a:tailEnd type="none" w="med" len="med"/>
-              </a:ln>
-              <a:effectLst/>
-            </p:spPr>
-            <p:txBody>
-              <a:bodyPr vert="horz" wrap="none" lIns="0" tIns="0" rIns="0" bIns="0" numCol="1" rtlCol="0" anchor="b" anchorCtr="0" compatLnSpc="1">
-                <a:prstTxWarp prst="textNoShape">
-                  <a:avLst/>
-                </a:prstTxWarp>
-              </a:bodyPr>
-              <a:lstStyle/>
-              <a:p>
-                <a:endParaRPr lang="en-US" sz="700" b="1">
-                  <a:solidFill>
-                    <a:schemeClr val="accent1">
-                      <a:lumMod val="50000"/>
-                    </a:schemeClr>
-                  </a:solidFill>
-                </a:endParaRPr>
-              </a:p>
-            </p:txBody>
-          </p:sp>
-          <p:sp>
-            <p:nvSpPr>
-              <p:cNvPr id="69" name="TextBox 68"/>
-              <p:cNvSpPr txBox="1"/>
-              <p:nvPr/>
-            </p:nvSpPr>
-            <p:spPr>
-              <a:xfrm>
-                <a:off x="672721" y="2780940"/>
-                <a:ext cx="341341" cy="181097"/>
-              </a:xfrm>
-              <a:prstGeom prst="rect">
-                <a:avLst/>
-              </a:prstGeom>
-              <a:noFill/>
-            </p:spPr>
-            <p:txBody>
-              <a:bodyPr wrap="square" lIns="0" tIns="0" rIns="0" bIns="0" rtlCol="0">
-                <a:spAutoFit/>
-              </a:bodyPr>
-              <a:lstStyle/>
-              <a:p>
-                <a:pPr algn="ctr"/>
-                <a:r>
-                  <a:rPr lang="pt-BR" sz="700" b="1">
-                    <a:solidFill>
-                      <a:schemeClr val="accent1">
-                        <a:lumMod val="50000"/>
-                      </a:schemeClr>
-                    </a:solidFill>
-                  </a:rPr>
-                  <a:t>Common Lib</a:t>
-                </a:r>
-                <a:endParaRPr lang="en-US" sz="700" b="1">
-                  <a:solidFill>
-                    <a:schemeClr val="accent1">
-                      <a:lumMod val="50000"/>
-                    </a:schemeClr>
-                  </a:solidFill>
-                </a:endParaRPr>
-              </a:p>
-            </p:txBody>
-          </p:sp>
-          <p:sp>
-            <p:nvSpPr>
-              <p:cNvPr id="70" name="Round Same Side Corner Rectangle 69"/>
-              <p:cNvSpPr/>
-              <p:nvPr/>
-            </p:nvSpPr>
-            <p:spPr bwMode="auto">
-              <a:xfrm rot="10800000">
-                <a:off x="633410" y="2967707"/>
-                <a:ext cx="413130" cy="301241"/>
-              </a:xfrm>
-              <a:prstGeom prst="round2SameRect">
-                <a:avLst/>
-              </a:prstGeom>
-              <a:solidFill>
-                <a:schemeClr val="accent1">
-                  <a:lumMod val="50000"/>
-                </a:schemeClr>
-              </a:solidFill>
-              <a:ln w="19050" cap="flat" cmpd="sng" algn="ctr">
-                <a:solidFill>
-                  <a:schemeClr val="accent1">
-                    <a:lumMod val="50000"/>
-                  </a:schemeClr>
-                </a:solidFill>
-                <a:prstDash val="solid"/>
-                <a:round/>
-                <a:headEnd type="none" w="med" len="med"/>
-                <a:tailEnd type="none" w="med" len="med"/>
-              </a:ln>
-              <a:effectLst/>
-            </p:spPr>
-            <p:txBody>
-              <a:bodyPr vert="horz" wrap="none" lIns="0" tIns="0" rIns="0" bIns="0" numCol="1" rtlCol="0" anchor="b" anchorCtr="0" compatLnSpc="1">
-                <a:prstTxWarp prst="textNoShape">
-                  <a:avLst/>
-                </a:prstTxWarp>
-              </a:bodyPr>
-              <a:lstStyle/>
-              <a:p>
-                <a:endParaRPr lang="en-US" sz="700" b="1">
-                  <a:solidFill>
-                    <a:schemeClr val="bg1"/>
-                  </a:solidFill>
-                </a:endParaRPr>
-              </a:p>
-            </p:txBody>
-          </p:sp>
-          <p:sp>
-            <p:nvSpPr>
-              <p:cNvPr id="71" name="TextBox 70"/>
-              <p:cNvSpPr txBox="1"/>
-              <p:nvPr/>
-            </p:nvSpPr>
-            <p:spPr>
-              <a:xfrm>
-                <a:off x="672722" y="2988077"/>
-                <a:ext cx="341341" cy="271645"/>
-              </a:xfrm>
-              <a:prstGeom prst="rect">
-                <a:avLst/>
-              </a:prstGeom>
-              <a:noFill/>
-            </p:spPr>
-            <p:txBody>
-              <a:bodyPr wrap="square" lIns="0" tIns="0" rIns="0" bIns="0" rtlCol="0">
-                <a:spAutoFit/>
-              </a:bodyPr>
-              <a:lstStyle/>
-              <a:p>
-                <a:pPr algn="ctr"/>
-                <a:r>
-                  <a:rPr lang="pt-BR" sz="700" b="1">
-                    <a:solidFill>
-                      <a:schemeClr val="bg1"/>
-                    </a:solidFill>
-                  </a:rPr>
-                  <a:t>Sensor Related Code</a:t>
-                </a:r>
-                <a:endParaRPr lang="en-US" sz="700" b="1">
-                  <a:solidFill>
-                    <a:schemeClr val="bg1"/>
-                  </a:solidFill>
-                </a:endParaRPr>
-              </a:p>
-            </p:txBody>
-          </p:sp>
-        </p:grpSp>
-        <p:grpSp>
-          <p:nvGrpSpPr>
-            <p:cNvPr id="14" name="Group 13"/>
-            <p:cNvGrpSpPr/>
-            <p:nvPr/>
-          </p:nvGrpSpPr>
-          <p:grpSpPr>
-            <a:xfrm>
-              <a:off x="3535014" y="4636036"/>
-              <a:ext cx="467322" cy="605343"/>
-              <a:chOff x="633410" y="2760110"/>
-              <a:chExt cx="413134" cy="508838"/>
-            </a:xfrm>
-            <a:effectLst>
-              <a:outerShdw blurRad="50800" dist="38100" dir="2700000" algn="tl" rotWithShape="0">
-                <a:prstClr val="black">
-                  <a:alpha val="40000"/>
-                </a:prstClr>
-              </a:outerShdw>
-            </a:effectLst>
-          </p:grpSpPr>
-          <p:sp>
-            <p:nvSpPr>
-              <p:cNvPr id="64" name="Round Same Side Corner Rectangle 63"/>
-              <p:cNvSpPr/>
-              <p:nvPr/>
-            </p:nvSpPr>
-            <p:spPr bwMode="auto">
-              <a:xfrm>
-                <a:off x="633414" y="2760110"/>
-                <a:ext cx="413130" cy="207598"/>
-              </a:xfrm>
-              <a:prstGeom prst="round2SameRect">
-                <a:avLst/>
-              </a:prstGeom>
-              <a:solidFill>
-                <a:schemeClr val="accent5">
-                  <a:lumMod val="75000"/>
-                </a:schemeClr>
-              </a:solidFill>
-              <a:ln w="19050" cap="flat" cmpd="sng" algn="ctr">
-                <a:solidFill>
-                  <a:schemeClr val="accent1">
-                    <a:lumMod val="50000"/>
-                  </a:schemeClr>
-                </a:solidFill>
-                <a:prstDash val="solid"/>
-                <a:round/>
-                <a:headEnd type="none" w="med" len="med"/>
-                <a:tailEnd type="none" w="med" len="med"/>
-              </a:ln>
-              <a:effectLst/>
-            </p:spPr>
-            <p:txBody>
-              <a:bodyPr vert="horz" wrap="none" lIns="0" tIns="0" rIns="0" bIns="0" numCol="1" rtlCol="0" anchor="b" anchorCtr="0" compatLnSpc="1">
-                <a:prstTxWarp prst="textNoShape">
-                  <a:avLst/>
-                </a:prstTxWarp>
-              </a:bodyPr>
-              <a:lstStyle/>
-              <a:p>
-                <a:endParaRPr lang="en-US" sz="700" b="1">
-                  <a:solidFill>
-                    <a:schemeClr val="accent1">
-                      <a:lumMod val="50000"/>
-                    </a:schemeClr>
-                  </a:solidFill>
-                </a:endParaRPr>
-              </a:p>
-            </p:txBody>
-          </p:sp>
-          <p:sp>
-            <p:nvSpPr>
-              <p:cNvPr id="65" name="TextBox 64"/>
-              <p:cNvSpPr txBox="1"/>
-              <p:nvPr/>
-            </p:nvSpPr>
-            <p:spPr>
-              <a:xfrm>
-                <a:off x="672721" y="2780940"/>
-                <a:ext cx="341341" cy="181097"/>
-              </a:xfrm>
-              <a:prstGeom prst="rect">
-                <a:avLst/>
-              </a:prstGeom>
-              <a:noFill/>
-            </p:spPr>
-            <p:txBody>
-              <a:bodyPr wrap="square" lIns="0" tIns="0" rIns="0" bIns="0" rtlCol="0">
-                <a:spAutoFit/>
-              </a:bodyPr>
-              <a:lstStyle/>
-              <a:p>
-                <a:pPr algn="ctr"/>
-                <a:r>
-                  <a:rPr lang="pt-BR" sz="700" b="1">
-                    <a:solidFill>
-                      <a:schemeClr val="accent1">
-                        <a:lumMod val="50000"/>
-                      </a:schemeClr>
-                    </a:solidFill>
-                  </a:rPr>
-                  <a:t>Common Lib</a:t>
-                </a:r>
-                <a:endParaRPr lang="en-US" sz="700" b="1">
-                  <a:solidFill>
-                    <a:schemeClr val="accent1">
-                      <a:lumMod val="50000"/>
-                    </a:schemeClr>
-                  </a:solidFill>
-                </a:endParaRPr>
-              </a:p>
-            </p:txBody>
-          </p:sp>
-          <p:sp>
-            <p:nvSpPr>
-              <p:cNvPr id="66" name="Round Same Side Corner Rectangle 65"/>
-              <p:cNvSpPr/>
-              <p:nvPr/>
-            </p:nvSpPr>
-            <p:spPr bwMode="auto">
-              <a:xfrm rot="10800000">
-                <a:off x="633410" y="2967707"/>
-                <a:ext cx="413130" cy="301241"/>
-              </a:xfrm>
-              <a:prstGeom prst="round2SameRect">
-                <a:avLst/>
-              </a:prstGeom>
-              <a:solidFill>
-                <a:schemeClr val="accent1">
-                  <a:lumMod val="50000"/>
-                </a:schemeClr>
-              </a:solidFill>
-              <a:ln w="19050" cap="flat" cmpd="sng" algn="ctr">
-                <a:solidFill>
-                  <a:schemeClr val="accent1">
-                    <a:lumMod val="50000"/>
-                  </a:schemeClr>
-                </a:solidFill>
-                <a:prstDash val="solid"/>
-                <a:round/>
-                <a:headEnd type="none" w="med" len="med"/>
-                <a:tailEnd type="none" w="med" len="med"/>
-              </a:ln>
-              <a:effectLst/>
-            </p:spPr>
-            <p:txBody>
-              <a:bodyPr vert="horz" wrap="none" lIns="0" tIns="0" rIns="0" bIns="0" numCol="1" rtlCol="0" anchor="b" anchorCtr="0" compatLnSpc="1">
-                <a:prstTxWarp prst="textNoShape">
-                  <a:avLst/>
-                </a:prstTxWarp>
-              </a:bodyPr>
-              <a:lstStyle/>
-              <a:p>
-                <a:endParaRPr lang="en-US" sz="700" b="1">
-                  <a:solidFill>
-                    <a:schemeClr val="bg1"/>
-                  </a:solidFill>
-                </a:endParaRPr>
-              </a:p>
-            </p:txBody>
-          </p:sp>
-          <p:sp>
-            <p:nvSpPr>
-              <p:cNvPr id="67" name="TextBox 66"/>
-              <p:cNvSpPr txBox="1"/>
-              <p:nvPr/>
-            </p:nvSpPr>
-            <p:spPr>
-              <a:xfrm>
-                <a:off x="672722" y="2988077"/>
-                <a:ext cx="341341" cy="271645"/>
-              </a:xfrm>
-              <a:prstGeom prst="rect">
-                <a:avLst/>
-              </a:prstGeom>
-              <a:noFill/>
-            </p:spPr>
-            <p:txBody>
-              <a:bodyPr wrap="square" lIns="0" tIns="0" rIns="0" bIns="0" rtlCol="0">
-                <a:spAutoFit/>
-              </a:bodyPr>
-              <a:lstStyle/>
-              <a:p>
-                <a:pPr algn="ctr"/>
-                <a:r>
-                  <a:rPr lang="pt-BR" sz="700" b="1">
-                    <a:solidFill>
-                      <a:schemeClr val="bg1"/>
-                    </a:solidFill>
-                  </a:rPr>
-                  <a:t>Sensor Related Code</a:t>
-                </a:r>
-                <a:endParaRPr lang="en-US" sz="700" b="1">
-                  <a:solidFill>
-                    <a:schemeClr val="bg1"/>
-                  </a:solidFill>
-                </a:endParaRPr>
-              </a:p>
-            </p:txBody>
-          </p:sp>
-        </p:grpSp>
-        <p:grpSp>
-          <p:nvGrpSpPr>
-            <p:cNvPr id="15" name="Group 14"/>
-            <p:cNvGrpSpPr/>
-            <p:nvPr/>
-          </p:nvGrpSpPr>
-          <p:grpSpPr>
-            <a:xfrm>
-              <a:off x="4605265" y="4636036"/>
-              <a:ext cx="467322" cy="605343"/>
-              <a:chOff x="633410" y="2760110"/>
-              <a:chExt cx="413134" cy="508838"/>
-            </a:xfrm>
-            <a:effectLst>
-              <a:outerShdw blurRad="50800" dist="38100" dir="2700000" algn="tl" rotWithShape="0">
-                <a:prstClr val="black">
-                  <a:alpha val="40000"/>
-                </a:prstClr>
-              </a:outerShdw>
-            </a:effectLst>
-          </p:grpSpPr>
-          <p:sp>
-            <p:nvSpPr>
-              <p:cNvPr id="60" name="Round Same Side Corner Rectangle 59"/>
-              <p:cNvSpPr/>
-              <p:nvPr/>
-            </p:nvSpPr>
-            <p:spPr bwMode="auto">
-              <a:xfrm>
-                <a:off x="633414" y="2760110"/>
-                <a:ext cx="413130" cy="207598"/>
-              </a:xfrm>
-              <a:prstGeom prst="round2SameRect">
-                <a:avLst/>
-              </a:prstGeom>
-              <a:solidFill>
-                <a:schemeClr val="accent5">
-                  <a:lumMod val="75000"/>
-                </a:schemeClr>
-              </a:solidFill>
-              <a:ln w="19050" cap="flat" cmpd="sng" algn="ctr">
-                <a:solidFill>
-                  <a:schemeClr val="accent1">
-                    <a:lumMod val="50000"/>
-                  </a:schemeClr>
-                </a:solidFill>
-                <a:prstDash val="solid"/>
-                <a:round/>
-                <a:headEnd type="none" w="med" len="med"/>
-                <a:tailEnd type="none" w="med" len="med"/>
-              </a:ln>
-              <a:effectLst/>
-            </p:spPr>
-            <p:txBody>
-              <a:bodyPr vert="horz" wrap="none" lIns="0" tIns="0" rIns="0" bIns="0" numCol="1" rtlCol="0" anchor="b" anchorCtr="0" compatLnSpc="1">
-                <a:prstTxWarp prst="textNoShape">
-                  <a:avLst/>
-                </a:prstTxWarp>
-              </a:bodyPr>
-              <a:lstStyle/>
-              <a:p>
-                <a:endParaRPr lang="en-US" sz="700" b="1">
-                  <a:solidFill>
-                    <a:schemeClr val="accent1">
-                      <a:lumMod val="50000"/>
-                    </a:schemeClr>
-                  </a:solidFill>
-                </a:endParaRPr>
-              </a:p>
-            </p:txBody>
-          </p:sp>
-          <p:sp>
-            <p:nvSpPr>
-              <p:cNvPr id="61" name="TextBox 60"/>
-              <p:cNvSpPr txBox="1"/>
-              <p:nvPr/>
-            </p:nvSpPr>
-            <p:spPr>
-              <a:xfrm>
-                <a:off x="672721" y="2780940"/>
-                <a:ext cx="341341" cy="181097"/>
-              </a:xfrm>
-              <a:prstGeom prst="rect">
-                <a:avLst/>
-              </a:prstGeom>
-              <a:noFill/>
-            </p:spPr>
-            <p:txBody>
-              <a:bodyPr wrap="square" lIns="0" tIns="0" rIns="0" bIns="0" rtlCol="0">
-                <a:spAutoFit/>
-              </a:bodyPr>
-              <a:lstStyle/>
-              <a:p>
-                <a:pPr algn="ctr"/>
-                <a:r>
-                  <a:rPr lang="pt-BR" sz="700" b="1">
-                    <a:solidFill>
-                      <a:schemeClr val="accent1">
-                        <a:lumMod val="50000"/>
-                      </a:schemeClr>
-                    </a:solidFill>
-                  </a:rPr>
-                  <a:t>Common Lib</a:t>
-                </a:r>
-                <a:endParaRPr lang="en-US" sz="700" b="1">
-                  <a:solidFill>
-                    <a:schemeClr val="accent1">
-                      <a:lumMod val="50000"/>
-                    </a:schemeClr>
-                  </a:solidFill>
-                </a:endParaRPr>
-              </a:p>
-            </p:txBody>
-          </p:sp>
-          <p:sp>
-            <p:nvSpPr>
-              <p:cNvPr id="62" name="Round Same Side Corner Rectangle 61"/>
-              <p:cNvSpPr/>
-              <p:nvPr/>
-            </p:nvSpPr>
-            <p:spPr bwMode="auto">
-              <a:xfrm rot="10800000">
-                <a:off x="633410" y="2967707"/>
-                <a:ext cx="413130" cy="301241"/>
-              </a:xfrm>
-              <a:prstGeom prst="round2SameRect">
-                <a:avLst/>
-              </a:prstGeom>
-              <a:solidFill>
-                <a:schemeClr val="accent1">
-                  <a:lumMod val="50000"/>
-                </a:schemeClr>
-              </a:solidFill>
-              <a:ln w="19050" cap="flat" cmpd="sng" algn="ctr">
-                <a:solidFill>
-                  <a:schemeClr val="accent1">
-                    <a:lumMod val="50000"/>
-                  </a:schemeClr>
-                </a:solidFill>
-                <a:prstDash val="solid"/>
-                <a:round/>
-                <a:headEnd type="none" w="med" len="med"/>
-                <a:tailEnd type="none" w="med" len="med"/>
-              </a:ln>
-              <a:effectLst/>
-            </p:spPr>
-            <p:txBody>
-              <a:bodyPr vert="horz" wrap="none" lIns="0" tIns="0" rIns="0" bIns="0" numCol="1" rtlCol="0" anchor="b" anchorCtr="0" compatLnSpc="1">
-                <a:prstTxWarp prst="textNoShape">
-                  <a:avLst/>
-                </a:prstTxWarp>
-              </a:bodyPr>
-              <a:lstStyle/>
-              <a:p>
-                <a:endParaRPr lang="en-US" sz="700" b="1">
-                  <a:solidFill>
-                    <a:schemeClr val="bg1"/>
-                  </a:solidFill>
-                </a:endParaRPr>
-              </a:p>
-            </p:txBody>
-          </p:sp>
-          <p:sp>
-            <p:nvSpPr>
-              <p:cNvPr id="63" name="TextBox 62"/>
-              <p:cNvSpPr txBox="1"/>
-              <p:nvPr/>
-            </p:nvSpPr>
-            <p:spPr>
-              <a:xfrm>
-                <a:off x="672722" y="2988077"/>
-                <a:ext cx="341341" cy="271645"/>
-              </a:xfrm>
-              <a:prstGeom prst="rect">
-                <a:avLst/>
-              </a:prstGeom>
-              <a:noFill/>
-            </p:spPr>
-            <p:txBody>
-              <a:bodyPr wrap="square" lIns="0" tIns="0" rIns="0" bIns="0" rtlCol="0">
-                <a:spAutoFit/>
-              </a:bodyPr>
-              <a:lstStyle/>
-              <a:p>
-                <a:pPr algn="ctr"/>
-                <a:r>
-                  <a:rPr lang="pt-BR" sz="700" b="1">
-                    <a:solidFill>
-                      <a:schemeClr val="bg1"/>
-                    </a:solidFill>
-                  </a:rPr>
-                  <a:t>Sensor Related Code</a:t>
-                </a:r>
-                <a:endParaRPr lang="en-US" sz="700" b="1">
-                  <a:solidFill>
-                    <a:schemeClr val="bg1"/>
-                  </a:solidFill>
-                </a:endParaRPr>
-              </a:p>
-            </p:txBody>
-          </p:sp>
-        </p:grpSp>
-        <p:sp>
-          <p:nvSpPr>
-            <p:cNvPr id="16" name="Rounded Rectangle 15"/>
-            <p:cNvSpPr/>
-            <p:nvPr/>
-          </p:nvSpPr>
-          <p:spPr bwMode="auto">
-            <a:xfrm>
-              <a:off x="2149000" y="3911965"/>
-              <a:ext cx="531012" cy="484763"/>
-            </a:xfrm>
-            <a:prstGeom prst="roundRect">
-              <a:avLst/>
-            </a:prstGeom>
-            <a:solidFill>
-              <a:schemeClr val="accent5">
-                <a:lumMod val="75000"/>
-              </a:schemeClr>
-            </a:solidFill>
-            <a:ln w="19050" cap="flat" cmpd="sng" algn="ctr">
-              <a:solidFill>
-                <a:schemeClr val="accent1">
-                  <a:lumMod val="50000"/>
-                </a:schemeClr>
-              </a:solidFill>
-              <a:prstDash val="solid"/>
-              <a:round/>
-              <a:headEnd type="none" w="med" len="med"/>
-              <a:tailEnd type="none" w="med" len="med"/>
-            </a:ln>
-            <a:effectLst>
-              <a:outerShdw blurRad="50800" dist="38100" dir="2700000" algn="tl" rotWithShape="0">
-                <a:prstClr val="black">
-                  <a:alpha val="40000"/>
-                </a:prstClr>
-              </a:outerShdw>
-            </a:effectLst>
-          </p:spPr>
-          <p:txBody>
-            <a:bodyPr vert="horz" wrap="none" lIns="0" tIns="0" rIns="0" bIns="0" numCol="1" rtlCol="0" anchor="ctr" anchorCtr="0" compatLnSpc="1">
-              <a:prstTxWarp prst="textNoShape">
-                <a:avLst/>
-              </a:prstTxWarp>
-            </a:bodyPr>
-            <a:lstStyle/>
-            <a:p>
-              <a:pPr algn="ctr"/>
-              <a:r>
-                <a:rPr lang="pt-BR" sz="700" b="1" dirty="0">
-                  <a:solidFill>
-                    <a:schemeClr val="accent1">
-                      <a:lumMod val="50000"/>
-                    </a:schemeClr>
-                  </a:solidFill>
-                </a:rPr>
-                <a:t>UDP </a:t>
-              </a:r>
-              <a:br>
-                <a:rPr lang="pt-BR" sz="700" b="1" dirty="0">
-                  <a:solidFill>
-                    <a:schemeClr val="accent1">
-                      <a:lumMod val="50000"/>
-                    </a:schemeClr>
-                  </a:solidFill>
-                </a:rPr>
-              </a:br>
-              <a:r>
-                <a:rPr lang="pt-BR" sz="700" b="1" dirty="0" err="1">
-                  <a:solidFill>
-                    <a:schemeClr val="accent1">
-                      <a:lumMod val="50000"/>
-                    </a:schemeClr>
-                  </a:solidFill>
-                </a:rPr>
-                <a:t>Client</a:t>
-              </a:r>
-              <a:endParaRPr lang="en-US" sz="700" b="1" dirty="0">
-                <a:solidFill>
-                  <a:schemeClr val="accent1">
-                    <a:lumMod val="50000"/>
-                  </a:schemeClr>
-                </a:solidFill>
-              </a:endParaRPr>
-            </a:p>
-          </p:txBody>
-        </p:sp>
-        <p:sp>
-          <p:nvSpPr>
-            <p:cNvPr id="17" name="Rounded Rectangle 16"/>
-            <p:cNvSpPr/>
-            <p:nvPr/>
-          </p:nvSpPr>
-          <p:spPr bwMode="auto">
-            <a:xfrm>
-              <a:off x="3776042" y="3911970"/>
-              <a:ext cx="531012" cy="484763"/>
-            </a:xfrm>
-            <a:prstGeom prst="roundRect">
-              <a:avLst/>
-            </a:prstGeom>
-            <a:solidFill>
-              <a:srgbClr val="FFCCCC"/>
-            </a:solidFill>
-            <a:ln w="19050" cap="flat" cmpd="sng" algn="ctr">
-              <a:solidFill>
-                <a:srgbClr val="C00000"/>
-              </a:solidFill>
-              <a:prstDash val="solid"/>
-              <a:round/>
-              <a:headEnd type="none" w="med" len="med"/>
-              <a:tailEnd type="none" w="med" len="med"/>
-            </a:ln>
-            <a:effectLst>
-              <a:outerShdw blurRad="50800" dist="38100" dir="2700000" algn="tl" rotWithShape="0">
-                <a:prstClr val="black">
-                  <a:alpha val="40000"/>
-                </a:prstClr>
-              </a:outerShdw>
-            </a:effectLst>
-          </p:spPr>
-          <p:txBody>
-            <a:bodyPr vert="horz" wrap="none" lIns="0" tIns="0" rIns="0" bIns="0" numCol="1" rtlCol="0" anchor="ctr" anchorCtr="0" compatLnSpc="1">
-              <a:prstTxWarp prst="textNoShape">
-                <a:avLst/>
-              </a:prstTxWarp>
-            </a:bodyPr>
-            <a:lstStyle/>
-            <a:p>
-              <a:pPr algn="ctr"/>
-              <a:r>
-                <a:rPr lang="pt-BR" sz="700" b="1" dirty="0" err="1">
-                  <a:solidFill>
-                    <a:srgbClr val="C00000"/>
-                  </a:solidFill>
-                </a:rPr>
-                <a:t>Message</a:t>
-              </a:r>
-              <a:r>
-                <a:rPr lang="pt-BR" sz="700" b="1" dirty="0">
-                  <a:solidFill>
-                    <a:srgbClr val="C00000"/>
-                  </a:solidFill>
-                </a:rPr>
-                <a:t> </a:t>
-              </a:r>
-              <a:br>
-                <a:rPr lang="pt-BR" sz="700" b="1" dirty="0">
-                  <a:solidFill>
-                    <a:srgbClr val="C00000"/>
-                  </a:solidFill>
-                </a:rPr>
-              </a:br>
-              <a:r>
-                <a:rPr lang="pt-BR" sz="700" b="1" dirty="0">
-                  <a:solidFill>
-                    <a:srgbClr val="C00000"/>
-                  </a:solidFill>
-                </a:rPr>
-                <a:t>Broker </a:t>
-              </a:r>
-              <a:br>
-                <a:rPr lang="pt-BR" sz="700" b="1" dirty="0">
-                  <a:solidFill>
-                    <a:srgbClr val="C00000"/>
-                  </a:solidFill>
-                </a:rPr>
-              </a:br>
-              <a:r>
-                <a:rPr lang="pt-BR" sz="700" b="1" dirty="0">
-                  <a:solidFill>
-                    <a:srgbClr val="C00000"/>
-                  </a:solidFill>
-                </a:rPr>
-                <a:t>(</a:t>
-              </a:r>
-              <a:r>
-                <a:rPr lang="pt-BR" sz="700" b="1" dirty="0" err="1">
-                  <a:solidFill>
-                    <a:srgbClr val="C00000"/>
-                  </a:solidFill>
-                </a:rPr>
-                <a:t>MQtt</a:t>
-              </a:r>
-              <a:r>
-                <a:rPr lang="pt-BR" sz="700" b="1" dirty="0">
-                  <a:solidFill>
-                    <a:srgbClr val="C00000"/>
-                  </a:solidFill>
-                </a:rPr>
-                <a:t>)</a:t>
-              </a:r>
-              <a:endParaRPr lang="en-US" sz="700" b="1" dirty="0">
-                <a:solidFill>
-                  <a:srgbClr val="C00000"/>
-                </a:solidFill>
-              </a:endParaRPr>
-            </a:p>
-          </p:txBody>
-        </p:sp>
-        <p:sp>
-          <p:nvSpPr>
-            <p:cNvPr id="18" name="Rounded Rectangle 17"/>
-            <p:cNvSpPr/>
-            <p:nvPr/>
-          </p:nvSpPr>
-          <p:spPr bwMode="auto">
-            <a:xfrm>
-              <a:off x="3010164" y="3911966"/>
-              <a:ext cx="531012" cy="484763"/>
-            </a:xfrm>
-            <a:prstGeom prst="roundRect">
-              <a:avLst/>
-            </a:prstGeom>
-            <a:solidFill>
-              <a:schemeClr val="accent5">
-                <a:lumMod val="75000"/>
-              </a:schemeClr>
-            </a:solidFill>
-            <a:ln w="19050" cap="flat" cmpd="sng" algn="ctr">
-              <a:solidFill>
-                <a:schemeClr val="accent1">
-                  <a:lumMod val="50000"/>
-                </a:schemeClr>
-              </a:solidFill>
-              <a:prstDash val="solid"/>
-              <a:round/>
-              <a:headEnd type="none" w="med" len="med"/>
-              <a:tailEnd type="none" w="med" len="med"/>
-            </a:ln>
-            <a:effectLst>
-              <a:outerShdw blurRad="50800" dist="38100" dir="2700000" algn="tl" rotWithShape="0">
-                <a:prstClr val="black">
-                  <a:alpha val="40000"/>
-                </a:prstClr>
-              </a:outerShdw>
-            </a:effectLst>
-          </p:spPr>
-          <p:txBody>
-            <a:bodyPr vert="horz" wrap="none" lIns="0" tIns="0" rIns="0" bIns="0" numCol="1" rtlCol="0" anchor="ctr" anchorCtr="0" compatLnSpc="1">
-              <a:prstTxWarp prst="textNoShape">
-                <a:avLst/>
-              </a:prstTxWarp>
-            </a:bodyPr>
-            <a:lstStyle/>
-            <a:p>
-              <a:pPr algn="ctr"/>
-              <a:r>
-                <a:rPr lang="pt-BR" sz="700" b="1" dirty="0" err="1">
-                  <a:solidFill>
-                    <a:schemeClr val="accent1">
-                      <a:lumMod val="50000"/>
-                    </a:schemeClr>
-                  </a:solidFill>
-                </a:rPr>
-                <a:t>Control</a:t>
-              </a:r>
-              <a:endParaRPr lang="en-US" sz="700" b="1" dirty="0">
-                <a:solidFill>
-                  <a:schemeClr val="accent1">
-                    <a:lumMod val="50000"/>
-                  </a:schemeClr>
-                </a:solidFill>
-              </a:endParaRPr>
-            </a:p>
-          </p:txBody>
-        </p:sp>
-        <p:sp>
-          <p:nvSpPr>
-            <p:cNvPr id="19" name="Freeform 18"/>
-            <p:cNvSpPr/>
-            <p:nvPr/>
-          </p:nvSpPr>
-          <p:spPr bwMode="auto">
-            <a:xfrm>
-              <a:off x="2157883" y="4345246"/>
-              <a:ext cx="1853381" cy="289146"/>
-            </a:xfrm>
-            <a:custGeom>
-              <a:avLst/>
-              <a:gdLst>
-                <a:gd name="connsiteX0" fmla="*/ 0 w 1733550"/>
-                <a:gd name="connsiteY0" fmla="*/ 273050 h 273050"/>
-                <a:gd name="connsiteX1" fmla="*/ 463550 w 1733550"/>
-                <a:gd name="connsiteY1" fmla="*/ 152400 h 273050"/>
-                <a:gd name="connsiteX2" fmla="*/ 1295400 w 1733550"/>
-                <a:gd name="connsiteY2" fmla="*/ 120650 h 273050"/>
-                <a:gd name="connsiteX3" fmla="*/ 1733550 w 1733550"/>
-                <a:gd name="connsiteY3" fmla="*/ 0 h 273050"/>
-                <a:gd name="connsiteX0" fmla="*/ 0 w 1733550"/>
-                <a:gd name="connsiteY0" fmla="*/ 273050 h 273050"/>
-                <a:gd name="connsiteX1" fmla="*/ 463550 w 1733550"/>
-                <a:gd name="connsiteY1" fmla="*/ 152400 h 273050"/>
-                <a:gd name="connsiteX2" fmla="*/ 1488702 w 1733550"/>
-                <a:gd name="connsiteY2" fmla="*/ 130175 h 273050"/>
-                <a:gd name="connsiteX3" fmla="*/ 1733550 w 1733550"/>
-                <a:gd name="connsiteY3" fmla="*/ 0 h 273050"/>
-              </a:gdLst>
-              <a:ahLst/>
-              <a:cxnLst>
-                <a:cxn ang="0">
-                  <a:pos x="connsiteX0" y="connsiteY0"/>
-                </a:cxn>
-                <a:cxn ang="0">
-                  <a:pos x="connsiteX1" y="connsiteY1"/>
-                </a:cxn>
-                <a:cxn ang="0">
-                  <a:pos x="connsiteX2" y="connsiteY2"/>
-                </a:cxn>
-                <a:cxn ang="0">
-                  <a:pos x="connsiteX3" y="connsiteY3"/>
-                </a:cxn>
-              </a:cxnLst>
-              <a:rect l="l" t="t" r="r" b="b"/>
-              <a:pathLst>
-                <a:path w="1733550" h="273050">
-                  <a:moveTo>
-                    <a:pt x="0" y="273050"/>
-                  </a:moveTo>
-                  <a:cubicBezTo>
-                    <a:pt x="123825" y="225425"/>
-                    <a:pt x="215433" y="176212"/>
-                    <a:pt x="463550" y="152400"/>
-                  </a:cubicBezTo>
-                  <a:cubicBezTo>
-                    <a:pt x="711667" y="128588"/>
-                    <a:pt x="1277035" y="155575"/>
-                    <a:pt x="1488702" y="130175"/>
-                  </a:cubicBezTo>
-                  <a:cubicBezTo>
-                    <a:pt x="1700369" y="104775"/>
-                    <a:pt x="1662642" y="20108"/>
-                    <a:pt x="1733550" y="0"/>
-                  </a:cubicBezTo>
-                </a:path>
-              </a:pathLst>
-            </a:custGeom>
-            <a:noFill/>
-            <a:ln w="31750" cap="flat" cmpd="sng" algn="ctr">
-              <a:solidFill>
-                <a:srgbClr val="7B23AA"/>
-              </a:solidFill>
-              <a:prstDash val="solid"/>
-              <a:round/>
-              <a:headEnd type="none" w="lg" len="lg"/>
-              <a:tailEnd type="triangle" w="med" len="med"/>
-            </a:ln>
-            <a:effectLst/>
-          </p:spPr>
-          <p:txBody>
-            <a:bodyPr vert="horz" wrap="none" lIns="72000" tIns="45720" rIns="72000" bIns="45720" numCol="1" rtlCol="0" anchor="t" anchorCtr="0" compatLnSpc="1">
-              <a:prstTxWarp prst="textNoShape">
-                <a:avLst/>
-              </a:prstTxWarp>
-            </a:bodyPr>
-            <a:lstStyle/>
-            <a:p>
-              <a:pPr marL="0" marR="0" indent="0" algn="l" defTabSz="914400" rtl="0" eaLnBrk="1" fontAlgn="base" latinLnBrk="0" hangingPunct="1">
-                <a:lnSpc>
-                  <a:spcPct val="100000"/>
-                </a:lnSpc>
-                <a:spcBef>
-                  <a:spcPct val="50000"/>
-                </a:spcBef>
-                <a:spcAft>
-                  <a:spcPct val="0"/>
-                </a:spcAft>
-                <a:buClrTx/>
-                <a:buSzTx/>
-                <a:buFontTx/>
-                <a:buNone/>
-                <a:tabLst/>
-              </a:pPr>
-              <a:endParaRPr kumimoji="0" lang="en-US" sz="2400" b="1" i="0" u="none" strike="noStrike" cap="none" normalizeH="0" baseline="0">
-                <a:ln>
-                  <a:noFill/>
-                </a:ln>
-                <a:solidFill>
-                  <a:schemeClr val="tx1"/>
-                </a:solidFill>
-                <a:effectLst/>
-                <a:latin typeface="Arial" charset="0"/>
-              </a:endParaRPr>
-            </a:p>
-          </p:txBody>
-        </p:sp>
-        <p:sp>
-          <p:nvSpPr>
-            <p:cNvPr id="20" name="Freeform 19"/>
-            <p:cNvSpPr/>
-            <p:nvPr/>
-          </p:nvSpPr>
-          <p:spPr bwMode="auto">
-            <a:xfrm flipH="1">
-              <a:off x="4116634" y="4345247"/>
-              <a:ext cx="853577" cy="289146"/>
-            </a:xfrm>
-            <a:custGeom>
-              <a:avLst/>
-              <a:gdLst>
-                <a:gd name="connsiteX0" fmla="*/ 0 w 1733550"/>
-                <a:gd name="connsiteY0" fmla="*/ 273050 h 273050"/>
-                <a:gd name="connsiteX1" fmla="*/ 463550 w 1733550"/>
-                <a:gd name="connsiteY1" fmla="*/ 152400 h 273050"/>
-                <a:gd name="connsiteX2" fmla="*/ 1295400 w 1733550"/>
-                <a:gd name="connsiteY2" fmla="*/ 120650 h 273050"/>
-                <a:gd name="connsiteX3" fmla="*/ 1733550 w 1733550"/>
-                <a:gd name="connsiteY3" fmla="*/ 0 h 273050"/>
-              </a:gdLst>
-              <a:ahLst/>
-              <a:cxnLst>
-                <a:cxn ang="0">
-                  <a:pos x="connsiteX0" y="connsiteY0"/>
-                </a:cxn>
-                <a:cxn ang="0">
-                  <a:pos x="connsiteX1" y="connsiteY1"/>
-                </a:cxn>
-                <a:cxn ang="0">
-                  <a:pos x="connsiteX2" y="connsiteY2"/>
-                </a:cxn>
-                <a:cxn ang="0">
-                  <a:pos x="connsiteX3" y="connsiteY3"/>
-                </a:cxn>
-              </a:cxnLst>
-              <a:rect l="l" t="t" r="r" b="b"/>
-              <a:pathLst>
-                <a:path w="1733550" h="273050">
-                  <a:moveTo>
-                    <a:pt x="0" y="273050"/>
-                  </a:moveTo>
-                  <a:cubicBezTo>
-                    <a:pt x="123825" y="225425"/>
-                    <a:pt x="247650" y="177800"/>
-                    <a:pt x="463550" y="152400"/>
-                  </a:cubicBezTo>
-                  <a:cubicBezTo>
-                    <a:pt x="679450" y="127000"/>
-                    <a:pt x="1083733" y="146050"/>
-                    <a:pt x="1295400" y="120650"/>
-                  </a:cubicBezTo>
-                  <a:cubicBezTo>
-                    <a:pt x="1507067" y="95250"/>
-                    <a:pt x="1662642" y="20108"/>
-                    <a:pt x="1733550" y="0"/>
-                  </a:cubicBezTo>
-                </a:path>
-              </a:pathLst>
-            </a:custGeom>
-            <a:noFill/>
-            <a:ln w="31750" cap="flat" cmpd="sng" algn="ctr">
-              <a:solidFill>
-                <a:srgbClr val="7B23AA"/>
-              </a:solidFill>
-              <a:prstDash val="solid"/>
-              <a:round/>
-              <a:headEnd type="none" w="med" len="med"/>
-              <a:tailEnd type="triangle" w="med" len="med"/>
-            </a:ln>
-            <a:effectLst/>
-          </p:spPr>
-          <p:txBody>
-            <a:bodyPr vert="horz" wrap="none" lIns="72000" tIns="45720" rIns="72000" bIns="45720" numCol="1" rtlCol="0" anchor="t" anchorCtr="0" compatLnSpc="1">
-              <a:prstTxWarp prst="textNoShape">
-                <a:avLst/>
-              </a:prstTxWarp>
-            </a:bodyPr>
-            <a:lstStyle/>
-            <a:p>
-              <a:pPr marL="0" marR="0" indent="0" algn="l" defTabSz="914400" rtl="0" eaLnBrk="1" fontAlgn="base" latinLnBrk="0" hangingPunct="1">
-                <a:lnSpc>
-                  <a:spcPct val="100000"/>
-                </a:lnSpc>
-                <a:spcBef>
-                  <a:spcPct val="50000"/>
-                </a:spcBef>
-                <a:spcAft>
-                  <a:spcPct val="0"/>
-                </a:spcAft>
-                <a:buClrTx/>
-                <a:buSzTx/>
-                <a:buFontTx/>
-                <a:buNone/>
-                <a:tabLst/>
-              </a:pPr>
-              <a:endParaRPr kumimoji="0" lang="en-US" sz="2400" b="1" i="0" u="none" strike="noStrike" cap="none" normalizeH="0" baseline="0">
-                <a:ln>
-                  <a:noFill/>
-                </a:ln>
-                <a:solidFill>
-                  <a:schemeClr val="tx1"/>
-                </a:solidFill>
-                <a:effectLst/>
-                <a:latin typeface="Arial" charset="0"/>
-              </a:endParaRPr>
-            </a:p>
-          </p:txBody>
-        </p:sp>
-        <p:cxnSp>
-          <p:nvCxnSpPr>
-            <p:cNvPr id="21" name="Straight Connector 20"/>
-            <p:cNvCxnSpPr/>
-            <p:nvPr/>
-          </p:nvCxnSpPr>
-          <p:spPr bwMode="auto">
-            <a:xfrm>
-              <a:off x="2727424" y="4558286"/>
-              <a:ext cx="1936016" cy="13714"/>
-            </a:xfrm>
-            <a:prstGeom prst="line">
-              <a:avLst/>
-            </a:prstGeom>
-            <a:solidFill>
-              <a:schemeClr val="accent1"/>
-            </a:solidFill>
-            <a:ln w="19050" cap="flat" cmpd="sng" algn="ctr">
-              <a:solidFill>
-                <a:srgbClr val="7B23AA"/>
-              </a:solidFill>
-              <a:prstDash val="dash"/>
-              <a:round/>
-              <a:headEnd type="none" w="med" len="med"/>
-              <a:tailEnd type="none" w="med" len="med"/>
-            </a:ln>
-            <a:effectLst/>
-          </p:spPr>
-        </p:cxnSp>
-        <p:sp>
-          <p:nvSpPr>
-            <p:cNvPr id="22" name="Rounded Rectangle 21"/>
-            <p:cNvSpPr/>
-            <p:nvPr/>
-          </p:nvSpPr>
-          <p:spPr bwMode="auto">
-            <a:xfrm>
-              <a:off x="1844735" y="2341589"/>
-              <a:ext cx="3303158" cy="604977"/>
-            </a:xfrm>
-            <a:prstGeom prst="roundRect">
-              <a:avLst>
-                <a:gd name="adj" fmla="val 8570"/>
-              </a:avLst>
-            </a:prstGeom>
-            <a:solidFill>
-              <a:schemeClr val="accent5">
-                <a:lumMod val="60000"/>
-                <a:lumOff val="40000"/>
-              </a:schemeClr>
-            </a:solidFill>
-            <a:ln w="12700" cap="flat" cmpd="sng" algn="ctr">
-              <a:solidFill>
-                <a:schemeClr val="accent5">
-                  <a:lumMod val="75000"/>
-                </a:schemeClr>
-              </a:solidFill>
-              <a:prstDash val="solid"/>
-              <a:round/>
-              <a:headEnd type="none" w="med" len="med"/>
-              <a:tailEnd type="none" w="med" len="med"/>
-            </a:ln>
-            <a:effectLst/>
-          </p:spPr>
-          <p:txBody>
-            <a:bodyPr vert="horz" wrap="none" lIns="72000" tIns="45720" rIns="72000" bIns="45720" numCol="1" rtlCol="0" anchor="t" anchorCtr="0" compatLnSpc="1">
-              <a:prstTxWarp prst="textNoShape">
-                <a:avLst/>
-              </a:prstTxWarp>
-            </a:bodyPr>
-            <a:lstStyle/>
-            <a:p>
-              <a:pPr marL="0" marR="0" indent="0" algn="l" defTabSz="914400" rtl="0" eaLnBrk="1" fontAlgn="base" latinLnBrk="0" hangingPunct="1">
-                <a:lnSpc>
-                  <a:spcPct val="100000"/>
-                </a:lnSpc>
-                <a:spcBef>
-                  <a:spcPct val="50000"/>
-                </a:spcBef>
-                <a:spcAft>
-                  <a:spcPct val="0"/>
-                </a:spcAft>
-                <a:buClrTx/>
-                <a:buSzTx/>
-                <a:buFontTx/>
-                <a:buNone/>
-                <a:tabLst/>
-              </a:pPr>
-              <a:endParaRPr kumimoji="0" lang="en-US" sz="2400" b="1" i="0" u="none" strike="noStrike" cap="none" normalizeH="0" baseline="0">
-                <a:ln>
-                  <a:noFill/>
-                </a:ln>
-                <a:solidFill>
-                  <a:schemeClr val="tx1"/>
-                </a:solidFill>
-                <a:effectLst/>
-                <a:latin typeface="Arial" charset="0"/>
-              </a:endParaRPr>
-            </a:p>
-          </p:txBody>
-        </p:sp>
-        <p:cxnSp>
-          <p:nvCxnSpPr>
-            <p:cNvPr id="23" name="Straight Arrow Connector 22"/>
-            <p:cNvCxnSpPr>
-              <a:stCxn id="17" idx="1"/>
-              <a:endCxn id="18" idx="3"/>
-            </p:cNvCxnSpPr>
-            <p:nvPr/>
-          </p:nvCxnSpPr>
-          <p:spPr bwMode="auto">
-            <a:xfrm flipH="1" flipV="1">
-              <a:off x="3541176" y="4154348"/>
-              <a:ext cx="234866" cy="4"/>
-            </a:xfrm>
-            <a:prstGeom prst="straightConnector1">
-              <a:avLst/>
-            </a:prstGeom>
-            <a:noFill/>
-            <a:ln w="31750" cap="flat" cmpd="sng" algn="ctr">
-              <a:solidFill>
-                <a:srgbClr val="7B23AA"/>
-              </a:solidFill>
-              <a:prstDash val="solid"/>
-              <a:round/>
-              <a:headEnd type="triangle" w="med" len="med"/>
-              <a:tailEnd type="triangle" w="med" len="med"/>
-            </a:ln>
-            <a:effectLst/>
-          </p:spPr>
-        </p:cxnSp>
-        <p:sp>
-          <p:nvSpPr>
-            <p:cNvPr id="24" name="Rounded Rectangle 23"/>
-            <p:cNvSpPr/>
-            <p:nvPr/>
-          </p:nvSpPr>
-          <p:spPr bwMode="auto">
-            <a:xfrm>
-              <a:off x="4307911" y="2409690"/>
-              <a:ext cx="531012" cy="484763"/>
-            </a:xfrm>
-            <a:prstGeom prst="roundRect">
-              <a:avLst/>
-            </a:prstGeom>
-            <a:solidFill>
-              <a:srgbClr val="FFCCCC"/>
-            </a:solidFill>
-            <a:ln w="19050" cap="flat" cmpd="sng" algn="ctr">
-              <a:solidFill>
-                <a:srgbClr val="C00000"/>
-              </a:solidFill>
-              <a:prstDash val="solid"/>
-              <a:round/>
-              <a:headEnd type="none" w="med" len="med"/>
-              <a:tailEnd type="none" w="med" len="med"/>
-            </a:ln>
-            <a:effectLst>
-              <a:outerShdw blurRad="50800" dist="38100" dir="2700000" algn="tl" rotWithShape="0">
-                <a:prstClr val="black">
-                  <a:alpha val="40000"/>
-                </a:prstClr>
-              </a:outerShdw>
-            </a:effectLst>
-          </p:spPr>
-          <p:txBody>
-            <a:bodyPr vert="horz" wrap="none" lIns="0" tIns="0" rIns="0" bIns="0" numCol="1" rtlCol="0" anchor="ctr" anchorCtr="0" compatLnSpc="1">
-              <a:prstTxWarp prst="textNoShape">
-                <a:avLst/>
-              </a:prstTxWarp>
-            </a:bodyPr>
-            <a:lstStyle/>
-            <a:p>
-              <a:pPr algn="ctr"/>
-              <a:r>
-                <a:rPr lang="pt-BR" sz="700" b="1" dirty="0" err="1">
-                  <a:solidFill>
-                    <a:srgbClr val="C00000"/>
-                  </a:solidFill>
-                </a:rPr>
-                <a:t>Message</a:t>
-              </a:r>
-              <a:r>
-                <a:rPr lang="pt-BR" sz="700" b="1" dirty="0">
-                  <a:solidFill>
-                    <a:srgbClr val="C00000"/>
-                  </a:solidFill>
-                </a:rPr>
-                <a:t> </a:t>
-              </a:r>
-              <a:br>
-                <a:rPr lang="pt-BR" sz="700" b="1" dirty="0">
-                  <a:solidFill>
-                    <a:srgbClr val="C00000"/>
-                  </a:solidFill>
-                </a:rPr>
-              </a:br>
-              <a:r>
-                <a:rPr lang="pt-BR" sz="700" b="1" dirty="0" err="1">
-                  <a:solidFill>
-                    <a:srgbClr val="C00000"/>
-                  </a:solidFill>
-                </a:rPr>
-                <a:t>Broker</a:t>
-              </a:r>
-              <a:r>
-                <a:rPr lang="pt-BR" sz="700" b="1" dirty="0">
-                  <a:solidFill>
-                    <a:srgbClr val="C00000"/>
-                  </a:solidFill>
-                </a:rPr>
-                <a:t> </a:t>
-              </a:r>
-              <a:br>
-                <a:rPr lang="pt-BR" sz="700" b="1" dirty="0">
-                  <a:solidFill>
-                    <a:srgbClr val="C00000"/>
-                  </a:solidFill>
-                </a:rPr>
-              </a:br>
-              <a:r>
-                <a:rPr lang="pt-BR" sz="700" b="1" dirty="0">
-                  <a:solidFill>
-                    <a:srgbClr val="C00000"/>
-                  </a:solidFill>
-                </a:rPr>
-                <a:t>(</a:t>
-              </a:r>
-              <a:r>
-                <a:rPr lang="pt-BR" sz="700" b="1" dirty="0" err="1">
-                  <a:solidFill>
-                    <a:srgbClr val="C00000"/>
-                  </a:solidFill>
-                </a:rPr>
-                <a:t>RabbitMQ</a:t>
-              </a:r>
-              <a:r>
-                <a:rPr lang="pt-BR" sz="700" b="1" dirty="0">
-                  <a:solidFill>
-                    <a:srgbClr val="C00000"/>
-                  </a:solidFill>
-                </a:rPr>
-                <a:t>)</a:t>
-              </a:r>
-              <a:endParaRPr lang="en-US" sz="700" b="1" dirty="0">
-                <a:solidFill>
-                  <a:srgbClr val="C00000"/>
-                </a:solidFill>
-              </a:endParaRPr>
-            </a:p>
-          </p:txBody>
-        </p:sp>
-        <p:cxnSp>
-          <p:nvCxnSpPr>
-            <p:cNvPr id="25" name="Straight Connector 24"/>
-            <p:cNvCxnSpPr/>
-            <p:nvPr/>
-          </p:nvCxnSpPr>
-          <p:spPr bwMode="auto">
-            <a:xfrm>
-              <a:off x="4044264" y="4931984"/>
-              <a:ext cx="531012" cy="0"/>
-            </a:xfrm>
-            <a:prstGeom prst="line">
-              <a:avLst/>
-            </a:prstGeom>
-            <a:solidFill>
-              <a:schemeClr val="accent5">
-                <a:lumMod val="75000"/>
-              </a:schemeClr>
-            </a:solidFill>
-            <a:ln w="19050" cap="flat" cmpd="sng" algn="ctr">
-              <a:solidFill>
-                <a:schemeClr val="accent1">
-                  <a:lumMod val="50000"/>
-                </a:schemeClr>
-              </a:solidFill>
-              <a:prstDash val="sysDash"/>
-              <a:round/>
-              <a:headEnd type="none" w="med" len="med"/>
-              <a:tailEnd type="none" w="med" len="med"/>
-            </a:ln>
-            <a:effectLst/>
-          </p:spPr>
-        </p:cxnSp>
-        <p:cxnSp>
-          <p:nvCxnSpPr>
-            <p:cNvPr id="26" name="Straight Connector 25"/>
-            <p:cNvCxnSpPr>
-              <a:stCxn id="53" idx="0"/>
-              <a:endCxn id="79" idx="2"/>
-            </p:cNvCxnSpPr>
-            <p:nvPr/>
-          </p:nvCxnSpPr>
-          <p:spPr bwMode="auto">
-            <a:xfrm flipV="1">
-              <a:off x="2161744" y="5122682"/>
-              <a:ext cx="0" cy="419686"/>
-            </a:xfrm>
-            <a:prstGeom prst="line">
-              <a:avLst/>
-            </a:prstGeom>
-            <a:solidFill>
-              <a:schemeClr val="accent5">
-                <a:lumMod val="75000"/>
-              </a:schemeClr>
-            </a:solidFill>
-            <a:ln w="19050" cap="flat" cmpd="sng" algn="ctr">
-              <a:solidFill>
-                <a:schemeClr val="accent1">
-                  <a:lumMod val="50000"/>
-                </a:schemeClr>
-              </a:solidFill>
-              <a:prstDash val="solid"/>
-              <a:round/>
-              <a:headEnd type="none" w="med" len="med"/>
-              <a:tailEnd type="none" w="med" len="med"/>
-            </a:ln>
-            <a:effectLst/>
-          </p:spPr>
-        </p:cxnSp>
-        <p:cxnSp>
-          <p:nvCxnSpPr>
-            <p:cNvPr id="27" name="Straight Connector 26"/>
-            <p:cNvCxnSpPr>
-              <a:stCxn id="51" idx="0"/>
-              <a:endCxn id="75" idx="2"/>
-            </p:cNvCxnSpPr>
-            <p:nvPr/>
-          </p:nvCxnSpPr>
-          <p:spPr bwMode="auto">
-            <a:xfrm flipV="1">
-              <a:off x="2695175" y="5230404"/>
-              <a:ext cx="1" cy="311965"/>
-            </a:xfrm>
-            <a:prstGeom prst="line">
-              <a:avLst/>
-            </a:prstGeom>
-            <a:solidFill>
-              <a:schemeClr val="accent5">
-                <a:lumMod val="75000"/>
-              </a:schemeClr>
-            </a:solidFill>
-            <a:ln w="19050" cap="flat" cmpd="sng" algn="ctr">
-              <a:solidFill>
-                <a:schemeClr val="accent1">
-                  <a:lumMod val="50000"/>
-                </a:schemeClr>
-              </a:solidFill>
-              <a:prstDash val="solid"/>
-              <a:round/>
-              <a:headEnd type="none" w="med" len="med"/>
-              <a:tailEnd type="none" w="med" len="med"/>
-            </a:ln>
-            <a:effectLst/>
-          </p:spPr>
-        </p:cxnSp>
-        <p:cxnSp>
-          <p:nvCxnSpPr>
-            <p:cNvPr id="28" name="Straight Connector 27"/>
-            <p:cNvCxnSpPr>
-              <a:stCxn id="52" idx="0"/>
-              <a:endCxn id="71" idx="2"/>
-            </p:cNvCxnSpPr>
-            <p:nvPr/>
-          </p:nvCxnSpPr>
-          <p:spPr bwMode="auto">
-            <a:xfrm flipH="1" flipV="1">
-              <a:off x="3234015" y="5230404"/>
-              <a:ext cx="3197" cy="311965"/>
-            </a:xfrm>
-            <a:prstGeom prst="line">
-              <a:avLst/>
-            </a:prstGeom>
-            <a:solidFill>
-              <a:schemeClr val="accent5">
-                <a:lumMod val="75000"/>
-              </a:schemeClr>
-            </a:solidFill>
-            <a:ln w="19050" cap="flat" cmpd="sng" algn="ctr">
-              <a:solidFill>
-                <a:schemeClr val="accent1">
-                  <a:lumMod val="50000"/>
-                </a:schemeClr>
-              </a:solidFill>
-              <a:prstDash val="solid"/>
-              <a:round/>
-              <a:headEnd type="none" w="med" len="med"/>
-              <a:tailEnd type="none" w="med" len="med"/>
-            </a:ln>
-            <a:effectLst/>
-          </p:spPr>
-        </p:cxnSp>
-        <p:cxnSp>
-          <p:nvCxnSpPr>
-            <p:cNvPr id="29" name="Straight Connector 28"/>
-            <p:cNvCxnSpPr>
-              <a:stCxn id="50" idx="0"/>
-              <a:endCxn id="66" idx="3"/>
-            </p:cNvCxnSpPr>
-            <p:nvPr/>
-          </p:nvCxnSpPr>
-          <p:spPr bwMode="auto">
-            <a:xfrm flipV="1">
-              <a:off x="3768672" y="5241380"/>
-              <a:ext cx="1" cy="300989"/>
-            </a:xfrm>
-            <a:prstGeom prst="line">
-              <a:avLst/>
-            </a:prstGeom>
-            <a:solidFill>
-              <a:schemeClr val="accent5">
-                <a:lumMod val="75000"/>
-              </a:schemeClr>
-            </a:solidFill>
-            <a:ln w="19050" cap="flat" cmpd="sng" algn="ctr">
-              <a:solidFill>
-                <a:schemeClr val="accent1">
-                  <a:lumMod val="50000"/>
-                </a:schemeClr>
-              </a:solidFill>
-              <a:prstDash val="solid"/>
-              <a:round/>
-              <a:headEnd type="none" w="med" len="med"/>
-              <a:tailEnd type="none" w="med" len="med"/>
-            </a:ln>
-            <a:effectLst/>
-          </p:spPr>
-        </p:cxnSp>
-        <p:cxnSp>
-          <p:nvCxnSpPr>
-            <p:cNvPr id="30" name="Straight Connector 29"/>
-            <p:cNvCxnSpPr>
-              <a:stCxn id="49" idx="0"/>
-              <a:endCxn id="62" idx="3"/>
-            </p:cNvCxnSpPr>
-            <p:nvPr/>
-          </p:nvCxnSpPr>
-          <p:spPr bwMode="auto">
-            <a:xfrm flipV="1">
-              <a:off x="4838923" y="5241380"/>
-              <a:ext cx="1" cy="292299"/>
-            </a:xfrm>
-            <a:prstGeom prst="line">
-              <a:avLst/>
-            </a:prstGeom>
-            <a:solidFill>
-              <a:schemeClr val="accent5">
-                <a:lumMod val="75000"/>
-              </a:schemeClr>
-            </a:solidFill>
-            <a:ln w="19050" cap="flat" cmpd="sng" algn="ctr">
-              <a:solidFill>
-                <a:schemeClr val="accent1">
-                  <a:lumMod val="50000"/>
-                </a:schemeClr>
-              </a:solidFill>
-              <a:prstDash val="solid"/>
-              <a:round/>
-              <a:headEnd type="none" w="med" len="med"/>
-              <a:tailEnd type="none" w="med" len="med"/>
-            </a:ln>
-            <a:effectLst/>
-          </p:spPr>
-        </p:cxnSp>
-        <p:cxnSp>
-          <p:nvCxnSpPr>
-            <p:cNvPr id="31" name="Straight Connector 30"/>
-            <p:cNvCxnSpPr/>
-            <p:nvPr/>
-          </p:nvCxnSpPr>
-          <p:spPr bwMode="auto">
-            <a:xfrm flipV="1">
-              <a:off x="1792047" y="5652848"/>
-              <a:ext cx="3355845" cy="12428"/>
-            </a:xfrm>
-            <a:prstGeom prst="line">
-              <a:avLst/>
-            </a:prstGeom>
-            <a:noFill/>
-            <a:ln w="12700" cap="flat" cmpd="sng" algn="ctr">
-              <a:solidFill>
-                <a:schemeClr val="bg1">
-                  <a:lumMod val="65000"/>
-                </a:schemeClr>
-              </a:solidFill>
-              <a:prstDash val="dash"/>
-              <a:round/>
-              <a:headEnd type="none" w="med" len="med"/>
-              <a:tailEnd type="none" w="med" len="med"/>
-            </a:ln>
-            <a:effectLst/>
-          </p:spPr>
-        </p:cxnSp>
-        <p:sp>
-          <p:nvSpPr>
-            <p:cNvPr id="32" name="TextBox 31"/>
-            <p:cNvSpPr txBox="1"/>
-            <p:nvPr/>
-          </p:nvSpPr>
-          <p:spPr>
-            <a:xfrm>
-              <a:off x="3887410" y="5474380"/>
-              <a:ext cx="815037" cy="200055"/>
-            </a:xfrm>
-            <a:prstGeom prst="rect">
-              <a:avLst/>
-            </a:prstGeom>
-            <a:noFill/>
-          </p:spPr>
-          <p:txBody>
-            <a:bodyPr wrap="square" rtlCol="0">
-              <a:spAutoFit/>
-            </a:bodyPr>
-            <a:lstStyle/>
-            <a:p>
-              <a:pPr algn="ctr"/>
-              <a:r>
-                <a:rPr lang="pt-BR" sz="700" b="1"/>
-                <a:t>Sensors</a:t>
-              </a:r>
-              <a:endParaRPr lang="en-US" sz="700" b="1"/>
-            </a:p>
-          </p:txBody>
-        </p:sp>
-        <p:cxnSp>
-          <p:nvCxnSpPr>
-            <p:cNvPr id="37" name="Straight Arrow Connector 36"/>
-            <p:cNvCxnSpPr>
-              <a:stCxn id="18" idx="1"/>
-              <a:endCxn id="16" idx="3"/>
-            </p:cNvCxnSpPr>
-            <p:nvPr/>
-          </p:nvCxnSpPr>
-          <p:spPr bwMode="auto">
-            <a:xfrm flipH="1" flipV="1">
-              <a:off x="2680012" y="4154347"/>
-              <a:ext cx="330152" cy="1"/>
-            </a:xfrm>
-            <a:prstGeom prst="straightConnector1">
-              <a:avLst/>
-            </a:prstGeom>
-            <a:noFill/>
-            <a:ln w="31750" cap="flat" cmpd="sng" algn="ctr">
-              <a:solidFill>
-                <a:srgbClr val="7B23AA"/>
-              </a:solidFill>
-              <a:prstDash val="solid"/>
-              <a:round/>
-              <a:headEnd type="triangle" w="med" len="med"/>
-              <a:tailEnd type="triangle" w="med" len="med"/>
-            </a:ln>
-            <a:effectLst/>
-          </p:spPr>
-        </p:cxnSp>
-        <p:cxnSp>
-          <p:nvCxnSpPr>
-            <p:cNvPr id="38" name="Straight Arrow Connector 37"/>
-            <p:cNvCxnSpPr>
-              <a:stCxn id="40" idx="2"/>
-              <a:endCxn id="16" idx="0"/>
-            </p:cNvCxnSpPr>
-            <p:nvPr/>
-          </p:nvCxnSpPr>
-          <p:spPr bwMode="auto">
-            <a:xfrm>
-              <a:off x="2414506" y="2894453"/>
-              <a:ext cx="0" cy="1017512"/>
-            </a:xfrm>
-            <a:prstGeom prst="straightConnector1">
-              <a:avLst/>
-            </a:prstGeom>
-            <a:noFill/>
-            <a:ln w="31750" cap="flat" cmpd="sng" algn="ctr">
-              <a:solidFill>
-                <a:srgbClr val="7B23AA"/>
-              </a:solidFill>
-              <a:prstDash val="solid"/>
-              <a:round/>
-              <a:headEnd type="triangle" w="med" len="med"/>
-              <a:tailEnd type="triangle" w="med" len="med"/>
-            </a:ln>
-            <a:effectLst>
-              <a:outerShdw blurRad="50800" dist="38100" dir="2700000" algn="tl" rotWithShape="0">
-                <a:prstClr val="black">
-                  <a:alpha val="40000"/>
-                </a:prstClr>
-              </a:outerShdw>
-            </a:effectLst>
-          </p:spPr>
-        </p:cxnSp>
-        <p:cxnSp>
-          <p:nvCxnSpPr>
-            <p:cNvPr id="39" name="Straight Arrow Connector 38"/>
-            <p:cNvCxnSpPr>
-              <a:stCxn id="24" idx="1"/>
-              <a:endCxn id="40" idx="3"/>
-            </p:cNvCxnSpPr>
-            <p:nvPr/>
-          </p:nvCxnSpPr>
-          <p:spPr bwMode="auto">
-            <a:xfrm flipH="1">
-              <a:off x="2680012" y="2652072"/>
-              <a:ext cx="1627899" cy="0"/>
-            </a:xfrm>
-            <a:prstGeom prst="straightConnector1">
-              <a:avLst/>
-            </a:prstGeom>
-            <a:noFill/>
-            <a:ln w="31750" cap="flat" cmpd="sng" algn="ctr">
-              <a:solidFill>
-                <a:srgbClr val="7B23AA"/>
-              </a:solidFill>
-              <a:prstDash val="solid"/>
-              <a:round/>
-              <a:headEnd type="triangle" w="med" len="med"/>
-              <a:tailEnd type="triangle" w="med" len="med"/>
-            </a:ln>
-            <a:effectLst/>
-          </p:spPr>
-        </p:cxnSp>
-        <p:sp>
-          <p:nvSpPr>
-            <p:cNvPr id="40" name="Rounded Rectangle 39"/>
-            <p:cNvSpPr/>
-            <p:nvPr/>
-          </p:nvSpPr>
-          <p:spPr bwMode="auto">
-            <a:xfrm>
-              <a:off x="2149000" y="2409690"/>
-              <a:ext cx="531012" cy="484763"/>
-            </a:xfrm>
-            <a:prstGeom prst="roundRect">
-              <a:avLst/>
-            </a:prstGeom>
-            <a:solidFill>
-              <a:schemeClr val="accent5">
-                <a:lumMod val="75000"/>
-              </a:schemeClr>
-            </a:solidFill>
-            <a:ln w="19050" cap="flat" cmpd="sng" algn="ctr">
-              <a:solidFill>
-                <a:schemeClr val="accent1">
-                  <a:lumMod val="50000"/>
-                </a:schemeClr>
-              </a:solidFill>
-              <a:prstDash val="solid"/>
-              <a:round/>
-              <a:headEnd type="none" w="med" len="med"/>
-              <a:tailEnd type="none" w="med" len="med"/>
-            </a:ln>
-            <a:effectLst>
-              <a:outerShdw blurRad="50800" dist="38100" dir="2700000" algn="tl" rotWithShape="0">
-                <a:prstClr val="black">
-                  <a:alpha val="40000"/>
-                </a:prstClr>
-              </a:outerShdw>
-            </a:effectLst>
-          </p:spPr>
-          <p:txBody>
-            <a:bodyPr vert="horz" wrap="none" lIns="0" tIns="0" rIns="0" bIns="0" numCol="1" rtlCol="0" anchor="ctr" anchorCtr="0" compatLnSpc="1">
-              <a:prstTxWarp prst="textNoShape">
-                <a:avLst/>
-              </a:prstTxWarp>
-            </a:bodyPr>
-            <a:lstStyle/>
-            <a:p>
-              <a:pPr algn="ctr"/>
-              <a:r>
-                <a:rPr lang="pt-BR" sz="700" b="1" dirty="0">
-                  <a:solidFill>
-                    <a:schemeClr val="accent1">
-                      <a:lumMod val="50000"/>
-                    </a:schemeClr>
-                  </a:solidFill>
-                </a:rPr>
-                <a:t>UDP </a:t>
-              </a:r>
-              <a:br>
-                <a:rPr lang="pt-BR" sz="700" b="1" dirty="0">
-                  <a:solidFill>
-                    <a:schemeClr val="accent1">
-                      <a:lumMod val="50000"/>
-                    </a:schemeClr>
-                  </a:solidFill>
-                </a:rPr>
-              </a:br>
-              <a:r>
-                <a:rPr lang="pt-BR" sz="700" b="1" dirty="0">
-                  <a:solidFill>
-                    <a:schemeClr val="accent1">
-                      <a:lumMod val="50000"/>
-                    </a:schemeClr>
-                  </a:solidFill>
-                </a:rPr>
-                <a:t>Gateway</a:t>
-              </a:r>
-              <a:endParaRPr lang="en-US" sz="700" b="1" dirty="0">
-                <a:solidFill>
-                  <a:schemeClr val="accent1">
-                    <a:lumMod val="50000"/>
-                  </a:schemeClr>
-                </a:solidFill>
-              </a:endParaRPr>
-            </a:p>
-          </p:txBody>
-        </p:sp>
-        <p:cxnSp>
-          <p:nvCxnSpPr>
-            <p:cNvPr id="41" name="Straight Arrow Connector 40"/>
-            <p:cNvCxnSpPr>
-              <a:endCxn id="42" idx="2"/>
-            </p:cNvCxnSpPr>
-            <p:nvPr/>
-          </p:nvCxnSpPr>
-          <p:spPr bwMode="auto">
-            <a:xfrm flipV="1">
-              <a:off x="2011048" y="3267662"/>
-              <a:ext cx="367806" cy="2376"/>
-            </a:xfrm>
-            <a:prstGeom prst="straightConnector1">
-              <a:avLst/>
-            </a:prstGeom>
-            <a:solidFill>
-              <a:schemeClr val="accent5">
-                <a:lumMod val="75000"/>
-              </a:schemeClr>
-            </a:solidFill>
-            <a:ln w="9525" cap="flat" cmpd="sng" algn="ctr">
-              <a:solidFill>
-                <a:srgbClr val="7B23AA"/>
-              </a:solidFill>
-              <a:prstDash val="dash"/>
-              <a:round/>
-              <a:headEnd type="none" w="med" len="med"/>
-              <a:tailEnd type="none" w="med" len="med"/>
-            </a:ln>
-            <a:effectLst/>
-          </p:spPr>
-        </p:cxnSp>
-        <p:sp>
-          <p:nvSpPr>
-            <p:cNvPr id="42" name="Oval 41"/>
-            <p:cNvSpPr/>
-            <p:nvPr/>
-          </p:nvSpPr>
-          <p:spPr bwMode="auto">
-            <a:xfrm>
-              <a:off x="2378854" y="3234880"/>
-              <a:ext cx="70034" cy="65563"/>
-            </a:xfrm>
-            <a:prstGeom prst="ellipse">
-              <a:avLst/>
-            </a:prstGeom>
-            <a:noFill/>
-            <a:ln w="9525" cap="flat" cmpd="sng" algn="ctr">
-              <a:solidFill>
-                <a:srgbClr val="7B23AA"/>
-              </a:solidFill>
-              <a:prstDash val="sysDash"/>
-              <a:round/>
-              <a:headEnd type="none" w="med" len="med"/>
-              <a:tailEnd type="none" w="med" len="med"/>
-            </a:ln>
-            <a:effectLst/>
-          </p:spPr>
-          <p:txBody>
-            <a:bodyPr vert="horz" wrap="none" lIns="72000" tIns="45720" rIns="72000" bIns="45720" numCol="1" rtlCol="0" anchor="t" anchorCtr="0" compatLnSpc="1">
-              <a:prstTxWarp prst="textNoShape">
-                <a:avLst/>
-              </a:prstTxWarp>
-            </a:bodyPr>
-            <a:lstStyle/>
-            <a:p>
-              <a:pPr marL="0" marR="0" indent="0" algn="l" defTabSz="914400" rtl="0" eaLnBrk="1" fontAlgn="base" latinLnBrk="0" hangingPunct="1">
-                <a:lnSpc>
-                  <a:spcPct val="100000"/>
-                </a:lnSpc>
-                <a:spcBef>
-                  <a:spcPct val="50000"/>
-                </a:spcBef>
-                <a:spcAft>
-                  <a:spcPct val="0"/>
-                </a:spcAft>
-                <a:buClrTx/>
-                <a:buSzTx/>
-                <a:buFontTx/>
-                <a:buNone/>
-                <a:tabLst/>
-              </a:pPr>
-              <a:endParaRPr kumimoji="0" lang="en-US" sz="2400" b="1" i="0" u="none" strike="noStrike" cap="none" normalizeH="0" baseline="0">
-                <a:ln>
-                  <a:noFill/>
-                </a:ln>
-                <a:solidFill>
-                  <a:schemeClr val="tx1"/>
-                </a:solidFill>
-                <a:effectLst/>
-                <a:latin typeface="Arial" charset="0"/>
-              </a:endParaRPr>
-            </a:p>
-          </p:txBody>
-        </p:sp>
-        <p:cxnSp>
-          <p:nvCxnSpPr>
-            <p:cNvPr id="43" name="Straight Arrow Connector 42"/>
-            <p:cNvCxnSpPr>
-              <a:endCxn id="44" idx="0"/>
-            </p:cNvCxnSpPr>
-            <p:nvPr/>
-          </p:nvCxnSpPr>
-          <p:spPr bwMode="auto">
-            <a:xfrm flipH="1">
-              <a:off x="2842968" y="2127836"/>
-              <a:ext cx="3006" cy="491454"/>
-            </a:xfrm>
-            <a:prstGeom prst="straightConnector1">
-              <a:avLst/>
-            </a:prstGeom>
-            <a:solidFill>
-              <a:schemeClr val="accent5">
-                <a:lumMod val="75000"/>
-              </a:schemeClr>
-            </a:solidFill>
-            <a:ln w="9525" cap="flat" cmpd="sng" algn="ctr">
-              <a:solidFill>
-                <a:srgbClr val="7B23AA"/>
-              </a:solidFill>
-              <a:prstDash val="dash"/>
-              <a:round/>
-              <a:headEnd type="none" w="med" len="med"/>
-              <a:tailEnd type="none" w="med" len="med"/>
-            </a:ln>
-            <a:effectLst/>
-          </p:spPr>
-        </p:cxnSp>
-        <p:sp>
-          <p:nvSpPr>
-            <p:cNvPr id="44" name="Oval 43"/>
-            <p:cNvSpPr/>
-            <p:nvPr/>
-          </p:nvSpPr>
-          <p:spPr bwMode="auto">
-            <a:xfrm>
-              <a:off x="2807951" y="2619290"/>
-              <a:ext cx="70034" cy="65563"/>
-            </a:xfrm>
-            <a:prstGeom prst="ellipse">
-              <a:avLst/>
-            </a:prstGeom>
-            <a:noFill/>
-            <a:ln w="9525" cap="flat" cmpd="sng" algn="ctr">
-              <a:solidFill>
-                <a:srgbClr val="7B23AA"/>
-              </a:solidFill>
-              <a:prstDash val="sysDash"/>
-              <a:round/>
-              <a:headEnd type="none" w="med" len="med"/>
-              <a:tailEnd type="none" w="med" len="med"/>
-            </a:ln>
-            <a:effectLst/>
-          </p:spPr>
-          <p:txBody>
-            <a:bodyPr vert="horz" wrap="none" lIns="72000" tIns="45720" rIns="72000" bIns="45720" numCol="1" rtlCol="0" anchor="t" anchorCtr="0" compatLnSpc="1">
-              <a:prstTxWarp prst="textNoShape">
-                <a:avLst/>
-              </a:prstTxWarp>
-            </a:bodyPr>
-            <a:lstStyle/>
-            <a:p>
-              <a:pPr marL="0" marR="0" indent="0" algn="l" defTabSz="914400" rtl="0" eaLnBrk="1" fontAlgn="base" latinLnBrk="0" hangingPunct="1">
-                <a:lnSpc>
-                  <a:spcPct val="100000"/>
-                </a:lnSpc>
-                <a:spcBef>
-                  <a:spcPct val="50000"/>
-                </a:spcBef>
-                <a:spcAft>
-                  <a:spcPct val="0"/>
-                </a:spcAft>
-                <a:buClrTx/>
-                <a:buSzTx/>
-                <a:buFontTx/>
-                <a:buNone/>
-                <a:tabLst/>
-              </a:pPr>
-              <a:endParaRPr kumimoji="0" lang="en-US" sz="2400" b="1" i="0" u="none" strike="noStrike" cap="none" normalizeH="0" baseline="0">
-                <a:ln>
-                  <a:noFill/>
-                </a:ln>
-                <a:solidFill>
-                  <a:schemeClr val="tx1"/>
-                </a:solidFill>
-                <a:effectLst/>
-                <a:latin typeface="Arial" charset="0"/>
-              </a:endParaRPr>
-            </a:p>
-          </p:txBody>
-        </p:sp>
-        <p:grpSp>
-          <p:nvGrpSpPr>
-            <p:cNvPr id="45" name="Group 44"/>
-            <p:cNvGrpSpPr/>
-            <p:nvPr/>
-          </p:nvGrpSpPr>
-          <p:grpSpPr>
-            <a:xfrm>
-              <a:off x="1122160" y="3172130"/>
-              <a:ext cx="1125108" cy="195815"/>
-              <a:chOff x="2940155" y="3331046"/>
-              <a:chExt cx="994646" cy="184914"/>
-            </a:xfrm>
-          </p:grpSpPr>
-          <p:sp>
-            <p:nvSpPr>
-              <p:cNvPr id="56" name="Rounded Rectangle 55"/>
-              <p:cNvSpPr/>
-              <p:nvPr/>
-            </p:nvSpPr>
-            <p:spPr bwMode="auto">
-              <a:xfrm>
-                <a:off x="2977625" y="3331046"/>
-                <a:ext cx="943251" cy="180425"/>
-              </a:xfrm>
-              <a:prstGeom prst="roundRect">
-                <a:avLst/>
-              </a:prstGeom>
-              <a:solidFill>
-                <a:srgbClr val="7030A0"/>
-              </a:solidFill>
-              <a:ln w="19050" cap="flat" cmpd="sng" algn="ctr">
-                <a:solidFill>
-                  <a:srgbClr val="7B23AA"/>
-                </a:solidFill>
-                <a:prstDash val="solid"/>
-                <a:round/>
-                <a:headEnd type="triangle" w="med" len="med"/>
-                <a:tailEnd type="none" w="med" len="med"/>
-              </a:ln>
-              <a:effectLst/>
-            </p:spPr>
-            <p:txBody>
-              <a:bodyPr vert="horz" wrap="none" lIns="72000" tIns="45720" rIns="72000" bIns="45720" numCol="1" rtlCol="0" anchor="t" anchorCtr="0" compatLnSpc="1">
-                <a:prstTxWarp prst="textNoShape">
-                  <a:avLst/>
-                </a:prstTxWarp>
-              </a:bodyPr>
-              <a:lstStyle/>
-              <a:p>
-                <a:endParaRPr lang="en-US" sz="2400" b="1"/>
-              </a:p>
-            </p:txBody>
-          </p:sp>
-          <p:sp>
-            <p:nvSpPr>
-              <p:cNvPr id="57" name="TextBox 56"/>
-              <p:cNvSpPr txBox="1"/>
-              <p:nvPr/>
-            </p:nvSpPr>
-            <p:spPr>
-              <a:xfrm>
-                <a:off x="2940155" y="3331047"/>
-                <a:ext cx="994646" cy="184913"/>
-              </a:xfrm>
-              <a:prstGeom prst="rect">
-                <a:avLst/>
-              </a:prstGeom>
-              <a:noFill/>
-            </p:spPr>
-            <p:txBody>
-              <a:bodyPr wrap="square" lIns="36000" tIns="36000" rIns="36000" bIns="36000" rtlCol="0">
-                <a:spAutoFit/>
-              </a:bodyPr>
-              <a:lstStyle/>
-              <a:p>
-                <a:pPr algn="ctr"/>
-                <a:r>
-                  <a:rPr lang="pt-BR" sz="800" b="1" dirty="0">
-                    <a:solidFill>
-                      <a:schemeClr val="bg1"/>
-                    </a:solidFill>
-                  </a:rPr>
-                  <a:t>MQTT-SN over UDP</a:t>
-                </a:r>
-                <a:endParaRPr lang="en-US" sz="2400" b="1" dirty="0">
-                  <a:solidFill>
-                    <a:schemeClr val="bg1"/>
-                  </a:solidFill>
-                </a:endParaRPr>
-              </a:p>
-            </p:txBody>
-          </p:sp>
-        </p:grpSp>
-        <p:grpSp>
-          <p:nvGrpSpPr>
-            <p:cNvPr id="46" name="Group 45"/>
-            <p:cNvGrpSpPr/>
-            <p:nvPr/>
-          </p:nvGrpSpPr>
-          <p:grpSpPr>
-            <a:xfrm>
-              <a:off x="2296737" y="1936775"/>
-              <a:ext cx="1125108" cy="195815"/>
-              <a:chOff x="2940155" y="3331046"/>
-              <a:chExt cx="994646" cy="184914"/>
-            </a:xfrm>
-          </p:grpSpPr>
-          <p:sp>
-            <p:nvSpPr>
-              <p:cNvPr id="54" name="Rounded Rectangle 53"/>
-              <p:cNvSpPr/>
-              <p:nvPr/>
-            </p:nvSpPr>
-            <p:spPr bwMode="auto">
-              <a:xfrm>
-                <a:off x="2977625" y="3331046"/>
-                <a:ext cx="943251" cy="180425"/>
-              </a:xfrm>
-              <a:prstGeom prst="roundRect">
-                <a:avLst/>
-              </a:prstGeom>
-              <a:solidFill>
-                <a:srgbClr val="7B23AA"/>
-              </a:solidFill>
-              <a:ln w="19050" cap="flat" cmpd="sng" algn="ctr">
-                <a:solidFill>
-                  <a:srgbClr val="7B23AA"/>
-                </a:solidFill>
-                <a:prstDash val="solid"/>
-                <a:round/>
-                <a:headEnd type="triangle" w="med" len="med"/>
-                <a:tailEnd type="none" w="med" len="med"/>
-              </a:ln>
-              <a:effectLst/>
-            </p:spPr>
-            <p:txBody>
-              <a:bodyPr vert="horz" wrap="none" lIns="72000" tIns="45720" rIns="72000" bIns="45720" numCol="1" rtlCol="0" anchor="t" anchorCtr="0" compatLnSpc="1">
-                <a:prstTxWarp prst="textNoShape">
-                  <a:avLst/>
-                </a:prstTxWarp>
-              </a:bodyPr>
-              <a:lstStyle/>
-              <a:p>
-                <a:endParaRPr lang="en-US" sz="2400" b="1"/>
-              </a:p>
-            </p:txBody>
-          </p:sp>
-          <p:sp>
-            <p:nvSpPr>
-              <p:cNvPr id="55" name="TextBox 54"/>
-              <p:cNvSpPr txBox="1"/>
-              <p:nvPr/>
-            </p:nvSpPr>
-            <p:spPr>
-              <a:xfrm>
-                <a:off x="2940155" y="3331047"/>
-                <a:ext cx="994646" cy="184913"/>
-              </a:xfrm>
-              <a:prstGeom prst="rect">
-                <a:avLst/>
-              </a:prstGeom>
-              <a:noFill/>
-            </p:spPr>
-            <p:txBody>
-              <a:bodyPr wrap="square" lIns="36000" tIns="36000" rIns="36000" bIns="36000" rtlCol="0">
-                <a:spAutoFit/>
-              </a:bodyPr>
-              <a:lstStyle/>
-              <a:p>
-                <a:pPr algn="ctr"/>
-                <a:r>
-                  <a:rPr lang="pt-BR" sz="800" b="1">
-                    <a:solidFill>
-                      <a:schemeClr val="bg1"/>
-                    </a:solidFill>
-                  </a:rPr>
-                  <a:t>MQTT over TCP</a:t>
-                </a:r>
-                <a:endParaRPr lang="en-US" sz="2400" b="1">
-                  <a:solidFill>
-                    <a:schemeClr val="bg1"/>
-                  </a:solidFill>
-                </a:endParaRPr>
-              </a:p>
-            </p:txBody>
-          </p:sp>
-        </p:grpSp>
-        <p:cxnSp>
-          <p:nvCxnSpPr>
-            <p:cNvPr id="47" name="Straight Arrow Connector 46"/>
-            <p:cNvCxnSpPr>
-              <a:stCxn id="44" idx="4"/>
-              <a:endCxn id="48" idx="0"/>
-            </p:cNvCxnSpPr>
-            <p:nvPr/>
-          </p:nvCxnSpPr>
-          <p:spPr bwMode="auto">
-            <a:xfrm>
-              <a:off x="2842968" y="2684853"/>
-              <a:ext cx="2691" cy="1437001"/>
-            </a:xfrm>
-            <a:prstGeom prst="straightConnector1">
-              <a:avLst/>
-            </a:prstGeom>
-            <a:solidFill>
-              <a:schemeClr val="accent5">
-                <a:lumMod val="75000"/>
-              </a:schemeClr>
-            </a:solidFill>
-            <a:ln w="9525" cap="flat" cmpd="sng" algn="ctr">
-              <a:solidFill>
-                <a:srgbClr val="7B23AA"/>
-              </a:solidFill>
-              <a:prstDash val="dash"/>
-              <a:round/>
-              <a:headEnd type="none" w="med" len="med"/>
-              <a:tailEnd type="none" w="med" len="med"/>
-            </a:ln>
-            <a:effectLst/>
-          </p:spPr>
-        </p:cxnSp>
-        <p:sp>
-          <p:nvSpPr>
-            <p:cNvPr id="48" name="Oval 47"/>
-            <p:cNvSpPr/>
-            <p:nvPr/>
-          </p:nvSpPr>
-          <p:spPr bwMode="auto">
-            <a:xfrm>
-              <a:off x="2810642" y="4121854"/>
-              <a:ext cx="70034" cy="65563"/>
-            </a:xfrm>
-            <a:prstGeom prst="ellipse">
-              <a:avLst/>
-            </a:prstGeom>
-            <a:noFill/>
-            <a:ln w="9525" cap="flat" cmpd="sng" algn="ctr">
-              <a:solidFill>
-                <a:srgbClr val="7B23AA"/>
-              </a:solidFill>
-              <a:prstDash val="sysDash"/>
-              <a:round/>
-              <a:headEnd type="none" w="med" len="med"/>
-              <a:tailEnd type="none" w="med" len="med"/>
-            </a:ln>
-            <a:effectLst/>
-          </p:spPr>
-          <p:txBody>
-            <a:bodyPr vert="horz" wrap="none" lIns="72000" tIns="45720" rIns="72000" bIns="45720" numCol="1" rtlCol="0" anchor="t" anchorCtr="0" compatLnSpc="1">
-              <a:prstTxWarp prst="textNoShape">
-                <a:avLst/>
-              </a:prstTxWarp>
-            </a:bodyPr>
-            <a:lstStyle/>
-            <a:p>
-              <a:endParaRPr lang="en-US" sz="2400" b="1"/>
-            </a:p>
-          </p:txBody>
-        </p:sp>
-        <p:sp>
-          <p:nvSpPr>
-            <p:cNvPr id="49" name="Oval 48"/>
-            <p:cNvSpPr/>
-            <p:nvPr/>
-          </p:nvSpPr>
-          <p:spPr bwMode="auto">
-            <a:xfrm>
-              <a:off x="4707633" y="5533678"/>
-              <a:ext cx="262579" cy="245816"/>
-            </a:xfrm>
-            <a:prstGeom prst="ellipse">
-              <a:avLst/>
-            </a:prstGeom>
-            <a:solidFill>
-              <a:schemeClr val="accent1">
-                <a:lumMod val="50000"/>
-              </a:schemeClr>
-            </a:solidFill>
-            <a:ln w="19050" cap="flat" cmpd="sng" algn="ctr">
-              <a:solidFill>
-                <a:schemeClr val="accent1">
-                  <a:lumMod val="50000"/>
-                </a:schemeClr>
-              </a:solidFill>
-              <a:prstDash val="solid"/>
-              <a:round/>
-              <a:headEnd type="none" w="med" len="med"/>
-              <a:tailEnd type="none" w="med" len="med"/>
-            </a:ln>
-            <a:effectLst/>
-          </p:spPr>
-          <p:txBody>
-            <a:bodyPr vert="horz" wrap="none" lIns="72000" tIns="45720" rIns="72000" bIns="45720" numCol="1" rtlCol="0" anchor="ctr" anchorCtr="0" compatLnSpc="1">
-              <a:prstTxWarp prst="textNoShape">
-                <a:avLst/>
-              </a:prstTxWarp>
-            </a:bodyPr>
-            <a:lstStyle/>
-            <a:p>
-              <a:pPr algn="ctr"/>
-              <a:endParaRPr lang="en-US" sz="1000" b="1">
-                <a:solidFill>
-                  <a:schemeClr val="accent1">
-                    <a:lumMod val="50000"/>
-                  </a:schemeClr>
-                </a:solidFill>
-              </a:endParaRPr>
-            </a:p>
-          </p:txBody>
-        </p:sp>
-        <p:sp>
-          <p:nvSpPr>
-            <p:cNvPr id="50" name="Oval 49"/>
-            <p:cNvSpPr/>
-            <p:nvPr/>
-          </p:nvSpPr>
-          <p:spPr bwMode="auto">
-            <a:xfrm>
-              <a:off x="3637382" y="5542368"/>
-              <a:ext cx="262579" cy="245816"/>
-            </a:xfrm>
-            <a:prstGeom prst="ellipse">
-              <a:avLst/>
-            </a:prstGeom>
-            <a:solidFill>
-              <a:schemeClr val="accent1">
-                <a:lumMod val="50000"/>
-              </a:schemeClr>
-            </a:solidFill>
-            <a:ln w="19050" cap="flat" cmpd="sng" algn="ctr">
-              <a:solidFill>
-                <a:schemeClr val="accent1">
-                  <a:lumMod val="50000"/>
-                </a:schemeClr>
-              </a:solidFill>
-              <a:prstDash val="solid"/>
-              <a:round/>
-              <a:headEnd type="none" w="med" len="med"/>
-              <a:tailEnd type="none" w="med" len="med"/>
-            </a:ln>
-            <a:effectLst/>
-          </p:spPr>
-          <p:txBody>
-            <a:bodyPr vert="horz" wrap="none" lIns="72000" tIns="45720" rIns="72000" bIns="45720" numCol="1" rtlCol="0" anchor="ctr" anchorCtr="0" compatLnSpc="1">
-              <a:prstTxWarp prst="textNoShape">
-                <a:avLst/>
-              </a:prstTxWarp>
-            </a:bodyPr>
-            <a:lstStyle/>
-            <a:p>
-              <a:pPr algn="ctr"/>
-              <a:endParaRPr lang="en-US" sz="1000" b="1">
-                <a:solidFill>
-                  <a:schemeClr val="accent1">
-                    <a:lumMod val="50000"/>
-                  </a:schemeClr>
-                </a:solidFill>
-              </a:endParaRPr>
-            </a:p>
-          </p:txBody>
-        </p:sp>
-        <p:sp>
-          <p:nvSpPr>
-            <p:cNvPr id="51" name="Oval 50"/>
-            <p:cNvSpPr/>
-            <p:nvPr/>
-          </p:nvSpPr>
-          <p:spPr bwMode="auto">
-            <a:xfrm>
-              <a:off x="2563885" y="5542368"/>
-              <a:ext cx="262579" cy="245816"/>
-            </a:xfrm>
-            <a:prstGeom prst="ellipse">
-              <a:avLst/>
-            </a:prstGeom>
-            <a:solidFill>
-              <a:schemeClr val="accent1">
-                <a:lumMod val="50000"/>
-              </a:schemeClr>
-            </a:solidFill>
-            <a:ln w="19050" cap="flat" cmpd="sng" algn="ctr">
-              <a:solidFill>
-                <a:schemeClr val="accent1">
-                  <a:lumMod val="50000"/>
-                </a:schemeClr>
-              </a:solidFill>
-              <a:prstDash val="solid"/>
-              <a:round/>
-              <a:headEnd type="none" w="med" len="med"/>
-              <a:tailEnd type="none" w="med" len="med"/>
-            </a:ln>
-            <a:effectLst/>
-          </p:spPr>
-          <p:txBody>
-            <a:bodyPr vert="horz" wrap="none" lIns="72000" tIns="45720" rIns="72000" bIns="45720" numCol="1" rtlCol="0" anchor="ctr" anchorCtr="0" compatLnSpc="1">
-              <a:prstTxWarp prst="textNoShape">
-                <a:avLst/>
-              </a:prstTxWarp>
-            </a:bodyPr>
-            <a:lstStyle/>
-            <a:p>
-              <a:pPr algn="ctr"/>
-              <a:endParaRPr lang="en-US" sz="1000" b="1">
-                <a:solidFill>
-                  <a:schemeClr val="accent1">
-                    <a:lumMod val="50000"/>
-                  </a:schemeClr>
-                </a:solidFill>
-              </a:endParaRPr>
-            </a:p>
-          </p:txBody>
-        </p:sp>
-        <p:sp>
-          <p:nvSpPr>
-            <p:cNvPr id="52" name="Oval 51"/>
-            <p:cNvSpPr/>
-            <p:nvPr/>
-          </p:nvSpPr>
-          <p:spPr bwMode="auto">
-            <a:xfrm>
-              <a:off x="3105922" y="5542368"/>
-              <a:ext cx="262579" cy="245816"/>
-            </a:xfrm>
-            <a:prstGeom prst="ellipse">
-              <a:avLst/>
-            </a:prstGeom>
-            <a:solidFill>
-              <a:schemeClr val="accent1">
-                <a:lumMod val="50000"/>
-              </a:schemeClr>
-            </a:solidFill>
-            <a:ln w="19050" cap="flat" cmpd="sng" algn="ctr">
-              <a:solidFill>
-                <a:schemeClr val="accent1">
-                  <a:lumMod val="50000"/>
-                </a:schemeClr>
-              </a:solidFill>
-              <a:prstDash val="solid"/>
-              <a:round/>
-              <a:headEnd type="none" w="med" len="med"/>
-              <a:tailEnd type="none" w="med" len="med"/>
-            </a:ln>
-            <a:effectLst/>
-          </p:spPr>
-          <p:txBody>
-            <a:bodyPr vert="horz" wrap="none" lIns="72000" tIns="45720" rIns="72000" bIns="45720" numCol="1" rtlCol="0" anchor="ctr" anchorCtr="0" compatLnSpc="1">
-              <a:prstTxWarp prst="textNoShape">
-                <a:avLst/>
-              </a:prstTxWarp>
-            </a:bodyPr>
-            <a:lstStyle/>
-            <a:p>
-              <a:pPr algn="ctr"/>
-              <a:endParaRPr lang="en-US" sz="1000" b="1">
-                <a:solidFill>
-                  <a:schemeClr val="accent1">
-                    <a:lumMod val="50000"/>
-                  </a:schemeClr>
-                </a:solidFill>
-              </a:endParaRPr>
-            </a:p>
-          </p:txBody>
-        </p:sp>
-        <p:sp>
-          <p:nvSpPr>
-            <p:cNvPr id="53" name="Oval 52"/>
-            <p:cNvSpPr/>
-            <p:nvPr/>
-          </p:nvSpPr>
-          <p:spPr bwMode="auto">
-            <a:xfrm>
-              <a:off x="2030454" y="5542368"/>
-              <a:ext cx="262579" cy="245816"/>
-            </a:xfrm>
-            <a:prstGeom prst="ellipse">
-              <a:avLst/>
-            </a:prstGeom>
-            <a:solidFill>
-              <a:schemeClr val="accent1">
-                <a:lumMod val="50000"/>
-              </a:schemeClr>
-            </a:solidFill>
-            <a:ln w="19050" cap="flat" cmpd="sng" algn="ctr">
-              <a:solidFill>
-                <a:schemeClr val="accent1">
-                  <a:lumMod val="50000"/>
-                </a:schemeClr>
-              </a:solidFill>
-              <a:prstDash val="solid"/>
-              <a:round/>
-              <a:headEnd type="none" w="med" len="med"/>
-              <a:tailEnd type="none" w="med" len="med"/>
-            </a:ln>
-            <a:effectLst/>
-          </p:spPr>
-          <p:txBody>
-            <a:bodyPr vert="horz" wrap="none" lIns="72000" tIns="45720" rIns="72000" bIns="45720" numCol="1" rtlCol="0" anchor="ctr" anchorCtr="0" compatLnSpc="1">
-              <a:prstTxWarp prst="textNoShape">
-                <a:avLst/>
-              </a:prstTxWarp>
-            </a:bodyPr>
-            <a:lstStyle/>
-            <a:p>
-              <a:pPr algn="ctr"/>
-              <a:endParaRPr lang="en-US" sz="1000" b="1">
-                <a:solidFill>
-                  <a:schemeClr val="accent1">
-                    <a:lumMod val="50000"/>
-                  </a:schemeClr>
-                </a:solidFill>
-              </a:endParaRPr>
-            </a:p>
-          </p:txBody>
-        </p:sp>
-        <p:sp>
-          <p:nvSpPr>
-            <p:cNvPr id="81" name="Rounded Rectangle 80"/>
-            <p:cNvSpPr/>
-            <p:nvPr/>
-          </p:nvSpPr>
-          <p:spPr bwMode="auto">
-            <a:xfrm>
-              <a:off x="4541920" y="3910621"/>
-              <a:ext cx="531012" cy="484763"/>
-            </a:xfrm>
-            <a:prstGeom prst="roundRect">
-              <a:avLst/>
-            </a:prstGeom>
-            <a:solidFill>
-              <a:schemeClr val="accent5">
-                <a:lumMod val="75000"/>
-              </a:schemeClr>
-            </a:solidFill>
-            <a:ln w="19050" cap="flat" cmpd="sng" algn="ctr">
-              <a:solidFill>
-                <a:schemeClr val="accent1">
-                  <a:lumMod val="50000"/>
-                </a:schemeClr>
-              </a:solidFill>
-              <a:prstDash val="sysDash"/>
-              <a:round/>
-              <a:headEnd type="none" w="med" len="med"/>
-              <a:tailEnd type="none" w="med" len="med"/>
-            </a:ln>
-            <a:effectLst>
-              <a:outerShdw blurRad="50800" dist="38100" dir="2700000" algn="tl" rotWithShape="0">
-                <a:prstClr val="black">
-                  <a:alpha val="40000"/>
-                </a:prstClr>
-              </a:outerShdw>
-            </a:effectLst>
-          </p:spPr>
-          <p:txBody>
-            <a:bodyPr vert="horz" wrap="none" lIns="0" tIns="0" rIns="0" bIns="0" numCol="1" rtlCol="0" anchor="ctr" anchorCtr="0" compatLnSpc="1">
-              <a:prstTxWarp prst="textNoShape">
-                <a:avLst/>
-              </a:prstTxWarp>
-            </a:bodyPr>
-            <a:lstStyle/>
-            <a:p>
-              <a:pPr algn="ctr"/>
-              <a:r>
-                <a:rPr lang="pt-BR" sz="700" b="1" dirty="0">
-                  <a:solidFill>
-                    <a:schemeClr val="accent1">
-                      <a:lumMod val="50000"/>
-                    </a:schemeClr>
-                  </a:solidFill>
-                </a:rPr>
-                <a:t>UI</a:t>
-              </a:r>
-              <a:endParaRPr lang="en-US" sz="700" b="1" dirty="0">
-                <a:solidFill>
-                  <a:schemeClr val="accent1">
-                    <a:lumMod val="50000"/>
-                  </a:schemeClr>
-                </a:solidFill>
-              </a:endParaRPr>
-            </a:p>
-          </p:txBody>
-        </p:sp>
-        <p:cxnSp>
-          <p:nvCxnSpPr>
-            <p:cNvPr id="82" name="Straight Arrow Connector 81"/>
-            <p:cNvCxnSpPr>
-              <a:stCxn id="81" idx="1"/>
-              <a:endCxn id="17" idx="3"/>
-            </p:cNvCxnSpPr>
-            <p:nvPr/>
-          </p:nvCxnSpPr>
-          <p:spPr bwMode="auto">
-            <a:xfrm flipH="1">
-              <a:off x="4307054" y="4153003"/>
-              <a:ext cx="234866" cy="1349"/>
-            </a:xfrm>
-            <a:prstGeom prst="straightConnector1">
-              <a:avLst/>
-            </a:prstGeom>
-            <a:noFill/>
-            <a:ln w="31750" cap="flat" cmpd="sng" algn="ctr">
-              <a:solidFill>
-                <a:srgbClr val="7B23AA"/>
-              </a:solidFill>
-              <a:prstDash val="solid"/>
-              <a:round/>
-              <a:headEnd type="triangle" w="med" len="med"/>
-              <a:tailEnd type="triangle" w="med" len="med"/>
-            </a:ln>
-            <a:effectLst/>
-          </p:spPr>
-        </p:cxnSp>
-        <p:cxnSp>
-          <p:nvCxnSpPr>
-            <p:cNvPr id="36" name="Straight Arrow Connector 35"/>
-            <p:cNvCxnSpPr>
-              <a:stCxn id="24" idx="0"/>
-            </p:cNvCxnSpPr>
-            <p:nvPr/>
-          </p:nvCxnSpPr>
-          <p:spPr bwMode="auto">
-            <a:xfrm flipV="1">
-              <a:off x="4573417" y="1424940"/>
-              <a:ext cx="0" cy="984750"/>
-            </a:xfrm>
-            <a:prstGeom prst="straightConnector1">
-              <a:avLst/>
-            </a:prstGeom>
-            <a:noFill/>
-            <a:ln w="31750" cap="flat" cmpd="sng" algn="ctr">
-              <a:solidFill>
-                <a:srgbClr val="7B23AA"/>
-              </a:solidFill>
-              <a:prstDash val="solid"/>
-              <a:round/>
-              <a:headEnd type="triangle" w="med" len="med"/>
-              <a:tailEnd type="triangle" w="med" len="med"/>
-            </a:ln>
-            <a:effectLst/>
-          </p:spPr>
-        </p:cxnSp>
-      </p:grpSp>
-      <p:grpSp>
-        <p:nvGrpSpPr>
-          <p:cNvPr id="196" name="Group 195"/>
-          <p:cNvGrpSpPr/>
-          <p:nvPr/>
-        </p:nvGrpSpPr>
-        <p:grpSpPr>
-          <a:xfrm>
-            <a:off x="7043856" y="1737123"/>
-            <a:ext cx="3848041" cy="4030818"/>
-            <a:chOff x="7452230" y="1899431"/>
-            <a:chExt cx="3848041" cy="4030818"/>
-          </a:xfrm>
-        </p:grpSpPr>
-        <p:sp>
-          <p:nvSpPr>
-            <p:cNvPr id="100" name="Freeform 99"/>
-            <p:cNvSpPr>
-              <a:spLocks noChangeAspect="1" noEditPoints="1"/>
-            </p:cNvSpPr>
-            <p:nvPr/>
-          </p:nvSpPr>
-          <p:spPr bwMode="auto">
-            <a:xfrm flipH="1">
-              <a:off x="7605109" y="4461051"/>
-              <a:ext cx="2417779" cy="1469198"/>
-            </a:xfrm>
-            <a:custGeom>
-              <a:avLst/>
-              <a:gdLst>
-                <a:gd name="T0" fmla="*/ 2147483646 w 464"/>
-                <a:gd name="T1" fmla="*/ 2147483646 h 282"/>
-                <a:gd name="T2" fmla="*/ 2147483646 w 464"/>
-                <a:gd name="T3" fmla="*/ 0 h 282"/>
-                <a:gd name="T4" fmla="*/ 2147483646 w 464"/>
-                <a:gd name="T5" fmla="*/ 2147483646 h 282"/>
-                <a:gd name="T6" fmla="*/ 2147483646 w 464"/>
-                <a:gd name="T7" fmla="*/ 2147483646 h 282"/>
-                <a:gd name="T8" fmla="*/ 2147483646 w 464"/>
-                <a:gd name="T9" fmla="*/ 2147483646 h 282"/>
-                <a:gd name="T10" fmla="*/ 0 w 464"/>
-                <a:gd name="T11" fmla="*/ 2147483646 h 282"/>
-                <a:gd name="T12" fmla="*/ 2147483646 w 464"/>
-                <a:gd name="T13" fmla="*/ 2147483646 h 282"/>
-                <a:gd name="T14" fmla="*/ 2147483646 w 464"/>
-                <a:gd name="T15" fmla="*/ 2147483646 h 282"/>
-                <a:gd name="T16" fmla="*/ 2147483646 w 464"/>
-                <a:gd name="T17" fmla="*/ 2147483646 h 282"/>
-                <a:gd name="T18" fmla="*/ 2147483646 w 464"/>
-                <a:gd name="T19" fmla="*/ 2147483646 h 282"/>
-                <a:gd name="T20" fmla="*/ 2147483646 w 464"/>
-                <a:gd name="T21" fmla="*/ 2147483646 h 282"/>
-                <a:gd name="T22" fmla="*/ 2147483646 w 464"/>
-                <a:gd name="T23" fmla="*/ 2147483646 h 282"/>
-                <a:gd name="T24" fmla="*/ 2147483646 w 464"/>
-                <a:gd name="T25" fmla="*/ 2147483646 h 282"/>
-                <a:gd name="T26" fmla="*/ 2147483646 w 464"/>
-                <a:gd name="T27" fmla="*/ 2147483646 h 282"/>
-                <a:gd name="T28" fmla="*/ 2147483646 w 464"/>
-                <a:gd name="T29" fmla="*/ 2147483646 h 282"/>
-                <a:gd name="T30" fmla="*/ 2147483646 w 464"/>
-                <a:gd name="T31" fmla="*/ 2147483646 h 282"/>
-                <a:gd name="T32" fmla="*/ 2147483646 w 464"/>
-                <a:gd name="T33" fmla="*/ 2147483646 h 282"/>
-                <a:gd name="T34" fmla="*/ 2147483646 w 464"/>
-                <a:gd name="T35" fmla="*/ 2147483646 h 282"/>
-                <a:gd name="T36" fmla="*/ 2147483646 w 464"/>
-                <a:gd name="T37" fmla="*/ 2147483646 h 282"/>
-                <a:gd name="T38" fmla="*/ 2147483646 w 464"/>
-                <a:gd name="T39" fmla="*/ 2147483646 h 282"/>
-                <a:gd name="T40" fmla="*/ 2147483646 w 464"/>
-                <a:gd name="T41" fmla="*/ 2147483646 h 282"/>
-                <a:gd name="T42" fmla="*/ 2147483646 w 464"/>
-                <a:gd name="T43" fmla="*/ 2147483646 h 282"/>
-                <a:gd name="T44" fmla="*/ 2147483646 w 464"/>
-                <a:gd name="T45" fmla="*/ 2147483646 h 282"/>
-                <a:gd name="T46" fmla="*/ 2147483646 w 464"/>
-                <a:gd name="T47" fmla="*/ 2147483646 h 282"/>
-                <a:gd name="T48" fmla="*/ 2147483646 w 464"/>
-                <a:gd name="T49" fmla="*/ 2147483646 h 282"/>
-                <a:gd name="T50" fmla="*/ 2147483646 w 464"/>
-                <a:gd name="T51" fmla="*/ 2147483646 h 282"/>
-                <a:gd name="T52" fmla="*/ 2147483646 w 464"/>
-                <a:gd name="T53" fmla="*/ 2147483646 h 282"/>
-                <a:gd name="T54" fmla="*/ 2147483646 w 464"/>
-                <a:gd name="T55" fmla="*/ 2147483646 h 282"/>
-                <a:gd name="T56" fmla="*/ 2147483646 w 464"/>
-                <a:gd name="T57" fmla="*/ 2147483646 h 282"/>
-                <a:gd name="T58" fmla="*/ 2147483646 w 464"/>
-                <a:gd name="T59" fmla="*/ 2147483646 h 282"/>
-                <a:gd name="T60" fmla="*/ 2147483646 w 464"/>
-                <a:gd name="T61" fmla="*/ 2147483646 h 282"/>
-                <a:gd name="T62" fmla="*/ 2147483646 w 464"/>
-                <a:gd name="T63" fmla="*/ 2147483646 h 282"/>
-                <a:gd name="T64" fmla="*/ 2147483646 w 464"/>
-                <a:gd name="T65" fmla="*/ 2147483646 h 282"/>
-                <a:gd name="T66" fmla="*/ 2147483646 w 464"/>
-                <a:gd name="T67" fmla="*/ 2147483646 h 282"/>
-                <a:gd name="T68" fmla="*/ 2147483646 w 464"/>
-                <a:gd name="T69" fmla="*/ 2147483646 h 282"/>
-                <a:gd name="T70" fmla="*/ 2147483646 w 464"/>
-                <a:gd name="T71" fmla="*/ 2147483646 h 282"/>
-                <a:gd name="T72" fmla="*/ 2147483646 w 464"/>
-                <a:gd name="T73" fmla="*/ 2147483646 h 282"/>
-                <a:gd name="T74" fmla="*/ 2147483646 w 464"/>
-                <a:gd name="T75" fmla="*/ 2147483646 h 282"/>
-                <a:gd name="T76" fmla="*/ 2147483646 w 464"/>
-                <a:gd name="T77" fmla="*/ 2147483646 h 282"/>
-                <a:gd name="T78" fmla="*/ 2147483646 w 464"/>
-                <a:gd name="T79" fmla="*/ 2147483646 h 282"/>
-                <a:gd name="T80" fmla="*/ 0 60000 65536"/>
-                <a:gd name="T81" fmla="*/ 0 60000 65536"/>
-                <a:gd name="T82" fmla="*/ 0 60000 65536"/>
-                <a:gd name="T83" fmla="*/ 0 60000 65536"/>
-                <a:gd name="T84" fmla="*/ 0 60000 65536"/>
-                <a:gd name="T85" fmla="*/ 0 60000 65536"/>
-                <a:gd name="T86" fmla="*/ 0 60000 65536"/>
-                <a:gd name="T87" fmla="*/ 0 60000 65536"/>
-                <a:gd name="T88" fmla="*/ 0 60000 65536"/>
-                <a:gd name="T89" fmla="*/ 0 60000 65536"/>
-                <a:gd name="T90" fmla="*/ 0 60000 65536"/>
-                <a:gd name="T91" fmla="*/ 0 60000 65536"/>
-                <a:gd name="T92" fmla="*/ 0 60000 65536"/>
-                <a:gd name="T93" fmla="*/ 0 60000 65536"/>
-                <a:gd name="T94" fmla="*/ 0 60000 65536"/>
-                <a:gd name="T95" fmla="*/ 0 60000 65536"/>
-                <a:gd name="T96" fmla="*/ 0 60000 65536"/>
-                <a:gd name="T97" fmla="*/ 0 60000 65536"/>
-                <a:gd name="T98" fmla="*/ 0 60000 65536"/>
-                <a:gd name="T99" fmla="*/ 0 60000 65536"/>
-                <a:gd name="T100" fmla="*/ 0 60000 65536"/>
-                <a:gd name="T101" fmla="*/ 0 60000 65536"/>
-                <a:gd name="T102" fmla="*/ 0 60000 65536"/>
-                <a:gd name="T103" fmla="*/ 0 60000 65536"/>
-                <a:gd name="T104" fmla="*/ 0 60000 65536"/>
-                <a:gd name="T105" fmla="*/ 0 60000 65536"/>
-                <a:gd name="T106" fmla="*/ 0 60000 65536"/>
-                <a:gd name="T107" fmla="*/ 0 60000 65536"/>
-                <a:gd name="T108" fmla="*/ 0 60000 65536"/>
-                <a:gd name="T109" fmla="*/ 0 60000 65536"/>
-                <a:gd name="T110" fmla="*/ 0 60000 65536"/>
-                <a:gd name="T111" fmla="*/ 0 60000 65536"/>
-                <a:gd name="T112" fmla="*/ 0 60000 65536"/>
-                <a:gd name="T113" fmla="*/ 0 60000 65536"/>
-                <a:gd name="T114" fmla="*/ 0 60000 65536"/>
-                <a:gd name="T115" fmla="*/ 0 60000 65536"/>
-                <a:gd name="T116" fmla="*/ 0 60000 65536"/>
-                <a:gd name="T117" fmla="*/ 0 60000 65536"/>
-                <a:gd name="T118" fmla="*/ 0 60000 65536"/>
-                <a:gd name="T119" fmla="*/ 0 60000 65536"/>
-              </a:gdLst>
-              <a:ahLst/>
-              <a:cxnLst>
-                <a:cxn ang="T80">
-                  <a:pos x="T0" y="T1"/>
-                </a:cxn>
-                <a:cxn ang="T81">
-                  <a:pos x="T2" y="T3"/>
-                </a:cxn>
-                <a:cxn ang="T82">
-                  <a:pos x="T4" y="T5"/>
-                </a:cxn>
-                <a:cxn ang="T83">
-                  <a:pos x="T6" y="T7"/>
-                </a:cxn>
-                <a:cxn ang="T84">
-                  <a:pos x="T8" y="T9"/>
-                </a:cxn>
-                <a:cxn ang="T85">
-                  <a:pos x="T10" y="T11"/>
-                </a:cxn>
-                <a:cxn ang="T86">
-                  <a:pos x="T12" y="T13"/>
-                </a:cxn>
-                <a:cxn ang="T87">
-                  <a:pos x="T14" y="T15"/>
-                </a:cxn>
-                <a:cxn ang="T88">
-                  <a:pos x="T16" y="T17"/>
-                </a:cxn>
-                <a:cxn ang="T89">
-                  <a:pos x="T18" y="T19"/>
-                </a:cxn>
-                <a:cxn ang="T90">
-                  <a:pos x="T20" y="T21"/>
-                </a:cxn>
-                <a:cxn ang="T91">
-                  <a:pos x="T22" y="T23"/>
-                </a:cxn>
-                <a:cxn ang="T92">
-                  <a:pos x="T24" y="T25"/>
-                </a:cxn>
-                <a:cxn ang="T93">
-                  <a:pos x="T26" y="T27"/>
-                </a:cxn>
-                <a:cxn ang="T94">
-                  <a:pos x="T28" y="T29"/>
-                </a:cxn>
-                <a:cxn ang="T95">
-                  <a:pos x="T30" y="T31"/>
-                </a:cxn>
-                <a:cxn ang="T96">
-                  <a:pos x="T32" y="T33"/>
-                </a:cxn>
-                <a:cxn ang="T97">
-                  <a:pos x="T34" y="T35"/>
-                </a:cxn>
-                <a:cxn ang="T98">
-                  <a:pos x="T36" y="T37"/>
-                </a:cxn>
-                <a:cxn ang="T99">
-                  <a:pos x="T38" y="T39"/>
-                </a:cxn>
-                <a:cxn ang="T100">
-                  <a:pos x="T40" y="T41"/>
-                </a:cxn>
-                <a:cxn ang="T101">
-                  <a:pos x="T42" y="T43"/>
-                </a:cxn>
-                <a:cxn ang="T102">
-                  <a:pos x="T44" y="T45"/>
-                </a:cxn>
-                <a:cxn ang="T103">
-                  <a:pos x="T46" y="T47"/>
-                </a:cxn>
-                <a:cxn ang="T104">
-                  <a:pos x="T48" y="T49"/>
-                </a:cxn>
-                <a:cxn ang="T105">
-                  <a:pos x="T50" y="T51"/>
-                </a:cxn>
-                <a:cxn ang="T106">
-                  <a:pos x="T52" y="T53"/>
-                </a:cxn>
-                <a:cxn ang="T107">
-                  <a:pos x="T54" y="T55"/>
-                </a:cxn>
-                <a:cxn ang="T108">
-                  <a:pos x="T56" y="T57"/>
-                </a:cxn>
-                <a:cxn ang="T109">
-                  <a:pos x="T58" y="T59"/>
-                </a:cxn>
-                <a:cxn ang="T110">
-                  <a:pos x="T60" y="T61"/>
-                </a:cxn>
-                <a:cxn ang="T111">
-                  <a:pos x="T62" y="T63"/>
-                </a:cxn>
-                <a:cxn ang="T112">
-                  <a:pos x="T64" y="T65"/>
-                </a:cxn>
-                <a:cxn ang="T113">
-                  <a:pos x="T66" y="T67"/>
-                </a:cxn>
-                <a:cxn ang="T114">
-                  <a:pos x="T68" y="T69"/>
-                </a:cxn>
-                <a:cxn ang="T115">
-                  <a:pos x="T70" y="T71"/>
-                </a:cxn>
-                <a:cxn ang="T116">
-                  <a:pos x="T72" y="T73"/>
-                </a:cxn>
-                <a:cxn ang="T117">
-                  <a:pos x="T74" y="T75"/>
-                </a:cxn>
-                <a:cxn ang="T118">
-                  <a:pos x="T76" y="T77"/>
-                </a:cxn>
-                <a:cxn ang="T119">
-                  <a:pos x="T78" y="T79"/>
-                </a:cxn>
-              </a:cxnLst>
-              <a:rect l="0" t="0" r="r" b="b"/>
-              <a:pathLst>
-                <a:path w="464" h="282">
-                  <a:moveTo>
-                    <a:pt x="456" y="52"/>
-                  </a:moveTo>
-                  <a:cubicBezTo>
-                    <a:pt x="461" y="52"/>
-                    <a:pt x="464" y="49"/>
-                    <a:pt x="464" y="44"/>
-                  </a:cubicBezTo>
-                  <a:cubicBezTo>
-                    <a:pt x="464" y="17"/>
-                    <a:pt x="464" y="17"/>
-                    <a:pt x="464" y="17"/>
-                  </a:cubicBezTo>
-                  <a:cubicBezTo>
-                    <a:pt x="464" y="8"/>
-                    <a:pt x="456" y="0"/>
-                    <a:pt x="447" y="0"/>
-                  </a:cubicBezTo>
-                  <a:cubicBezTo>
-                    <a:pt x="196" y="0"/>
-                    <a:pt x="196" y="0"/>
-                    <a:pt x="196" y="0"/>
-                  </a:cubicBezTo>
-                  <a:cubicBezTo>
-                    <a:pt x="187" y="0"/>
-                    <a:pt x="179" y="8"/>
-                    <a:pt x="179" y="17"/>
-                  </a:cubicBezTo>
-                  <a:cubicBezTo>
-                    <a:pt x="179" y="71"/>
-                    <a:pt x="179" y="71"/>
-                    <a:pt x="179" y="71"/>
-                  </a:cubicBezTo>
-                  <a:cubicBezTo>
-                    <a:pt x="156" y="71"/>
-                    <a:pt x="156" y="71"/>
-                    <a:pt x="156" y="71"/>
-                  </a:cubicBezTo>
-                  <a:cubicBezTo>
-                    <a:pt x="156" y="63"/>
-                    <a:pt x="156" y="63"/>
-                    <a:pt x="156" y="63"/>
-                  </a:cubicBezTo>
-                  <a:cubicBezTo>
-                    <a:pt x="156" y="53"/>
-                    <a:pt x="148" y="45"/>
-                    <a:pt x="138" y="45"/>
-                  </a:cubicBezTo>
-                  <a:cubicBezTo>
-                    <a:pt x="59" y="45"/>
-                    <a:pt x="59" y="45"/>
-                    <a:pt x="59" y="45"/>
-                  </a:cubicBezTo>
-                  <a:cubicBezTo>
-                    <a:pt x="24" y="45"/>
-                    <a:pt x="0" y="101"/>
-                    <a:pt x="0" y="153"/>
-                  </a:cubicBezTo>
-                  <a:cubicBezTo>
-                    <a:pt x="0" y="240"/>
-                    <a:pt x="0" y="240"/>
-                    <a:pt x="0" y="240"/>
-                  </a:cubicBezTo>
-                  <a:cubicBezTo>
-                    <a:pt x="0" y="242"/>
-                    <a:pt x="1" y="244"/>
-                    <a:pt x="2" y="246"/>
-                  </a:cubicBezTo>
-                  <a:cubicBezTo>
-                    <a:pt x="4" y="247"/>
-                    <a:pt x="6" y="248"/>
-                    <a:pt x="8" y="248"/>
-                  </a:cubicBezTo>
-                  <a:cubicBezTo>
-                    <a:pt x="40" y="248"/>
-                    <a:pt x="40" y="248"/>
-                    <a:pt x="40" y="248"/>
-                  </a:cubicBezTo>
-                  <a:cubicBezTo>
-                    <a:pt x="44" y="267"/>
-                    <a:pt x="61" y="282"/>
-                    <a:pt x="81" y="282"/>
-                  </a:cubicBezTo>
-                  <a:cubicBezTo>
-                    <a:pt x="101" y="282"/>
-                    <a:pt x="118" y="267"/>
-                    <a:pt x="122" y="248"/>
-                  </a:cubicBezTo>
-                  <a:cubicBezTo>
-                    <a:pt x="148" y="248"/>
-                    <a:pt x="148" y="248"/>
-                    <a:pt x="148" y="248"/>
-                  </a:cubicBezTo>
-                  <a:cubicBezTo>
-                    <a:pt x="152" y="248"/>
-                    <a:pt x="155" y="245"/>
-                    <a:pt x="156" y="241"/>
-                  </a:cubicBezTo>
-                  <a:cubicBezTo>
-                    <a:pt x="319" y="241"/>
-                    <a:pt x="319" y="241"/>
-                    <a:pt x="319" y="241"/>
-                  </a:cubicBezTo>
-                  <a:cubicBezTo>
-                    <a:pt x="319" y="263"/>
-                    <a:pt x="338" y="282"/>
-                    <a:pt x="360" y="282"/>
-                  </a:cubicBezTo>
-                  <a:cubicBezTo>
-                    <a:pt x="383" y="282"/>
-                    <a:pt x="402" y="263"/>
-                    <a:pt x="402" y="241"/>
-                  </a:cubicBezTo>
-                  <a:cubicBezTo>
-                    <a:pt x="447" y="241"/>
-                    <a:pt x="447" y="241"/>
-                    <a:pt x="447" y="241"/>
-                  </a:cubicBezTo>
-                  <a:cubicBezTo>
-                    <a:pt x="456" y="241"/>
-                    <a:pt x="464" y="233"/>
-                    <a:pt x="464" y="223"/>
-                  </a:cubicBezTo>
-                  <a:cubicBezTo>
-                    <a:pt x="464" y="76"/>
-                    <a:pt x="464" y="76"/>
-                    <a:pt x="464" y="76"/>
-                  </a:cubicBezTo>
-                  <a:cubicBezTo>
-                    <a:pt x="464" y="71"/>
-                    <a:pt x="461" y="68"/>
-                    <a:pt x="456" y="68"/>
-                  </a:cubicBezTo>
-                  <a:cubicBezTo>
-                    <a:pt x="452" y="68"/>
-                    <a:pt x="448" y="71"/>
-                    <a:pt x="448" y="76"/>
-                  </a:cubicBezTo>
-                  <a:cubicBezTo>
-                    <a:pt x="448" y="168"/>
-                    <a:pt x="448" y="168"/>
-                    <a:pt x="448" y="168"/>
-                  </a:cubicBezTo>
-                  <a:cubicBezTo>
-                    <a:pt x="195" y="168"/>
-                    <a:pt x="195" y="168"/>
-                    <a:pt x="195" y="168"/>
-                  </a:cubicBezTo>
-                  <a:cubicBezTo>
-                    <a:pt x="195" y="17"/>
-                    <a:pt x="195" y="17"/>
-                    <a:pt x="195" y="17"/>
-                  </a:cubicBezTo>
-                  <a:cubicBezTo>
-                    <a:pt x="195" y="17"/>
-                    <a:pt x="195" y="16"/>
-                    <a:pt x="196" y="16"/>
-                  </a:cubicBezTo>
-                  <a:cubicBezTo>
-                    <a:pt x="447" y="16"/>
-                    <a:pt x="447" y="16"/>
-                    <a:pt x="447" y="16"/>
-                  </a:cubicBezTo>
-                  <a:cubicBezTo>
-                    <a:pt x="448" y="16"/>
-                    <a:pt x="448" y="17"/>
-                    <a:pt x="448" y="17"/>
-                  </a:cubicBezTo>
-                  <a:cubicBezTo>
-                    <a:pt x="448" y="44"/>
-                    <a:pt x="448" y="44"/>
-                    <a:pt x="448" y="44"/>
-                  </a:cubicBezTo>
-                  <a:cubicBezTo>
-                    <a:pt x="448" y="49"/>
-                    <a:pt x="452" y="52"/>
-                    <a:pt x="456" y="52"/>
-                  </a:cubicBezTo>
-                  <a:close/>
-                  <a:moveTo>
-                    <a:pt x="27" y="95"/>
-                  </a:moveTo>
-                  <a:cubicBezTo>
-                    <a:pt x="27" y="95"/>
-                    <a:pt x="28" y="95"/>
-                    <a:pt x="28" y="95"/>
-                  </a:cubicBezTo>
-                  <a:cubicBezTo>
-                    <a:pt x="86" y="95"/>
-                    <a:pt x="86" y="95"/>
-                    <a:pt x="86" y="95"/>
-                  </a:cubicBezTo>
-                  <a:cubicBezTo>
-                    <a:pt x="86" y="145"/>
-                    <a:pt x="86" y="145"/>
-                    <a:pt x="86" y="145"/>
-                  </a:cubicBezTo>
-                  <a:cubicBezTo>
-                    <a:pt x="16" y="145"/>
-                    <a:pt x="16" y="145"/>
-                    <a:pt x="16" y="145"/>
-                  </a:cubicBezTo>
-                  <a:cubicBezTo>
-                    <a:pt x="17" y="127"/>
-                    <a:pt x="21" y="109"/>
-                    <a:pt x="27" y="95"/>
-                  </a:cubicBezTo>
-                  <a:close/>
-                  <a:moveTo>
-                    <a:pt x="81" y="266"/>
-                  </a:moveTo>
-                  <a:cubicBezTo>
-                    <a:pt x="67" y="266"/>
-                    <a:pt x="55" y="254"/>
-                    <a:pt x="55" y="240"/>
-                  </a:cubicBezTo>
-                  <a:cubicBezTo>
-                    <a:pt x="55" y="226"/>
-                    <a:pt x="67" y="214"/>
-                    <a:pt x="81" y="214"/>
-                  </a:cubicBezTo>
-                  <a:cubicBezTo>
-                    <a:pt x="95" y="214"/>
-                    <a:pt x="107" y="226"/>
-                    <a:pt x="107" y="240"/>
-                  </a:cubicBezTo>
-                  <a:cubicBezTo>
-                    <a:pt x="107" y="254"/>
-                    <a:pt x="95" y="266"/>
-                    <a:pt x="81" y="266"/>
-                  </a:cubicBezTo>
-                  <a:close/>
-                  <a:moveTo>
-                    <a:pt x="140" y="232"/>
-                  </a:moveTo>
-                  <a:cubicBezTo>
-                    <a:pt x="122" y="232"/>
-                    <a:pt x="122" y="232"/>
-                    <a:pt x="122" y="232"/>
-                  </a:cubicBezTo>
-                  <a:cubicBezTo>
-                    <a:pt x="118" y="213"/>
-                    <a:pt x="101" y="198"/>
-                    <a:pt x="81" y="198"/>
-                  </a:cubicBezTo>
-                  <a:cubicBezTo>
-                    <a:pt x="61" y="198"/>
-                    <a:pt x="44" y="213"/>
-                    <a:pt x="40" y="232"/>
-                  </a:cubicBezTo>
-                  <a:cubicBezTo>
-                    <a:pt x="16" y="232"/>
-                    <a:pt x="16" y="232"/>
-                    <a:pt x="16" y="232"/>
-                  </a:cubicBezTo>
-                  <a:cubicBezTo>
-                    <a:pt x="16" y="161"/>
-                    <a:pt x="16" y="161"/>
-                    <a:pt x="16" y="161"/>
-                  </a:cubicBezTo>
-                  <a:cubicBezTo>
-                    <a:pt x="94" y="161"/>
-                    <a:pt x="94" y="161"/>
-                    <a:pt x="94" y="161"/>
-                  </a:cubicBezTo>
-                  <a:cubicBezTo>
-                    <a:pt x="99" y="161"/>
-                    <a:pt x="102" y="157"/>
-                    <a:pt x="102" y="153"/>
-                  </a:cubicBezTo>
-                  <a:cubicBezTo>
-                    <a:pt x="102" y="87"/>
-                    <a:pt x="102" y="87"/>
-                    <a:pt x="102" y="87"/>
-                  </a:cubicBezTo>
-                  <a:cubicBezTo>
-                    <a:pt x="102" y="83"/>
-                    <a:pt x="99" y="79"/>
-                    <a:pt x="94" y="79"/>
-                  </a:cubicBezTo>
-                  <a:cubicBezTo>
-                    <a:pt x="35" y="79"/>
-                    <a:pt x="35" y="79"/>
-                    <a:pt x="35" y="79"/>
-                  </a:cubicBezTo>
-                  <a:cubicBezTo>
-                    <a:pt x="42" y="68"/>
-                    <a:pt x="50" y="61"/>
-                    <a:pt x="59" y="61"/>
-                  </a:cubicBezTo>
-                  <a:cubicBezTo>
-                    <a:pt x="138" y="61"/>
-                    <a:pt x="138" y="61"/>
-                    <a:pt x="138" y="61"/>
-                  </a:cubicBezTo>
-                  <a:cubicBezTo>
-                    <a:pt x="139" y="61"/>
-                    <a:pt x="140" y="62"/>
-                    <a:pt x="140" y="63"/>
-                  </a:cubicBezTo>
-                  <a:lnTo>
-                    <a:pt x="140" y="232"/>
-                  </a:lnTo>
-                  <a:close/>
-                  <a:moveTo>
-                    <a:pt x="179" y="225"/>
-                  </a:moveTo>
-                  <a:cubicBezTo>
-                    <a:pt x="156" y="225"/>
-                    <a:pt x="156" y="225"/>
-                    <a:pt x="156" y="225"/>
-                  </a:cubicBezTo>
-                  <a:cubicBezTo>
-                    <a:pt x="156" y="87"/>
-                    <a:pt x="156" y="87"/>
-                    <a:pt x="156" y="87"/>
-                  </a:cubicBezTo>
-                  <a:cubicBezTo>
-                    <a:pt x="179" y="87"/>
-                    <a:pt x="179" y="87"/>
-                    <a:pt x="179" y="87"/>
-                  </a:cubicBezTo>
-                  <a:lnTo>
-                    <a:pt x="179" y="225"/>
-                  </a:lnTo>
-                  <a:close/>
-                  <a:moveTo>
-                    <a:pt x="360" y="266"/>
-                  </a:moveTo>
-                  <a:cubicBezTo>
-                    <a:pt x="346" y="266"/>
-                    <a:pt x="335" y="254"/>
-                    <a:pt x="335" y="240"/>
-                  </a:cubicBezTo>
-                  <a:cubicBezTo>
-                    <a:pt x="335" y="226"/>
-                    <a:pt x="346" y="214"/>
-                    <a:pt x="360" y="214"/>
-                  </a:cubicBezTo>
-                  <a:cubicBezTo>
-                    <a:pt x="375" y="214"/>
-                    <a:pt x="386" y="226"/>
-                    <a:pt x="386" y="240"/>
-                  </a:cubicBezTo>
-                  <a:cubicBezTo>
-                    <a:pt x="386" y="254"/>
-                    <a:pt x="375" y="266"/>
-                    <a:pt x="360" y="266"/>
-                  </a:cubicBezTo>
-                  <a:close/>
-                  <a:moveTo>
-                    <a:pt x="448" y="184"/>
-                  </a:moveTo>
-                  <a:cubicBezTo>
-                    <a:pt x="448" y="223"/>
-                    <a:pt x="448" y="223"/>
-                    <a:pt x="448" y="223"/>
-                  </a:cubicBezTo>
-                  <a:cubicBezTo>
-                    <a:pt x="448" y="224"/>
-                    <a:pt x="448" y="225"/>
-                    <a:pt x="447" y="225"/>
-                  </a:cubicBezTo>
-                  <a:cubicBezTo>
-                    <a:pt x="399" y="225"/>
-                    <a:pt x="399" y="225"/>
-                    <a:pt x="399" y="225"/>
-                  </a:cubicBezTo>
-                  <a:cubicBezTo>
-                    <a:pt x="393" y="209"/>
-                    <a:pt x="378" y="198"/>
-                    <a:pt x="360" y="198"/>
-                  </a:cubicBezTo>
-                  <a:cubicBezTo>
-                    <a:pt x="343" y="198"/>
-                    <a:pt x="327" y="209"/>
-                    <a:pt x="321" y="225"/>
-                  </a:cubicBezTo>
-                  <a:cubicBezTo>
-                    <a:pt x="195" y="225"/>
-                    <a:pt x="195" y="225"/>
-                    <a:pt x="195" y="225"/>
-                  </a:cubicBezTo>
-                  <a:cubicBezTo>
-                    <a:pt x="195" y="184"/>
-                    <a:pt x="195" y="184"/>
-                    <a:pt x="195" y="184"/>
-                  </a:cubicBezTo>
-                  <a:lnTo>
-                    <a:pt x="448" y="184"/>
-                  </a:lnTo>
-                  <a:close/>
-                </a:path>
-              </a:pathLst>
-            </a:custGeom>
-            <a:solidFill>
-              <a:schemeClr val="tx1">
-                <a:lumMod val="60000"/>
-                <a:lumOff val="40000"/>
-              </a:schemeClr>
-            </a:solidFill>
-            <a:ln>
-              <a:noFill/>
-            </a:ln>
-            <a:extLst/>
-          </p:spPr>
-          <p:txBody>
-            <a:bodyPr/>
-            <a:lstStyle>
-              <a:defPPr>
-                <a:defRPr lang="en-US"/>
-              </a:defPPr>
-              <a:lvl1pPr algn="l" rtl="0" eaLnBrk="0" fontAlgn="base" hangingPunct="0">
-                <a:spcBef>
-                  <a:spcPct val="0"/>
-                </a:spcBef>
-                <a:spcAft>
-                  <a:spcPct val="0"/>
-                </a:spcAft>
-                <a:defRPr sz="2000" kern="1200">
-                  <a:solidFill>
-                    <a:schemeClr val="tx1"/>
-                  </a:solidFill>
-                  <a:latin typeface="Arial" panose="020B0604020202020204" pitchFamily="34" charset="0"/>
-                  <a:ea typeface="MS PGothic" panose="020B0600070205080204" pitchFamily="34" charset="-128"/>
-                  <a:cs typeface="+mn-cs"/>
-                </a:defRPr>
-              </a:lvl1pPr>
-              <a:lvl2pPr marL="457200" algn="l" rtl="0" eaLnBrk="0" fontAlgn="base" hangingPunct="0">
-                <a:spcBef>
-                  <a:spcPct val="0"/>
-                </a:spcBef>
-                <a:spcAft>
-                  <a:spcPct val="0"/>
-                </a:spcAft>
-                <a:defRPr sz="2000" kern="1200">
-                  <a:solidFill>
-                    <a:schemeClr val="tx1"/>
-                  </a:solidFill>
-                  <a:latin typeface="Arial" panose="020B0604020202020204" pitchFamily="34" charset="0"/>
-                  <a:ea typeface="MS PGothic" panose="020B0600070205080204" pitchFamily="34" charset="-128"/>
-                  <a:cs typeface="+mn-cs"/>
-                </a:defRPr>
-              </a:lvl2pPr>
-              <a:lvl3pPr marL="914400" algn="l" rtl="0" eaLnBrk="0" fontAlgn="base" hangingPunct="0">
-                <a:spcBef>
-                  <a:spcPct val="0"/>
-                </a:spcBef>
-                <a:spcAft>
-                  <a:spcPct val="0"/>
-                </a:spcAft>
-                <a:defRPr sz="2000" kern="1200">
-                  <a:solidFill>
-                    <a:schemeClr val="tx1"/>
-                  </a:solidFill>
-                  <a:latin typeface="Arial" panose="020B0604020202020204" pitchFamily="34" charset="0"/>
-                  <a:ea typeface="MS PGothic" panose="020B0600070205080204" pitchFamily="34" charset="-128"/>
-                  <a:cs typeface="+mn-cs"/>
-                </a:defRPr>
-              </a:lvl3pPr>
-              <a:lvl4pPr marL="1371600" algn="l" rtl="0" eaLnBrk="0" fontAlgn="base" hangingPunct="0">
-                <a:spcBef>
-                  <a:spcPct val="0"/>
-                </a:spcBef>
-                <a:spcAft>
-                  <a:spcPct val="0"/>
-                </a:spcAft>
-                <a:defRPr sz="2000" kern="1200">
-                  <a:solidFill>
-                    <a:schemeClr val="tx1"/>
-                  </a:solidFill>
-                  <a:latin typeface="Arial" panose="020B0604020202020204" pitchFamily="34" charset="0"/>
-                  <a:ea typeface="MS PGothic" panose="020B0600070205080204" pitchFamily="34" charset="-128"/>
-                  <a:cs typeface="+mn-cs"/>
-                </a:defRPr>
-              </a:lvl4pPr>
-              <a:lvl5pPr marL="1828800" algn="l" rtl="0" eaLnBrk="0" fontAlgn="base" hangingPunct="0">
-                <a:spcBef>
-                  <a:spcPct val="0"/>
-                </a:spcBef>
-                <a:spcAft>
-                  <a:spcPct val="0"/>
-                </a:spcAft>
-                <a:defRPr sz="2000" kern="1200">
-                  <a:solidFill>
-                    <a:schemeClr val="tx1"/>
-                  </a:solidFill>
-                  <a:latin typeface="Arial" panose="020B0604020202020204" pitchFamily="34" charset="0"/>
-                  <a:ea typeface="MS PGothic" panose="020B0600070205080204" pitchFamily="34" charset="-128"/>
-                  <a:cs typeface="+mn-cs"/>
-                </a:defRPr>
-              </a:lvl5pPr>
-              <a:lvl6pPr marL="2286000" algn="l" defTabSz="914400" rtl="0" eaLnBrk="1" latinLnBrk="0" hangingPunct="1">
-                <a:defRPr sz="2000" kern="1200">
-                  <a:solidFill>
-                    <a:schemeClr val="tx1"/>
-                  </a:solidFill>
-                  <a:latin typeface="Arial" panose="020B0604020202020204" pitchFamily="34" charset="0"/>
-                  <a:ea typeface="MS PGothic" panose="020B0600070205080204" pitchFamily="34" charset="-128"/>
-                  <a:cs typeface="+mn-cs"/>
-                </a:defRPr>
-              </a:lvl6pPr>
-              <a:lvl7pPr marL="2743200" algn="l" defTabSz="914400" rtl="0" eaLnBrk="1" latinLnBrk="0" hangingPunct="1">
-                <a:defRPr sz="2000" kern="1200">
-                  <a:solidFill>
-                    <a:schemeClr val="tx1"/>
-                  </a:solidFill>
-                  <a:latin typeface="Arial" panose="020B0604020202020204" pitchFamily="34" charset="0"/>
-                  <a:ea typeface="MS PGothic" panose="020B0600070205080204" pitchFamily="34" charset="-128"/>
-                  <a:cs typeface="+mn-cs"/>
-                </a:defRPr>
-              </a:lvl7pPr>
-              <a:lvl8pPr marL="3200400" algn="l" defTabSz="914400" rtl="0" eaLnBrk="1" latinLnBrk="0" hangingPunct="1">
-                <a:defRPr sz="2000" kern="1200">
-                  <a:solidFill>
-                    <a:schemeClr val="tx1"/>
-                  </a:solidFill>
-                  <a:latin typeface="Arial" panose="020B0604020202020204" pitchFamily="34" charset="0"/>
-                  <a:ea typeface="MS PGothic" panose="020B0600070205080204" pitchFamily="34" charset="-128"/>
-                  <a:cs typeface="+mn-cs"/>
-                </a:defRPr>
-              </a:lvl8pPr>
-              <a:lvl9pPr marL="3657600" algn="l" defTabSz="914400" rtl="0" eaLnBrk="1" latinLnBrk="0" hangingPunct="1">
-                <a:defRPr sz="2000" kern="1200">
-                  <a:solidFill>
-                    <a:schemeClr val="tx1"/>
-                  </a:solidFill>
-                  <a:latin typeface="Arial" panose="020B0604020202020204" pitchFamily="34" charset="0"/>
-                  <a:ea typeface="MS PGothic" panose="020B0600070205080204" pitchFamily="34" charset="-128"/>
-                  <a:cs typeface="+mn-cs"/>
-                </a:defRPr>
-              </a:lvl9pPr>
-            </a:lstStyle>
-            <a:p>
-              <a:endParaRPr lang="pt-BR"/>
-            </a:p>
-          </p:txBody>
-        </p:sp>
-        <p:sp>
-          <p:nvSpPr>
-            <p:cNvPr id="172" name="Freeform 171"/>
-            <p:cNvSpPr>
-              <a:spLocks noChangeAspect="1" noEditPoints="1"/>
-            </p:cNvSpPr>
-            <p:nvPr/>
-          </p:nvSpPr>
-          <p:spPr bwMode="auto">
-            <a:xfrm>
-              <a:off x="8677366" y="3909448"/>
-              <a:ext cx="1247869" cy="300785"/>
-            </a:xfrm>
-            <a:custGeom>
-              <a:avLst/>
-              <a:gdLst>
-                <a:gd name="T0" fmla="*/ 2147483646 w 472"/>
-                <a:gd name="T1" fmla="*/ 2147483646 h 114"/>
-                <a:gd name="T2" fmla="*/ 2147483646 w 472"/>
-                <a:gd name="T3" fmla="*/ 2147483646 h 114"/>
-                <a:gd name="T4" fmla="*/ 2147483646 w 472"/>
-                <a:gd name="T5" fmla="*/ 2147483646 h 114"/>
-                <a:gd name="T6" fmla="*/ 2147483646 w 472"/>
-                <a:gd name="T7" fmla="*/ 2147483646 h 114"/>
-                <a:gd name="T8" fmla="*/ 2147483646 w 472"/>
-                <a:gd name="T9" fmla="*/ 2147483646 h 114"/>
-                <a:gd name="T10" fmla="*/ 2147483646 w 472"/>
-                <a:gd name="T11" fmla="*/ 2147483646 h 114"/>
-                <a:gd name="T12" fmla="*/ 2147483646 w 472"/>
-                <a:gd name="T13" fmla="*/ 2147483646 h 114"/>
-                <a:gd name="T14" fmla="*/ 2147483646 w 472"/>
-                <a:gd name="T15" fmla="*/ 2147483646 h 114"/>
-                <a:gd name="T16" fmla="*/ 2147483646 w 472"/>
-                <a:gd name="T17" fmla="*/ 2147483646 h 114"/>
-                <a:gd name="T18" fmla="*/ 2147483646 w 472"/>
-                <a:gd name="T19" fmla="*/ 2147483646 h 114"/>
-                <a:gd name="T20" fmla="*/ 2147483646 w 472"/>
-                <a:gd name="T21" fmla="*/ 2147483646 h 114"/>
-                <a:gd name="T22" fmla="*/ 2147483646 w 472"/>
-                <a:gd name="T23" fmla="*/ 2147483646 h 114"/>
-                <a:gd name="T24" fmla="*/ 2147483646 w 472"/>
-                <a:gd name="T25" fmla="*/ 2147483646 h 114"/>
-                <a:gd name="T26" fmla="*/ 2147483646 w 472"/>
-                <a:gd name="T27" fmla="*/ 2147483646 h 114"/>
-                <a:gd name="T28" fmla="*/ 2147483646 w 472"/>
-                <a:gd name="T29" fmla="*/ 2147483646 h 114"/>
-                <a:gd name="T30" fmla="*/ 2147483646 w 472"/>
-                <a:gd name="T31" fmla="*/ 2147483646 h 114"/>
-                <a:gd name="T32" fmla="*/ 2147483646 w 472"/>
-                <a:gd name="T33" fmla="*/ 2147483646 h 114"/>
-                <a:gd name="T34" fmla="*/ 2147483646 w 472"/>
-                <a:gd name="T35" fmla="*/ 2147483646 h 114"/>
-                <a:gd name="T36" fmla="*/ 2147483646 w 472"/>
-                <a:gd name="T37" fmla="*/ 2147483646 h 114"/>
-                <a:gd name="T38" fmla="*/ 2147483646 w 472"/>
-                <a:gd name="T39" fmla="*/ 2147483646 h 114"/>
-                <a:gd name="T40" fmla="*/ 2147483646 w 472"/>
-                <a:gd name="T41" fmla="*/ 2147483646 h 114"/>
-                <a:gd name="T42" fmla="*/ 2147483646 w 472"/>
-                <a:gd name="T43" fmla="*/ 2147483646 h 114"/>
-                <a:gd name="T44" fmla="*/ 2147483646 w 472"/>
-                <a:gd name="T45" fmla="*/ 0 h 114"/>
-                <a:gd name="T46" fmla="*/ 2147483646 w 472"/>
-                <a:gd name="T47" fmla="*/ 0 h 114"/>
-                <a:gd name="T48" fmla="*/ 0 w 472"/>
-                <a:gd name="T49" fmla="*/ 2147483646 h 114"/>
-                <a:gd name="T50" fmla="*/ 0 w 472"/>
-                <a:gd name="T51" fmla="*/ 2147483646 h 114"/>
-                <a:gd name="T52" fmla="*/ 2147483646 w 472"/>
-                <a:gd name="T53" fmla="*/ 2147483646 h 114"/>
-                <a:gd name="T54" fmla="*/ 2147483646 w 472"/>
-                <a:gd name="T55" fmla="*/ 2147483646 h 114"/>
-                <a:gd name="T56" fmla="*/ 2147483646 w 472"/>
-                <a:gd name="T57" fmla="*/ 2147483646 h 114"/>
-                <a:gd name="T58" fmla="*/ 2147483646 w 472"/>
-                <a:gd name="T59" fmla="*/ 2147483646 h 114"/>
-                <a:gd name="T60" fmla="*/ 2147483646 w 472"/>
-                <a:gd name="T61" fmla="*/ 2147483646 h 114"/>
-                <a:gd name="T62" fmla="*/ 2147483646 w 472"/>
-                <a:gd name="T63" fmla="*/ 2147483646 h 114"/>
-                <a:gd name="T64" fmla="*/ 2147483646 w 472"/>
-                <a:gd name="T65" fmla="*/ 2147483646 h 114"/>
-                <a:gd name="T66" fmla="*/ 2147483646 w 472"/>
-                <a:gd name="T67" fmla="*/ 2147483646 h 114"/>
-                <a:gd name="T68" fmla="*/ 2147483646 w 472"/>
-                <a:gd name="T69" fmla="*/ 2147483646 h 114"/>
-                <a:gd name="T70" fmla="*/ 2147483646 w 472"/>
-                <a:gd name="T71" fmla="*/ 2147483646 h 114"/>
-                <a:gd name="T72" fmla="*/ 2147483646 w 472"/>
-                <a:gd name="T73" fmla="*/ 2147483646 h 114"/>
-                <a:gd name="T74" fmla="*/ 2147483646 w 472"/>
-                <a:gd name="T75" fmla="*/ 2147483646 h 114"/>
-                <a:gd name="T76" fmla="*/ 2147483646 w 472"/>
-                <a:gd name="T77" fmla="*/ 2147483646 h 114"/>
-                <a:gd name="T78" fmla="*/ 2147483646 w 472"/>
-                <a:gd name="T79" fmla="*/ 2147483646 h 114"/>
-                <a:gd name="T80" fmla="*/ 2147483646 w 472"/>
-                <a:gd name="T81" fmla="*/ 2147483646 h 114"/>
-                <a:gd name="T82" fmla="*/ 2147483646 w 472"/>
-                <a:gd name="T83" fmla="*/ 2147483646 h 114"/>
-                <a:gd name="T84" fmla="*/ 2147483646 w 472"/>
-                <a:gd name="T85" fmla="*/ 2147483646 h 114"/>
-                <a:gd name="T86" fmla="*/ 2147483646 w 472"/>
-                <a:gd name="T87" fmla="*/ 2147483646 h 114"/>
-                <a:gd name="T88" fmla="*/ 2147483646 w 472"/>
-                <a:gd name="T89" fmla="*/ 2147483646 h 114"/>
-                <a:gd name="T90" fmla="*/ 2147483646 w 472"/>
-                <a:gd name="T91" fmla="*/ 2147483646 h 114"/>
-                <a:gd name="T92" fmla="*/ 2147483646 w 472"/>
-                <a:gd name="T93" fmla="*/ 2147483646 h 114"/>
-                <a:gd name="T94" fmla="*/ 2147483646 w 472"/>
-                <a:gd name="T95" fmla="*/ 2147483646 h 114"/>
-                <a:gd name="T96" fmla="*/ 2147483646 w 472"/>
-                <a:gd name="T97" fmla="*/ 2147483646 h 114"/>
-                <a:gd name="T98" fmla="*/ 2147483646 w 472"/>
-                <a:gd name="T99" fmla="*/ 2147483646 h 114"/>
-                <a:gd name="T100" fmla="*/ 2147483646 w 472"/>
-                <a:gd name="T101" fmla="*/ 2147483646 h 114"/>
-                <a:gd name="T102" fmla="*/ 2147483646 w 472"/>
-                <a:gd name="T103" fmla="*/ 2147483646 h 114"/>
-                <a:gd name="T104" fmla="*/ 0 60000 65536"/>
-                <a:gd name="T105" fmla="*/ 0 60000 65536"/>
-                <a:gd name="T106" fmla="*/ 0 60000 65536"/>
-                <a:gd name="T107" fmla="*/ 0 60000 65536"/>
-                <a:gd name="T108" fmla="*/ 0 60000 65536"/>
-                <a:gd name="T109" fmla="*/ 0 60000 65536"/>
-                <a:gd name="T110" fmla="*/ 0 60000 65536"/>
-                <a:gd name="T111" fmla="*/ 0 60000 65536"/>
-                <a:gd name="T112" fmla="*/ 0 60000 65536"/>
-                <a:gd name="T113" fmla="*/ 0 60000 65536"/>
-                <a:gd name="T114" fmla="*/ 0 60000 65536"/>
-                <a:gd name="T115" fmla="*/ 0 60000 65536"/>
-                <a:gd name="T116" fmla="*/ 0 60000 65536"/>
-                <a:gd name="T117" fmla="*/ 0 60000 65536"/>
-                <a:gd name="T118" fmla="*/ 0 60000 65536"/>
-                <a:gd name="T119" fmla="*/ 0 60000 65536"/>
-                <a:gd name="T120" fmla="*/ 0 60000 65536"/>
-                <a:gd name="T121" fmla="*/ 0 60000 65536"/>
-                <a:gd name="T122" fmla="*/ 0 60000 65536"/>
-                <a:gd name="T123" fmla="*/ 0 60000 65536"/>
-                <a:gd name="T124" fmla="*/ 0 60000 65536"/>
-                <a:gd name="T125" fmla="*/ 0 60000 65536"/>
-                <a:gd name="T126" fmla="*/ 0 60000 65536"/>
-                <a:gd name="T127" fmla="*/ 0 60000 65536"/>
-                <a:gd name="T128" fmla="*/ 0 60000 65536"/>
-                <a:gd name="T129" fmla="*/ 0 60000 65536"/>
-                <a:gd name="T130" fmla="*/ 0 60000 65536"/>
-                <a:gd name="T131" fmla="*/ 0 60000 65536"/>
-                <a:gd name="T132" fmla="*/ 0 60000 65536"/>
-                <a:gd name="T133" fmla="*/ 0 60000 65536"/>
-                <a:gd name="T134" fmla="*/ 0 60000 65536"/>
-                <a:gd name="T135" fmla="*/ 0 60000 65536"/>
-                <a:gd name="T136" fmla="*/ 0 60000 65536"/>
-                <a:gd name="T137" fmla="*/ 0 60000 65536"/>
-                <a:gd name="T138" fmla="*/ 0 60000 65536"/>
-                <a:gd name="T139" fmla="*/ 0 60000 65536"/>
-                <a:gd name="T140" fmla="*/ 0 60000 65536"/>
-                <a:gd name="T141" fmla="*/ 0 60000 65536"/>
-                <a:gd name="T142" fmla="*/ 0 60000 65536"/>
-                <a:gd name="T143" fmla="*/ 0 60000 65536"/>
-                <a:gd name="T144" fmla="*/ 0 60000 65536"/>
-                <a:gd name="T145" fmla="*/ 0 60000 65536"/>
-                <a:gd name="T146" fmla="*/ 0 60000 65536"/>
-                <a:gd name="T147" fmla="*/ 0 60000 65536"/>
-                <a:gd name="T148" fmla="*/ 0 60000 65536"/>
-                <a:gd name="T149" fmla="*/ 0 60000 65536"/>
-                <a:gd name="T150" fmla="*/ 0 60000 65536"/>
-                <a:gd name="T151" fmla="*/ 0 60000 65536"/>
-                <a:gd name="T152" fmla="*/ 0 60000 65536"/>
-                <a:gd name="T153" fmla="*/ 0 60000 65536"/>
-                <a:gd name="T154" fmla="*/ 0 60000 65536"/>
-                <a:gd name="T155" fmla="*/ 0 60000 65536"/>
-              </a:gdLst>
-              <a:ahLst/>
-              <a:cxnLst>
-                <a:cxn ang="T104">
-                  <a:pos x="T0" y="T1"/>
-                </a:cxn>
-                <a:cxn ang="T105">
-                  <a:pos x="T2" y="T3"/>
-                </a:cxn>
-                <a:cxn ang="T106">
-                  <a:pos x="T4" y="T5"/>
-                </a:cxn>
-                <a:cxn ang="T107">
-                  <a:pos x="T6" y="T7"/>
-                </a:cxn>
-                <a:cxn ang="T108">
-                  <a:pos x="T8" y="T9"/>
-                </a:cxn>
-                <a:cxn ang="T109">
-                  <a:pos x="T10" y="T11"/>
-                </a:cxn>
-                <a:cxn ang="T110">
-                  <a:pos x="T12" y="T13"/>
-                </a:cxn>
-                <a:cxn ang="T111">
-                  <a:pos x="T14" y="T15"/>
-                </a:cxn>
-                <a:cxn ang="T112">
-                  <a:pos x="T16" y="T17"/>
-                </a:cxn>
-                <a:cxn ang="T113">
-                  <a:pos x="T18" y="T19"/>
-                </a:cxn>
-                <a:cxn ang="T114">
-                  <a:pos x="T20" y="T21"/>
-                </a:cxn>
-                <a:cxn ang="T115">
-                  <a:pos x="T22" y="T23"/>
-                </a:cxn>
-                <a:cxn ang="T116">
-                  <a:pos x="T24" y="T25"/>
-                </a:cxn>
-                <a:cxn ang="T117">
-                  <a:pos x="T26" y="T27"/>
-                </a:cxn>
-                <a:cxn ang="T118">
-                  <a:pos x="T28" y="T29"/>
-                </a:cxn>
-                <a:cxn ang="T119">
-                  <a:pos x="T30" y="T31"/>
-                </a:cxn>
-                <a:cxn ang="T120">
-                  <a:pos x="T32" y="T33"/>
-                </a:cxn>
-                <a:cxn ang="T121">
-                  <a:pos x="T34" y="T35"/>
-                </a:cxn>
-                <a:cxn ang="T122">
-                  <a:pos x="T36" y="T37"/>
-                </a:cxn>
-                <a:cxn ang="T123">
-                  <a:pos x="T38" y="T39"/>
-                </a:cxn>
-                <a:cxn ang="T124">
-                  <a:pos x="T40" y="T41"/>
-                </a:cxn>
-                <a:cxn ang="T125">
-                  <a:pos x="T42" y="T43"/>
-                </a:cxn>
-                <a:cxn ang="T126">
-                  <a:pos x="T44" y="T45"/>
-                </a:cxn>
-                <a:cxn ang="T127">
-                  <a:pos x="T46" y="T47"/>
-                </a:cxn>
-                <a:cxn ang="T128">
-                  <a:pos x="T48" y="T49"/>
-                </a:cxn>
-                <a:cxn ang="T129">
-                  <a:pos x="T50" y="T51"/>
-                </a:cxn>
-                <a:cxn ang="T130">
-                  <a:pos x="T52" y="T53"/>
-                </a:cxn>
-                <a:cxn ang="T131">
-                  <a:pos x="T54" y="T55"/>
-                </a:cxn>
-                <a:cxn ang="T132">
-                  <a:pos x="T56" y="T57"/>
-                </a:cxn>
-                <a:cxn ang="T133">
-                  <a:pos x="T58" y="T59"/>
-                </a:cxn>
-                <a:cxn ang="T134">
-                  <a:pos x="T60" y="T61"/>
-                </a:cxn>
-                <a:cxn ang="T135">
-                  <a:pos x="T62" y="T63"/>
-                </a:cxn>
-                <a:cxn ang="T136">
-                  <a:pos x="T64" y="T65"/>
-                </a:cxn>
-                <a:cxn ang="T137">
-                  <a:pos x="T66" y="T67"/>
-                </a:cxn>
-                <a:cxn ang="T138">
-                  <a:pos x="T68" y="T69"/>
-                </a:cxn>
-                <a:cxn ang="T139">
-                  <a:pos x="T70" y="T71"/>
-                </a:cxn>
-                <a:cxn ang="T140">
-                  <a:pos x="T72" y="T73"/>
-                </a:cxn>
-                <a:cxn ang="T141">
-                  <a:pos x="T74" y="T75"/>
-                </a:cxn>
-                <a:cxn ang="T142">
-                  <a:pos x="T76" y="T77"/>
-                </a:cxn>
-                <a:cxn ang="T143">
-                  <a:pos x="T78" y="T79"/>
-                </a:cxn>
-                <a:cxn ang="T144">
-                  <a:pos x="T80" y="T81"/>
-                </a:cxn>
-                <a:cxn ang="T145">
-                  <a:pos x="T82" y="T83"/>
-                </a:cxn>
-                <a:cxn ang="T146">
-                  <a:pos x="T84" y="T85"/>
-                </a:cxn>
-                <a:cxn ang="T147">
-                  <a:pos x="T86" y="T87"/>
-                </a:cxn>
-                <a:cxn ang="T148">
-                  <a:pos x="T88" y="T89"/>
-                </a:cxn>
-                <a:cxn ang="T149">
-                  <a:pos x="T90" y="T91"/>
-                </a:cxn>
-                <a:cxn ang="T150">
-                  <a:pos x="T92" y="T93"/>
-                </a:cxn>
-                <a:cxn ang="T151">
-                  <a:pos x="T94" y="T95"/>
-                </a:cxn>
-                <a:cxn ang="T152">
-                  <a:pos x="T96" y="T97"/>
-                </a:cxn>
-                <a:cxn ang="T153">
-                  <a:pos x="T98" y="T99"/>
-                </a:cxn>
-                <a:cxn ang="T154">
-                  <a:pos x="T100" y="T101"/>
-                </a:cxn>
-                <a:cxn ang="T155">
-                  <a:pos x="T102" y="T103"/>
-                </a:cxn>
-              </a:cxnLst>
-              <a:rect l="0" t="0" r="r" b="b"/>
-              <a:pathLst>
-                <a:path w="472" h="114">
-                  <a:moveTo>
-                    <a:pt x="392" y="46"/>
-                  </a:moveTo>
-                  <a:cubicBezTo>
-                    <a:pt x="396" y="46"/>
-                    <a:pt x="400" y="43"/>
-                    <a:pt x="400" y="39"/>
-                  </a:cubicBezTo>
-                  <a:cubicBezTo>
-                    <a:pt x="400" y="34"/>
-                    <a:pt x="396" y="31"/>
-                    <a:pt x="392" y="31"/>
-                  </a:cubicBezTo>
-                  <a:cubicBezTo>
-                    <a:pt x="388" y="31"/>
-                    <a:pt x="384" y="34"/>
-                    <a:pt x="384" y="39"/>
-                  </a:cubicBezTo>
-                  <a:cubicBezTo>
-                    <a:pt x="384" y="43"/>
-                    <a:pt x="388" y="46"/>
-                    <a:pt x="392" y="46"/>
-                  </a:cubicBezTo>
-                  <a:close/>
-                  <a:moveTo>
-                    <a:pt x="392" y="82"/>
-                  </a:moveTo>
-                  <a:cubicBezTo>
-                    <a:pt x="396" y="82"/>
-                    <a:pt x="400" y="79"/>
-                    <a:pt x="400" y="74"/>
-                  </a:cubicBezTo>
-                  <a:cubicBezTo>
-                    <a:pt x="400" y="70"/>
-                    <a:pt x="396" y="67"/>
-                    <a:pt x="392" y="67"/>
-                  </a:cubicBezTo>
-                  <a:cubicBezTo>
-                    <a:pt x="388" y="67"/>
-                    <a:pt x="384" y="70"/>
-                    <a:pt x="384" y="74"/>
-                  </a:cubicBezTo>
-                  <a:cubicBezTo>
-                    <a:pt x="384" y="79"/>
-                    <a:pt x="388" y="82"/>
-                    <a:pt x="392" y="82"/>
-                  </a:cubicBezTo>
-                  <a:close/>
-                  <a:moveTo>
-                    <a:pt x="208" y="71"/>
-                  </a:moveTo>
-                  <a:cubicBezTo>
-                    <a:pt x="362" y="71"/>
-                    <a:pt x="362" y="71"/>
-                    <a:pt x="362" y="71"/>
-                  </a:cubicBezTo>
-                  <a:cubicBezTo>
-                    <a:pt x="366" y="71"/>
-                    <a:pt x="370" y="67"/>
-                    <a:pt x="370" y="63"/>
-                  </a:cubicBezTo>
-                  <a:cubicBezTo>
-                    <a:pt x="370" y="51"/>
-                    <a:pt x="370" y="51"/>
-                    <a:pt x="370" y="51"/>
-                  </a:cubicBezTo>
-                  <a:cubicBezTo>
-                    <a:pt x="370" y="46"/>
-                    <a:pt x="366" y="43"/>
-                    <a:pt x="362" y="43"/>
-                  </a:cubicBezTo>
-                  <a:cubicBezTo>
-                    <a:pt x="208" y="43"/>
-                    <a:pt x="208" y="43"/>
-                    <a:pt x="208" y="43"/>
-                  </a:cubicBezTo>
-                  <a:cubicBezTo>
-                    <a:pt x="204" y="43"/>
-                    <a:pt x="200" y="46"/>
-                    <a:pt x="200" y="51"/>
-                  </a:cubicBezTo>
-                  <a:cubicBezTo>
-                    <a:pt x="200" y="63"/>
-                    <a:pt x="200" y="63"/>
-                    <a:pt x="200" y="63"/>
-                  </a:cubicBezTo>
-                  <a:cubicBezTo>
-                    <a:pt x="200" y="67"/>
-                    <a:pt x="204" y="71"/>
-                    <a:pt x="208" y="71"/>
-                  </a:cubicBezTo>
-                  <a:close/>
-                  <a:moveTo>
-                    <a:pt x="464" y="36"/>
-                  </a:moveTo>
-                  <a:cubicBezTo>
-                    <a:pt x="468" y="36"/>
-                    <a:pt x="472" y="33"/>
-                    <a:pt x="472" y="28"/>
-                  </a:cubicBezTo>
-                  <a:cubicBezTo>
-                    <a:pt x="472" y="19"/>
-                    <a:pt x="472" y="19"/>
-                    <a:pt x="472" y="19"/>
-                  </a:cubicBezTo>
-                  <a:cubicBezTo>
-                    <a:pt x="472" y="8"/>
-                    <a:pt x="463" y="0"/>
-                    <a:pt x="453" y="0"/>
-                  </a:cubicBezTo>
-                  <a:cubicBezTo>
-                    <a:pt x="19" y="0"/>
-                    <a:pt x="19" y="0"/>
-                    <a:pt x="19" y="0"/>
-                  </a:cubicBezTo>
-                  <a:cubicBezTo>
-                    <a:pt x="9" y="0"/>
-                    <a:pt x="0" y="8"/>
-                    <a:pt x="0" y="19"/>
-                  </a:cubicBezTo>
-                  <a:cubicBezTo>
-                    <a:pt x="0" y="94"/>
-                    <a:pt x="0" y="94"/>
-                    <a:pt x="0" y="94"/>
-                  </a:cubicBezTo>
-                  <a:cubicBezTo>
-                    <a:pt x="0" y="105"/>
-                    <a:pt x="9" y="114"/>
-                    <a:pt x="19" y="114"/>
-                  </a:cubicBezTo>
-                  <a:cubicBezTo>
-                    <a:pt x="453" y="114"/>
-                    <a:pt x="453" y="114"/>
-                    <a:pt x="453" y="114"/>
-                  </a:cubicBezTo>
-                  <a:cubicBezTo>
-                    <a:pt x="463" y="114"/>
-                    <a:pt x="472" y="105"/>
-                    <a:pt x="472" y="94"/>
-                  </a:cubicBezTo>
-                  <a:cubicBezTo>
-                    <a:pt x="472" y="60"/>
-                    <a:pt x="472" y="60"/>
-                    <a:pt x="472" y="60"/>
-                  </a:cubicBezTo>
-                  <a:cubicBezTo>
-                    <a:pt x="472" y="56"/>
-                    <a:pt x="468" y="52"/>
-                    <a:pt x="464" y="52"/>
-                  </a:cubicBezTo>
-                  <a:cubicBezTo>
-                    <a:pt x="460" y="52"/>
-                    <a:pt x="456" y="56"/>
-                    <a:pt x="456" y="60"/>
-                  </a:cubicBezTo>
-                  <a:cubicBezTo>
-                    <a:pt x="456" y="94"/>
-                    <a:pt x="456" y="94"/>
-                    <a:pt x="456" y="94"/>
-                  </a:cubicBezTo>
-                  <a:cubicBezTo>
-                    <a:pt x="456" y="96"/>
-                    <a:pt x="455" y="98"/>
-                    <a:pt x="453" y="98"/>
-                  </a:cubicBezTo>
-                  <a:cubicBezTo>
-                    <a:pt x="431" y="98"/>
-                    <a:pt x="431" y="98"/>
-                    <a:pt x="431" y="98"/>
-                  </a:cubicBezTo>
-                  <a:cubicBezTo>
-                    <a:pt x="431" y="16"/>
-                    <a:pt x="431" y="16"/>
-                    <a:pt x="431" y="16"/>
-                  </a:cubicBezTo>
-                  <a:cubicBezTo>
-                    <a:pt x="453" y="16"/>
-                    <a:pt x="453" y="16"/>
-                    <a:pt x="453" y="16"/>
-                  </a:cubicBezTo>
-                  <a:cubicBezTo>
-                    <a:pt x="455" y="16"/>
-                    <a:pt x="456" y="17"/>
-                    <a:pt x="456" y="19"/>
-                  </a:cubicBezTo>
-                  <a:cubicBezTo>
-                    <a:pt x="456" y="28"/>
-                    <a:pt x="456" y="28"/>
-                    <a:pt x="456" y="28"/>
-                  </a:cubicBezTo>
-                  <a:cubicBezTo>
-                    <a:pt x="456" y="33"/>
-                    <a:pt x="460" y="36"/>
-                    <a:pt x="464" y="36"/>
-                  </a:cubicBezTo>
-                  <a:close/>
-                  <a:moveTo>
-                    <a:pt x="41" y="98"/>
-                  </a:moveTo>
-                  <a:cubicBezTo>
-                    <a:pt x="19" y="98"/>
-                    <a:pt x="19" y="98"/>
-                    <a:pt x="19" y="98"/>
-                  </a:cubicBezTo>
-                  <a:cubicBezTo>
-                    <a:pt x="17" y="98"/>
-                    <a:pt x="16" y="96"/>
-                    <a:pt x="16" y="94"/>
-                  </a:cubicBezTo>
-                  <a:cubicBezTo>
-                    <a:pt x="16" y="19"/>
-                    <a:pt x="16" y="19"/>
-                    <a:pt x="16" y="19"/>
-                  </a:cubicBezTo>
-                  <a:cubicBezTo>
-                    <a:pt x="16" y="17"/>
-                    <a:pt x="17" y="16"/>
-                    <a:pt x="19" y="16"/>
-                  </a:cubicBezTo>
-                  <a:cubicBezTo>
-                    <a:pt x="41" y="16"/>
-                    <a:pt x="41" y="16"/>
-                    <a:pt x="41" y="16"/>
-                  </a:cubicBezTo>
-                  <a:lnTo>
-                    <a:pt x="41" y="98"/>
-                  </a:lnTo>
-                  <a:close/>
-                  <a:moveTo>
-                    <a:pt x="415" y="98"/>
-                  </a:moveTo>
-                  <a:cubicBezTo>
-                    <a:pt x="57" y="98"/>
-                    <a:pt x="57" y="98"/>
-                    <a:pt x="57" y="98"/>
-                  </a:cubicBezTo>
-                  <a:cubicBezTo>
-                    <a:pt x="57" y="16"/>
-                    <a:pt x="57" y="16"/>
-                    <a:pt x="57" y="16"/>
-                  </a:cubicBezTo>
-                  <a:cubicBezTo>
-                    <a:pt x="415" y="16"/>
-                    <a:pt x="415" y="16"/>
-                    <a:pt x="415" y="16"/>
-                  </a:cubicBezTo>
-                  <a:lnTo>
-                    <a:pt x="415" y="98"/>
-                  </a:lnTo>
-                  <a:close/>
-                </a:path>
-              </a:pathLst>
-            </a:custGeom>
-            <a:solidFill>
-              <a:schemeClr val="accent1">
-                <a:lumMod val="75000"/>
-              </a:schemeClr>
-            </a:solidFill>
-            <a:ln>
-              <a:noFill/>
-            </a:ln>
-            <a:extLst/>
-          </p:spPr>
-          <p:txBody>
-            <a:bodyPr/>
-            <a:lstStyle>
-              <a:defPPr>
-                <a:defRPr lang="en-US"/>
-              </a:defPPr>
-              <a:lvl1pPr algn="l" rtl="0" eaLnBrk="0" fontAlgn="base" hangingPunct="0">
-                <a:spcBef>
-                  <a:spcPct val="0"/>
-                </a:spcBef>
-                <a:spcAft>
-                  <a:spcPct val="0"/>
-                </a:spcAft>
-                <a:defRPr sz="2000" kern="1200">
-                  <a:solidFill>
-                    <a:schemeClr val="tx1"/>
-                  </a:solidFill>
-                  <a:latin typeface="Arial" panose="020B0604020202020204" pitchFamily="34" charset="0"/>
-                  <a:ea typeface="MS PGothic" panose="020B0600070205080204" pitchFamily="34" charset="-128"/>
-                  <a:cs typeface="+mn-cs"/>
-                </a:defRPr>
-              </a:lvl1pPr>
-              <a:lvl2pPr marL="457200" algn="l" rtl="0" eaLnBrk="0" fontAlgn="base" hangingPunct="0">
-                <a:spcBef>
-                  <a:spcPct val="0"/>
-                </a:spcBef>
-                <a:spcAft>
-                  <a:spcPct val="0"/>
-                </a:spcAft>
-                <a:defRPr sz="2000" kern="1200">
-                  <a:solidFill>
-                    <a:schemeClr val="tx1"/>
-                  </a:solidFill>
-                  <a:latin typeface="Arial" panose="020B0604020202020204" pitchFamily="34" charset="0"/>
-                  <a:ea typeface="MS PGothic" panose="020B0600070205080204" pitchFamily="34" charset="-128"/>
-                  <a:cs typeface="+mn-cs"/>
-                </a:defRPr>
-              </a:lvl2pPr>
-              <a:lvl3pPr marL="914400" algn="l" rtl="0" eaLnBrk="0" fontAlgn="base" hangingPunct="0">
-                <a:spcBef>
-                  <a:spcPct val="0"/>
-                </a:spcBef>
-                <a:spcAft>
-                  <a:spcPct val="0"/>
-                </a:spcAft>
-                <a:defRPr sz="2000" kern="1200">
-                  <a:solidFill>
-                    <a:schemeClr val="tx1"/>
-                  </a:solidFill>
-                  <a:latin typeface="Arial" panose="020B0604020202020204" pitchFamily="34" charset="0"/>
-                  <a:ea typeface="MS PGothic" panose="020B0600070205080204" pitchFamily="34" charset="-128"/>
-                  <a:cs typeface="+mn-cs"/>
-                </a:defRPr>
-              </a:lvl3pPr>
-              <a:lvl4pPr marL="1371600" algn="l" rtl="0" eaLnBrk="0" fontAlgn="base" hangingPunct="0">
-                <a:spcBef>
-                  <a:spcPct val="0"/>
-                </a:spcBef>
-                <a:spcAft>
-                  <a:spcPct val="0"/>
-                </a:spcAft>
-                <a:defRPr sz="2000" kern="1200">
-                  <a:solidFill>
-                    <a:schemeClr val="tx1"/>
-                  </a:solidFill>
-                  <a:latin typeface="Arial" panose="020B0604020202020204" pitchFamily="34" charset="0"/>
-                  <a:ea typeface="MS PGothic" panose="020B0600070205080204" pitchFamily="34" charset="-128"/>
-                  <a:cs typeface="+mn-cs"/>
-                </a:defRPr>
-              </a:lvl4pPr>
-              <a:lvl5pPr marL="1828800" algn="l" rtl="0" eaLnBrk="0" fontAlgn="base" hangingPunct="0">
-                <a:spcBef>
-                  <a:spcPct val="0"/>
-                </a:spcBef>
-                <a:spcAft>
-                  <a:spcPct val="0"/>
-                </a:spcAft>
-                <a:defRPr sz="2000" kern="1200">
-                  <a:solidFill>
-                    <a:schemeClr val="tx1"/>
-                  </a:solidFill>
-                  <a:latin typeface="Arial" panose="020B0604020202020204" pitchFamily="34" charset="0"/>
-                  <a:ea typeface="MS PGothic" panose="020B0600070205080204" pitchFamily="34" charset="-128"/>
-                  <a:cs typeface="+mn-cs"/>
-                </a:defRPr>
-              </a:lvl5pPr>
-              <a:lvl6pPr marL="2286000" algn="l" defTabSz="914400" rtl="0" eaLnBrk="1" latinLnBrk="0" hangingPunct="1">
-                <a:defRPr sz="2000" kern="1200">
-                  <a:solidFill>
-                    <a:schemeClr val="tx1"/>
-                  </a:solidFill>
-                  <a:latin typeface="Arial" panose="020B0604020202020204" pitchFamily="34" charset="0"/>
-                  <a:ea typeface="MS PGothic" panose="020B0600070205080204" pitchFamily="34" charset="-128"/>
-                  <a:cs typeface="+mn-cs"/>
-                </a:defRPr>
-              </a:lvl6pPr>
-              <a:lvl7pPr marL="2743200" algn="l" defTabSz="914400" rtl="0" eaLnBrk="1" latinLnBrk="0" hangingPunct="1">
-                <a:defRPr sz="2000" kern="1200">
-                  <a:solidFill>
-                    <a:schemeClr val="tx1"/>
-                  </a:solidFill>
-                  <a:latin typeface="Arial" panose="020B0604020202020204" pitchFamily="34" charset="0"/>
-                  <a:ea typeface="MS PGothic" panose="020B0600070205080204" pitchFamily="34" charset="-128"/>
-                  <a:cs typeface="+mn-cs"/>
-                </a:defRPr>
-              </a:lvl7pPr>
-              <a:lvl8pPr marL="3200400" algn="l" defTabSz="914400" rtl="0" eaLnBrk="1" latinLnBrk="0" hangingPunct="1">
-                <a:defRPr sz="2000" kern="1200">
-                  <a:solidFill>
-                    <a:schemeClr val="tx1"/>
-                  </a:solidFill>
-                  <a:latin typeface="Arial" panose="020B0604020202020204" pitchFamily="34" charset="0"/>
-                  <a:ea typeface="MS PGothic" panose="020B0600070205080204" pitchFamily="34" charset="-128"/>
-                  <a:cs typeface="+mn-cs"/>
-                </a:defRPr>
-              </a:lvl8pPr>
-              <a:lvl9pPr marL="3657600" algn="l" defTabSz="914400" rtl="0" eaLnBrk="1" latinLnBrk="0" hangingPunct="1">
-                <a:defRPr sz="2000" kern="1200">
-                  <a:solidFill>
-                    <a:schemeClr val="tx1"/>
-                  </a:solidFill>
-                  <a:latin typeface="Arial" panose="020B0604020202020204" pitchFamily="34" charset="0"/>
-                  <a:ea typeface="MS PGothic" panose="020B0600070205080204" pitchFamily="34" charset="-128"/>
-                  <a:cs typeface="+mn-cs"/>
-                </a:defRPr>
-              </a:lvl9pPr>
-            </a:lstStyle>
-            <a:p>
-              <a:endParaRPr lang="pt-BR"/>
-            </a:p>
-          </p:txBody>
-        </p:sp>
-        <p:grpSp>
-          <p:nvGrpSpPr>
-            <p:cNvPr id="175" name="Group 174"/>
-            <p:cNvGrpSpPr/>
-            <p:nvPr/>
-          </p:nvGrpSpPr>
-          <p:grpSpPr>
-            <a:xfrm>
-              <a:off x="10532337" y="4673243"/>
-              <a:ext cx="767934" cy="634887"/>
-              <a:chOff x="8677366" y="1891117"/>
-              <a:chExt cx="999294" cy="826164"/>
-            </a:xfrm>
-          </p:grpSpPr>
-          <p:sp>
-            <p:nvSpPr>
-              <p:cNvPr id="173" name="Freeform 172"/>
-              <p:cNvSpPr>
-                <a:spLocks noChangeAspect="1" noEditPoints="1"/>
-              </p:cNvSpPr>
-              <p:nvPr/>
-            </p:nvSpPr>
-            <p:spPr bwMode="auto">
-              <a:xfrm>
-                <a:off x="8677366" y="1891117"/>
-                <a:ext cx="999294" cy="805590"/>
-              </a:xfrm>
-              <a:custGeom>
-                <a:avLst/>
-                <a:gdLst>
-                  <a:gd name="T0" fmla="*/ 2147483646 w 467"/>
-                  <a:gd name="T1" fmla="*/ 2147483646 h 377"/>
-                  <a:gd name="T2" fmla="*/ 2147483646 w 467"/>
-                  <a:gd name="T3" fmla="*/ 2147483646 h 377"/>
-                  <a:gd name="T4" fmla="*/ 2147483646 w 467"/>
-                  <a:gd name="T5" fmla="*/ 2147483646 h 377"/>
-                  <a:gd name="T6" fmla="*/ 2147483646 w 467"/>
-                  <a:gd name="T7" fmla="*/ 2147483646 h 377"/>
-                  <a:gd name="T8" fmla="*/ 2147483646 w 467"/>
-                  <a:gd name="T9" fmla="*/ 2147483646 h 377"/>
-                  <a:gd name="T10" fmla="*/ 2147483646 w 467"/>
-                  <a:gd name="T11" fmla="*/ 2147483646 h 377"/>
-                  <a:gd name="T12" fmla="*/ 2147483646 w 467"/>
-                  <a:gd name="T13" fmla="*/ 2147483646 h 377"/>
-                  <a:gd name="T14" fmla="*/ 2147483646 w 467"/>
-                  <a:gd name="T15" fmla="*/ 2147483646 h 377"/>
-                  <a:gd name="T16" fmla="*/ 2147483646 w 467"/>
-                  <a:gd name="T17" fmla="*/ 2147483646 h 377"/>
-                  <a:gd name="T18" fmla="*/ 2147483646 w 467"/>
-                  <a:gd name="T19" fmla="*/ 2147483646 h 377"/>
-                  <a:gd name="T20" fmla="*/ 2147483646 w 467"/>
-                  <a:gd name="T21" fmla="*/ 2147483646 h 377"/>
-                  <a:gd name="T22" fmla="*/ 2147483646 w 467"/>
-                  <a:gd name="T23" fmla="*/ 2147483646 h 377"/>
-                  <a:gd name="T24" fmla="*/ 2147483646 w 467"/>
-                  <a:gd name="T25" fmla="*/ 2147483646 h 377"/>
-                  <a:gd name="T26" fmla="*/ 2147483646 w 467"/>
-                  <a:gd name="T27" fmla="*/ 2147483646 h 377"/>
-                  <a:gd name="T28" fmla="*/ 2147483646 w 467"/>
-                  <a:gd name="T29" fmla="*/ 2147483646 h 377"/>
-                  <a:gd name="T30" fmla="*/ 2147483646 w 467"/>
-                  <a:gd name="T31" fmla="*/ 2147483646 h 377"/>
-                  <a:gd name="T32" fmla="*/ 2147483646 w 467"/>
-                  <a:gd name="T33" fmla="*/ 2147483646 h 377"/>
-                  <a:gd name="T34" fmla="*/ 2147483646 w 467"/>
-                  <a:gd name="T35" fmla="*/ 2147483646 h 377"/>
-                  <a:gd name="T36" fmla="*/ 2147483646 w 467"/>
-                  <a:gd name="T37" fmla="*/ 2147483646 h 377"/>
-                  <a:gd name="T38" fmla="*/ 2147483646 w 467"/>
-                  <a:gd name="T39" fmla="*/ 2147483646 h 377"/>
-                  <a:gd name="T40" fmla="*/ 2147483646 w 467"/>
-                  <a:gd name="T41" fmla="*/ 2147483646 h 377"/>
-                  <a:gd name="T42" fmla="*/ 2147483646 w 467"/>
-                  <a:gd name="T43" fmla="*/ 0 h 377"/>
-                  <a:gd name="T44" fmla="*/ 0 w 467"/>
-                  <a:gd name="T45" fmla="*/ 2147483646 h 377"/>
-                  <a:gd name="T46" fmla="*/ 2147483646 w 467"/>
-                  <a:gd name="T47" fmla="*/ 2147483646 h 377"/>
-                  <a:gd name="T48" fmla="*/ 2147483646 w 467"/>
-                  <a:gd name="T49" fmla="*/ 2147483646 h 377"/>
-                  <a:gd name="T50" fmla="*/ 2147483646 w 467"/>
-                  <a:gd name="T51" fmla="*/ 2147483646 h 377"/>
-                  <a:gd name="T52" fmla="*/ 2147483646 w 467"/>
-                  <a:gd name="T53" fmla="*/ 2147483646 h 377"/>
-                  <a:gd name="T54" fmla="*/ 2147483646 w 467"/>
-                  <a:gd name="T55" fmla="*/ 2147483646 h 377"/>
-                  <a:gd name="T56" fmla="*/ 2147483646 w 467"/>
-                  <a:gd name="T57" fmla="*/ 2147483646 h 377"/>
-                  <a:gd name="T58" fmla="*/ 2147483646 w 467"/>
-                  <a:gd name="T59" fmla="*/ 2147483646 h 377"/>
-                  <a:gd name="T60" fmla="*/ 2147483646 w 467"/>
-                  <a:gd name="T61" fmla="*/ 2147483646 h 377"/>
-                  <a:gd name="T62" fmla="*/ 2147483646 w 467"/>
-                  <a:gd name="T63" fmla="*/ 2147483646 h 377"/>
-                  <a:gd name="T64" fmla="*/ 2147483646 w 467"/>
-                  <a:gd name="T65" fmla="*/ 2147483646 h 377"/>
-                  <a:gd name="T66" fmla="*/ 2147483646 w 467"/>
-                  <a:gd name="T67" fmla="*/ 2147483646 h 377"/>
-                  <a:gd name="T68" fmla="*/ 2147483646 w 467"/>
-                  <a:gd name="T69" fmla="*/ 2147483646 h 377"/>
-                  <a:gd name="T70" fmla="*/ 2147483646 w 467"/>
-                  <a:gd name="T71" fmla="*/ 2147483646 h 377"/>
-                  <a:gd name="T72" fmla="*/ 2147483646 w 467"/>
-                  <a:gd name="T73" fmla="*/ 2147483646 h 377"/>
-                  <a:gd name="T74" fmla="*/ 2147483646 w 467"/>
-                  <a:gd name="T75" fmla="*/ 2147483646 h 377"/>
-                  <a:gd name="T76" fmla="*/ 2147483646 w 467"/>
-                  <a:gd name="T77" fmla="*/ 2147483646 h 377"/>
-                  <a:gd name="T78" fmla="*/ 2147483646 w 467"/>
-                  <a:gd name="T79" fmla="*/ 2147483646 h 377"/>
-                  <a:gd name="T80" fmla="*/ 2147483646 w 467"/>
-                  <a:gd name="T81" fmla="*/ 2147483646 h 377"/>
-                  <a:gd name="T82" fmla="*/ 2147483646 w 467"/>
-                  <a:gd name="T83" fmla="*/ 2147483646 h 377"/>
-                  <a:gd name="T84" fmla="*/ 2147483646 w 467"/>
-                  <a:gd name="T85" fmla="*/ 2147483646 h 377"/>
-                  <a:gd name="T86" fmla="*/ 2147483646 w 467"/>
-                  <a:gd name="T87" fmla="*/ 2147483646 h 377"/>
-                  <a:gd name="T88" fmla="*/ 2147483646 w 467"/>
-                  <a:gd name="T89" fmla="*/ 2147483646 h 377"/>
-                  <a:gd name="T90" fmla="*/ 2147483646 w 467"/>
-                  <a:gd name="T91" fmla="*/ 2147483646 h 377"/>
-                  <a:gd name="T92" fmla="*/ 2147483646 w 467"/>
-                  <a:gd name="T93" fmla="*/ 2147483646 h 377"/>
-                  <a:gd name="T94" fmla="*/ 2147483646 w 467"/>
-                  <a:gd name="T95" fmla="*/ 2147483646 h 377"/>
-                  <a:gd name="T96" fmla="*/ 2147483646 w 467"/>
-                  <a:gd name="T97" fmla="*/ 2147483646 h 377"/>
-                  <a:gd name="T98" fmla="*/ 0 60000 65536"/>
-                  <a:gd name="T99" fmla="*/ 0 60000 65536"/>
-                  <a:gd name="T100" fmla="*/ 0 60000 65536"/>
-                  <a:gd name="T101" fmla="*/ 0 60000 65536"/>
-                  <a:gd name="T102" fmla="*/ 0 60000 65536"/>
-                  <a:gd name="T103" fmla="*/ 0 60000 65536"/>
-                  <a:gd name="T104" fmla="*/ 0 60000 65536"/>
-                  <a:gd name="T105" fmla="*/ 0 60000 65536"/>
-                  <a:gd name="T106" fmla="*/ 0 60000 65536"/>
-                  <a:gd name="T107" fmla="*/ 0 60000 65536"/>
-                  <a:gd name="T108" fmla="*/ 0 60000 65536"/>
-                  <a:gd name="T109" fmla="*/ 0 60000 65536"/>
-                  <a:gd name="T110" fmla="*/ 0 60000 65536"/>
-                  <a:gd name="T111" fmla="*/ 0 60000 65536"/>
-                  <a:gd name="T112" fmla="*/ 0 60000 65536"/>
-                  <a:gd name="T113" fmla="*/ 0 60000 65536"/>
-                  <a:gd name="T114" fmla="*/ 0 60000 65536"/>
-                  <a:gd name="T115" fmla="*/ 0 60000 65536"/>
-                  <a:gd name="T116" fmla="*/ 0 60000 65536"/>
-                  <a:gd name="T117" fmla="*/ 0 60000 65536"/>
-                  <a:gd name="T118" fmla="*/ 0 60000 65536"/>
-                  <a:gd name="T119" fmla="*/ 0 60000 65536"/>
-                  <a:gd name="T120" fmla="*/ 0 60000 65536"/>
-                  <a:gd name="T121" fmla="*/ 0 60000 65536"/>
-                  <a:gd name="T122" fmla="*/ 0 60000 65536"/>
-                  <a:gd name="T123" fmla="*/ 0 60000 65536"/>
-                  <a:gd name="T124" fmla="*/ 0 60000 65536"/>
-                  <a:gd name="T125" fmla="*/ 0 60000 65536"/>
-                  <a:gd name="T126" fmla="*/ 0 60000 65536"/>
-                  <a:gd name="T127" fmla="*/ 0 60000 65536"/>
-                  <a:gd name="T128" fmla="*/ 0 60000 65536"/>
-                  <a:gd name="T129" fmla="*/ 0 60000 65536"/>
-                  <a:gd name="T130" fmla="*/ 0 60000 65536"/>
-                  <a:gd name="T131" fmla="*/ 0 60000 65536"/>
-                  <a:gd name="T132" fmla="*/ 0 60000 65536"/>
-                  <a:gd name="T133" fmla="*/ 0 60000 65536"/>
-                  <a:gd name="T134" fmla="*/ 0 60000 65536"/>
-                  <a:gd name="T135" fmla="*/ 0 60000 65536"/>
-                  <a:gd name="T136" fmla="*/ 0 60000 65536"/>
-                  <a:gd name="T137" fmla="*/ 0 60000 65536"/>
-                  <a:gd name="T138" fmla="*/ 0 60000 65536"/>
-                  <a:gd name="T139" fmla="*/ 0 60000 65536"/>
-                  <a:gd name="T140" fmla="*/ 0 60000 65536"/>
-                  <a:gd name="T141" fmla="*/ 0 60000 65536"/>
-                  <a:gd name="T142" fmla="*/ 0 60000 65536"/>
-                  <a:gd name="T143" fmla="*/ 0 60000 65536"/>
-                  <a:gd name="T144" fmla="*/ 0 60000 65536"/>
-                  <a:gd name="T145" fmla="*/ 0 60000 65536"/>
-                  <a:gd name="T146" fmla="*/ 0 60000 65536"/>
-                </a:gdLst>
-                <a:ahLst/>
-                <a:cxnLst>
-                  <a:cxn ang="T98">
-                    <a:pos x="T0" y="T1"/>
-                  </a:cxn>
-                  <a:cxn ang="T99">
-                    <a:pos x="T2" y="T3"/>
-                  </a:cxn>
-                  <a:cxn ang="T100">
-                    <a:pos x="T4" y="T5"/>
-                  </a:cxn>
-                  <a:cxn ang="T101">
-                    <a:pos x="T6" y="T7"/>
-                  </a:cxn>
-                  <a:cxn ang="T102">
-                    <a:pos x="T8" y="T9"/>
-                  </a:cxn>
-                  <a:cxn ang="T103">
-                    <a:pos x="T10" y="T11"/>
-                  </a:cxn>
-                  <a:cxn ang="T104">
-                    <a:pos x="T12" y="T13"/>
-                  </a:cxn>
-                  <a:cxn ang="T105">
-                    <a:pos x="T14" y="T15"/>
-                  </a:cxn>
-                  <a:cxn ang="T106">
-                    <a:pos x="T16" y="T17"/>
-                  </a:cxn>
-                  <a:cxn ang="T107">
-                    <a:pos x="T18" y="T19"/>
-                  </a:cxn>
-                  <a:cxn ang="T108">
-                    <a:pos x="T20" y="T21"/>
-                  </a:cxn>
-                  <a:cxn ang="T109">
-                    <a:pos x="T22" y="T23"/>
-                  </a:cxn>
-                  <a:cxn ang="T110">
-                    <a:pos x="T24" y="T25"/>
-                  </a:cxn>
-                  <a:cxn ang="T111">
-                    <a:pos x="T26" y="T27"/>
-                  </a:cxn>
-                  <a:cxn ang="T112">
-                    <a:pos x="T28" y="T29"/>
-                  </a:cxn>
-                  <a:cxn ang="T113">
-                    <a:pos x="T30" y="T31"/>
-                  </a:cxn>
-                  <a:cxn ang="T114">
-                    <a:pos x="T32" y="T33"/>
-                  </a:cxn>
-                  <a:cxn ang="T115">
-                    <a:pos x="T34" y="T35"/>
-                  </a:cxn>
-                  <a:cxn ang="T116">
-                    <a:pos x="T36" y="T37"/>
-                  </a:cxn>
-                  <a:cxn ang="T117">
-                    <a:pos x="T38" y="T39"/>
-                  </a:cxn>
-                  <a:cxn ang="T118">
-                    <a:pos x="T40" y="T41"/>
-                  </a:cxn>
-                  <a:cxn ang="T119">
-                    <a:pos x="T42" y="T43"/>
-                  </a:cxn>
-                  <a:cxn ang="T120">
-                    <a:pos x="T44" y="T45"/>
-                  </a:cxn>
-                  <a:cxn ang="T121">
-                    <a:pos x="T46" y="T47"/>
-                  </a:cxn>
-                  <a:cxn ang="T122">
-                    <a:pos x="T48" y="T49"/>
-                  </a:cxn>
-                  <a:cxn ang="T123">
-                    <a:pos x="T50" y="T51"/>
-                  </a:cxn>
-                  <a:cxn ang="T124">
-                    <a:pos x="T52" y="T53"/>
-                  </a:cxn>
-                  <a:cxn ang="T125">
-                    <a:pos x="T54" y="T55"/>
-                  </a:cxn>
-                  <a:cxn ang="T126">
-                    <a:pos x="T56" y="T57"/>
-                  </a:cxn>
-                  <a:cxn ang="T127">
-                    <a:pos x="T58" y="T59"/>
-                  </a:cxn>
-                  <a:cxn ang="T128">
-                    <a:pos x="T60" y="T61"/>
-                  </a:cxn>
-                  <a:cxn ang="T129">
-                    <a:pos x="T62" y="T63"/>
-                  </a:cxn>
-                  <a:cxn ang="T130">
-                    <a:pos x="T64" y="T65"/>
-                  </a:cxn>
-                  <a:cxn ang="T131">
-                    <a:pos x="T66" y="T67"/>
-                  </a:cxn>
-                  <a:cxn ang="T132">
-                    <a:pos x="T68" y="T69"/>
-                  </a:cxn>
-                  <a:cxn ang="T133">
-                    <a:pos x="T70" y="T71"/>
-                  </a:cxn>
-                  <a:cxn ang="T134">
-                    <a:pos x="T72" y="T73"/>
-                  </a:cxn>
-                  <a:cxn ang="T135">
-                    <a:pos x="T74" y="T75"/>
-                  </a:cxn>
-                  <a:cxn ang="T136">
-                    <a:pos x="T76" y="T77"/>
-                  </a:cxn>
-                  <a:cxn ang="T137">
-                    <a:pos x="T78" y="T79"/>
-                  </a:cxn>
-                  <a:cxn ang="T138">
-                    <a:pos x="T80" y="T81"/>
-                  </a:cxn>
-                  <a:cxn ang="T139">
-                    <a:pos x="T82" y="T83"/>
-                  </a:cxn>
-                  <a:cxn ang="T140">
-                    <a:pos x="T84" y="T85"/>
-                  </a:cxn>
-                  <a:cxn ang="T141">
-                    <a:pos x="T86" y="T87"/>
-                  </a:cxn>
-                  <a:cxn ang="T142">
-                    <a:pos x="T88" y="T89"/>
-                  </a:cxn>
-                  <a:cxn ang="T143">
-                    <a:pos x="T90" y="T91"/>
-                  </a:cxn>
-                  <a:cxn ang="T144">
-                    <a:pos x="T92" y="T93"/>
-                  </a:cxn>
-                  <a:cxn ang="T145">
-                    <a:pos x="T94" y="T95"/>
-                  </a:cxn>
-                  <a:cxn ang="T146">
-                    <a:pos x="T96" y="T97"/>
-                  </a:cxn>
-                </a:cxnLst>
-                <a:rect l="0" t="0" r="r" b="b"/>
-                <a:pathLst>
-                  <a:path w="467" h="377">
-                    <a:moveTo>
-                      <a:pt x="270" y="124"/>
-                    </a:moveTo>
-                    <a:cubicBezTo>
-                      <a:pt x="267" y="127"/>
-                      <a:pt x="265" y="132"/>
-                      <a:pt x="265" y="136"/>
-                    </a:cubicBezTo>
-                    <a:cubicBezTo>
-                      <a:pt x="263" y="137"/>
-                      <a:pt x="260" y="138"/>
-                      <a:pt x="258" y="141"/>
-                    </a:cubicBezTo>
-                    <a:cubicBezTo>
-                      <a:pt x="253" y="145"/>
-                      <a:pt x="252" y="151"/>
-                      <a:pt x="252" y="154"/>
-                    </a:cubicBezTo>
-                    <a:cubicBezTo>
-                      <a:pt x="250" y="155"/>
-                      <a:pt x="248" y="156"/>
-                      <a:pt x="246" y="158"/>
-                    </a:cubicBezTo>
-                    <a:cubicBezTo>
-                      <a:pt x="242" y="162"/>
-                      <a:pt x="240" y="167"/>
-                      <a:pt x="240" y="172"/>
-                    </a:cubicBezTo>
-                    <a:cubicBezTo>
-                      <a:pt x="240" y="177"/>
-                      <a:pt x="242" y="181"/>
-                      <a:pt x="245" y="184"/>
-                    </a:cubicBezTo>
-                    <a:cubicBezTo>
-                      <a:pt x="284" y="223"/>
-                      <a:pt x="284" y="223"/>
-                      <a:pt x="284" y="223"/>
-                    </a:cubicBezTo>
-                    <a:cubicBezTo>
-                      <a:pt x="284" y="223"/>
-                      <a:pt x="284" y="223"/>
-                      <a:pt x="284" y="223"/>
-                    </a:cubicBezTo>
-                    <a:cubicBezTo>
-                      <a:pt x="284" y="223"/>
-                      <a:pt x="284" y="223"/>
-                      <a:pt x="284" y="223"/>
-                    </a:cubicBezTo>
-                    <a:cubicBezTo>
-                      <a:pt x="284" y="223"/>
-                      <a:pt x="284" y="223"/>
-                      <a:pt x="284" y="223"/>
-                    </a:cubicBezTo>
-                    <a:cubicBezTo>
-                      <a:pt x="284" y="223"/>
-                      <a:pt x="284" y="223"/>
-                      <a:pt x="284" y="223"/>
-                    </a:cubicBezTo>
-                    <a:cubicBezTo>
-                      <a:pt x="296" y="235"/>
-                      <a:pt x="328" y="246"/>
-                      <a:pt x="352" y="221"/>
-                    </a:cubicBezTo>
-                    <a:cubicBezTo>
-                      <a:pt x="372" y="202"/>
-                      <a:pt x="375" y="186"/>
-                      <a:pt x="376" y="172"/>
-                    </a:cubicBezTo>
-                    <a:cubicBezTo>
-                      <a:pt x="377" y="158"/>
-                      <a:pt x="371" y="134"/>
-                      <a:pt x="352" y="106"/>
-                    </a:cubicBezTo>
-                    <a:cubicBezTo>
-                      <a:pt x="340" y="88"/>
-                      <a:pt x="326" y="72"/>
-                      <a:pt x="312" y="80"/>
-                    </a:cubicBezTo>
-                    <a:cubicBezTo>
-                      <a:pt x="308" y="82"/>
-                      <a:pt x="306" y="86"/>
-                      <a:pt x="305" y="90"/>
-                    </a:cubicBezTo>
-                    <a:cubicBezTo>
-                      <a:pt x="305" y="93"/>
-                      <a:pt x="305" y="97"/>
-                      <a:pt x="306" y="100"/>
-                    </a:cubicBezTo>
-                    <a:cubicBezTo>
-                      <a:pt x="278" y="72"/>
-                      <a:pt x="278" y="72"/>
-                      <a:pt x="278" y="72"/>
-                    </a:cubicBezTo>
-                    <a:cubicBezTo>
-                      <a:pt x="277" y="71"/>
-                      <a:pt x="272" y="67"/>
-                      <a:pt x="265" y="66"/>
-                    </a:cubicBezTo>
-                    <a:cubicBezTo>
-                      <a:pt x="261" y="66"/>
-                      <a:pt x="256" y="67"/>
-                      <a:pt x="250" y="73"/>
-                    </a:cubicBezTo>
-                    <a:cubicBezTo>
-                      <a:pt x="240" y="83"/>
-                      <a:pt x="245" y="94"/>
-                      <a:pt x="250" y="100"/>
-                    </a:cubicBezTo>
-                    <a:cubicBezTo>
-                      <a:pt x="273" y="122"/>
-                      <a:pt x="273" y="122"/>
-                      <a:pt x="273" y="122"/>
-                    </a:cubicBezTo>
-                    <a:cubicBezTo>
-                      <a:pt x="272" y="123"/>
-                      <a:pt x="272" y="123"/>
-                      <a:pt x="271" y="123"/>
-                    </a:cubicBezTo>
-                    <a:lnTo>
-                      <a:pt x="270" y="124"/>
-                    </a:lnTo>
-                    <a:close/>
-                    <a:moveTo>
-                      <a:pt x="284" y="152"/>
-                    </a:moveTo>
-                    <a:cubicBezTo>
-                      <a:pt x="287" y="149"/>
-                      <a:pt x="287" y="143"/>
-                      <a:pt x="284" y="140"/>
-                    </a:cubicBezTo>
-                    <a:cubicBezTo>
-                      <a:pt x="282" y="138"/>
-                      <a:pt x="282" y="138"/>
-                      <a:pt x="282" y="138"/>
-                    </a:cubicBezTo>
-                    <a:cubicBezTo>
-                      <a:pt x="281" y="138"/>
-                      <a:pt x="281" y="136"/>
-                      <a:pt x="282" y="136"/>
-                    </a:cubicBezTo>
-                    <a:cubicBezTo>
-                      <a:pt x="283" y="135"/>
-                      <a:pt x="283" y="135"/>
-                      <a:pt x="283" y="135"/>
-                    </a:cubicBezTo>
-                    <a:cubicBezTo>
-                      <a:pt x="283" y="134"/>
-                      <a:pt x="285" y="134"/>
-                      <a:pt x="285" y="135"/>
-                    </a:cubicBezTo>
-                    <a:cubicBezTo>
-                      <a:pt x="288" y="138"/>
-                      <a:pt x="294" y="138"/>
-                      <a:pt x="297" y="135"/>
-                    </a:cubicBezTo>
-                    <a:cubicBezTo>
-                      <a:pt x="300" y="132"/>
-                      <a:pt x="300" y="126"/>
-                      <a:pt x="297" y="123"/>
-                    </a:cubicBezTo>
-                    <a:cubicBezTo>
-                      <a:pt x="262" y="88"/>
-                      <a:pt x="262" y="88"/>
-                      <a:pt x="262" y="88"/>
-                    </a:cubicBezTo>
-                    <a:cubicBezTo>
-                      <a:pt x="260" y="87"/>
-                      <a:pt x="261" y="85"/>
-                      <a:pt x="262" y="84"/>
-                    </a:cubicBezTo>
-                    <a:cubicBezTo>
-                      <a:pt x="264" y="82"/>
-                      <a:pt x="265" y="82"/>
-                      <a:pt x="267" y="84"/>
-                    </a:cubicBezTo>
-                    <a:cubicBezTo>
-                      <a:pt x="326" y="143"/>
-                      <a:pt x="326" y="143"/>
-                      <a:pt x="326" y="143"/>
-                    </a:cubicBezTo>
-                    <a:cubicBezTo>
-                      <a:pt x="328" y="145"/>
-                      <a:pt x="331" y="146"/>
-                      <a:pt x="334" y="145"/>
-                    </a:cubicBezTo>
-                    <a:cubicBezTo>
-                      <a:pt x="336" y="145"/>
-                      <a:pt x="338" y="143"/>
-                      <a:pt x="339" y="140"/>
-                    </a:cubicBezTo>
-                    <a:cubicBezTo>
-                      <a:pt x="340" y="138"/>
-                      <a:pt x="343" y="127"/>
-                      <a:pt x="329" y="110"/>
-                    </a:cubicBezTo>
-                    <a:cubicBezTo>
-                      <a:pt x="324" y="104"/>
-                      <a:pt x="323" y="100"/>
-                      <a:pt x="322" y="97"/>
-                    </a:cubicBezTo>
-                    <a:cubicBezTo>
-                      <a:pt x="321" y="96"/>
-                      <a:pt x="323" y="95"/>
-                      <a:pt x="324" y="96"/>
-                    </a:cubicBezTo>
-                    <a:cubicBezTo>
-                      <a:pt x="327" y="99"/>
-                      <a:pt x="332" y="104"/>
-                      <a:pt x="339" y="115"/>
-                    </a:cubicBezTo>
-                    <a:cubicBezTo>
-                      <a:pt x="356" y="140"/>
-                      <a:pt x="361" y="161"/>
-                      <a:pt x="360" y="171"/>
-                    </a:cubicBezTo>
-                    <a:cubicBezTo>
-                      <a:pt x="359" y="180"/>
-                      <a:pt x="359" y="192"/>
-                      <a:pt x="341" y="210"/>
-                    </a:cubicBezTo>
-                    <a:cubicBezTo>
-                      <a:pt x="321" y="230"/>
-                      <a:pt x="298" y="213"/>
-                      <a:pt x="292" y="208"/>
-                    </a:cubicBezTo>
-                    <a:cubicBezTo>
-                      <a:pt x="257" y="173"/>
-                      <a:pt x="257" y="173"/>
-                      <a:pt x="257" y="173"/>
-                    </a:cubicBezTo>
-                    <a:cubicBezTo>
-                      <a:pt x="256" y="172"/>
-                      <a:pt x="256" y="171"/>
-                      <a:pt x="257" y="170"/>
-                    </a:cubicBezTo>
-                    <a:cubicBezTo>
-                      <a:pt x="258" y="170"/>
-                      <a:pt x="258" y="170"/>
-                      <a:pt x="258" y="170"/>
-                    </a:cubicBezTo>
-                    <a:cubicBezTo>
-                      <a:pt x="258" y="169"/>
-                      <a:pt x="259" y="169"/>
-                      <a:pt x="260" y="169"/>
-                    </a:cubicBezTo>
-                    <a:cubicBezTo>
-                      <a:pt x="263" y="173"/>
-                      <a:pt x="268" y="173"/>
-                      <a:pt x="272" y="169"/>
-                    </a:cubicBezTo>
-                    <a:cubicBezTo>
-                      <a:pt x="275" y="166"/>
-                      <a:pt x="275" y="161"/>
-                      <a:pt x="272" y="158"/>
-                    </a:cubicBezTo>
-                    <a:cubicBezTo>
-                      <a:pt x="269" y="155"/>
-                      <a:pt x="269" y="155"/>
-                      <a:pt x="269" y="155"/>
-                    </a:cubicBezTo>
-                    <a:cubicBezTo>
-                      <a:pt x="268" y="154"/>
-                      <a:pt x="269" y="153"/>
-                      <a:pt x="269" y="153"/>
-                    </a:cubicBezTo>
-                    <a:cubicBezTo>
-                      <a:pt x="270" y="152"/>
-                      <a:pt x="270" y="152"/>
-                      <a:pt x="270" y="152"/>
-                    </a:cubicBezTo>
-                    <a:cubicBezTo>
-                      <a:pt x="271" y="151"/>
-                      <a:pt x="272" y="151"/>
-                      <a:pt x="272" y="152"/>
-                    </a:cubicBezTo>
-                    <a:cubicBezTo>
-                      <a:pt x="275" y="155"/>
-                      <a:pt x="281" y="155"/>
-                      <a:pt x="284" y="152"/>
-                    </a:cubicBezTo>
-                    <a:close/>
-                    <a:moveTo>
-                      <a:pt x="89" y="120"/>
-                    </a:moveTo>
-                    <a:cubicBezTo>
-                      <a:pt x="84" y="120"/>
-                      <a:pt x="81" y="124"/>
-                      <a:pt x="81" y="128"/>
-                    </a:cubicBezTo>
-                    <a:cubicBezTo>
-                      <a:pt x="81" y="133"/>
-                      <a:pt x="84" y="137"/>
-                      <a:pt x="89" y="137"/>
-                    </a:cubicBezTo>
-                    <a:cubicBezTo>
-                      <a:pt x="93" y="137"/>
-                      <a:pt x="97" y="133"/>
-                      <a:pt x="97" y="128"/>
-                    </a:cubicBezTo>
-                    <a:cubicBezTo>
-                      <a:pt x="97" y="124"/>
-                      <a:pt x="93" y="120"/>
-                      <a:pt x="89" y="120"/>
-                    </a:cubicBezTo>
-                    <a:close/>
-                    <a:moveTo>
-                      <a:pt x="459" y="42"/>
-                    </a:moveTo>
-                    <a:cubicBezTo>
-                      <a:pt x="463" y="42"/>
-                      <a:pt x="467" y="38"/>
-                      <a:pt x="467" y="34"/>
-                    </a:cubicBezTo>
-                    <a:cubicBezTo>
-                      <a:pt x="467" y="14"/>
-                      <a:pt x="467" y="14"/>
-                      <a:pt x="467" y="14"/>
-                    </a:cubicBezTo>
-                    <a:cubicBezTo>
-                      <a:pt x="467" y="6"/>
-                      <a:pt x="461" y="0"/>
-                      <a:pt x="453" y="0"/>
-                    </a:cubicBezTo>
-                    <a:cubicBezTo>
-                      <a:pt x="13" y="0"/>
-                      <a:pt x="13" y="0"/>
-                      <a:pt x="13" y="0"/>
-                    </a:cubicBezTo>
-                    <a:cubicBezTo>
-                      <a:pt x="6" y="0"/>
-                      <a:pt x="0" y="6"/>
-                      <a:pt x="0" y="14"/>
-                    </a:cubicBezTo>
-                    <a:cubicBezTo>
-                      <a:pt x="0" y="276"/>
-                      <a:pt x="0" y="276"/>
-                      <a:pt x="0" y="276"/>
-                    </a:cubicBezTo>
-                    <a:cubicBezTo>
-                      <a:pt x="0" y="283"/>
-                      <a:pt x="6" y="290"/>
-                      <a:pt x="13" y="290"/>
-                    </a:cubicBezTo>
-                    <a:cubicBezTo>
-                      <a:pt x="185" y="290"/>
-                      <a:pt x="185" y="290"/>
-                      <a:pt x="185" y="290"/>
-                    </a:cubicBezTo>
-                    <a:cubicBezTo>
-                      <a:pt x="185" y="314"/>
-                      <a:pt x="185" y="314"/>
-                      <a:pt x="185" y="314"/>
-                    </a:cubicBezTo>
-                    <a:cubicBezTo>
-                      <a:pt x="117" y="314"/>
-                      <a:pt x="117" y="314"/>
-                      <a:pt x="117" y="314"/>
-                    </a:cubicBezTo>
-                    <a:cubicBezTo>
-                      <a:pt x="115" y="314"/>
-                      <a:pt x="114" y="314"/>
-                      <a:pt x="112" y="315"/>
-                    </a:cubicBezTo>
-                    <a:cubicBezTo>
-                      <a:pt x="40" y="362"/>
-                      <a:pt x="40" y="362"/>
-                      <a:pt x="40" y="362"/>
-                    </a:cubicBezTo>
-                    <a:cubicBezTo>
-                      <a:pt x="37" y="364"/>
-                      <a:pt x="35" y="368"/>
-                      <a:pt x="36" y="371"/>
-                    </a:cubicBezTo>
-                    <a:cubicBezTo>
-                      <a:pt x="37" y="375"/>
-                      <a:pt x="41" y="377"/>
-                      <a:pt x="44" y="377"/>
-                    </a:cubicBezTo>
-                    <a:cubicBezTo>
-                      <a:pt x="422" y="377"/>
-                      <a:pt x="422" y="377"/>
-                      <a:pt x="422" y="377"/>
-                    </a:cubicBezTo>
-                    <a:cubicBezTo>
-                      <a:pt x="426" y="377"/>
-                      <a:pt x="429" y="375"/>
-                      <a:pt x="430" y="371"/>
-                    </a:cubicBezTo>
-                    <a:cubicBezTo>
-                      <a:pt x="431" y="368"/>
-                      <a:pt x="429" y="364"/>
-                      <a:pt x="426" y="362"/>
-                    </a:cubicBezTo>
-                    <a:cubicBezTo>
-                      <a:pt x="354" y="315"/>
-                      <a:pt x="354" y="315"/>
-                      <a:pt x="354" y="315"/>
-                    </a:cubicBezTo>
-                    <a:cubicBezTo>
-                      <a:pt x="352" y="314"/>
-                      <a:pt x="351" y="314"/>
-                      <a:pt x="349" y="314"/>
-                    </a:cubicBezTo>
-                    <a:cubicBezTo>
-                      <a:pt x="281" y="314"/>
-                      <a:pt x="281" y="314"/>
-                      <a:pt x="281" y="314"/>
-                    </a:cubicBezTo>
-                    <a:cubicBezTo>
-                      <a:pt x="281" y="290"/>
-                      <a:pt x="281" y="290"/>
-                      <a:pt x="281" y="290"/>
-                    </a:cubicBezTo>
-                    <a:cubicBezTo>
-                      <a:pt x="453" y="290"/>
-                      <a:pt x="453" y="290"/>
-                      <a:pt x="453" y="290"/>
-                    </a:cubicBezTo>
-                    <a:cubicBezTo>
-                      <a:pt x="461" y="290"/>
-                      <a:pt x="467" y="283"/>
-                      <a:pt x="467" y="276"/>
-                    </a:cubicBezTo>
-                    <a:cubicBezTo>
-                      <a:pt x="467" y="66"/>
-                      <a:pt x="467" y="66"/>
-                      <a:pt x="467" y="66"/>
-                    </a:cubicBezTo>
-                    <a:cubicBezTo>
-                      <a:pt x="467" y="61"/>
-                      <a:pt x="463" y="58"/>
-                      <a:pt x="459" y="58"/>
-                    </a:cubicBezTo>
-                    <a:cubicBezTo>
-                      <a:pt x="454" y="58"/>
-                      <a:pt x="451" y="61"/>
-                      <a:pt x="451" y="66"/>
-                    </a:cubicBezTo>
-                    <a:cubicBezTo>
-                      <a:pt x="451" y="274"/>
-                      <a:pt x="451" y="274"/>
-                      <a:pt x="451" y="274"/>
-                    </a:cubicBezTo>
-                    <a:cubicBezTo>
-                      <a:pt x="16" y="274"/>
-                      <a:pt x="16" y="274"/>
-                      <a:pt x="16" y="274"/>
-                    </a:cubicBezTo>
-                    <a:cubicBezTo>
-                      <a:pt x="16" y="16"/>
-                      <a:pt x="16" y="16"/>
-                      <a:pt x="16" y="16"/>
-                    </a:cubicBezTo>
-                    <a:cubicBezTo>
-                      <a:pt x="451" y="16"/>
-                      <a:pt x="451" y="16"/>
-                      <a:pt x="451" y="16"/>
-                    </a:cubicBezTo>
-                    <a:cubicBezTo>
-                      <a:pt x="451" y="34"/>
-                      <a:pt x="451" y="34"/>
-                      <a:pt x="451" y="34"/>
-                    </a:cubicBezTo>
-                    <a:cubicBezTo>
-                      <a:pt x="451" y="38"/>
-                      <a:pt x="454" y="42"/>
-                      <a:pt x="459" y="42"/>
-                    </a:cubicBezTo>
-                    <a:close/>
-                    <a:moveTo>
-                      <a:pt x="347" y="330"/>
-                    </a:moveTo>
-                    <a:cubicBezTo>
-                      <a:pt x="395" y="361"/>
-                      <a:pt x="395" y="361"/>
-                      <a:pt x="395" y="361"/>
-                    </a:cubicBezTo>
-                    <a:cubicBezTo>
-                      <a:pt x="71" y="361"/>
-                      <a:pt x="71" y="361"/>
-                      <a:pt x="71" y="361"/>
-                    </a:cubicBezTo>
-                    <a:cubicBezTo>
-                      <a:pt x="119" y="330"/>
-                      <a:pt x="119" y="330"/>
-                      <a:pt x="119" y="330"/>
-                    </a:cubicBezTo>
-                    <a:lnTo>
-                      <a:pt x="347" y="330"/>
-                    </a:lnTo>
-                    <a:close/>
-                    <a:moveTo>
-                      <a:pt x="201" y="290"/>
-                    </a:moveTo>
-                    <a:cubicBezTo>
-                      <a:pt x="265" y="290"/>
-                      <a:pt x="265" y="290"/>
-                      <a:pt x="265" y="290"/>
-                    </a:cubicBezTo>
-                    <a:cubicBezTo>
-                      <a:pt x="265" y="314"/>
-                      <a:pt x="265" y="314"/>
-                      <a:pt x="265" y="314"/>
-                    </a:cubicBezTo>
-                    <a:cubicBezTo>
-                      <a:pt x="201" y="314"/>
-                      <a:pt x="201" y="314"/>
-                      <a:pt x="201" y="314"/>
-                    </a:cubicBezTo>
-                    <a:lnTo>
-                      <a:pt x="201" y="290"/>
-                    </a:lnTo>
-                    <a:close/>
-                    <a:moveTo>
-                      <a:pt x="89" y="84"/>
-                    </a:moveTo>
-                    <a:cubicBezTo>
-                      <a:pt x="84" y="84"/>
-                      <a:pt x="81" y="87"/>
-                      <a:pt x="81" y="92"/>
-                    </a:cubicBezTo>
-                    <a:cubicBezTo>
-                      <a:pt x="81" y="96"/>
-                      <a:pt x="84" y="100"/>
-                      <a:pt x="89" y="100"/>
-                    </a:cubicBezTo>
-                    <a:cubicBezTo>
-                      <a:pt x="93" y="100"/>
-                      <a:pt x="97" y="96"/>
-                      <a:pt x="97" y="92"/>
-                    </a:cubicBezTo>
-                    <a:cubicBezTo>
-                      <a:pt x="97" y="87"/>
-                      <a:pt x="93" y="84"/>
-                      <a:pt x="89" y="84"/>
-                    </a:cubicBezTo>
-                    <a:close/>
-                    <a:moveTo>
-                      <a:pt x="203" y="84"/>
-                    </a:moveTo>
-                    <a:cubicBezTo>
-                      <a:pt x="119" y="84"/>
-                      <a:pt x="119" y="84"/>
-                      <a:pt x="119" y="84"/>
-                    </a:cubicBezTo>
-                    <a:cubicBezTo>
-                      <a:pt x="115" y="84"/>
-                      <a:pt x="111" y="87"/>
-                      <a:pt x="111" y="92"/>
-                    </a:cubicBezTo>
-                    <a:cubicBezTo>
-                      <a:pt x="111" y="96"/>
-                      <a:pt x="115" y="100"/>
-                      <a:pt x="119" y="100"/>
-                    </a:cubicBezTo>
-                    <a:cubicBezTo>
-                      <a:pt x="203" y="100"/>
-                      <a:pt x="203" y="100"/>
-                      <a:pt x="203" y="100"/>
-                    </a:cubicBezTo>
-                    <a:cubicBezTo>
-                      <a:pt x="207" y="100"/>
-                      <a:pt x="211" y="96"/>
-                      <a:pt x="211" y="92"/>
-                    </a:cubicBezTo>
-                    <a:cubicBezTo>
-                      <a:pt x="211" y="87"/>
-                      <a:pt x="207" y="84"/>
-                      <a:pt x="203" y="84"/>
-                    </a:cubicBezTo>
-                    <a:close/>
-                    <a:moveTo>
-                      <a:pt x="89" y="157"/>
-                    </a:moveTo>
-                    <a:cubicBezTo>
-                      <a:pt x="84" y="157"/>
-                      <a:pt x="81" y="161"/>
-                      <a:pt x="81" y="165"/>
-                    </a:cubicBezTo>
-                    <a:cubicBezTo>
-                      <a:pt x="81" y="170"/>
-                      <a:pt x="84" y="173"/>
-                      <a:pt x="89" y="173"/>
-                    </a:cubicBezTo>
-                    <a:cubicBezTo>
-                      <a:pt x="93" y="173"/>
-                      <a:pt x="97" y="170"/>
-                      <a:pt x="97" y="165"/>
-                    </a:cubicBezTo>
-                    <a:cubicBezTo>
-                      <a:pt x="97" y="161"/>
-                      <a:pt x="93" y="157"/>
-                      <a:pt x="89" y="157"/>
-                    </a:cubicBezTo>
-                    <a:close/>
-                    <a:moveTo>
-                      <a:pt x="89" y="194"/>
-                    </a:moveTo>
-                    <a:cubicBezTo>
-                      <a:pt x="84" y="194"/>
-                      <a:pt x="81" y="197"/>
-                      <a:pt x="81" y="202"/>
-                    </a:cubicBezTo>
-                    <a:cubicBezTo>
-                      <a:pt x="81" y="206"/>
-                      <a:pt x="84" y="210"/>
-                      <a:pt x="89" y="210"/>
-                    </a:cubicBezTo>
-                    <a:cubicBezTo>
-                      <a:pt x="93" y="210"/>
-                      <a:pt x="97" y="206"/>
-                      <a:pt x="97" y="202"/>
-                    </a:cubicBezTo>
-                    <a:cubicBezTo>
-                      <a:pt x="97" y="197"/>
-                      <a:pt x="93" y="194"/>
-                      <a:pt x="89" y="194"/>
-                    </a:cubicBezTo>
-                    <a:close/>
-                    <a:moveTo>
-                      <a:pt x="203" y="158"/>
-                    </a:moveTo>
-                    <a:cubicBezTo>
-                      <a:pt x="119" y="158"/>
-                      <a:pt x="119" y="158"/>
-                      <a:pt x="119" y="158"/>
-                    </a:cubicBezTo>
-                    <a:cubicBezTo>
-                      <a:pt x="115" y="158"/>
-                      <a:pt x="111" y="161"/>
-                      <a:pt x="111" y="166"/>
-                    </a:cubicBezTo>
-                    <a:cubicBezTo>
-                      <a:pt x="111" y="170"/>
-                      <a:pt x="115" y="174"/>
-                      <a:pt x="119" y="174"/>
-                    </a:cubicBezTo>
-                    <a:cubicBezTo>
-                      <a:pt x="203" y="174"/>
-                      <a:pt x="203" y="174"/>
-                      <a:pt x="203" y="174"/>
-                    </a:cubicBezTo>
-                    <a:cubicBezTo>
-                      <a:pt x="207" y="174"/>
-                      <a:pt x="211" y="170"/>
-                      <a:pt x="211" y="166"/>
-                    </a:cubicBezTo>
-                    <a:cubicBezTo>
-                      <a:pt x="211" y="161"/>
-                      <a:pt x="207" y="158"/>
-                      <a:pt x="203" y="158"/>
-                    </a:cubicBezTo>
-                    <a:close/>
-                    <a:moveTo>
-                      <a:pt x="203" y="121"/>
-                    </a:moveTo>
-                    <a:cubicBezTo>
-                      <a:pt x="119" y="121"/>
-                      <a:pt x="119" y="121"/>
-                      <a:pt x="119" y="121"/>
-                    </a:cubicBezTo>
-                    <a:cubicBezTo>
-                      <a:pt x="115" y="121"/>
-                      <a:pt x="111" y="124"/>
-                      <a:pt x="111" y="129"/>
-                    </a:cubicBezTo>
-                    <a:cubicBezTo>
-                      <a:pt x="111" y="133"/>
-                      <a:pt x="115" y="137"/>
-                      <a:pt x="119" y="137"/>
-                    </a:cubicBezTo>
-                    <a:cubicBezTo>
-                      <a:pt x="203" y="137"/>
-                      <a:pt x="203" y="137"/>
-                      <a:pt x="203" y="137"/>
-                    </a:cubicBezTo>
-                    <a:cubicBezTo>
-                      <a:pt x="207" y="137"/>
-                      <a:pt x="211" y="133"/>
-                      <a:pt x="211" y="129"/>
-                    </a:cubicBezTo>
-                    <a:cubicBezTo>
-                      <a:pt x="211" y="124"/>
-                      <a:pt x="207" y="121"/>
-                      <a:pt x="203" y="121"/>
-                    </a:cubicBezTo>
-                    <a:close/>
-                    <a:moveTo>
-                      <a:pt x="203" y="195"/>
-                    </a:moveTo>
-                    <a:cubicBezTo>
-                      <a:pt x="119" y="195"/>
-                      <a:pt x="119" y="195"/>
-                      <a:pt x="119" y="195"/>
-                    </a:cubicBezTo>
-                    <a:cubicBezTo>
-                      <a:pt x="115" y="195"/>
-                      <a:pt x="111" y="198"/>
-                      <a:pt x="111" y="203"/>
-                    </a:cubicBezTo>
-                    <a:cubicBezTo>
-                      <a:pt x="111" y="207"/>
-                      <a:pt x="115" y="211"/>
-                      <a:pt x="119" y="211"/>
-                    </a:cubicBezTo>
-                    <a:cubicBezTo>
-                      <a:pt x="203" y="211"/>
-                      <a:pt x="203" y="211"/>
-                      <a:pt x="203" y="211"/>
-                    </a:cubicBezTo>
-                    <a:cubicBezTo>
-                      <a:pt x="207" y="211"/>
-                      <a:pt x="211" y="207"/>
-                      <a:pt x="211" y="203"/>
-                    </a:cubicBezTo>
-                    <a:cubicBezTo>
-                      <a:pt x="211" y="198"/>
-                      <a:pt x="207" y="195"/>
-                      <a:pt x="203" y="195"/>
-                    </a:cubicBezTo>
-                    <a:close/>
-                  </a:path>
-                </a:pathLst>
-              </a:custGeom>
-              <a:solidFill>
-                <a:schemeClr val="accent1">
-                  <a:lumMod val="75000"/>
-                </a:schemeClr>
-              </a:solidFill>
-              <a:ln>
-                <a:noFill/>
-              </a:ln>
-              <a:extLst/>
-            </p:spPr>
-            <p:txBody>
-              <a:bodyPr/>
-              <a:lstStyle>
-                <a:defPPr>
-                  <a:defRPr lang="en-US"/>
-                </a:defPPr>
-                <a:lvl1pPr algn="l" rtl="0" eaLnBrk="0" fontAlgn="base" hangingPunct="0">
-                  <a:spcBef>
-                    <a:spcPct val="0"/>
-                  </a:spcBef>
-                  <a:spcAft>
-                    <a:spcPct val="0"/>
-                  </a:spcAft>
-                  <a:defRPr sz="2000" kern="1200">
-                    <a:solidFill>
-                      <a:schemeClr val="tx1"/>
-                    </a:solidFill>
-                    <a:latin typeface="Arial" panose="020B0604020202020204" pitchFamily="34" charset="0"/>
-                    <a:ea typeface="MS PGothic" panose="020B0600070205080204" pitchFamily="34" charset="-128"/>
-                    <a:cs typeface="+mn-cs"/>
-                  </a:defRPr>
-                </a:lvl1pPr>
-                <a:lvl2pPr marL="457200" algn="l" rtl="0" eaLnBrk="0" fontAlgn="base" hangingPunct="0">
-                  <a:spcBef>
-                    <a:spcPct val="0"/>
-                  </a:spcBef>
-                  <a:spcAft>
-                    <a:spcPct val="0"/>
-                  </a:spcAft>
-                  <a:defRPr sz="2000" kern="1200">
-                    <a:solidFill>
-                      <a:schemeClr val="tx1"/>
-                    </a:solidFill>
-                    <a:latin typeface="Arial" panose="020B0604020202020204" pitchFamily="34" charset="0"/>
-                    <a:ea typeface="MS PGothic" panose="020B0600070205080204" pitchFamily="34" charset="-128"/>
-                    <a:cs typeface="+mn-cs"/>
-                  </a:defRPr>
-                </a:lvl2pPr>
-                <a:lvl3pPr marL="914400" algn="l" rtl="0" eaLnBrk="0" fontAlgn="base" hangingPunct="0">
-                  <a:spcBef>
-                    <a:spcPct val="0"/>
-                  </a:spcBef>
-                  <a:spcAft>
-                    <a:spcPct val="0"/>
-                  </a:spcAft>
-                  <a:defRPr sz="2000" kern="1200">
-                    <a:solidFill>
-                      <a:schemeClr val="tx1"/>
-                    </a:solidFill>
-                    <a:latin typeface="Arial" panose="020B0604020202020204" pitchFamily="34" charset="0"/>
-                    <a:ea typeface="MS PGothic" panose="020B0600070205080204" pitchFamily="34" charset="-128"/>
-                    <a:cs typeface="+mn-cs"/>
-                  </a:defRPr>
-                </a:lvl3pPr>
-                <a:lvl4pPr marL="1371600" algn="l" rtl="0" eaLnBrk="0" fontAlgn="base" hangingPunct="0">
-                  <a:spcBef>
-                    <a:spcPct val="0"/>
-                  </a:spcBef>
-                  <a:spcAft>
-                    <a:spcPct val="0"/>
-                  </a:spcAft>
-                  <a:defRPr sz="2000" kern="1200">
-                    <a:solidFill>
-                      <a:schemeClr val="tx1"/>
-                    </a:solidFill>
-                    <a:latin typeface="Arial" panose="020B0604020202020204" pitchFamily="34" charset="0"/>
-                    <a:ea typeface="MS PGothic" panose="020B0600070205080204" pitchFamily="34" charset="-128"/>
-                    <a:cs typeface="+mn-cs"/>
-                  </a:defRPr>
-                </a:lvl4pPr>
-                <a:lvl5pPr marL="1828800" algn="l" rtl="0" eaLnBrk="0" fontAlgn="base" hangingPunct="0">
-                  <a:spcBef>
-                    <a:spcPct val="0"/>
-                  </a:spcBef>
-                  <a:spcAft>
-                    <a:spcPct val="0"/>
-                  </a:spcAft>
-                  <a:defRPr sz="2000" kern="1200">
-                    <a:solidFill>
-                      <a:schemeClr val="tx1"/>
-                    </a:solidFill>
-                    <a:latin typeface="Arial" panose="020B0604020202020204" pitchFamily="34" charset="0"/>
-                    <a:ea typeface="MS PGothic" panose="020B0600070205080204" pitchFamily="34" charset="-128"/>
-                    <a:cs typeface="+mn-cs"/>
-                  </a:defRPr>
-                </a:lvl5pPr>
-                <a:lvl6pPr marL="2286000" algn="l" defTabSz="914400" rtl="0" eaLnBrk="1" latinLnBrk="0" hangingPunct="1">
-                  <a:defRPr sz="2000" kern="1200">
-                    <a:solidFill>
-                      <a:schemeClr val="tx1"/>
-                    </a:solidFill>
-                    <a:latin typeface="Arial" panose="020B0604020202020204" pitchFamily="34" charset="0"/>
-                    <a:ea typeface="MS PGothic" panose="020B0600070205080204" pitchFamily="34" charset="-128"/>
-                    <a:cs typeface="+mn-cs"/>
-                  </a:defRPr>
-                </a:lvl6pPr>
-                <a:lvl7pPr marL="2743200" algn="l" defTabSz="914400" rtl="0" eaLnBrk="1" latinLnBrk="0" hangingPunct="1">
-                  <a:defRPr sz="2000" kern="1200">
-                    <a:solidFill>
-                      <a:schemeClr val="tx1"/>
-                    </a:solidFill>
-                    <a:latin typeface="Arial" panose="020B0604020202020204" pitchFamily="34" charset="0"/>
-                    <a:ea typeface="MS PGothic" panose="020B0600070205080204" pitchFamily="34" charset="-128"/>
-                    <a:cs typeface="+mn-cs"/>
-                  </a:defRPr>
-                </a:lvl7pPr>
-                <a:lvl8pPr marL="3200400" algn="l" defTabSz="914400" rtl="0" eaLnBrk="1" latinLnBrk="0" hangingPunct="1">
-                  <a:defRPr sz="2000" kern="1200">
-                    <a:solidFill>
-                      <a:schemeClr val="tx1"/>
-                    </a:solidFill>
-                    <a:latin typeface="Arial" panose="020B0604020202020204" pitchFamily="34" charset="0"/>
-                    <a:ea typeface="MS PGothic" panose="020B0600070205080204" pitchFamily="34" charset="-128"/>
-                    <a:cs typeface="+mn-cs"/>
-                  </a:defRPr>
-                </a:lvl8pPr>
-                <a:lvl9pPr marL="3657600" algn="l" defTabSz="914400" rtl="0" eaLnBrk="1" latinLnBrk="0" hangingPunct="1">
-                  <a:defRPr sz="2000" kern="1200">
-                    <a:solidFill>
-                      <a:schemeClr val="tx1"/>
-                    </a:solidFill>
-                    <a:latin typeface="Arial" panose="020B0604020202020204" pitchFamily="34" charset="0"/>
-                    <a:ea typeface="MS PGothic" panose="020B0600070205080204" pitchFamily="34" charset="-128"/>
-                    <a:cs typeface="+mn-cs"/>
-                  </a:defRPr>
-                </a:lvl9pPr>
-              </a:lstStyle>
-              <a:p>
-                <a:endParaRPr lang="pt-BR"/>
-              </a:p>
-            </p:txBody>
-          </p:sp>
-          <p:sp>
-            <p:nvSpPr>
-              <p:cNvPr id="174" name="Rectangle 173"/>
-              <p:cNvSpPr/>
-              <p:nvPr/>
-            </p:nvSpPr>
-            <p:spPr bwMode="auto">
-              <a:xfrm>
-                <a:off x="8677366" y="2518836"/>
-                <a:ext cx="999294" cy="198445"/>
-              </a:xfrm>
-              <a:prstGeom prst="rect">
-                <a:avLst/>
-              </a:prstGeom>
-              <a:solidFill>
-                <a:schemeClr val="bg1"/>
-              </a:solidFill>
-              <a:ln w="12700" cap="flat" cmpd="sng" algn="ctr">
-                <a:solidFill>
-                  <a:schemeClr val="bg1"/>
-                </a:solidFill>
-                <a:prstDash val="solid"/>
-                <a:round/>
-                <a:headEnd type="none" w="med" len="med"/>
-                <a:tailEnd type="none" w="med" len="med"/>
-              </a:ln>
-              <a:effectLst/>
-            </p:spPr>
-            <p:txBody>
-              <a:bodyPr vert="horz" wrap="none" lIns="72000" tIns="45720" rIns="72000" bIns="45720" numCol="1" rtlCol="0" anchor="t" anchorCtr="0" compatLnSpc="1">
-                <a:prstTxWarp prst="textNoShape">
-                  <a:avLst/>
-                </a:prstTxWarp>
-              </a:bodyPr>
-              <a:lstStyle/>
-              <a:p>
-                <a:pPr marL="0" marR="0" indent="0" algn="l" defTabSz="914400" rtl="0" eaLnBrk="1" fontAlgn="base" latinLnBrk="0" hangingPunct="1">
-                  <a:lnSpc>
-                    <a:spcPct val="100000"/>
-                  </a:lnSpc>
-                  <a:spcBef>
-                    <a:spcPct val="50000"/>
-                  </a:spcBef>
-                  <a:spcAft>
-                    <a:spcPct val="0"/>
-                  </a:spcAft>
-                  <a:buClrTx/>
-                  <a:buSzTx/>
-                  <a:buFontTx/>
-                  <a:buNone/>
-                  <a:tabLst/>
-                </a:pPr>
-                <a:endParaRPr kumimoji="0" lang="pt-BR" sz="2000" b="0" i="0" u="none" strike="noStrike" cap="none" normalizeH="0" baseline="0">
-                  <a:ln>
-                    <a:noFill/>
-                  </a:ln>
-                  <a:solidFill>
-                    <a:schemeClr val="tx1"/>
-                  </a:solidFill>
-                  <a:effectLst/>
-                  <a:latin typeface="Arial" charset="0"/>
-                </a:endParaRPr>
-              </a:p>
-            </p:txBody>
-          </p:sp>
-        </p:grpSp>
-        <p:sp>
-          <p:nvSpPr>
-            <p:cNvPr id="176" name="Oval 175"/>
-            <p:cNvSpPr/>
-            <p:nvPr/>
-          </p:nvSpPr>
-          <p:spPr bwMode="auto">
-            <a:xfrm>
-              <a:off x="7794594" y="4588910"/>
-              <a:ext cx="152879" cy="152879"/>
-            </a:xfrm>
-            <a:prstGeom prst="ellipse">
-              <a:avLst/>
-            </a:prstGeom>
-            <a:solidFill>
-              <a:schemeClr val="accent1">
-                <a:lumMod val="75000"/>
-              </a:schemeClr>
-            </a:solidFill>
-            <a:ln w="38100" cap="flat" cmpd="sng" algn="ctr">
-              <a:solidFill>
-                <a:schemeClr val="accent1">
-                  <a:lumMod val="75000"/>
-                </a:schemeClr>
-              </a:solidFill>
-              <a:prstDash val="solid"/>
-              <a:round/>
-              <a:headEnd type="none" w="med" len="med"/>
-              <a:tailEnd type="none" w="med" len="med"/>
-            </a:ln>
-            <a:effectLst/>
-          </p:spPr>
-          <p:txBody>
-            <a:bodyPr vert="horz" wrap="none" lIns="72000" tIns="45720" rIns="72000" bIns="45720" numCol="1" rtlCol="0" anchor="t" anchorCtr="0" compatLnSpc="1">
-              <a:prstTxWarp prst="textNoShape">
-                <a:avLst/>
-              </a:prstTxWarp>
-            </a:bodyPr>
-            <a:lstStyle/>
-            <a:p>
-              <a:pPr marL="0" marR="0" indent="0" algn="l" defTabSz="914400" rtl="0" eaLnBrk="1" fontAlgn="base" latinLnBrk="0" hangingPunct="1">
-                <a:lnSpc>
-                  <a:spcPct val="100000"/>
-                </a:lnSpc>
-                <a:spcBef>
-                  <a:spcPct val="50000"/>
-                </a:spcBef>
-                <a:spcAft>
-                  <a:spcPct val="0"/>
-                </a:spcAft>
-                <a:buClrTx/>
-                <a:buSzTx/>
-                <a:buFontTx/>
-                <a:buNone/>
-                <a:tabLst/>
-              </a:pPr>
-              <a:endParaRPr kumimoji="0" lang="pt-BR" sz="2000" b="0" i="0" u="none" strike="noStrike" cap="none" normalizeH="0" baseline="0">
-                <a:ln>
-                  <a:noFill/>
-                </a:ln>
-                <a:solidFill>
-                  <a:schemeClr val="tx1"/>
-                </a:solidFill>
-                <a:effectLst/>
-                <a:latin typeface="Arial" charset="0"/>
-              </a:endParaRPr>
-            </a:p>
-          </p:txBody>
-        </p:sp>
-        <p:sp>
-          <p:nvSpPr>
-            <p:cNvPr id="178" name="Oval 177"/>
-            <p:cNvSpPr/>
-            <p:nvPr/>
-          </p:nvSpPr>
-          <p:spPr bwMode="auto">
-            <a:xfrm>
-              <a:off x="9518342" y="5626615"/>
-              <a:ext cx="152879" cy="152879"/>
-            </a:xfrm>
-            <a:prstGeom prst="ellipse">
-              <a:avLst/>
-            </a:prstGeom>
-            <a:solidFill>
-              <a:schemeClr val="accent1">
-                <a:lumMod val="75000"/>
-              </a:schemeClr>
-            </a:solidFill>
-            <a:ln w="38100" cap="flat" cmpd="sng" algn="ctr">
-              <a:solidFill>
-                <a:schemeClr val="accent1">
-                  <a:lumMod val="75000"/>
-                </a:schemeClr>
-              </a:solidFill>
-              <a:prstDash val="solid"/>
-              <a:round/>
-              <a:headEnd type="none" w="med" len="med"/>
-              <a:tailEnd type="none" w="med" len="med"/>
-            </a:ln>
-            <a:effectLst/>
-          </p:spPr>
-          <p:txBody>
-            <a:bodyPr vert="horz" wrap="none" lIns="72000" tIns="45720" rIns="72000" bIns="45720" numCol="1" rtlCol="0" anchor="t" anchorCtr="0" compatLnSpc="1">
-              <a:prstTxWarp prst="textNoShape">
-                <a:avLst/>
-              </a:prstTxWarp>
-            </a:bodyPr>
-            <a:lstStyle/>
-            <a:p>
-              <a:pPr marL="0" marR="0" indent="0" algn="l" defTabSz="914400" rtl="0" eaLnBrk="1" fontAlgn="base" latinLnBrk="0" hangingPunct="1">
-                <a:lnSpc>
-                  <a:spcPct val="100000"/>
-                </a:lnSpc>
-                <a:spcBef>
-                  <a:spcPct val="50000"/>
-                </a:spcBef>
-                <a:spcAft>
-                  <a:spcPct val="0"/>
-                </a:spcAft>
-                <a:buClrTx/>
-                <a:buSzTx/>
-                <a:buFontTx/>
-                <a:buNone/>
-                <a:tabLst/>
-              </a:pPr>
-              <a:endParaRPr kumimoji="0" lang="pt-BR" sz="2000" b="0" i="0" u="none" strike="noStrike" cap="none" normalizeH="0" baseline="0">
-                <a:ln>
-                  <a:noFill/>
-                </a:ln>
-                <a:solidFill>
-                  <a:schemeClr val="tx1"/>
-                </a:solidFill>
-                <a:effectLst/>
-                <a:latin typeface="Arial" charset="0"/>
-              </a:endParaRPr>
-            </a:p>
-          </p:txBody>
-        </p:sp>
-        <p:sp>
-          <p:nvSpPr>
-            <p:cNvPr id="179" name="Oval 178"/>
-            <p:cNvSpPr/>
-            <p:nvPr/>
-          </p:nvSpPr>
-          <p:spPr bwMode="auto">
-            <a:xfrm>
-              <a:off x="7452230" y="5474380"/>
-              <a:ext cx="152879" cy="152879"/>
-            </a:xfrm>
-            <a:prstGeom prst="ellipse">
-              <a:avLst/>
-            </a:prstGeom>
-            <a:solidFill>
-              <a:schemeClr val="accent1">
-                <a:lumMod val="75000"/>
-              </a:schemeClr>
-            </a:solidFill>
-            <a:ln w="38100" cap="flat" cmpd="sng" algn="ctr">
-              <a:solidFill>
-                <a:schemeClr val="accent1">
-                  <a:lumMod val="75000"/>
-                </a:schemeClr>
-              </a:solidFill>
-              <a:prstDash val="solid"/>
-              <a:round/>
-              <a:headEnd type="none" w="med" len="med"/>
-              <a:tailEnd type="none" w="med" len="med"/>
-            </a:ln>
-            <a:effectLst/>
-          </p:spPr>
-          <p:txBody>
-            <a:bodyPr vert="horz" wrap="none" lIns="72000" tIns="45720" rIns="72000" bIns="45720" numCol="1" rtlCol="0" anchor="t" anchorCtr="0" compatLnSpc="1">
-              <a:prstTxWarp prst="textNoShape">
-                <a:avLst/>
-              </a:prstTxWarp>
-            </a:bodyPr>
-            <a:lstStyle/>
-            <a:p>
-              <a:pPr marL="0" marR="0" indent="0" algn="l" defTabSz="914400" rtl="0" eaLnBrk="1" fontAlgn="base" latinLnBrk="0" hangingPunct="1">
-                <a:lnSpc>
-                  <a:spcPct val="100000"/>
-                </a:lnSpc>
-                <a:spcBef>
-                  <a:spcPct val="50000"/>
-                </a:spcBef>
-                <a:spcAft>
-                  <a:spcPct val="0"/>
-                </a:spcAft>
-                <a:buClrTx/>
-                <a:buSzTx/>
-                <a:buFontTx/>
-                <a:buNone/>
-                <a:tabLst/>
-              </a:pPr>
-              <a:endParaRPr kumimoji="0" lang="pt-BR" sz="2000" b="0" i="0" u="none" strike="noStrike" cap="none" normalizeH="0" baseline="0">
-                <a:ln>
-                  <a:noFill/>
-                </a:ln>
-                <a:solidFill>
-                  <a:schemeClr val="tx1"/>
-                </a:solidFill>
-                <a:effectLst/>
-                <a:latin typeface="Arial" charset="0"/>
-              </a:endParaRPr>
-            </a:p>
-          </p:txBody>
-        </p:sp>
-        <p:sp>
-          <p:nvSpPr>
-            <p:cNvPr id="180" name="Oval 179"/>
-            <p:cNvSpPr/>
-            <p:nvPr/>
-          </p:nvSpPr>
-          <p:spPr bwMode="auto">
-            <a:xfrm>
-              <a:off x="8737558" y="5143720"/>
-              <a:ext cx="152879" cy="152879"/>
-            </a:xfrm>
-            <a:prstGeom prst="ellipse">
-              <a:avLst/>
-            </a:prstGeom>
-            <a:solidFill>
-              <a:schemeClr val="accent1">
-                <a:lumMod val="75000"/>
-              </a:schemeClr>
-            </a:solidFill>
-            <a:ln w="38100" cap="flat" cmpd="sng" algn="ctr">
-              <a:solidFill>
-                <a:schemeClr val="accent1">
-                  <a:lumMod val="75000"/>
-                </a:schemeClr>
-              </a:solidFill>
-              <a:prstDash val="solid"/>
-              <a:round/>
-              <a:headEnd type="none" w="med" len="med"/>
-              <a:tailEnd type="none" w="med" len="med"/>
-            </a:ln>
-            <a:effectLst/>
-          </p:spPr>
-          <p:txBody>
-            <a:bodyPr vert="horz" wrap="none" lIns="72000" tIns="45720" rIns="72000" bIns="45720" numCol="1" rtlCol="0" anchor="t" anchorCtr="0" compatLnSpc="1">
-              <a:prstTxWarp prst="textNoShape">
-                <a:avLst/>
-              </a:prstTxWarp>
-            </a:bodyPr>
-            <a:lstStyle/>
-            <a:p>
-              <a:pPr marL="0" marR="0" indent="0" algn="l" defTabSz="914400" rtl="0" eaLnBrk="1" fontAlgn="base" latinLnBrk="0" hangingPunct="1">
-                <a:lnSpc>
-                  <a:spcPct val="100000"/>
-                </a:lnSpc>
-                <a:spcBef>
-                  <a:spcPct val="50000"/>
-                </a:spcBef>
-                <a:spcAft>
-                  <a:spcPct val="0"/>
-                </a:spcAft>
-                <a:buClrTx/>
-                <a:buSzTx/>
-                <a:buFontTx/>
-                <a:buNone/>
-                <a:tabLst/>
-              </a:pPr>
-              <a:endParaRPr kumimoji="0" lang="pt-BR" sz="2000" b="0" i="0" u="none" strike="noStrike" cap="none" normalizeH="0" baseline="0">
-                <a:ln>
-                  <a:noFill/>
-                </a:ln>
-                <a:solidFill>
-                  <a:schemeClr val="tx1"/>
-                </a:solidFill>
-                <a:effectLst/>
-                <a:latin typeface="Arial" charset="0"/>
-              </a:endParaRPr>
-            </a:p>
-          </p:txBody>
-        </p:sp>
-        <p:sp>
-          <p:nvSpPr>
-            <p:cNvPr id="181" name="Oval 180"/>
-            <p:cNvSpPr/>
-            <p:nvPr/>
-          </p:nvSpPr>
-          <p:spPr bwMode="auto">
-            <a:xfrm>
-              <a:off x="10022888" y="5370915"/>
-              <a:ext cx="152879" cy="152879"/>
-            </a:xfrm>
-            <a:prstGeom prst="ellipse">
-              <a:avLst/>
-            </a:prstGeom>
-            <a:solidFill>
-              <a:schemeClr val="accent1">
-                <a:lumMod val="75000"/>
-              </a:schemeClr>
-            </a:solidFill>
-            <a:ln w="38100" cap="flat" cmpd="sng" algn="ctr">
-              <a:solidFill>
-                <a:schemeClr val="accent1">
-                  <a:lumMod val="75000"/>
-                </a:schemeClr>
-              </a:solidFill>
-              <a:prstDash val="solid"/>
-              <a:round/>
-              <a:headEnd type="none" w="med" len="med"/>
-              <a:tailEnd type="none" w="med" len="med"/>
-            </a:ln>
-            <a:effectLst/>
-          </p:spPr>
-          <p:txBody>
-            <a:bodyPr vert="horz" wrap="none" lIns="72000" tIns="45720" rIns="72000" bIns="45720" numCol="1" rtlCol="0" anchor="t" anchorCtr="0" compatLnSpc="1">
-              <a:prstTxWarp prst="textNoShape">
-                <a:avLst/>
-              </a:prstTxWarp>
-            </a:bodyPr>
-            <a:lstStyle/>
-            <a:p>
-              <a:pPr marL="0" marR="0" indent="0" algn="l" defTabSz="914400" rtl="0" eaLnBrk="1" fontAlgn="base" latinLnBrk="0" hangingPunct="1">
-                <a:lnSpc>
-                  <a:spcPct val="100000"/>
-                </a:lnSpc>
-                <a:spcBef>
-                  <a:spcPct val="50000"/>
-                </a:spcBef>
-                <a:spcAft>
-                  <a:spcPct val="0"/>
-                </a:spcAft>
-                <a:buClrTx/>
-                <a:buSzTx/>
-                <a:buFontTx/>
-                <a:buNone/>
-                <a:tabLst/>
-              </a:pPr>
-              <a:endParaRPr kumimoji="0" lang="pt-BR" sz="2000" b="0" i="0" u="none" strike="noStrike" cap="none" normalizeH="0" baseline="0">
-                <a:ln>
-                  <a:noFill/>
-                </a:ln>
-                <a:solidFill>
-                  <a:schemeClr val="tx1"/>
-                </a:solidFill>
-                <a:effectLst/>
-                <a:latin typeface="Arial" charset="0"/>
-              </a:endParaRPr>
-            </a:p>
-          </p:txBody>
-        </p:sp>
-        <p:sp>
-          <p:nvSpPr>
-            <p:cNvPr id="182" name="Oval 181"/>
-            <p:cNvSpPr/>
-            <p:nvPr/>
-          </p:nvSpPr>
-          <p:spPr bwMode="auto">
-            <a:xfrm>
-              <a:off x="8049396" y="4996207"/>
-              <a:ext cx="152879" cy="152879"/>
-            </a:xfrm>
-            <a:prstGeom prst="ellipse">
-              <a:avLst/>
-            </a:prstGeom>
-            <a:solidFill>
-              <a:schemeClr val="accent1">
-                <a:lumMod val="75000"/>
-              </a:schemeClr>
-            </a:solidFill>
-            <a:ln w="38100" cap="flat" cmpd="sng" algn="ctr">
-              <a:solidFill>
-                <a:schemeClr val="accent1">
-                  <a:lumMod val="75000"/>
-                </a:schemeClr>
-              </a:solidFill>
-              <a:prstDash val="solid"/>
-              <a:round/>
-              <a:headEnd type="none" w="med" len="med"/>
-              <a:tailEnd type="none" w="med" len="med"/>
-            </a:ln>
-            <a:effectLst/>
-          </p:spPr>
-          <p:txBody>
-            <a:bodyPr vert="horz" wrap="none" lIns="72000" tIns="45720" rIns="72000" bIns="45720" numCol="1" rtlCol="0" anchor="t" anchorCtr="0" compatLnSpc="1">
-              <a:prstTxWarp prst="textNoShape">
-                <a:avLst/>
-              </a:prstTxWarp>
-            </a:bodyPr>
-            <a:lstStyle/>
-            <a:p>
-              <a:pPr marL="0" marR="0" indent="0" algn="l" defTabSz="914400" rtl="0" eaLnBrk="1" fontAlgn="base" latinLnBrk="0" hangingPunct="1">
-                <a:lnSpc>
-                  <a:spcPct val="100000"/>
-                </a:lnSpc>
-                <a:spcBef>
-                  <a:spcPct val="50000"/>
-                </a:spcBef>
-                <a:spcAft>
-                  <a:spcPct val="0"/>
-                </a:spcAft>
-                <a:buClrTx/>
-                <a:buSzTx/>
-                <a:buFontTx/>
-                <a:buNone/>
-                <a:tabLst/>
-              </a:pPr>
-              <a:endParaRPr kumimoji="0" lang="pt-BR" sz="2000" b="0" i="0" u="none" strike="noStrike" cap="none" normalizeH="0" baseline="0">
-                <a:ln>
-                  <a:noFill/>
-                </a:ln>
-                <a:solidFill>
-                  <a:schemeClr val="tx1"/>
-                </a:solidFill>
-                <a:effectLst/>
-                <a:latin typeface="Arial" charset="0"/>
-              </a:endParaRPr>
-            </a:p>
-          </p:txBody>
-        </p:sp>
-        <p:sp>
-          <p:nvSpPr>
-            <p:cNvPr id="183" name="Freeform 182"/>
-            <p:cNvSpPr/>
-            <p:nvPr/>
-          </p:nvSpPr>
-          <p:spPr bwMode="auto">
-            <a:xfrm>
-              <a:off x="7883371" y="4190260"/>
-              <a:ext cx="870012" cy="498840"/>
-            </a:xfrm>
-            <a:custGeom>
-              <a:avLst/>
-              <a:gdLst>
-                <a:gd name="connsiteX0" fmla="*/ 0 w 870012"/>
-                <a:gd name="connsiteY0" fmla="*/ 470517 h 498840"/>
-                <a:gd name="connsiteX1" fmla="*/ 399495 w 870012"/>
-                <a:gd name="connsiteY1" fmla="*/ 461639 h 498840"/>
-                <a:gd name="connsiteX2" fmla="*/ 754602 w 870012"/>
-                <a:gd name="connsiteY2" fmla="*/ 106532 h 498840"/>
-                <a:gd name="connsiteX3" fmla="*/ 870012 w 870012"/>
-                <a:gd name="connsiteY3" fmla="*/ 0 h 498840"/>
-              </a:gdLst>
-              <a:ahLst/>
-              <a:cxnLst>
-                <a:cxn ang="0">
-                  <a:pos x="connsiteX0" y="connsiteY0"/>
-                </a:cxn>
-                <a:cxn ang="0">
-                  <a:pos x="connsiteX1" y="connsiteY1"/>
-                </a:cxn>
-                <a:cxn ang="0">
-                  <a:pos x="connsiteX2" y="connsiteY2"/>
-                </a:cxn>
-                <a:cxn ang="0">
-                  <a:pos x="connsiteX3" y="connsiteY3"/>
-                </a:cxn>
-              </a:cxnLst>
-              <a:rect l="l" t="t" r="r" b="b"/>
-              <a:pathLst>
-                <a:path w="870012" h="498840">
-                  <a:moveTo>
-                    <a:pt x="0" y="470517"/>
-                  </a:moveTo>
-                  <a:cubicBezTo>
-                    <a:pt x="136864" y="496410"/>
-                    <a:pt x="273728" y="522303"/>
-                    <a:pt x="399495" y="461639"/>
-                  </a:cubicBezTo>
-                  <a:cubicBezTo>
-                    <a:pt x="525262" y="400975"/>
-                    <a:pt x="676183" y="183472"/>
-                    <a:pt x="754602" y="106532"/>
-                  </a:cubicBezTo>
-                  <a:cubicBezTo>
-                    <a:pt x="833021" y="29592"/>
-                    <a:pt x="851516" y="14796"/>
-                    <a:pt x="870012" y="0"/>
-                  </a:cubicBezTo>
-                </a:path>
-              </a:pathLst>
-            </a:custGeom>
-            <a:noFill/>
-            <a:ln w="38100" cap="flat" cmpd="sng" algn="ctr">
-              <a:solidFill>
-                <a:schemeClr val="accent1">
-                  <a:lumMod val="75000"/>
-                </a:schemeClr>
-              </a:solidFill>
-              <a:prstDash val="solid"/>
-              <a:round/>
-              <a:headEnd type="none" w="med" len="med"/>
-              <a:tailEnd type="none" w="med" len="med"/>
-            </a:ln>
-            <a:effectLst/>
-          </p:spPr>
-          <p:txBody>
-            <a:bodyPr vert="horz" wrap="none" lIns="72000" tIns="45720" rIns="72000" bIns="45720" numCol="1" rtlCol="0" anchor="t" anchorCtr="0" compatLnSpc="1">
-              <a:prstTxWarp prst="textNoShape">
-                <a:avLst/>
-              </a:prstTxWarp>
-            </a:bodyPr>
-            <a:lstStyle/>
-            <a:p>
-              <a:pPr marL="0" marR="0" indent="0" algn="l" defTabSz="914400" rtl="0" eaLnBrk="1" fontAlgn="base" latinLnBrk="0" hangingPunct="1">
-                <a:lnSpc>
-                  <a:spcPct val="100000"/>
-                </a:lnSpc>
-                <a:spcBef>
-                  <a:spcPct val="50000"/>
-                </a:spcBef>
-                <a:spcAft>
-                  <a:spcPct val="0"/>
-                </a:spcAft>
-                <a:buClrTx/>
-                <a:buSzTx/>
-                <a:buFontTx/>
-                <a:buNone/>
-                <a:tabLst/>
-              </a:pPr>
-              <a:endParaRPr kumimoji="0" lang="pt-BR" sz="2000" b="0" i="0" u="none" strike="noStrike" cap="none" normalizeH="0" baseline="0">
-                <a:ln>
-                  <a:noFill/>
-                </a:ln>
-                <a:solidFill>
-                  <a:schemeClr val="tx1"/>
-                </a:solidFill>
-                <a:effectLst/>
-                <a:latin typeface="Arial" charset="0"/>
-              </a:endParaRPr>
-            </a:p>
-          </p:txBody>
-        </p:sp>
-        <p:sp>
-          <p:nvSpPr>
-            <p:cNvPr id="184" name="Freeform 183"/>
-            <p:cNvSpPr/>
-            <p:nvPr/>
-          </p:nvSpPr>
-          <p:spPr bwMode="auto">
-            <a:xfrm>
-              <a:off x="7519386" y="4190260"/>
-              <a:ext cx="1447061" cy="1331651"/>
-            </a:xfrm>
-            <a:custGeom>
-              <a:avLst/>
-              <a:gdLst>
-                <a:gd name="connsiteX0" fmla="*/ 0 w 1606859"/>
-                <a:gd name="connsiteY0" fmla="*/ 1331651 h 1331651"/>
-                <a:gd name="connsiteX1" fmla="*/ 150921 w 1606859"/>
-                <a:gd name="connsiteY1" fmla="*/ 843379 h 1331651"/>
-                <a:gd name="connsiteX2" fmla="*/ 639193 w 1606859"/>
-                <a:gd name="connsiteY2" fmla="*/ 630315 h 1331651"/>
-                <a:gd name="connsiteX3" fmla="*/ 1287263 w 1606859"/>
-                <a:gd name="connsiteY3" fmla="*/ 452761 h 1331651"/>
-                <a:gd name="connsiteX4" fmla="*/ 1606859 w 1606859"/>
-                <a:gd name="connsiteY4" fmla="*/ 0 h 1331651"/>
-                <a:gd name="connsiteX0" fmla="*/ 0 w 1606859"/>
-                <a:gd name="connsiteY0" fmla="*/ 1331651 h 1331651"/>
-                <a:gd name="connsiteX1" fmla="*/ 150921 w 1606859"/>
-                <a:gd name="connsiteY1" fmla="*/ 843379 h 1331651"/>
-                <a:gd name="connsiteX2" fmla="*/ 639193 w 1606859"/>
-                <a:gd name="connsiteY2" fmla="*/ 630315 h 1331651"/>
-                <a:gd name="connsiteX3" fmla="*/ 1225119 w 1606859"/>
-                <a:gd name="connsiteY3" fmla="*/ 346229 h 1331651"/>
-                <a:gd name="connsiteX4" fmla="*/ 1606859 w 1606859"/>
-                <a:gd name="connsiteY4" fmla="*/ 0 h 1331651"/>
-                <a:gd name="connsiteX0" fmla="*/ 0 w 1447061"/>
-                <a:gd name="connsiteY0" fmla="*/ 1331651 h 1331651"/>
-                <a:gd name="connsiteX1" fmla="*/ 150921 w 1447061"/>
-                <a:gd name="connsiteY1" fmla="*/ 843379 h 1331651"/>
-                <a:gd name="connsiteX2" fmla="*/ 639193 w 1447061"/>
-                <a:gd name="connsiteY2" fmla="*/ 630315 h 1331651"/>
-                <a:gd name="connsiteX3" fmla="*/ 1225119 w 1447061"/>
-                <a:gd name="connsiteY3" fmla="*/ 346229 h 1331651"/>
-                <a:gd name="connsiteX4" fmla="*/ 1447061 w 1447061"/>
-                <a:gd name="connsiteY4" fmla="*/ 0 h 1331651"/>
-                <a:gd name="connsiteX0" fmla="*/ 0 w 1447061"/>
-                <a:gd name="connsiteY0" fmla="*/ 1331651 h 1331651"/>
-                <a:gd name="connsiteX1" fmla="*/ 150921 w 1447061"/>
-                <a:gd name="connsiteY1" fmla="*/ 843379 h 1331651"/>
-                <a:gd name="connsiteX2" fmla="*/ 639193 w 1447061"/>
-                <a:gd name="connsiteY2" fmla="*/ 630315 h 1331651"/>
-                <a:gd name="connsiteX3" fmla="*/ 1225119 w 1447061"/>
-                <a:gd name="connsiteY3" fmla="*/ 346229 h 1331651"/>
-                <a:gd name="connsiteX4" fmla="*/ 1447061 w 1447061"/>
-                <a:gd name="connsiteY4" fmla="*/ 0 h 1331651"/>
-                <a:gd name="connsiteX0" fmla="*/ 0 w 1447061"/>
-                <a:gd name="connsiteY0" fmla="*/ 1331651 h 1331651"/>
-                <a:gd name="connsiteX1" fmla="*/ 150921 w 1447061"/>
-                <a:gd name="connsiteY1" fmla="*/ 843379 h 1331651"/>
-                <a:gd name="connsiteX2" fmla="*/ 905523 w 1447061"/>
-                <a:gd name="connsiteY2" fmla="*/ 577049 h 1331651"/>
-                <a:gd name="connsiteX3" fmla="*/ 1225119 w 1447061"/>
-                <a:gd name="connsiteY3" fmla="*/ 346229 h 1331651"/>
-                <a:gd name="connsiteX4" fmla="*/ 1447061 w 1447061"/>
-                <a:gd name="connsiteY4" fmla="*/ 0 h 1331651"/>
-              </a:gdLst>
-              <a:ahLst/>
-              <a:cxnLst>
-                <a:cxn ang="0">
-                  <a:pos x="connsiteX0" y="connsiteY0"/>
-                </a:cxn>
-                <a:cxn ang="0">
-                  <a:pos x="connsiteX1" y="connsiteY1"/>
-                </a:cxn>
-                <a:cxn ang="0">
-                  <a:pos x="connsiteX2" y="connsiteY2"/>
-                </a:cxn>
-                <a:cxn ang="0">
-                  <a:pos x="connsiteX3" y="connsiteY3"/>
-                </a:cxn>
-                <a:cxn ang="0">
-                  <a:pos x="connsiteX4" y="connsiteY4"/>
-                </a:cxn>
-              </a:cxnLst>
-              <a:rect l="l" t="t" r="r" b="b"/>
-              <a:pathLst>
-                <a:path w="1447061" h="1331651">
-                  <a:moveTo>
-                    <a:pt x="0" y="1331651"/>
-                  </a:moveTo>
-                  <a:cubicBezTo>
-                    <a:pt x="22194" y="1145959"/>
-                    <a:pt x="1" y="969146"/>
-                    <a:pt x="150921" y="843379"/>
-                  </a:cubicBezTo>
-                  <a:cubicBezTo>
-                    <a:pt x="301841" y="717612"/>
-                    <a:pt x="726490" y="659907"/>
-                    <a:pt x="905523" y="577049"/>
-                  </a:cubicBezTo>
-                  <a:cubicBezTo>
-                    <a:pt x="1084556" y="494191"/>
-                    <a:pt x="1134863" y="442404"/>
-                    <a:pt x="1225119" y="346229"/>
-                  </a:cubicBezTo>
-                  <a:cubicBezTo>
-                    <a:pt x="1315375" y="250054"/>
-                    <a:pt x="1367902" y="173854"/>
-                    <a:pt x="1447061" y="0"/>
-                  </a:cubicBezTo>
-                </a:path>
-              </a:pathLst>
-            </a:custGeom>
-            <a:noFill/>
-            <a:ln w="38100" cap="flat" cmpd="sng" algn="ctr">
-              <a:solidFill>
-                <a:schemeClr val="accent1">
-                  <a:lumMod val="75000"/>
-                </a:schemeClr>
-              </a:solidFill>
-              <a:prstDash val="solid"/>
-              <a:round/>
-              <a:headEnd type="none" w="med" len="med"/>
-              <a:tailEnd type="none" w="med" len="med"/>
-            </a:ln>
-            <a:effectLst/>
-          </p:spPr>
-          <p:txBody>
-            <a:bodyPr vert="horz" wrap="none" lIns="72000" tIns="45720" rIns="72000" bIns="45720" numCol="1" rtlCol="0" anchor="t" anchorCtr="0" compatLnSpc="1">
-              <a:prstTxWarp prst="textNoShape">
-                <a:avLst/>
-              </a:prstTxWarp>
-            </a:bodyPr>
-            <a:lstStyle/>
-            <a:p>
-              <a:pPr marL="0" marR="0" indent="0" algn="l" defTabSz="914400" rtl="0" eaLnBrk="1" fontAlgn="base" latinLnBrk="0" hangingPunct="1">
-                <a:lnSpc>
-                  <a:spcPct val="100000"/>
-                </a:lnSpc>
-                <a:spcBef>
-                  <a:spcPct val="50000"/>
-                </a:spcBef>
-                <a:spcAft>
-                  <a:spcPct val="0"/>
-                </a:spcAft>
-                <a:buClrTx/>
-                <a:buSzTx/>
-                <a:buFontTx/>
-                <a:buNone/>
-                <a:tabLst/>
-              </a:pPr>
-              <a:endParaRPr kumimoji="0" lang="pt-BR" sz="2000" b="0" i="0" u="none" strike="noStrike" cap="none" normalizeH="0" baseline="0">
-                <a:ln>
-                  <a:noFill/>
-                </a:ln>
-                <a:solidFill>
-                  <a:schemeClr val="tx1"/>
-                </a:solidFill>
-                <a:effectLst/>
-                <a:latin typeface="Arial" charset="0"/>
-              </a:endParaRPr>
-            </a:p>
-          </p:txBody>
-        </p:sp>
-        <p:sp>
-          <p:nvSpPr>
-            <p:cNvPr id="185" name="Freeform 184"/>
-            <p:cNvSpPr/>
-            <p:nvPr/>
-          </p:nvSpPr>
-          <p:spPr bwMode="auto">
-            <a:xfrm>
-              <a:off x="8149700" y="4199138"/>
-              <a:ext cx="1038687" cy="870012"/>
-            </a:xfrm>
-            <a:custGeom>
-              <a:avLst/>
-              <a:gdLst>
-                <a:gd name="connsiteX0" fmla="*/ 0 w 1162974"/>
-                <a:gd name="connsiteY0" fmla="*/ 852256 h 852256"/>
-                <a:gd name="connsiteX1" fmla="*/ 532660 w 1162974"/>
-                <a:gd name="connsiteY1" fmla="*/ 736846 h 852256"/>
-                <a:gd name="connsiteX2" fmla="*/ 994299 w 1162974"/>
-                <a:gd name="connsiteY2" fmla="*/ 346229 h 852256"/>
-                <a:gd name="connsiteX3" fmla="*/ 1162974 w 1162974"/>
-                <a:gd name="connsiteY3" fmla="*/ 0 h 852256"/>
-                <a:gd name="connsiteX0" fmla="*/ 0 w 1162974"/>
-                <a:gd name="connsiteY0" fmla="*/ 852256 h 852256"/>
-                <a:gd name="connsiteX1" fmla="*/ 443883 w 1162974"/>
-                <a:gd name="connsiteY1" fmla="*/ 745724 h 852256"/>
-                <a:gd name="connsiteX2" fmla="*/ 994299 w 1162974"/>
-                <a:gd name="connsiteY2" fmla="*/ 346229 h 852256"/>
-                <a:gd name="connsiteX3" fmla="*/ 1162974 w 1162974"/>
-                <a:gd name="connsiteY3" fmla="*/ 0 h 852256"/>
-                <a:gd name="connsiteX0" fmla="*/ 0 w 1040081"/>
-                <a:gd name="connsiteY0" fmla="*/ 852256 h 852256"/>
-                <a:gd name="connsiteX1" fmla="*/ 443883 w 1040081"/>
-                <a:gd name="connsiteY1" fmla="*/ 745724 h 852256"/>
-                <a:gd name="connsiteX2" fmla="*/ 994299 w 1040081"/>
-                <a:gd name="connsiteY2" fmla="*/ 346229 h 852256"/>
-                <a:gd name="connsiteX3" fmla="*/ 1029809 w 1040081"/>
-                <a:gd name="connsiteY3" fmla="*/ 0 h 852256"/>
-                <a:gd name="connsiteX0" fmla="*/ 0 w 1029809"/>
-                <a:gd name="connsiteY0" fmla="*/ 852256 h 852256"/>
-                <a:gd name="connsiteX1" fmla="*/ 443883 w 1029809"/>
-                <a:gd name="connsiteY1" fmla="*/ 745724 h 852256"/>
-                <a:gd name="connsiteX2" fmla="*/ 905522 w 1029809"/>
-                <a:gd name="connsiteY2" fmla="*/ 328474 h 852256"/>
-                <a:gd name="connsiteX3" fmla="*/ 1029809 w 1029809"/>
-                <a:gd name="connsiteY3" fmla="*/ 0 h 852256"/>
-                <a:gd name="connsiteX0" fmla="*/ 0 w 1038687"/>
-                <a:gd name="connsiteY0" fmla="*/ 870012 h 870012"/>
-                <a:gd name="connsiteX1" fmla="*/ 452761 w 1038687"/>
-                <a:gd name="connsiteY1" fmla="*/ 745724 h 870012"/>
-                <a:gd name="connsiteX2" fmla="*/ 914400 w 1038687"/>
-                <a:gd name="connsiteY2" fmla="*/ 328474 h 870012"/>
-                <a:gd name="connsiteX3" fmla="*/ 1038687 w 1038687"/>
-                <a:gd name="connsiteY3" fmla="*/ 0 h 870012"/>
-                <a:gd name="connsiteX0" fmla="*/ 0 w 1038687"/>
-                <a:gd name="connsiteY0" fmla="*/ 870012 h 870012"/>
-                <a:gd name="connsiteX1" fmla="*/ 408372 w 1038687"/>
-                <a:gd name="connsiteY1" fmla="*/ 727969 h 870012"/>
-                <a:gd name="connsiteX2" fmla="*/ 914400 w 1038687"/>
-                <a:gd name="connsiteY2" fmla="*/ 328474 h 870012"/>
-                <a:gd name="connsiteX3" fmla="*/ 1038687 w 1038687"/>
-                <a:gd name="connsiteY3" fmla="*/ 0 h 870012"/>
-              </a:gdLst>
-              <a:ahLst/>
-              <a:cxnLst>
-                <a:cxn ang="0">
-                  <a:pos x="connsiteX0" y="connsiteY0"/>
-                </a:cxn>
-                <a:cxn ang="0">
-                  <a:pos x="connsiteX1" y="connsiteY1"/>
-                </a:cxn>
-                <a:cxn ang="0">
-                  <a:pos x="connsiteX2" y="connsiteY2"/>
-                </a:cxn>
-                <a:cxn ang="0">
-                  <a:pos x="connsiteX3" y="connsiteY3"/>
-                </a:cxn>
-              </a:cxnLst>
-              <a:rect l="l" t="t" r="r" b="b"/>
-              <a:pathLst>
-                <a:path w="1038687" h="870012">
-                  <a:moveTo>
-                    <a:pt x="0" y="870012"/>
-                  </a:moveTo>
-                  <a:cubicBezTo>
-                    <a:pt x="183471" y="854476"/>
-                    <a:pt x="255972" y="818225"/>
-                    <a:pt x="408372" y="727969"/>
-                  </a:cubicBezTo>
-                  <a:cubicBezTo>
-                    <a:pt x="560772" y="637713"/>
-                    <a:pt x="809348" y="449802"/>
-                    <a:pt x="914400" y="328474"/>
-                  </a:cubicBezTo>
-                  <a:cubicBezTo>
-                    <a:pt x="1019453" y="207146"/>
-                    <a:pt x="1006875" y="111710"/>
-                    <a:pt x="1038687" y="0"/>
-                  </a:cubicBezTo>
-                </a:path>
-              </a:pathLst>
-            </a:custGeom>
-            <a:noFill/>
-            <a:ln w="38100" cap="flat" cmpd="sng" algn="ctr">
-              <a:solidFill>
-                <a:schemeClr val="accent1">
-                  <a:lumMod val="75000"/>
-                </a:schemeClr>
-              </a:solidFill>
-              <a:prstDash val="solid"/>
-              <a:round/>
-              <a:headEnd type="none" w="med" len="med"/>
-              <a:tailEnd type="none" w="med" len="med"/>
-            </a:ln>
-            <a:effectLst/>
-          </p:spPr>
-          <p:txBody>
-            <a:bodyPr vert="horz" wrap="none" lIns="72000" tIns="45720" rIns="72000" bIns="45720" numCol="1" rtlCol="0" anchor="t" anchorCtr="0" compatLnSpc="1">
-              <a:prstTxWarp prst="textNoShape">
-                <a:avLst/>
-              </a:prstTxWarp>
-            </a:bodyPr>
-            <a:lstStyle/>
-            <a:p>
-              <a:pPr marL="0" marR="0" indent="0" algn="l" defTabSz="914400" rtl="0" eaLnBrk="1" fontAlgn="base" latinLnBrk="0" hangingPunct="1">
-                <a:lnSpc>
-                  <a:spcPct val="100000"/>
-                </a:lnSpc>
-                <a:spcBef>
-                  <a:spcPct val="50000"/>
-                </a:spcBef>
-                <a:spcAft>
-                  <a:spcPct val="0"/>
-                </a:spcAft>
-                <a:buClrTx/>
-                <a:buSzTx/>
-                <a:buFontTx/>
-                <a:buNone/>
-                <a:tabLst/>
-              </a:pPr>
-              <a:endParaRPr kumimoji="0" lang="pt-BR" sz="2000" b="0" i="0" u="none" strike="noStrike" cap="none" normalizeH="0" baseline="0">
-                <a:ln>
-                  <a:noFill/>
-                </a:ln>
-                <a:solidFill>
-                  <a:schemeClr val="tx1"/>
-                </a:solidFill>
-                <a:effectLst/>
-                <a:latin typeface="Arial" charset="0"/>
-              </a:endParaRPr>
-            </a:p>
-          </p:txBody>
-        </p:sp>
-        <p:sp>
-          <p:nvSpPr>
-            <p:cNvPr id="186" name="Freeform 185"/>
-            <p:cNvSpPr/>
-            <p:nvPr/>
-          </p:nvSpPr>
-          <p:spPr bwMode="auto">
-            <a:xfrm>
-              <a:off x="8797771" y="4181383"/>
-              <a:ext cx="630314" cy="994299"/>
-            </a:xfrm>
-            <a:custGeom>
-              <a:avLst/>
-              <a:gdLst>
-                <a:gd name="connsiteX0" fmla="*/ 0 w 630314"/>
-                <a:gd name="connsiteY0" fmla="*/ 994299 h 994299"/>
-                <a:gd name="connsiteX1" fmla="*/ 79899 w 630314"/>
-                <a:gd name="connsiteY1" fmla="*/ 736846 h 994299"/>
-                <a:gd name="connsiteX2" fmla="*/ 346229 w 630314"/>
-                <a:gd name="connsiteY2" fmla="*/ 470516 h 994299"/>
-                <a:gd name="connsiteX3" fmla="*/ 550415 w 630314"/>
-                <a:gd name="connsiteY3" fmla="*/ 292963 h 994299"/>
-                <a:gd name="connsiteX4" fmla="*/ 630314 w 630314"/>
-                <a:gd name="connsiteY4" fmla="*/ 0 h 994299"/>
-              </a:gdLst>
-              <a:ahLst/>
-              <a:cxnLst>
-                <a:cxn ang="0">
-                  <a:pos x="connsiteX0" y="connsiteY0"/>
-                </a:cxn>
-                <a:cxn ang="0">
-                  <a:pos x="connsiteX1" y="connsiteY1"/>
-                </a:cxn>
-                <a:cxn ang="0">
-                  <a:pos x="connsiteX2" y="connsiteY2"/>
-                </a:cxn>
-                <a:cxn ang="0">
-                  <a:pos x="connsiteX3" y="connsiteY3"/>
-                </a:cxn>
-                <a:cxn ang="0">
-                  <a:pos x="connsiteX4" y="connsiteY4"/>
-                </a:cxn>
-              </a:cxnLst>
-              <a:rect l="l" t="t" r="r" b="b"/>
-              <a:pathLst>
-                <a:path w="630314" h="994299">
-                  <a:moveTo>
-                    <a:pt x="0" y="994299"/>
-                  </a:moveTo>
-                  <a:cubicBezTo>
-                    <a:pt x="11097" y="909221"/>
-                    <a:pt x="22194" y="824143"/>
-                    <a:pt x="79899" y="736846"/>
-                  </a:cubicBezTo>
-                  <a:cubicBezTo>
-                    <a:pt x="137604" y="649549"/>
-                    <a:pt x="267810" y="544496"/>
-                    <a:pt x="346229" y="470516"/>
-                  </a:cubicBezTo>
-                  <a:cubicBezTo>
-                    <a:pt x="424648" y="396536"/>
-                    <a:pt x="503068" y="371382"/>
-                    <a:pt x="550415" y="292963"/>
-                  </a:cubicBezTo>
-                  <a:cubicBezTo>
-                    <a:pt x="597762" y="214544"/>
-                    <a:pt x="625875" y="39949"/>
-                    <a:pt x="630314" y="0"/>
-                  </a:cubicBezTo>
-                </a:path>
-              </a:pathLst>
-            </a:custGeom>
-            <a:noFill/>
-            <a:ln w="38100" cap="flat" cmpd="sng" algn="ctr">
-              <a:solidFill>
-                <a:schemeClr val="accent1">
-                  <a:lumMod val="75000"/>
-                </a:schemeClr>
-              </a:solidFill>
-              <a:prstDash val="solid"/>
-              <a:round/>
-              <a:headEnd type="none" w="med" len="med"/>
-              <a:tailEnd type="none" w="med" len="med"/>
-            </a:ln>
-            <a:effectLst/>
-          </p:spPr>
-          <p:txBody>
-            <a:bodyPr vert="horz" wrap="none" lIns="72000" tIns="45720" rIns="72000" bIns="45720" numCol="1" rtlCol="0" anchor="t" anchorCtr="0" compatLnSpc="1">
-              <a:prstTxWarp prst="textNoShape">
-                <a:avLst/>
-              </a:prstTxWarp>
-            </a:bodyPr>
-            <a:lstStyle/>
-            <a:p>
-              <a:pPr marL="0" marR="0" indent="0" algn="l" defTabSz="914400" rtl="0" eaLnBrk="1" fontAlgn="base" latinLnBrk="0" hangingPunct="1">
-                <a:lnSpc>
-                  <a:spcPct val="100000"/>
-                </a:lnSpc>
-                <a:spcBef>
-                  <a:spcPct val="50000"/>
-                </a:spcBef>
-                <a:spcAft>
-                  <a:spcPct val="0"/>
-                </a:spcAft>
-                <a:buClrTx/>
-                <a:buSzTx/>
-                <a:buFontTx/>
-                <a:buNone/>
-                <a:tabLst/>
-              </a:pPr>
-              <a:endParaRPr kumimoji="0" lang="pt-BR" sz="2000" b="0" i="0" u="none" strike="noStrike" cap="none" normalizeH="0" baseline="0">
-                <a:ln>
-                  <a:noFill/>
-                </a:ln>
-                <a:solidFill>
-                  <a:schemeClr val="tx1"/>
-                </a:solidFill>
-                <a:effectLst/>
-                <a:latin typeface="Arial" charset="0"/>
-              </a:endParaRPr>
-            </a:p>
-          </p:txBody>
-        </p:sp>
-        <p:sp>
-          <p:nvSpPr>
-            <p:cNvPr id="187" name="Freeform 186"/>
-            <p:cNvSpPr/>
-            <p:nvPr/>
-          </p:nvSpPr>
-          <p:spPr bwMode="auto">
-            <a:xfrm>
-              <a:off x="9356359" y="4190260"/>
-              <a:ext cx="231524" cy="1473693"/>
-            </a:xfrm>
-            <a:custGeom>
-              <a:avLst/>
-              <a:gdLst>
-                <a:gd name="connsiteX0" fmla="*/ 231524 w 231524"/>
-                <a:gd name="connsiteY0" fmla="*/ 1473693 h 1473693"/>
-                <a:gd name="connsiteX1" fmla="*/ 705 w 231524"/>
-                <a:gd name="connsiteY1" fmla="*/ 976544 h 1473693"/>
-                <a:gd name="connsiteX2" fmla="*/ 160503 w 231524"/>
-                <a:gd name="connsiteY2" fmla="*/ 497150 h 1473693"/>
-                <a:gd name="connsiteX3" fmla="*/ 187136 w 231524"/>
-                <a:gd name="connsiteY3" fmla="*/ 0 h 1473693"/>
-              </a:gdLst>
-              <a:ahLst/>
-              <a:cxnLst>
-                <a:cxn ang="0">
-                  <a:pos x="connsiteX0" y="connsiteY0"/>
-                </a:cxn>
-                <a:cxn ang="0">
-                  <a:pos x="connsiteX1" y="connsiteY1"/>
-                </a:cxn>
-                <a:cxn ang="0">
-                  <a:pos x="connsiteX2" y="connsiteY2"/>
-                </a:cxn>
-                <a:cxn ang="0">
-                  <a:pos x="connsiteX3" y="connsiteY3"/>
-                </a:cxn>
-              </a:cxnLst>
-              <a:rect l="l" t="t" r="r" b="b"/>
-              <a:pathLst>
-                <a:path w="231524" h="1473693">
-                  <a:moveTo>
-                    <a:pt x="231524" y="1473693"/>
-                  </a:moveTo>
-                  <a:cubicBezTo>
-                    <a:pt x="122033" y="1306497"/>
-                    <a:pt x="12542" y="1139301"/>
-                    <a:pt x="705" y="976544"/>
-                  </a:cubicBezTo>
-                  <a:cubicBezTo>
-                    <a:pt x="-11132" y="813787"/>
-                    <a:pt x="129431" y="659907"/>
-                    <a:pt x="160503" y="497150"/>
-                  </a:cubicBezTo>
-                  <a:cubicBezTo>
-                    <a:pt x="191575" y="334393"/>
-                    <a:pt x="189355" y="167196"/>
-                    <a:pt x="187136" y="0"/>
-                  </a:cubicBezTo>
-                </a:path>
-              </a:pathLst>
-            </a:custGeom>
-            <a:noFill/>
-            <a:ln w="38100" cap="flat" cmpd="sng" algn="ctr">
-              <a:solidFill>
-                <a:schemeClr val="accent1">
-                  <a:lumMod val="75000"/>
-                </a:schemeClr>
-              </a:solidFill>
-              <a:prstDash val="solid"/>
-              <a:round/>
-              <a:headEnd type="none" w="med" len="med"/>
-              <a:tailEnd type="none" w="med" len="med"/>
-            </a:ln>
-            <a:effectLst/>
-          </p:spPr>
-          <p:txBody>
-            <a:bodyPr vert="horz" wrap="none" lIns="72000" tIns="45720" rIns="72000" bIns="45720" numCol="1" rtlCol="0" anchor="t" anchorCtr="0" compatLnSpc="1">
-              <a:prstTxWarp prst="textNoShape">
-                <a:avLst/>
-              </a:prstTxWarp>
-            </a:bodyPr>
-            <a:lstStyle/>
-            <a:p>
-              <a:pPr marL="0" marR="0" indent="0" algn="l" defTabSz="914400" rtl="0" eaLnBrk="1" fontAlgn="base" latinLnBrk="0" hangingPunct="1">
-                <a:lnSpc>
-                  <a:spcPct val="100000"/>
-                </a:lnSpc>
-                <a:spcBef>
-                  <a:spcPct val="50000"/>
-                </a:spcBef>
-                <a:spcAft>
-                  <a:spcPct val="0"/>
-                </a:spcAft>
-                <a:buClrTx/>
-                <a:buSzTx/>
-                <a:buFontTx/>
-                <a:buNone/>
-                <a:tabLst/>
-              </a:pPr>
-              <a:endParaRPr kumimoji="0" lang="pt-BR" sz="2000" b="0" i="0" u="none" strike="noStrike" cap="none" normalizeH="0" baseline="0">
-                <a:ln>
-                  <a:noFill/>
-                </a:ln>
-                <a:solidFill>
-                  <a:schemeClr val="tx1"/>
-                </a:solidFill>
-                <a:effectLst/>
-                <a:latin typeface="Arial" charset="0"/>
-              </a:endParaRPr>
-            </a:p>
-          </p:txBody>
-        </p:sp>
-        <p:sp>
-          <p:nvSpPr>
-            <p:cNvPr id="188" name="Freeform 187"/>
-            <p:cNvSpPr/>
-            <p:nvPr/>
-          </p:nvSpPr>
-          <p:spPr bwMode="auto">
-            <a:xfrm>
-              <a:off x="9690559" y="4190260"/>
-              <a:ext cx="443877" cy="1225119"/>
-            </a:xfrm>
-            <a:custGeom>
-              <a:avLst/>
-              <a:gdLst>
-                <a:gd name="connsiteX0" fmla="*/ 421107 w 443877"/>
-                <a:gd name="connsiteY0" fmla="*/ 1225119 h 1225119"/>
-                <a:gd name="connsiteX1" fmla="*/ 403352 w 443877"/>
-                <a:gd name="connsiteY1" fmla="*/ 630315 h 1225119"/>
-                <a:gd name="connsiteX2" fmla="*/ 48245 w 443877"/>
-                <a:gd name="connsiteY2" fmla="*/ 257453 h 1225119"/>
-                <a:gd name="connsiteX3" fmla="*/ 12734 w 443877"/>
-                <a:gd name="connsiteY3" fmla="*/ 0 h 1225119"/>
-              </a:gdLst>
-              <a:ahLst/>
-              <a:cxnLst>
-                <a:cxn ang="0">
-                  <a:pos x="connsiteX0" y="connsiteY0"/>
-                </a:cxn>
-                <a:cxn ang="0">
-                  <a:pos x="connsiteX1" y="connsiteY1"/>
-                </a:cxn>
-                <a:cxn ang="0">
-                  <a:pos x="connsiteX2" y="connsiteY2"/>
-                </a:cxn>
-                <a:cxn ang="0">
-                  <a:pos x="connsiteX3" y="connsiteY3"/>
-                </a:cxn>
-              </a:cxnLst>
-              <a:rect l="l" t="t" r="r" b="b"/>
-              <a:pathLst>
-                <a:path w="443877" h="1225119">
-                  <a:moveTo>
-                    <a:pt x="421107" y="1225119"/>
-                  </a:moveTo>
-                  <a:cubicBezTo>
-                    <a:pt x="443301" y="1008356"/>
-                    <a:pt x="465496" y="791593"/>
-                    <a:pt x="403352" y="630315"/>
-                  </a:cubicBezTo>
-                  <a:cubicBezTo>
-                    <a:pt x="341208" y="469037"/>
-                    <a:pt x="113348" y="362506"/>
-                    <a:pt x="48245" y="257453"/>
-                  </a:cubicBezTo>
-                  <a:cubicBezTo>
-                    <a:pt x="-16858" y="152400"/>
-                    <a:pt x="-2062" y="76200"/>
-                    <a:pt x="12734" y="0"/>
-                  </a:cubicBezTo>
-                </a:path>
-              </a:pathLst>
-            </a:custGeom>
-            <a:noFill/>
-            <a:ln w="38100" cap="flat" cmpd="sng" algn="ctr">
-              <a:solidFill>
-                <a:schemeClr val="accent1">
-                  <a:lumMod val="75000"/>
-                </a:schemeClr>
-              </a:solidFill>
-              <a:prstDash val="solid"/>
-              <a:round/>
-              <a:headEnd type="none" w="med" len="med"/>
-              <a:tailEnd type="none" w="med" len="med"/>
-            </a:ln>
-            <a:effectLst/>
-          </p:spPr>
-          <p:txBody>
-            <a:bodyPr vert="horz" wrap="none" lIns="72000" tIns="45720" rIns="72000" bIns="45720" numCol="1" rtlCol="0" anchor="t" anchorCtr="0" compatLnSpc="1">
-              <a:prstTxWarp prst="textNoShape">
-                <a:avLst/>
-              </a:prstTxWarp>
-            </a:bodyPr>
-            <a:lstStyle/>
-            <a:p>
-              <a:pPr marL="0" marR="0" indent="0" algn="l" defTabSz="914400" rtl="0" eaLnBrk="1" fontAlgn="base" latinLnBrk="0" hangingPunct="1">
-                <a:lnSpc>
-                  <a:spcPct val="100000"/>
-                </a:lnSpc>
-                <a:spcBef>
-                  <a:spcPct val="50000"/>
-                </a:spcBef>
-                <a:spcAft>
-                  <a:spcPct val="0"/>
-                </a:spcAft>
-                <a:buClrTx/>
-                <a:buSzTx/>
-                <a:buFontTx/>
-                <a:buNone/>
-                <a:tabLst/>
-              </a:pPr>
-              <a:endParaRPr kumimoji="0" lang="pt-BR" sz="2000" b="0" i="0" u="none" strike="noStrike" cap="none" normalizeH="0" baseline="0">
-                <a:ln>
-                  <a:noFill/>
-                </a:ln>
-                <a:solidFill>
-                  <a:schemeClr val="tx1"/>
-                </a:solidFill>
-                <a:effectLst/>
-                <a:latin typeface="Arial" charset="0"/>
-              </a:endParaRPr>
-            </a:p>
-          </p:txBody>
-        </p:sp>
-        <p:sp>
-          <p:nvSpPr>
-            <p:cNvPr id="190" name="Freeform 189"/>
-            <p:cNvSpPr>
-              <a:spLocks noChangeAspect="1" noEditPoints="1"/>
-            </p:cNvSpPr>
-            <p:nvPr/>
-          </p:nvSpPr>
-          <p:spPr bwMode="auto">
-            <a:xfrm>
-              <a:off x="7573057" y="2117266"/>
-              <a:ext cx="723444" cy="1117614"/>
-            </a:xfrm>
-            <a:custGeom>
-              <a:avLst/>
-              <a:gdLst>
-                <a:gd name="T0" fmla="*/ 2147483646 w 255"/>
-                <a:gd name="T1" fmla="*/ 2147483646 h 394"/>
-                <a:gd name="T2" fmla="*/ 0 w 255"/>
-                <a:gd name="T3" fmla="*/ 2147483646 h 394"/>
-                <a:gd name="T4" fmla="*/ 2147483646 w 255"/>
-                <a:gd name="T5" fmla="*/ 2147483646 h 394"/>
-                <a:gd name="T6" fmla="*/ 2147483646 w 255"/>
-                <a:gd name="T7" fmla="*/ 2147483646 h 394"/>
-                <a:gd name="T8" fmla="*/ 2147483646 w 255"/>
-                <a:gd name="T9" fmla="*/ 2147483646 h 394"/>
-                <a:gd name="T10" fmla="*/ 2147483646 w 255"/>
-                <a:gd name="T11" fmla="*/ 2147483646 h 394"/>
-                <a:gd name="T12" fmla="*/ 2147483646 w 255"/>
-                <a:gd name="T13" fmla="*/ 2147483646 h 394"/>
-                <a:gd name="T14" fmla="*/ 2147483646 w 255"/>
-                <a:gd name="T15" fmla="*/ 2147483646 h 394"/>
-                <a:gd name="T16" fmla="*/ 2147483646 w 255"/>
-                <a:gd name="T17" fmla="*/ 2147483646 h 394"/>
-                <a:gd name="T18" fmla="*/ 2147483646 w 255"/>
-                <a:gd name="T19" fmla="*/ 2147483646 h 394"/>
-                <a:gd name="T20" fmla="*/ 2147483646 w 255"/>
-                <a:gd name="T21" fmla="*/ 2147483646 h 394"/>
-                <a:gd name="T22" fmla="*/ 2147483646 w 255"/>
-                <a:gd name="T23" fmla="*/ 2147483646 h 394"/>
-                <a:gd name="T24" fmla="*/ 2147483646 w 255"/>
-                <a:gd name="T25" fmla="*/ 2147483646 h 394"/>
-                <a:gd name="T26" fmla="*/ 2147483646 w 255"/>
-                <a:gd name="T27" fmla="*/ 2147483646 h 394"/>
-                <a:gd name="T28" fmla="*/ 2147483646 w 255"/>
-                <a:gd name="T29" fmla="*/ 2147483646 h 394"/>
-                <a:gd name="T30" fmla="*/ 2147483646 w 255"/>
-                <a:gd name="T31" fmla="*/ 2147483646 h 394"/>
-                <a:gd name="T32" fmla="*/ 2147483646 w 255"/>
-                <a:gd name="T33" fmla="*/ 2147483646 h 394"/>
-                <a:gd name="T34" fmla="*/ 2147483646 w 255"/>
-                <a:gd name="T35" fmla="*/ 2147483646 h 394"/>
-                <a:gd name="T36" fmla="*/ 2147483646 w 255"/>
-                <a:gd name="T37" fmla="*/ 2147483646 h 394"/>
-                <a:gd name="T38" fmla="*/ 2147483646 w 255"/>
-                <a:gd name="T39" fmla="*/ 2147483646 h 394"/>
-                <a:gd name="T40" fmla="*/ 2147483646 w 255"/>
-                <a:gd name="T41" fmla="*/ 2147483646 h 394"/>
-                <a:gd name="T42" fmla="*/ 2147483646 w 255"/>
-                <a:gd name="T43" fmla="*/ 2147483646 h 394"/>
-                <a:gd name="T44" fmla="*/ 2147483646 w 255"/>
-                <a:gd name="T45" fmla="*/ 2147483646 h 394"/>
-                <a:gd name="T46" fmla="*/ 2147483646 w 255"/>
-                <a:gd name="T47" fmla="*/ 2147483646 h 394"/>
-                <a:gd name="T48" fmla="*/ 2147483646 w 255"/>
-                <a:gd name="T49" fmla="*/ 2147483646 h 394"/>
-                <a:gd name="T50" fmla="*/ 2147483646 w 255"/>
-                <a:gd name="T51" fmla="*/ 2147483646 h 394"/>
-                <a:gd name="T52" fmla="*/ 2147483646 w 255"/>
-                <a:gd name="T53" fmla="*/ 2147483646 h 394"/>
-                <a:gd name="T54" fmla="*/ 2147483646 w 255"/>
-                <a:gd name="T55" fmla="*/ 2147483646 h 394"/>
-                <a:gd name="T56" fmla="*/ 2147483646 w 255"/>
-                <a:gd name="T57" fmla="*/ 2147483646 h 394"/>
-                <a:gd name="T58" fmla="*/ 2147483646 w 255"/>
-                <a:gd name="T59" fmla="*/ 2147483646 h 394"/>
-                <a:gd name="T60" fmla="*/ 2147483646 w 255"/>
-                <a:gd name="T61" fmla="*/ 2147483646 h 394"/>
-                <a:gd name="T62" fmla="*/ 2147483646 w 255"/>
-                <a:gd name="T63" fmla="*/ 2147483646 h 394"/>
-                <a:gd name="T64" fmla="*/ 2147483646 w 255"/>
-                <a:gd name="T65" fmla="*/ 2147483646 h 394"/>
-                <a:gd name="T66" fmla="*/ 2147483646 w 255"/>
-                <a:gd name="T67" fmla="*/ 2147483646 h 394"/>
-                <a:gd name="T68" fmla="*/ 2147483646 w 255"/>
-                <a:gd name="T69" fmla="*/ 2147483646 h 394"/>
-                <a:gd name="T70" fmla="*/ 2147483646 w 255"/>
-                <a:gd name="T71" fmla="*/ 2147483646 h 394"/>
-                <a:gd name="T72" fmla="*/ 2147483646 w 255"/>
-                <a:gd name="T73" fmla="*/ 2147483646 h 394"/>
-                <a:gd name="T74" fmla="*/ 2147483646 w 255"/>
-                <a:gd name="T75" fmla="*/ 2147483646 h 394"/>
-                <a:gd name="T76" fmla="*/ 2147483646 w 255"/>
-                <a:gd name="T77" fmla="*/ 2147483646 h 394"/>
-                <a:gd name="T78" fmla="*/ 2147483646 w 255"/>
-                <a:gd name="T79" fmla="*/ 2147483646 h 394"/>
-                <a:gd name="T80" fmla="*/ 2147483646 w 255"/>
-                <a:gd name="T81" fmla="*/ 2147483646 h 394"/>
-                <a:gd name="T82" fmla="*/ 2147483646 w 255"/>
-                <a:gd name="T83" fmla="*/ 2147483646 h 394"/>
-                <a:gd name="T84" fmla="*/ 2147483646 w 255"/>
-                <a:gd name="T85" fmla="*/ 2147483646 h 394"/>
-                <a:gd name="T86" fmla="*/ 2147483646 w 255"/>
-                <a:gd name="T87" fmla="*/ 2147483646 h 394"/>
-                <a:gd name="T88" fmla="*/ 2147483646 w 255"/>
-                <a:gd name="T89" fmla="*/ 2147483646 h 394"/>
-                <a:gd name="T90" fmla="*/ 2147483646 w 255"/>
-                <a:gd name="T91" fmla="*/ 2147483646 h 394"/>
-                <a:gd name="T92" fmla="*/ 0 60000 65536"/>
-                <a:gd name="T93" fmla="*/ 0 60000 65536"/>
-                <a:gd name="T94" fmla="*/ 0 60000 65536"/>
-                <a:gd name="T95" fmla="*/ 0 60000 65536"/>
-                <a:gd name="T96" fmla="*/ 0 60000 65536"/>
-                <a:gd name="T97" fmla="*/ 0 60000 65536"/>
-                <a:gd name="T98" fmla="*/ 0 60000 65536"/>
-                <a:gd name="T99" fmla="*/ 0 60000 65536"/>
-                <a:gd name="T100" fmla="*/ 0 60000 65536"/>
-                <a:gd name="T101" fmla="*/ 0 60000 65536"/>
-                <a:gd name="T102" fmla="*/ 0 60000 65536"/>
-                <a:gd name="T103" fmla="*/ 0 60000 65536"/>
-                <a:gd name="T104" fmla="*/ 0 60000 65536"/>
-                <a:gd name="T105" fmla="*/ 0 60000 65536"/>
-                <a:gd name="T106" fmla="*/ 0 60000 65536"/>
-                <a:gd name="T107" fmla="*/ 0 60000 65536"/>
-                <a:gd name="T108" fmla="*/ 0 60000 65536"/>
-                <a:gd name="T109" fmla="*/ 0 60000 65536"/>
-                <a:gd name="T110" fmla="*/ 0 60000 65536"/>
-                <a:gd name="T111" fmla="*/ 0 60000 65536"/>
-                <a:gd name="T112" fmla="*/ 0 60000 65536"/>
-                <a:gd name="T113" fmla="*/ 0 60000 65536"/>
-                <a:gd name="T114" fmla="*/ 0 60000 65536"/>
-                <a:gd name="T115" fmla="*/ 0 60000 65536"/>
-                <a:gd name="T116" fmla="*/ 0 60000 65536"/>
-                <a:gd name="T117" fmla="*/ 0 60000 65536"/>
-                <a:gd name="T118" fmla="*/ 0 60000 65536"/>
-                <a:gd name="T119" fmla="*/ 0 60000 65536"/>
-                <a:gd name="T120" fmla="*/ 0 60000 65536"/>
-                <a:gd name="T121" fmla="*/ 0 60000 65536"/>
-                <a:gd name="T122" fmla="*/ 0 60000 65536"/>
-                <a:gd name="T123" fmla="*/ 0 60000 65536"/>
-                <a:gd name="T124" fmla="*/ 0 60000 65536"/>
-                <a:gd name="T125" fmla="*/ 0 60000 65536"/>
-                <a:gd name="T126" fmla="*/ 0 60000 65536"/>
-                <a:gd name="T127" fmla="*/ 0 60000 65536"/>
-                <a:gd name="T128" fmla="*/ 0 60000 65536"/>
-                <a:gd name="T129" fmla="*/ 0 60000 65536"/>
-                <a:gd name="T130" fmla="*/ 0 60000 65536"/>
-                <a:gd name="T131" fmla="*/ 0 60000 65536"/>
-                <a:gd name="T132" fmla="*/ 0 60000 65536"/>
-                <a:gd name="T133" fmla="*/ 0 60000 65536"/>
-                <a:gd name="T134" fmla="*/ 0 60000 65536"/>
-                <a:gd name="T135" fmla="*/ 0 60000 65536"/>
-                <a:gd name="T136" fmla="*/ 0 60000 65536"/>
-                <a:gd name="T137" fmla="*/ 0 60000 65536"/>
-              </a:gdLst>
-              <a:ahLst/>
-              <a:cxnLst>
-                <a:cxn ang="T92">
-                  <a:pos x="T0" y="T1"/>
-                </a:cxn>
-                <a:cxn ang="T93">
-                  <a:pos x="T2" y="T3"/>
-                </a:cxn>
-                <a:cxn ang="T94">
-                  <a:pos x="T4" y="T5"/>
-                </a:cxn>
-                <a:cxn ang="T95">
-                  <a:pos x="T6" y="T7"/>
-                </a:cxn>
-                <a:cxn ang="T96">
-                  <a:pos x="T8" y="T9"/>
-                </a:cxn>
-                <a:cxn ang="T97">
-                  <a:pos x="T10" y="T11"/>
-                </a:cxn>
-                <a:cxn ang="T98">
-                  <a:pos x="T12" y="T13"/>
-                </a:cxn>
-                <a:cxn ang="T99">
-                  <a:pos x="T14" y="T15"/>
-                </a:cxn>
-                <a:cxn ang="T100">
-                  <a:pos x="T16" y="T17"/>
-                </a:cxn>
-                <a:cxn ang="T101">
-                  <a:pos x="T18" y="T19"/>
-                </a:cxn>
-                <a:cxn ang="T102">
-                  <a:pos x="T20" y="T21"/>
-                </a:cxn>
-                <a:cxn ang="T103">
-                  <a:pos x="T22" y="T23"/>
-                </a:cxn>
-                <a:cxn ang="T104">
-                  <a:pos x="T24" y="T25"/>
-                </a:cxn>
-                <a:cxn ang="T105">
-                  <a:pos x="T26" y="T27"/>
-                </a:cxn>
-                <a:cxn ang="T106">
-                  <a:pos x="T28" y="T29"/>
-                </a:cxn>
-                <a:cxn ang="T107">
-                  <a:pos x="T30" y="T31"/>
-                </a:cxn>
-                <a:cxn ang="T108">
-                  <a:pos x="T32" y="T33"/>
-                </a:cxn>
-                <a:cxn ang="T109">
-                  <a:pos x="T34" y="T35"/>
-                </a:cxn>
-                <a:cxn ang="T110">
-                  <a:pos x="T36" y="T37"/>
-                </a:cxn>
-                <a:cxn ang="T111">
-                  <a:pos x="T38" y="T39"/>
-                </a:cxn>
-                <a:cxn ang="T112">
-                  <a:pos x="T40" y="T41"/>
-                </a:cxn>
-                <a:cxn ang="T113">
-                  <a:pos x="T42" y="T43"/>
-                </a:cxn>
-                <a:cxn ang="T114">
-                  <a:pos x="T44" y="T45"/>
-                </a:cxn>
-                <a:cxn ang="T115">
-                  <a:pos x="T46" y="T47"/>
-                </a:cxn>
-                <a:cxn ang="T116">
-                  <a:pos x="T48" y="T49"/>
-                </a:cxn>
-                <a:cxn ang="T117">
-                  <a:pos x="T50" y="T51"/>
-                </a:cxn>
-                <a:cxn ang="T118">
-                  <a:pos x="T52" y="T53"/>
-                </a:cxn>
-                <a:cxn ang="T119">
-                  <a:pos x="T54" y="T55"/>
-                </a:cxn>
-                <a:cxn ang="T120">
-                  <a:pos x="T56" y="T57"/>
-                </a:cxn>
-                <a:cxn ang="T121">
-                  <a:pos x="T58" y="T59"/>
-                </a:cxn>
-                <a:cxn ang="T122">
-                  <a:pos x="T60" y="T61"/>
-                </a:cxn>
-                <a:cxn ang="T123">
-                  <a:pos x="T62" y="T63"/>
-                </a:cxn>
-                <a:cxn ang="T124">
-                  <a:pos x="T64" y="T65"/>
-                </a:cxn>
-                <a:cxn ang="T125">
-                  <a:pos x="T66" y="T67"/>
-                </a:cxn>
-                <a:cxn ang="T126">
-                  <a:pos x="T68" y="T69"/>
-                </a:cxn>
-                <a:cxn ang="T127">
-                  <a:pos x="T70" y="T71"/>
-                </a:cxn>
-                <a:cxn ang="T128">
-                  <a:pos x="T72" y="T73"/>
-                </a:cxn>
-                <a:cxn ang="T129">
-                  <a:pos x="T74" y="T75"/>
-                </a:cxn>
-                <a:cxn ang="T130">
-                  <a:pos x="T76" y="T77"/>
-                </a:cxn>
-                <a:cxn ang="T131">
-                  <a:pos x="T78" y="T79"/>
-                </a:cxn>
-                <a:cxn ang="T132">
-                  <a:pos x="T80" y="T81"/>
-                </a:cxn>
-                <a:cxn ang="T133">
-                  <a:pos x="T82" y="T83"/>
-                </a:cxn>
-                <a:cxn ang="T134">
-                  <a:pos x="T84" y="T85"/>
-                </a:cxn>
-                <a:cxn ang="T135">
-                  <a:pos x="T86" y="T87"/>
-                </a:cxn>
-                <a:cxn ang="T136">
-                  <a:pos x="T88" y="T89"/>
-                </a:cxn>
-                <a:cxn ang="T137">
-                  <a:pos x="T90" y="T91"/>
-                </a:cxn>
-              </a:cxnLst>
-              <a:rect l="0" t="0" r="r" b="b"/>
-              <a:pathLst>
-                <a:path w="255" h="394">
-                  <a:moveTo>
-                    <a:pt x="247" y="53"/>
-                  </a:moveTo>
-                  <a:cubicBezTo>
-                    <a:pt x="251" y="53"/>
-                    <a:pt x="255" y="50"/>
-                    <a:pt x="255" y="45"/>
-                  </a:cubicBezTo>
-                  <a:cubicBezTo>
-                    <a:pt x="255" y="19"/>
-                    <a:pt x="255" y="19"/>
-                    <a:pt x="255" y="19"/>
-                  </a:cubicBezTo>
-                  <a:cubicBezTo>
-                    <a:pt x="255" y="8"/>
-                    <a:pt x="246" y="0"/>
-                    <a:pt x="235" y="0"/>
-                  </a:cubicBezTo>
-                  <a:cubicBezTo>
-                    <a:pt x="19" y="0"/>
-                    <a:pt x="19" y="0"/>
-                    <a:pt x="19" y="0"/>
-                  </a:cubicBezTo>
-                  <a:cubicBezTo>
-                    <a:pt x="9" y="0"/>
-                    <a:pt x="0" y="8"/>
-                    <a:pt x="0" y="19"/>
-                  </a:cubicBezTo>
-                  <a:cubicBezTo>
-                    <a:pt x="0" y="374"/>
-                    <a:pt x="0" y="374"/>
-                    <a:pt x="0" y="374"/>
-                  </a:cubicBezTo>
-                  <a:cubicBezTo>
-                    <a:pt x="0" y="385"/>
-                    <a:pt x="9" y="394"/>
-                    <a:pt x="19" y="394"/>
-                  </a:cubicBezTo>
-                  <a:cubicBezTo>
-                    <a:pt x="235" y="394"/>
-                    <a:pt x="235" y="394"/>
-                    <a:pt x="235" y="394"/>
-                  </a:cubicBezTo>
-                  <a:cubicBezTo>
-                    <a:pt x="246" y="394"/>
-                    <a:pt x="255" y="385"/>
-                    <a:pt x="255" y="374"/>
-                  </a:cubicBezTo>
-                  <a:cubicBezTo>
-                    <a:pt x="255" y="77"/>
-                    <a:pt x="255" y="77"/>
-                    <a:pt x="255" y="77"/>
-                  </a:cubicBezTo>
-                  <a:cubicBezTo>
-                    <a:pt x="255" y="73"/>
-                    <a:pt x="251" y="69"/>
-                    <a:pt x="247" y="69"/>
-                  </a:cubicBezTo>
-                  <a:cubicBezTo>
-                    <a:pt x="242" y="69"/>
-                    <a:pt x="239" y="73"/>
-                    <a:pt x="239" y="77"/>
-                  </a:cubicBezTo>
-                  <a:cubicBezTo>
-                    <a:pt x="239" y="374"/>
-                    <a:pt x="239" y="374"/>
-                    <a:pt x="239" y="374"/>
-                  </a:cubicBezTo>
-                  <a:cubicBezTo>
-                    <a:pt x="239" y="376"/>
-                    <a:pt x="237" y="378"/>
-                    <a:pt x="235" y="378"/>
-                  </a:cubicBezTo>
-                  <a:cubicBezTo>
-                    <a:pt x="19" y="378"/>
-                    <a:pt x="19" y="378"/>
-                    <a:pt x="19" y="378"/>
-                  </a:cubicBezTo>
-                  <a:cubicBezTo>
-                    <a:pt x="17" y="378"/>
-                    <a:pt x="16" y="376"/>
-                    <a:pt x="16" y="374"/>
-                  </a:cubicBezTo>
-                  <a:cubicBezTo>
-                    <a:pt x="16" y="19"/>
-                    <a:pt x="16" y="19"/>
-                    <a:pt x="16" y="19"/>
-                  </a:cubicBezTo>
-                  <a:cubicBezTo>
-                    <a:pt x="16" y="17"/>
-                    <a:pt x="17" y="16"/>
-                    <a:pt x="19" y="16"/>
-                  </a:cubicBezTo>
-                  <a:cubicBezTo>
-                    <a:pt x="235" y="16"/>
-                    <a:pt x="235" y="16"/>
-                    <a:pt x="235" y="16"/>
-                  </a:cubicBezTo>
-                  <a:cubicBezTo>
-                    <a:pt x="237" y="16"/>
-                    <a:pt x="239" y="17"/>
-                    <a:pt x="239" y="19"/>
-                  </a:cubicBezTo>
-                  <a:cubicBezTo>
-                    <a:pt x="239" y="45"/>
-                    <a:pt x="239" y="45"/>
-                    <a:pt x="239" y="45"/>
-                  </a:cubicBezTo>
-                  <a:cubicBezTo>
-                    <a:pt x="239" y="50"/>
-                    <a:pt x="242" y="53"/>
-                    <a:pt x="247" y="53"/>
-                  </a:cubicBezTo>
-                  <a:close/>
-                  <a:moveTo>
-                    <a:pt x="207" y="115"/>
-                  </a:moveTo>
-                  <a:cubicBezTo>
-                    <a:pt x="199" y="115"/>
-                    <a:pt x="193" y="121"/>
-                    <a:pt x="193" y="129"/>
-                  </a:cubicBezTo>
-                  <a:cubicBezTo>
-                    <a:pt x="193" y="137"/>
-                    <a:pt x="199" y="143"/>
-                    <a:pt x="207" y="143"/>
-                  </a:cubicBezTo>
-                  <a:cubicBezTo>
-                    <a:pt x="215" y="143"/>
-                    <a:pt x="221" y="137"/>
-                    <a:pt x="221" y="129"/>
-                  </a:cubicBezTo>
-                  <a:cubicBezTo>
-                    <a:pt x="221" y="121"/>
-                    <a:pt x="215" y="115"/>
-                    <a:pt x="207" y="115"/>
-                  </a:cubicBezTo>
-                  <a:close/>
-                  <a:moveTo>
-                    <a:pt x="207" y="47"/>
-                  </a:moveTo>
-                  <a:cubicBezTo>
-                    <a:pt x="199" y="47"/>
-                    <a:pt x="193" y="53"/>
-                    <a:pt x="193" y="61"/>
-                  </a:cubicBezTo>
-                  <a:cubicBezTo>
-                    <a:pt x="193" y="69"/>
-                    <a:pt x="199" y="75"/>
-                    <a:pt x="207" y="75"/>
-                  </a:cubicBezTo>
-                  <a:cubicBezTo>
-                    <a:pt x="215" y="75"/>
-                    <a:pt x="221" y="69"/>
-                    <a:pt x="221" y="61"/>
-                  </a:cubicBezTo>
-                  <a:cubicBezTo>
-                    <a:pt x="221" y="53"/>
-                    <a:pt x="215" y="47"/>
-                    <a:pt x="207" y="47"/>
-                  </a:cubicBezTo>
-                  <a:close/>
-                  <a:moveTo>
-                    <a:pt x="207" y="318"/>
-                  </a:moveTo>
-                  <a:cubicBezTo>
-                    <a:pt x="199" y="318"/>
-                    <a:pt x="193" y="325"/>
-                    <a:pt x="193" y="332"/>
-                  </a:cubicBezTo>
-                  <a:cubicBezTo>
-                    <a:pt x="193" y="340"/>
-                    <a:pt x="199" y="346"/>
-                    <a:pt x="207" y="346"/>
-                  </a:cubicBezTo>
-                  <a:cubicBezTo>
-                    <a:pt x="215" y="346"/>
-                    <a:pt x="221" y="340"/>
-                    <a:pt x="221" y="332"/>
-                  </a:cubicBezTo>
-                  <a:cubicBezTo>
-                    <a:pt x="221" y="325"/>
-                    <a:pt x="215" y="318"/>
-                    <a:pt x="207" y="318"/>
-                  </a:cubicBezTo>
-                  <a:close/>
-                  <a:moveTo>
-                    <a:pt x="207" y="183"/>
-                  </a:moveTo>
-                  <a:cubicBezTo>
-                    <a:pt x="199" y="183"/>
-                    <a:pt x="193" y="189"/>
-                    <a:pt x="193" y="197"/>
-                  </a:cubicBezTo>
-                  <a:cubicBezTo>
-                    <a:pt x="193" y="205"/>
-                    <a:pt x="199" y="211"/>
-                    <a:pt x="207" y="211"/>
-                  </a:cubicBezTo>
-                  <a:cubicBezTo>
-                    <a:pt x="215" y="211"/>
-                    <a:pt x="221" y="205"/>
-                    <a:pt x="221" y="197"/>
-                  </a:cubicBezTo>
-                  <a:cubicBezTo>
-                    <a:pt x="221" y="189"/>
-                    <a:pt x="215" y="183"/>
-                    <a:pt x="207" y="183"/>
-                  </a:cubicBezTo>
-                  <a:close/>
-                  <a:moveTo>
-                    <a:pt x="207" y="251"/>
-                  </a:moveTo>
-                  <a:cubicBezTo>
-                    <a:pt x="199" y="251"/>
-                    <a:pt x="193" y="257"/>
-                    <a:pt x="193" y="265"/>
-                  </a:cubicBezTo>
-                  <a:cubicBezTo>
-                    <a:pt x="193" y="272"/>
-                    <a:pt x="199" y="279"/>
-                    <a:pt x="207" y="279"/>
-                  </a:cubicBezTo>
-                  <a:cubicBezTo>
-                    <a:pt x="215" y="279"/>
-                    <a:pt x="221" y="272"/>
-                    <a:pt x="221" y="265"/>
-                  </a:cubicBezTo>
-                  <a:cubicBezTo>
-                    <a:pt x="221" y="257"/>
-                    <a:pt x="215" y="251"/>
-                    <a:pt x="207" y="251"/>
-                  </a:cubicBezTo>
-                  <a:close/>
-                  <a:moveTo>
-                    <a:pt x="178" y="57"/>
-                  </a:moveTo>
-                  <a:cubicBezTo>
-                    <a:pt x="178" y="46"/>
-                    <a:pt x="169" y="37"/>
-                    <a:pt x="159" y="37"/>
-                  </a:cubicBezTo>
-                  <a:cubicBezTo>
-                    <a:pt x="53" y="37"/>
-                    <a:pt x="53" y="37"/>
-                    <a:pt x="53" y="37"/>
-                  </a:cubicBezTo>
-                  <a:cubicBezTo>
-                    <a:pt x="43" y="37"/>
-                    <a:pt x="34" y="46"/>
-                    <a:pt x="34" y="57"/>
-                  </a:cubicBezTo>
-                  <a:cubicBezTo>
-                    <a:pt x="34" y="66"/>
-                    <a:pt x="34" y="66"/>
-                    <a:pt x="34" y="66"/>
-                  </a:cubicBezTo>
-                  <a:cubicBezTo>
-                    <a:pt x="34" y="76"/>
-                    <a:pt x="43" y="85"/>
-                    <a:pt x="53" y="85"/>
-                  </a:cubicBezTo>
-                  <a:cubicBezTo>
-                    <a:pt x="159" y="85"/>
-                    <a:pt x="159" y="85"/>
-                    <a:pt x="159" y="85"/>
-                  </a:cubicBezTo>
-                  <a:cubicBezTo>
-                    <a:pt x="169" y="85"/>
-                    <a:pt x="178" y="76"/>
-                    <a:pt x="178" y="66"/>
-                  </a:cubicBezTo>
-                  <a:lnTo>
-                    <a:pt x="178" y="57"/>
-                  </a:lnTo>
-                  <a:close/>
-                  <a:moveTo>
-                    <a:pt x="162" y="66"/>
-                  </a:moveTo>
-                  <a:cubicBezTo>
-                    <a:pt x="162" y="68"/>
-                    <a:pt x="160" y="69"/>
-                    <a:pt x="159" y="69"/>
-                  </a:cubicBezTo>
-                  <a:cubicBezTo>
-                    <a:pt x="53" y="69"/>
-                    <a:pt x="53" y="69"/>
-                    <a:pt x="53" y="69"/>
-                  </a:cubicBezTo>
-                  <a:cubicBezTo>
-                    <a:pt x="51" y="69"/>
-                    <a:pt x="50" y="68"/>
-                    <a:pt x="50" y="66"/>
-                  </a:cubicBezTo>
-                  <a:cubicBezTo>
-                    <a:pt x="50" y="57"/>
-                    <a:pt x="50" y="57"/>
-                    <a:pt x="50" y="57"/>
-                  </a:cubicBezTo>
-                  <a:cubicBezTo>
-                    <a:pt x="50" y="55"/>
-                    <a:pt x="51" y="53"/>
-                    <a:pt x="53" y="53"/>
-                  </a:cubicBezTo>
-                  <a:cubicBezTo>
-                    <a:pt x="159" y="53"/>
-                    <a:pt x="159" y="53"/>
-                    <a:pt x="159" y="53"/>
-                  </a:cubicBezTo>
-                  <a:cubicBezTo>
-                    <a:pt x="160" y="53"/>
-                    <a:pt x="162" y="55"/>
-                    <a:pt x="162" y="57"/>
-                  </a:cubicBezTo>
-                  <a:lnTo>
-                    <a:pt x="162" y="66"/>
-                  </a:lnTo>
-                  <a:close/>
-                  <a:moveTo>
-                    <a:pt x="178" y="125"/>
-                  </a:moveTo>
-                  <a:cubicBezTo>
-                    <a:pt x="178" y="114"/>
-                    <a:pt x="169" y="105"/>
-                    <a:pt x="159" y="105"/>
-                  </a:cubicBezTo>
-                  <a:cubicBezTo>
-                    <a:pt x="53" y="105"/>
-                    <a:pt x="53" y="105"/>
-                    <a:pt x="53" y="105"/>
-                  </a:cubicBezTo>
-                  <a:cubicBezTo>
-                    <a:pt x="43" y="105"/>
-                    <a:pt x="34" y="114"/>
-                    <a:pt x="34" y="125"/>
-                  </a:cubicBezTo>
-                  <a:cubicBezTo>
-                    <a:pt x="34" y="133"/>
-                    <a:pt x="34" y="133"/>
-                    <a:pt x="34" y="133"/>
-                  </a:cubicBezTo>
-                  <a:cubicBezTo>
-                    <a:pt x="34" y="144"/>
-                    <a:pt x="43" y="153"/>
-                    <a:pt x="53" y="153"/>
-                  </a:cubicBezTo>
-                  <a:cubicBezTo>
-                    <a:pt x="159" y="153"/>
-                    <a:pt x="159" y="153"/>
-                    <a:pt x="159" y="153"/>
-                  </a:cubicBezTo>
-                  <a:cubicBezTo>
-                    <a:pt x="169" y="153"/>
-                    <a:pt x="178" y="144"/>
-                    <a:pt x="178" y="133"/>
-                  </a:cubicBezTo>
-                  <a:lnTo>
-                    <a:pt x="178" y="125"/>
-                  </a:lnTo>
-                  <a:close/>
-                  <a:moveTo>
-                    <a:pt x="162" y="133"/>
-                  </a:moveTo>
-                  <a:cubicBezTo>
-                    <a:pt x="162" y="135"/>
-                    <a:pt x="160" y="137"/>
-                    <a:pt x="159" y="137"/>
-                  </a:cubicBezTo>
-                  <a:cubicBezTo>
-                    <a:pt x="53" y="137"/>
-                    <a:pt x="53" y="137"/>
-                    <a:pt x="53" y="137"/>
-                  </a:cubicBezTo>
-                  <a:cubicBezTo>
-                    <a:pt x="51" y="137"/>
-                    <a:pt x="50" y="135"/>
-                    <a:pt x="50" y="133"/>
-                  </a:cubicBezTo>
-                  <a:cubicBezTo>
-                    <a:pt x="50" y="125"/>
-                    <a:pt x="50" y="125"/>
-                    <a:pt x="50" y="125"/>
-                  </a:cubicBezTo>
-                  <a:cubicBezTo>
-                    <a:pt x="50" y="123"/>
-                    <a:pt x="51" y="121"/>
-                    <a:pt x="53" y="121"/>
-                  </a:cubicBezTo>
-                  <a:cubicBezTo>
-                    <a:pt x="159" y="121"/>
-                    <a:pt x="159" y="121"/>
-                    <a:pt x="159" y="121"/>
-                  </a:cubicBezTo>
-                  <a:cubicBezTo>
-                    <a:pt x="160" y="121"/>
-                    <a:pt x="162" y="123"/>
-                    <a:pt x="162" y="125"/>
-                  </a:cubicBezTo>
-                  <a:lnTo>
-                    <a:pt x="162" y="133"/>
-                  </a:lnTo>
-                  <a:close/>
-                  <a:moveTo>
-                    <a:pt x="178" y="260"/>
-                  </a:moveTo>
-                  <a:cubicBezTo>
-                    <a:pt x="178" y="249"/>
-                    <a:pt x="169" y="241"/>
-                    <a:pt x="159" y="241"/>
-                  </a:cubicBezTo>
-                  <a:cubicBezTo>
-                    <a:pt x="53" y="241"/>
-                    <a:pt x="53" y="241"/>
-                    <a:pt x="53" y="241"/>
-                  </a:cubicBezTo>
-                  <a:cubicBezTo>
-                    <a:pt x="43" y="241"/>
-                    <a:pt x="34" y="249"/>
-                    <a:pt x="34" y="260"/>
-                  </a:cubicBezTo>
-                  <a:cubicBezTo>
-                    <a:pt x="34" y="269"/>
-                    <a:pt x="34" y="269"/>
-                    <a:pt x="34" y="269"/>
-                  </a:cubicBezTo>
-                  <a:cubicBezTo>
-                    <a:pt x="34" y="280"/>
-                    <a:pt x="43" y="288"/>
-                    <a:pt x="53" y="288"/>
-                  </a:cubicBezTo>
-                  <a:cubicBezTo>
-                    <a:pt x="159" y="288"/>
-                    <a:pt x="159" y="288"/>
-                    <a:pt x="159" y="288"/>
-                  </a:cubicBezTo>
-                  <a:cubicBezTo>
-                    <a:pt x="169" y="288"/>
-                    <a:pt x="178" y="280"/>
-                    <a:pt x="178" y="269"/>
-                  </a:cubicBezTo>
-                  <a:lnTo>
-                    <a:pt x="178" y="260"/>
-                  </a:lnTo>
-                  <a:close/>
-                  <a:moveTo>
-                    <a:pt x="162" y="269"/>
-                  </a:moveTo>
-                  <a:cubicBezTo>
-                    <a:pt x="162" y="271"/>
-                    <a:pt x="160" y="272"/>
-                    <a:pt x="159" y="272"/>
-                  </a:cubicBezTo>
-                  <a:cubicBezTo>
-                    <a:pt x="53" y="272"/>
-                    <a:pt x="53" y="272"/>
-                    <a:pt x="53" y="272"/>
-                  </a:cubicBezTo>
-                  <a:cubicBezTo>
-                    <a:pt x="51" y="272"/>
-                    <a:pt x="50" y="271"/>
-                    <a:pt x="50" y="269"/>
-                  </a:cubicBezTo>
-                  <a:cubicBezTo>
-                    <a:pt x="50" y="260"/>
-                    <a:pt x="50" y="260"/>
-                    <a:pt x="50" y="260"/>
-                  </a:cubicBezTo>
-                  <a:cubicBezTo>
-                    <a:pt x="50" y="258"/>
-                    <a:pt x="51" y="257"/>
-                    <a:pt x="53" y="257"/>
-                  </a:cubicBezTo>
-                  <a:cubicBezTo>
-                    <a:pt x="159" y="257"/>
-                    <a:pt x="159" y="257"/>
-                    <a:pt x="159" y="257"/>
-                  </a:cubicBezTo>
-                  <a:cubicBezTo>
-                    <a:pt x="160" y="257"/>
-                    <a:pt x="162" y="258"/>
-                    <a:pt x="162" y="260"/>
-                  </a:cubicBezTo>
-                  <a:lnTo>
-                    <a:pt x="162" y="269"/>
-                  </a:lnTo>
-                  <a:close/>
-                  <a:moveTo>
-                    <a:pt x="178" y="192"/>
-                  </a:moveTo>
-                  <a:cubicBezTo>
-                    <a:pt x="178" y="182"/>
-                    <a:pt x="169" y="173"/>
-                    <a:pt x="159" y="173"/>
-                  </a:cubicBezTo>
-                  <a:cubicBezTo>
-                    <a:pt x="53" y="173"/>
-                    <a:pt x="53" y="173"/>
-                    <a:pt x="53" y="173"/>
-                  </a:cubicBezTo>
-                  <a:cubicBezTo>
-                    <a:pt x="43" y="173"/>
-                    <a:pt x="34" y="182"/>
-                    <a:pt x="34" y="192"/>
-                  </a:cubicBezTo>
-                  <a:cubicBezTo>
-                    <a:pt x="34" y="201"/>
-                    <a:pt x="34" y="201"/>
-                    <a:pt x="34" y="201"/>
-                  </a:cubicBezTo>
-                  <a:cubicBezTo>
-                    <a:pt x="34" y="212"/>
-                    <a:pt x="43" y="221"/>
-                    <a:pt x="53" y="221"/>
-                  </a:cubicBezTo>
-                  <a:cubicBezTo>
-                    <a:pt x="159" y="221"/>
-                    <a:pt x="159" y="221"/>
-                    <a:pt x="159" y="221"/>
-                  </a:cubicBezTo>
-                  <a:cubicBezTo>
-                    <a:pt x="169" y="221"/>
-                    <a:pt x="178" y="212"/>
-                    <a:pt x="178" y="201"/>
-                  </a:cubicBezTo>
-                  <a:lnTo>
-                    <a:pt x="178" y="192"/>
-                  </a:lnTo>
-                  <a:close/>
-                  <a:moveTo>
-                    <a:pt x="162" y="201"/>
-                  </a:moveTo>
-                  <a:cubicBezTo>
-                    <a:pt x="162" y="203"/>
-                    <a:pt x="160" y="205"/>
-                    <a:pt x="159" y="205"/>
-                  </a:cubicBezTo>
-                  <a:cubicBezTo>
-                    <a:pt x="53" y="205"/>
-                    <a:pt x="53" y="205"/>
-                    <a:pt x="53" y="205"/>
-                  </a:cubicBezTo>
-                  <a:cubicBezTo>
-                    <a:pt x="51" y="205"/>
-                    <a:pt x="50" y="203"/>
-                    <a:pt x="50" y="201"/>
-                  </a:cubicBezTo>
-                  <a:cubicBezTo>
-                    <a:pt x="50" y="192"/>
-                    <a:pt x="50" y="192"/>
-                    <a:pt x="50" y="192"/>
-                  </a:cubicBezTo>
-                  <a:cubicBezTo>
-                    <a:pt x="50" y="190"/>
-                    <a:pt x="51" y="189"/>
-                    <a:pt x="53" y="189"/>
-                  </a:cubicBezTo>
-                  <a:cubicBezTo>
-                    <a:pt x="159" y="189"/>
-                    <a:pt x="159" y="189"/>
-                    <a:pt x="159" y="189"/>
-                  </a:cubicBezTo>
-                  <a:cubicBezTo>
-                    <a:pt x="160" y="189"/>
-                    <a:pt x="162" y="190"/>
-                    <a:pt x="162" y="192"/>
-                  </a:cubicBezTo>
-                  <a:lnTo>
-                    <a:pt x="162" y="201"/>
-                  </a:lnTo>
-                  <a:close/>
-                  <a:moveTo>
-                    <a:pt x="159" y="309"/>
-                  </a:moveTo>
-                  <a:cubicBezTo>
-                    <a:pt x="53" y="309"/>
-                    <a:pt x="53" y="309"/>
-                    <a:pt x="53" y="309"/>
-                  </a:cubicBezTo>
-                  <a:cubicBezTo>
-                    <a:pt x="43" y="309"/>
-                    <a:pt x="34" y="317"/>
-                    <a:pt x="34" y="328"/>
-                  </a:cubicBezTo>
-                  <a:cubicBezTo>
-                    <a:pt x="34" y="337"/>
-                    <a:pt x="34" y="337"/>
-                    <a:pt x="34" y="337"/>
-                  </a:cubicBezTo>
-                  <a:cubicBezTo>
-                    <a:pt x="34" y="348"/>
-                    <a:pt x="43" y="356"/>
-                    <a:pt x="53" y="356"/>
-                  </a:cubicBezTo>
-                  <a:cubicBezTo>
-                    <a:pt x="159" y="356"/>
-                    <a:pt x="159" y="356"/>
-                    <a:pt x="159" y="356"/>
-                  </a:cubicBezTo>
-                  <a:cubicBezTo>
-                    <a:pt x="169" y="356"/>
-                    <a:pt x="178" y="348"/>
-                    <a:pt x="178" y="337"/>
-                  </a:cubicBezTo>
-                  <a:cubicBezTo>
-                    <a:pt x="178" y="328"/>
-                    <a:pt x="178" y="328"/>
-                    <a:pt x="178" y="328"/>
-                  </a:cubicBezTo>
-                  <a:cubicBezTo>
-                    <a:pt x="178" y="317"/>
-                    <a:pt x="169" y="309"/>
-                    <a:pt x="159" y="309"/>
-                  </a:cubicBezTo>
-                  <a:close/>
-                  <a:moveTo>
-                    <a:pt x="162" y="337"/>
-                  </a:moveTo>
-                  <a:cubicBezTo>
-                    <a:pt x="162" y="339"/>
-                    <a:pt x="160" y="340"/>
-                    <a:pt x="159" y="340"/>
-                  </a:cubicBezTo>
-                  <a:cubicBezTo>
-                    <a:pt x="53" y="340"/>
-                    <a:pt x="53" y="340"/>
-                    <a:pt x="53" y="340"/>
-                  </a:cubicBezTo>
-                  <a:cubicBezTo>
-                    <a:pt x="51" y="340"/>
-                    <a:pt x="50" y="339"/>
-                    <a:pt x="50" y="337"/>
-                  </a:cubicBezTo>
-                  <a:cubicBezTo>
-                    <a:pt x="50" y="328"/>
-                    <a:pt x="50" y="328"/>
-                    <a:pt x="50" y="328"/>
-                  </a:cubicBezTo>
-                  <a:cubicBezTo>
-                    <a:pt x="50" y="326"/>
-                    <a:pt x="51" y="325"/>
-                    <a:pt x="53" y="325"/>
-                  </a:cubicBezTo>
-                  <a:cubicBezTo>
-                    <a:pt x="159" y="325"/>
-                    <a:pt x="159" y="325"/>
-                    <a:pt x="159" y="325"/>
-                  </a:cubicBezTo>
-                  <a:cubicBezTo>
-                    <a:pt x="160" y="325"/>
-                    <a:pt x="162" y="326"/>
-                    <a:pt x="162" y="328"/>
-                  </a:cubicBezTo>
-                  <a:lnTo>
-                    <a:pt x="162" y="337"/>
-                  </a:lnTo>
-                  <a:close/>
-                </a:path>
-              </a:pathLst>
-            </a:custGeom>
-            <a:solidFill>
-              <a:schemeClr val="accent1">
-                <a:lumMod val="75000"/>
-              </a:schemeClr>
-            </a:solidFill>
-            <a:ln>
-              <a:noFill/>
-            </a:ln>
-            <a:extLst/>
-          </p:spPr>
-          <p:txBody>
-            <a:bodyPr/>
-            <a:lstStyle>
-              <a:defPPr>
-                <a:defRPr lang="en-US"/>
-              </a:defPPr>
-              <a:lvl1pPr algn="l" rtl="0" eaLnBrk="0" fontAlgn="base" hangingPunct="0">
-                <a:spcBef>
-                  <a:spcPct val="0"/>
-                </a:spcBef>
-                <a:spcAft>
-                  <a:spcPct val="0"/>
-                </a:spcAft>
-                <a:defRPr sz="2000" kern="1200">
-                  <a:solidFill>
-                    <a:schemeClr val="tx1"/>
-                  </a:solidFill>
-                  <a:latin typeface="Arial" panose="020B0604020202020204" pitchFamily="34" charset="0"/>
-                  <a:ea typeface="MS PGothic" panose="020B0600070205080204" pitchFamily="34" charset="-128"/>
-                  <a:cs typeface="+mn-cs"/>
-                </a:defRPr>
-              </a:lvl1pPr>
-              <a:lvl2pPr marL="457200" algn="l" rtl="0" eaLnBrk="0" fontAlgn="base" hangingPunct="0">
-                <a:spcBef>
-                  <a:spcPct val="0"/>
-                </a:spcBef>
-                <a:spcAft>
-                  <a:spcPct val="0"/>
-                </a:spcAft>
-                <a:defRPr sz="2000" kern="1200">
-                  <a:solidFill>
-                    <a:schemeClr val="tx1"/>
-                  </a:solidFill>
-                  <a:latin typeface="Arial" panose="020B0604020202020204" pitchFamily="34" charset="0"/>
-                  <a:ea typeface="MS PGothic" panose="020B0600070205080204" pitchFamily="34" charset="-128"/>
-                  <a:cs typeface="+mn-cs"/>
-                </a:defRPr>
-              </a:lvl2pPr>
-              <a:lvl3pPr marL="914400" algn="l" rtl="0" eaLnBrk="0" fontAlgn="base" hangingPunct="0">
-                <a:spcBef>
-                  <a:spcPct val="0"/>
-                </a:spcBef>
-                <a:spcAft>
-                  <a:spcPct val="0"/>
-                </a:spcAft>
-                <a:defRPr sz="2000" kern="1200">
-                  <a:solidFill>
-                    <a:schemeClr val="tx1"/>
-                  </a:solidFill>
-                  <a:latin typeface="Arial" panose="020B0604020202020204" pitchFamily="34" charset="0"/>
-                  <a:ea typeface="MS PGothic" panose="020B0600070205080204" pitchFamily="34" charset="-128"/>
-                  <a:cs typeface="+mn-cs"/>
-                </a:defRPr>
-              </a:lvl3pPr>
-              <a:lvl4pPr marL="1371600" algn="l" rtl="0" eaLnBrk="0" fontAlgn="base" hangingPunct="0">
-                <a:spcBef>
-                  <a:spcPct val="0"/>
-                </a:spcBef>
-                <a:spcAft>
-                  <a:spcPct val="0"/>
-                </a:spcAft>
-                <a:defRPr sz="2000" kern="1200">
-                  <a:solidFill>
-                    <a:schemeClr val="tx1"/>
-                  </a:solidFill>
-                  <a:latin typeface="Arial" panose="020B0604020202020204" pitchFamily="34" charset="0"/>
-                  <a:ea typeface="MS PGothic" panose="020B0600070205080204" pitchFamily="34" charset="-128"/>
-                  <a:cs typeface="+mn-cs"/>
-                </a:defRPr>
-              </a:lvl4pPr>
-              <a:lvl5pPr marL="1828800" algn="l" rtl="0" eaLnBrk="0" fontAlgn="base" hangingPunct="0">
-                <a:spcBef>
-                  <a:spcPct val="0"/>
-                </a:spcBef>
-                <a:spcAft>
-                  <a:spcPct val="0"/>
-                </a:spcAft>
-                <a:defRPr sz="2000" kern="1200">
-                  <a:solidFill>
-                    <a:schemeClr val="tx1"/>
-                  </a:solidFill>
-                  <a:latin typeface="Arial" panose="020B0604020202020204" pitchFamily="34" charset="0"/>
-                  <a:ea typeface="MS PGothic" panose="020B0600070205080204" pitchFamily="34" charset="-128"/>
-                  <a:cs typeface="+mn-cs"/>
-                </a:defRPr>
-              </a:lvl5pPr>
-              <a:lvl6pPr marL="2286000" algn="l" defTabSz="914400" rtl="0" eaLnBrk="1" latinLnBrk="0" hangingPunct="1">
-                <a:defRPr sz="2000" kern="1200">
-                  <a:solidFill>
-                    <a:schemeClr val="tx1"/>
-                  </a:solidFill>
-                  <a:latin typeface="Arial" panose="020B0604020202020204" pitchFamily="34" charset="0"/>
-                  <a:ea typeface="MS PGothic" panose="020B0600070205080204" pitchFamily="34" charset="-128"/>
-                  <a:cs typeface="+mn-cs"/>
-                </a:defRPr>
-              </a:lvl6pPr>
-              <a:lvl7pPr marL="2743200" algn="l" defTabSz="914400" rtl="0" eaLnBrk="1" latinLnBrk="0" hangingPunct="1">
-                <a:defRPr sz="2000" kern="1200">
-                  <a:solidFill>
-                    <a:schemeClr val="tx1"/>
-                  </a:solidFill>
-                  <a:latin typeface="Arial" panose="020B0604020202020204" pitchFamily="34" charset="0"/>
-                  <a:ea typeface="MS PGothic" panose="020B0600070205080204" pitchFamily="34" charset="-128"/>
-                  <a:cs typeface="+mn-cs"/>
-                </a:defRPr>
-              </a:lvl7pPr>
-              <a:lvl8pPr marL="3200400" algn="l" defTabSz="914400" rtl="0" eaLnBrk="1" latinLnBrk="0" hangingPunct="1">
-                <a:defRPr sz="2000" kern="1200">
-                  <a:solidFill>
-                    <a:schemeClr val="tx1"/>
-                  </a:solidFill>
-                  <a:latin typeface="Arial" panose="020B0604020202020204" pitchFamily="34" charset="0"/>
-                  <a:ea typeface="MS PGothic" panose="020B0600070205080204" pitchFamily="34" charset="-128"/>
-                  <a:cs typeface="+mn-cs"/>
-                </a:defRPr>
-              </a:lvl8pPr>
-              <a:lvl9pPr marL="3657600" algn="l" defTabSz="914400" rtl="0" eaLnBrk="1" latinLnBrk="0" hangingPunct="1">
-                <a:defRPr sz="2000" kern="1200">
-                  <a:solidFill>
-                    <a:schemeClr val="tx1"/>
-                  </a:solidFill>
-                  <a:latin typeface="Arial" panose="020B0604020202020204" pitchFamily="34" charset="0"/>
-                  <a:ea typeface="MS PGothic" panose="020B0600070205080204" pitchFamily="34" charset="-128"/>
-                  <a:cs typeface="+mn-cs"/>
-                </a:defRPr>
-              </a:lvl9pPr>
-            </a:lstStyle>
-            <a:p>
-              <a:endParaRPr lang="pt-BR"/>
-            </a:p>
-          </p:txBody>
-        </p:sp>
-        <p:sp>
-          <p:nvSpPr>
-            <p:cNvPr id="191" name="TextBox 190"/>
-            <p:cNvSpPr txBox="1"/>
-            <p:nvPr/>
-          </p:nvSpPr>
-          <p:spPr>
-            <a:xfrm>
-              <a:off x="7573056" y="1899431"/>
-              <a:ext cx="723445" cy="215444"/>
-            </a:xfrm>
-            <a:prstGeom prst="rect">
-              <a:avLst/>
-            </a:prstGeom>
-            <a:noFill/>
-          </p:spPr>
-          <p:txBody>
-            <a:bodyPr wrap="square" rtlCol="0">
-              <a:spAutoFit/>
-            </a:bodyPr>
-            <a:lstStyle/>
-            <a:p>
-              <a:pPr algn="ctr"/>
-              <a:r>
-                <a:rPr lang="pt-BR" sz="800" b="1" dirty="0">
-                  <a:solidFill>
-                    <a:schemeClr val="accent1">
-                      <a:lumMod val="75000"/>
-                    </a:schemeClr>
-                  </a:solidFill>
-                </a:rPr>
-                <a:t>GATEWAY</a:t>
-              </a:r>
-            </a:p>
-          </p:txBody>
-        </p:sp>
-        <p:sp>
-          <p:nvSpPr>
-            <p:cNvPr id="192" name="TextBox 191"/>
-            <p:cNvSpPr txBox="1"/>
-            <p:nvPr/>
-          </p:nvSpPr>
-          <p:spPr>
-            <a:xfrm>
-              <a:off x="8677366" y="3657439"/>
-              <a:ext cx="1247869" cy="246221"/>
-            </a:xfrm>
-            <a:prstGeom prst="rect">
-              <a:avLst/>
-            </a:prstGeom>
-            <a:noFill/>
-          </p:spPr>
-          <p:txBody>
-            <a:bodyPr wrap="square" rtlCol="0">
-              <a:spAutoFit/>
-            </a:bodyPr>
-            <a:lstStyle/>
-            <a:p>
-              <a:pPr algn="ctr"/>
-              <a:r>
-                <a:rPr lang="pt-BR" sz="1000" b="1" dirty="0">
-                  <a:solidFill>
-                    <a:schemeClr val="accent1">
-                      <a:lumMod val="75000"/>
-                    </a:schemeClr>
-                  </a:solidFill>
-                </a:rPr>
-                <a:t>AGGREGATOR</a:t>
-              </a:r>
-            </a:p>
-          </p:txBody>
-        </p:sp>
-        <p:sp>
-          <p:nvSpPr>
-            <p:cNvPr id="193" name="TextBox 192"/>
-            <p:cNvSpPr txBox="1"/>
-            <p:nvPr/>
-          </p:nvSpPr>
-          <p:spPr>
-            <a:xfrm>
-              <a:off x="10537794" y="4423242"/>
-              <a:ext cx="762477" cy="253916"/>
-            </a:xfrm>
-            <a:prstGeom prst="rect">
-              <a:avLst/>
-            </a:prstGeom>
-            <a:noFill/>
-          </p:spPr>
-          <p:txBody>
-            <a:bodyPr wrap="square" rtlCol="0">
-              <a:spAutoFit/>
-            </a:bodyPr>
-            <a:lstStyle/>
-            <a:p>
-              <a:pPr algn="ctr"/>
-              <a:r>
-                <a:rPr lang="pt-BR" sz="1000" b="1" dirty="0">
-                  <a:solidFill>
-                    <a:schemeClr val="accent1">
-                      <a:lumMod val="75000"/>
-                    </a:schemeClr>
-                  </a:solidFill>
-                </a:rPr>
-                <a:t>UI</a:t>
-              </a:r>
-            </a:p>
-          </p:txBody>
-        </p:sp>
-        <p:sp>
-          <p:nvSpPr>
-            <p:cNvPr id="194" name="Freeform 193"/>
-            <p:cNvSpPr/>
-            <p:nvPr/>
-          </p:nvSpPr>
-          <p:spPr bwMode="auto">
-            <a:xfrm>
-              <a:off x="9871970" y="4181383"/>
-              <a:ext cx="665824" cy="665825"/>
-            </a:xfrm>
-            <a:custGeom>
-              <a:avLst/>
-              <a:gdLst>
-                <a:gd name="connsiteX0" fmla="*/ 0 w 656947"/>
-                <a:gd name="connsiteY0" fmla="*/ 0 h 728867"/>
-                <a:gd name="connsiteX1" fmla="*/ 337351 w 656947"/>
-                <a:gd name="connsiteY1" fmla="*/ 381739 h 728867"/>
-                <a:gd name="connsiteX2" fmla="*/ 656947 w 656947"/>
-                <a:gd name="connsiteY2" fmla="*/ 692458 h 728867"/>
-                <a:gd name="connsiteX0" fmla="*/ 0 w 656947"/>
-                <a:gd name="connsiteY0" fmla="*/ 0 h 731092"/>
-                <a:gd name="connsiteX1" fmla="*/ 301841 w 656947"/>
-                <a:gd name="connsiteY1" fmla="*/ 408372 h 731092"/>
-                <a:gd name="connsiteX2" fmla="*/ 656947 w 656947"/>
-                <a:gd name="connsiteY2" fmla="*/ 692458 h 731092"/>
-                <a:gd name="connsiteX0" fmla="*/ 0 w 656947"/>
-                <a:gd name="connsiteY0" fmla="*/ 0 h 730321"/>
-                <a:gd name="connsiteX1" fmla="*/ 266330 w 656947"/>
-                <a:gd name="connsiteY1" fmla="*/ 399494 h 730321"/>
-                <a:gd name="connsiteX2" fmla="*/ 656947 w 656947"/>
-                <a:gd name="connsiteY2" fmla="*/ 692458 h 730321"/>
-                <a:gd name="connsiteX0" fmla="*/ 0 w 656947"/>
-                <a:gd name="connsiteY0" fmla="*/ 0 h 692458"/>
-                <a:gd name="connsiteX1" fmla="*/ 266330 w 656947"/>
-                <a:gd name="connsiteY1" fmla="*/ 399494 h 692458"/>
-                <a:gd name="connsiteX2" fmla="*/ 656947 w 656947"/>
-                <a:gd name="connsiteY2" fmla="*/ 692458 h 692458"/>
-                <a:gd name="connsiteX0" fmla="*/ 0 w 656947"/>
-                <a:gd name="connsiteY0" fmla="*/ 0 h 692458"/>
-                <a:gd name="connsiteX1" fmla="*/ 266330 w 656947"/>
-                <a:gd name="connsiteY1" fmla="*/ 399494 h 692458"/>
-                <a:gd name="connsiteX2" fmla="*/ 656947 w 656947"/>
-                <a:gd name="connsiteY2" fmla="*/ 692458 h 692458"/>
-                <a:gd name="connsiteX0" fmla="*/ 0 w 665824"/>
-                <a:gd name="connsiteY0" fmla="*/ 0 h 665825"/>
-                <a:gd name="connsiteX1" fmla="*/ 275207 w 665824"/>
-                <a:gd name="connsiteY1" fmla="*/ 372861 h 665825"/>
-                <a:gd name="connsiteX2" fmla="*/ 665824 w 665824"/>
-                <a:gd name="connsiteY2" fmla="*/ 665825 h 665825"/>
-              </a:gdLst>
-              <a:ahLst/>
-              <a:cxnLst>
-                <a:cxn ang="0">
-                  <a:pos x="connsiteX0" y="connsiteY0"/>
-                </a:cxn>
-                <a:cxn ang="0">
-                  <a:pos x="connsiteX1" y="connsiteY1"/>
-                </a:cxn>
-                <a:cxn ang="0">
-                  <a:pos x="connsiteX2" y="connsiteY2"/>
-                </a:cxn>
-              </a:cxnLst>
-              <a:rect l="l" t="t" r="r" b="b"/>
-              <a:pathLst>
-                <a:path w="665824" h="665825">
-                  <a:moveTo>
-                    <a:pt x="0" y="0"/>
-                  </a:moveTo>
-                  <a:cubicBezTo>
-                    <a:pt x="105052" y="150919"/>
-                    <a:pt x="164236" y="261890"/>
-                    <a:pt x="275207" y="372861"/>
-                  </a:cubicBezTo>
-                  <a:cubicBezTo>
-                    <a:pt x="386178" y="483832"/>
-                    <a:pt x="384698" y="547456"/>
-                    <a:pt x="665824" y="665825"/>
-                  </a:cubicBezTo>
-                </a:path>
-              </a:pathLst>
-            </a:custGeom>
-            <a:noFill/>
-            <a:ln w="38100" cap="flat" cmpd="sng" algn="ctr">
-              <a:solidFill>
-                <a:schemeClr val="accent1">
-                  <a:lumMod val="75000"/>
-                </a:schemeClr>
-              </a:solidFill>
-              <a:prstDash val="solid"/>
-              <a:round/>
-              <a:headEnd type="none" w="med" len="med"/>
-              <a:tailEnd type="none" w="med" len="med"/>
-            </a:ln>
-            <a:effectLst/>
-          </p:spPr>
-          <p:txBody>
-            <a:bodyPr vert="horz" wrap="none" lIns="72000" tIns="45720" rIns="72000" bIns="45720" numCol="1" rtlCol="0" anchor="t" anchorCtr="0" compatLnSpc="1">
-              <a:prstTxWarp prst="textNoShape">
-                <a:avLst/>
-              </a:prstTxWarp>
-            </a:bodyPr>
-            <a:lstStyle/>
-            <a:p>
-              <a:endParaRPr lang="pt-BR"/>
-            </a:p>
-          </p:txBody>
-        </p:sp>
-        <p:sp>
-          <p:nvSpPr>
-            <p:cNvPr id="195" name="Freeform 194"/>
-            <p:cNvSpPr/>
-            <p:nvPr/>
-          </p:nvSpPr>
-          <p:spPr bwMode="auto">
-            <a:xfrm>
-              <a:off x="7921656" y="3204839"/>
-              <a:ext cx="769583" cy="798990"/>
-            </a:xfrm>
-            <a:custGeom>
-              <a:avLst/>
-              <a:gdLst>
-                <a:gd name="connsiteX0" fmla="*/ 769583 w 769583"/>
-                <a:gd name="connsiteY0" fmla="*/ 798990 h 798990"/>
-                <a:gd name="connsiteX1" fmla="*/ 334577 w 769583"/>
-                <a:gd name="connsiteY1" fmla="*/ 719091 h 798990"/>
-                <a:gd name="connsiteX2" fmla="*/ 432231 w 769583"/>
-                <a:gd name="connsiteY2" fmla="*/ 363984 h 798990"/>
-                <a:gd name="connsiteX3" fmla="*/ 32736 w 769583"/>
-                <a:gd name="connsiteY3" fmla="*/ 221942 h 798990"/>
-                <a:gd name="connsiteX4" fmla="*/ 23859 w 769583"/>
-                <a:gd name="connsiteY4" fmla="*/ 0 h 798990"/>
-              </a:gdLst>
-              <a:ahLst/>
-              <a:cxnLst>
-                <a:cxn ang="0">
-                  <a:pos x="connsiteX0" y="connsiteY0"/>
-                </a:cxn>
-                <a:cxn ang="0">
-                  <a:pos x="connsiteX1" y="connsiteY1"/>
-                </a:cxn>
-                <a:cxn ang="0">
-                  <a:pos x="connsiteX2" y="connsiteY2"/>
-                </a:cxn>
-                <a:cxn ang="0">
-                  <a:pos x="connsiteX3" y="connsiteY3"/>
-                </a:cxn>
-                <a:cxn ang="0">
-                  <a:pos x="connsiteX4" y="connsiteY4"/>
-                </a:cxn>
-              </a:cxnLst>
-              <a:rect l="l" t="t" r="r" b="b"/>
-              <a:pathLst>
-                <a:path w="769583" h="798990">
-                  <a:moveTo>
-                    <a:pt x="769583" y="798990"/>
-                  </a:moveTo>
-                  <a:cubicBezTo>
-                    <a:pt x="580192" y="795291"/>
-                    <a:pt x="390802" y="791592"/>
-                    <a:pt x="334577" y="719091"/>
-                  </a:cubicBezTo>
-                  <a:cubicBezTo>
-                    <a:pt x="278352" y="646590"/>
-                    <a:pt x="482538" y="446842"/>
-                    <a:pt x="432231" y="363984"/>
-                  </a:cubicBezTo>
-                  <a:cubicBezTo>
-                    <a:pt x="381924" y="281126"/>
-                    <a:pt x="100798" y="282606"/>
-                    <a:pt x="32736" y="221942"/>
-                  </a:cubicBezTo>
-                  <a:cubicBezTo>
-                    <a:pt x="-35326" y="161278"/>
-                    <a:pt x="23859" y="0"/>
-                    <a:pt x="23859" y="0"/>
-                  </a:cubicBezTo>
-                </a:path>
-              </a:pathLst>
-            </a:custGeom>
-            <a:noFill/>
-            <a:ln w="38100" cap="flat" cmpd="sng" algn="ctr">
-              <a:solidFill>
-                <a:schemeClr val="accent1">
-                  <a:lumMod val="75000"/>
-                </a:schemeClr>
-              </a:solidFill>
-              <a:prstDash val="sysDash"/>
-              <a:round/>
-              <a:headEnd type="none" w="med" len="med"/>
-              <a:tailEnd type="none" w="med" len="med"/>
-            </a:ln>
-            <a:effectLst/>
-          </p:spPr>
-          <p:txBody>
-            <a:bodyPr vert="horz" wrap="none" lIns="72000" tIns="45720" rIns="72000" bIns="45720" numCol="1" rtlCol="0" anchor="t" anchorCtr="0" compatLnSpc="1">
-              <a:prstTxWarp prst="textNoShape">
-                <a:avLst/>
-              </a:prstTxWarp>
-            </a:bodyPr>
-            <a:lstStyle/>
-            <a:p>
-              <a:endParaRPr lang="pt-BR"/>
-            </a:p>
-          </p:txBody>
-        </p:sp>
-      </p:grpSp>
-    </p:spTree>
-    <p:extLst>
-      <p:ext uri="{BB962C8B-B14F-4D97-AF65-F5344CB8AC3E}">
-        <p14:creationId xmlns:p14="http://schemas.microsoft.com/office/powerpoint/2010/main" val="2397353288"/>
-      </p:ext>
-    </p:extLst>
-  </p:cSld>
-  <p:clrMapOvr>
-    <a:masterClrMapping/>
-  </p:clrMapOvr>
-</p:sld>
-</file>
-
-<file path=ppt/slides/slide3.xml><?xml version="1.0" encoding="utf-8"?>
 <p:sld xmlns:a="http://schemas.openxmlformats.org/drawingml/2006/main" xmlns:r="http://schemas.openxmlformats.org/officeDocument/2006/relationships" xmlns:p="http://schemas.openxmlformats.org/presentationml/2006/main">
   <p:cSld>
     <p:spTree>
@@ -19022,7 +9842,7 @@
 </p:sld>
 </file>
 
-<file path=ppt/slides/slide4.xml><?xml version="1.0" encoding="utf-8"?>
+<file path=ppt/slides/slide3.xml><?xml version="1.0" encoding="utf-8"?>
 <p:sld xmlns:a="http://schemas.openxmlformats.org/drawingml/2006/main" xmlns:r="http://schemas.openxmlformats.org/officeDocument/2006/relationships" xmlns:p="http://schemas.openxmlformats.org/presentationml/2006/main">
   <p:cSld>
     <p:spTree>

--- a/Presentation1.pptx
+++ b/Presentation1.pptx
@@ -200,7 +200,7 @@
           <a:p>
             <a:fld id="{2A3076CF-BCFB-4869-BC3D-A9737A4AD8BE}" type="datetimeFigureOut">
               <a:rPr lang="pt-BR" smtClean="0"/>
-              <a:t>22/05/2019</a:t>
+              <a:t>30/07/2019</a:t>
             </a:fld>
             <a:endParaRPr lang="pt-BR"/>
           </a:p>
@@ -987,7 +987,7 @@
           <a:p>
             <a:fld id="{EBD9F7C2-5D5A-41BB-A88A-DED32D0919CB}" type="datetimeFigureOut">
               <a:rPr lang="pt-BR" smtClean="0"/>
-              <a:t>22/05/2019</a:t>
+              <a:t>30/07/2019</a:t>
             </a:fld>
             <a:endParaRPr lang="pt-BR"/>
           </a:p>
@@ -1187,7 +1187,7 @@
           <a:p>
             <a:fld id="{EBD9F7C2-5D5A-41BB-A88A-DED32D0919CB}" type="datetimeFigureOut">
               <a:rPr lang="pt-BR" smtClean="0"/>
-              <a:t>22/05/2019</a:t>
+              <a:t>30/07/2019</a:t>
             </a:fld>
             <a:endParaRPr lang="pt-BR"/>
           </a:p>
@@ -1397,7 +1397,7 @@
           <a:p>
             <a:fld id="{EBD9F7C2-5D5A-41BB-A88A-DED32D0919CB}" type="datetimeFigureOut">
               <a:rPr lang="pt-BR" smtClean="0"/>
-              <a:t>22/05/2019</a:t>
+              <a:t>30/07/2019</a:t>
             </a:fld>
             <a:endParaRPr lang="pt-BR"/>
           </a:p>
@@ -1711,7 +1711,7 @@
           <a:p>
             <a:fld id="{EBD9F7C2-5D5A-41BB-A88A-DED32D0919CB}" type="datetimeFigureOut">
               <a:rPr lang="pt-BR" smtClean="0"/>
-              <a:t>22/05/2019</a:t>
+              <a:t>30/07/2019</a:t>
             </a:fld>
             <a:endParaRPr lang="pt-BR"/>
           </a:p>
@@ -1987,7 +1987,7 @@
           <a:p>
             <a:fld id="{EBD9F7C2-5D5A-41BB-A88A-DED32D0919CB}" type="datetimeFigureOut">
               <a:rPr lang="pt-BR" smtClean="0"/>
-              <a:t>22/05/2019</a:t>
+              <a:t>30/07/2019</a:t>
             </a:fld>
             <a:endParaRPr lang="pt-BR"/>
           </a:p>
@@ -2255,7 +2255,7 @@
           <a:p>
             <a:fld id="{EBD9F7C2-5D5A-41BB-A88A-DED32D0919CB}" type="datetimeFigureOut">
               <a:rPr lang="pt-BR" smtClean="0"/>
-              <a:t>22/05/2019</a:t>
+              <a:t>30/07/2019</a:t>
             </a:fld>
             <a:endParaRPr lang="pt-BR"/>
           </a:p>
@@ -2670,7 +2670,7 @@
           <a:p>
             <a:fld id="{EBD9F7C2-5D5A-41BB-A88A-DED32D0919CB}" type="datetimeFigureOut">
               <a:rPr lang="pt-BR" smtClean="0"/>
-              <a:t>22/05/2019</a:t>
+              <a:t>30/07/2019</a:t>
             </a:fld>
             <a:endParaRPr lang="pt-BR"/>
           </a:p>
@@ -2812,7 +2812,7 @@
           <a:p>
             <a:fld id="{EBD9F7C2-5D5A-41BB-A88A-DED32D0919CB}" type="datetimeFigureOut">
               <a:rPr lang="pt-BR" smtClean="0"/>
-              <a:t>22/05/2019</a:t>
+              <a:t>30/07/2019</a:t>
             </a:fld>
             <a:endParaRPr lang="pt-BR"/>
           </a:p>
@@ -2925,7 +2925,7 @@
           <a:p>
             <a:fld id="{EBD9F7C2-5D5A-41BB-A88A-DED32D0919CB}" type="datetimeFigureOut">
               <a:rPr lang="pt-BR" smtClean="0"/>
-              <a:t>22/05/2019</a:t>
+              <a:t>30/07/2019</a:t>
             </a:fld>
             <a:endParaRPr lang="pt-BR"/>
           </a:p>
@@ -3238,7 +3238,7 @@
           <a:p>
             <a:fld id="{EBD9F7C2-5D5A-41BB-A88A-DED32D0919CB}" type="datetimeFigureOut">
               <a:rPr lang="pt-BR" smtClean="0"/>
-              <a:t>22/05/2019</a:t>
+              <a:t>30/07/2019</a:t>
             </a:fld>
             <a:endParaRPr lang="pt-BR"/>
           </a:p>
@@ -3527,7 +3527,7 @@
           <a:p>
             <a:fld id="{EBD9F7C2-5D5A-41BB-A88A-DED32D0919CB}" type="datetimeFigureOut">
               <a:rPr lang="pt-BR" smtClean="0"/>
-              <a:t>22/05/2019</a:t>
+              <a:t>30/07/2019</a:t>
             </a:fld>
             <a:endParaRPr lang="pt-BR"/>
           </a:p>
@@ -3770,7 +3770,7 @@
           <a:p>
             <a:fld id="{EBD9F7C2-5D5A-41BB-A88A-DED32D0919CB}" type="datetimeFigureOut">
               <a:rPr lang="pt-BR" smtClean="0"/>
-              <a:t>22/05/2019</a:t>
+              <a:t>30/07/2019</a:t>
             </a:fld>
             <a:endParaRPr lang="pt-BR"/>
           </a:p>
@@ -4332,8 +4332,8 @@
         </p:blipFill>
         <p:spPr bwMode="auto">
           <a:xfrm>
-            <a:off x="6741766" y="3898070"/>
-            <a:ext cx="1257369" cy="419123"/>
+            <a:off x="6682927" y="3622172"/>
+            <a:ext cx="1989152" cy="663051"/>
           </a:xfrm>
           <a:prstGeom prst="rect">
             <a:avLst/>
@@ -4377,10 +4377,10 @@
         </p:nvGrpSpPr>
         <p:grpSpPr>
           <a:xfrm>
-            <a:off x="2556293" y="1266105"/>
-            <a:ext cx="2064030" cy="2881662"/>
-            <a:chOff x="2556293" y="1266105"/>
-            <a:chExt cx="2064030" cy="2881662"/>
+            <a:off x="1765042" y="1266105"/>
+            <a:ext cx="2855281" cy="2881662"/>
+            <a:chOff x="1765042" y="1266105"/>
+            <a:chExt cx="2855281" cy="2881662"/>
           </a:xfrm>
         </p:grpSpPr>
         <p:cxnSp>
@@ -4424,8 +4424,8 @@
           </p:nvSpPr>
           <p:spPr>
             <a:xfrm>
-              <a:off x="2556293" y="2602749"/>
-              <a:ext cx="906017" cy="261610"/>
+              <a:off x="1765042" y="2360197"/>
+              <a:ext cx="2012859" cy="584775"/>
             </a:xfrm>
             <a:prstGeom prst="rect">
               <a:avLst/>
@@ -4440,10 +4440,10 @@
             <a:p>
               <a:pPr algn="ctr"/>
               <a:r>
-                <a:rPr lang="en-US" sz="1100" b="1" dirty="0"/>
+                <a:rPr lang="en-US" sz="3200" b="1" dirty="0"/>
                 <a:t>MQTT/TCP</a:t>
               </a:r>
-              <a:endParaRPr lang="en-US" b="1" dirty="0"/>
+              <a:endParaRPr lang="en-US" sz="4800" b="1" dirty="0"/>
             </a:p>
           </p:txBody>
         </p:sp>
@@ -4741,8 +4741,8 @@
               </p:nvSpPr>
               <p:spPr bwMode="auto">
                 <a:xfrm>
-                  <a:off x="259" y="1818"/>
-                  <a:ext cx="816" cy="323"/>
+                  <a:off x="259" y="1710"/>
+                  <a:ext cx="816" cy="538"/>
                 </a:xfrm>
                 <a:prstGeom prst="rect">
                   <a:avLst/>
@@ -4889,14 +4889,14 @@
                     </a:lnSpc>
                   </a:pPr>
                   <a:r>
-                    <a:rPr lang="en-US" altLang="pt-BR" sz="1200" dirty="0">
+                    <a:rPr lang="en-US" altLang="pt-BR" dirty="0">
                       <a:solidFill>
                         <a:srgbClr val="00285F"/>
                       </a:solidFill>
                     </a:rPr>
                     <a:t>MQTT Client</a:t>
                   </a:r>
-                  <a:endParaRPr lang="sv-SE" altLang="pt-BR" sz="1200" dirty="0">
+                  <a:endParaRPr lang="sv-SE" altLang="pt-BR" dirty="0">
                     <a:solidFill>
                       <a:srgbClr val="00285F"/>
                     </a:solidFill>
@@ -5499,8 +5499,8 @@
         </p:nvSpPr>
         <p:spPr>
           <a:xfrm>
-            <a:off x="6758955" y="2772609"/>
-            <a:ext cx="906017" cy="261610"/>
+            <a:off x="5347825" y="2635984"/>
+            <a:ext cx="2012859" cy="584775"/>
           </a:xfrm>
           <a:prstGeom prst="rect">
             <a:avLst/>
@@ -5514,10 +5514,10 @@
           <a:lstStyle/>
           <a:p>
             <a:r>
-              <a:rPr lang="en-US" sz="1100" b="1" dirty="0"/>
+              <a:rPr lang="en-US" sz="3200" b="1" dirty="0"/>
               <a:t>MQTT/TCP</a:t>
             </a:r>
-            <a:endParaRPr lang="en-US" b="1" dirty="0"/>
+            <a:endParaRPr lang="en-US" sz="4800" b="1" dirty="0"/>
           </a:p>
         </p:txBody>
       </p:sp>
@@ -5549,7 +5549,7 @@
         <p:spPr>
           <a:xfrm>
             <a:off x="9508657" y="3194042"/>
-            <a:ext cx="631001" cy="739293"/>
+            <a:ext cx="995396" cy="1166225"/>
           </a:xfrm>
           <a:custGeom>
             <a:avLst/>
@@ -5614,9 +5614,9 @@
         <p:grpSpPr>
           <a:xfrm>
             <a:off x="4410443" y="619760"/>
-            <a:ext cx="1597505" cy="1861620"/>
+            <a:ext cx="1948811" cy="1975580"/>
             <a:chOff x="4169780" y="2536364"/>
-            <a:chExt cx="1597505" cy="1861620"/>
+            <a:chExt cx="1948811" cy="1975580"/>
           </a:xfrm>
         </p:grpSpPr>
         <p:grpSp>
@@ -7101,7 +7101,7 @@
           <p:spPr>
             <a:xfrm>
               <a:off x="4647945" y="3974290"/>
-              <a:ext cx="1119340" cy="362723"/>
+              <a:ext cx="1470646" cy="476564"/>
             </a:xfrm>
             <a:prstGeom prst="rect">
               <a:avLst/>
@@ -7136,8 +7136,8 @@
           </p:blipFill>
           <p:spPr>
             <a:xfrm>
-              <a:off x="4169780" y="3990588"/>
-              <a:ext cx="478165" cy="407396"/>
+              <a:off x="4169780" y="3990587"/>
+              <a:ext cx="611922" cy="521357"/>
             </a:xfrm>
             <a:prstGeom prst="rect">
               <a:avLst/>
@@ -7284,8 +7284,8 @@
         </p:nvSpPr>
         <p:spPr>
           <a:xfrm>
-            <a:off x="7518059" y="1869214"/>
-            <a:ext cx="1435393" cy="338554"/>
+            <a:off x="6645827" y="1582113"/>
+            <a:ext cx="2996077" cy="646331"/>
           </a:xfrm>
           <a:prstGeom prst="rect">
             <a:avLst/>
@@ -7299,11 +7299,11 @@
           <a:lstStyle/>
           <a:p>
             <a:r>
-              <a:rPr lang="en-US" sz="1600" b="1" dirty="0" err="1"/>
+              <a:rPr lang="en-US" sz="3600" b="1" dirty="0" err="1"/>
               <a:t>Unidade</a:t>
             </a:r>
             <a:r>
-              <a:rPr lang="en-US" sz="1600" b="1" dirty="0"/>
+              <a:rPr lang="en-US" sz="3600" b="1" dirty="0"/>
               <a:t> Argos</a:t>
             </a:r>
           </a:p>
@@ -8021,10 +8021,10 @@
         </p:nvGrpSpPr>
         <p:grpSpPr>
           <a:xfrm>
-            <a:off x="1755286" y="3227880"/>
-            <a:ext cx="1620925" cy="2463399"/>
-            <a:chOff x="733876" y="1943075"/>
-            <a:chExt cx="1620925" cy="2463399"/>
+            <a:off x="1097035" y="3227880"/>
+            <a:ext cx="3313408" cy="2818261"/>
+            <a:chOff x="75625" y="1943075"/>
+            <a:chExt cx="3313408" cy="2818261"/>
           </a:xfrm>
         </p:grpSpPr>
         <p:grpSp>
@@ -9750,8 +9750,8 @@
           </p:nvSpPr>
           <p:spPr>
             <a:xfrm>
-              <a:off x="733876" y="4067920"/>
-              <a:ext cx="1574855" cy="338554"/>
+              <a:off x="75625" y="4115005"/>
+              <a:ext cx="3313408" cy="646331"/>
             </a:xfrm>
             <a:prstGeom prst="rect">
               <a:avLst/>
@@ -9765,11 +9765,11 @@
             <a:lstStyle/>
             <a:p>
               <a:r>
-                <a:rPr lang="en-US" sz="1600" b="1" dirty="0" err="1"/>
+                <a:rPr lang="en-US" sz="3600" b="1" dirty="0" err="1"/>
                 <a:t>Controle</a:t>
               </a:r>
               <a:r>
-                <a:rPr lang="en-US" sz="1600" b="1" dirty="0"/>
+                <a:rPr lang="en-US" sz="3600" b="1" dirty="0"/>
                 <a:t> Central</a:t>
               </a:r>
             </a:p>
@@ -9821,9 +9821,9 @@
         <p:grpSpPr>
           <a:xfrm>
             <a:off x="886090" y="1398714"/>
-            <a:ext cx="10246380" cy="5301605"/>
+            <a:ext cx="10246380" cy="5455494"/>
             <a:chOff x="886090" y="1398714"/>
-            <a:chExt cx="10246380" cy="5301605"/>
+            <a:chExt cx="10246380" cy="5455494"/>
           </a:xfrm>
         </p:grpSpPr>
         <p:grpSp>
@@ -11300,9 +11300,9 @@
           <p:grpSpPr>
             <a:xfrm>
               <a:off x="1857954" y="2045059"/>
-              <a:ext cx="3990392" cy="894101"/>
+              <a:ext cx="3990392" cy="1217266"/>
               <a:chOff x="1857954" y="2045059"/>
-              <a:chExt cx="3990392" cy="894101"/>
+              <a:chExt cx="3990392" cy="1217266"/>
             </a:xfrm>
           </p:grpSpPr>
           <p:cxnSp>
@@ -11346,8 +11346,8 @@
             </p:nvSpPr>
             <p:spPr>
               <a:xfrm>
-                <a:off x="3403725" y="2677550"/>
-                <a:ext cx="906017" cy="261610"/>
+                <a:off x="2850305" y="2677550"/>
+                <a:ext cx="2012859" cy="584775"/>
               </a:xfrm>
               <a:prstGeom prst="rect">
                 <a:avLst/>
@@ -11362,10 +11362,10 @@
               <a:p>
                 <a:pPr algn="ctr"/>
                 <a:r>
-                  <a:rPr lang="en-US" sz="1100" b="1" dirty="0"/>
+                  <a:rPr lang="en-US" sz="3200" b="1" dirty="0"/>
                   <a:t>MQTT/TCP</a:t>
                 </a:r>
-                <a:endParaRPr lang="en-US" b="1" dirty="0"/>
+                <a:endParaRPr lang="en-US" sz="4800" b="1" dirty="0"/>
               </a:p>
             </p:txBody>
           </p:sp>
@@ -17011,9 +17011,9 @@
           <p:grpSpPr>
             <a:xfrm>
               <a:off x="4409908" y="5150241"/>
-              <a:ext cx="1123950" cy="748182"/>
+              <a:ext cx="1437507" cy="902071"/>
               <a:chOff x="287338" y="1560513"/>
-              <a:chExt cx="1123950" cy="748182"/>
+              <a:chExt cx="1437507" cy="902071"/>
             </a:xfrm>
           </p:grpSpPr>
           <p:grpSp>
@@ -17739,10 +17739,10 @@
             </p:nvGrpSpPr>
             <p:grpSpPr bwMode="auto">
               <a:xfrm>
-                <a:off x="514350" y="1725613"/>
-                <a:ext cx="688975" cy="583082"/>
+                <a:off x="514351" y="1725614"/>
+                <a:ext cx="1210494" cy="736970"/>
                 <a:chOff x="1087021" y="998717"/>
-                <a:chExt cx="689327" cy="583208"/>
+                <a:chExt cx="1211112" cy="737128"/>
               </a:xfrm>
             </p:grpSpPr>
             <p:sp>
@@ -18279,7 +18279,7 @@
               <p:spPr bwMode="auto">
                 <a:xfrm>
                   <a:off x="1087021" y="1366434"/>
-                  <a:ext cx="689327" cy="215491"/>
+                  <a:ext cx="1211112" cy="369411"/>
                 </a:xfrm>
                 <a:prstGeom prst="rect">
                   <a:avLst/>
@@ -18309,7 +18309,7 @@
                 </a:extLst>
               </p:spPr>
               <p:txBody>
-                <a:bodyPr>
+                <a:bodyPr wrap="square">
                   <a:spAutoFit/>
                 </a:bodyPr>
                 <a:lstStyle>
@@ -18422,13 +18422,18 @@
                 <a:p>
                   <a:pPr algn="ctr" eaLnBrk="1" hangingPunct="1"/>
                   <a:r>
-                    <a:rPr lang="en-US" altLang="en-US" sz="800" b="1" dirty="0">
+                    <a:rPr lang="en-US" altLang="en-US" sz="1800" b="1" dirty="0">
                       <a:solidFill>
                         <a:srgbClr val="58585A"/>
                       </a:solidFill>
                     </a:rPr>
                     <a:t>Subjects</a:t>
                   </a:r>
+                  <a:endParaRPr lang="en-US" altLang="en-US" sz="1600" b="1" dirty="0">
+                    <a:solidFill>
+                      <a:srgbClr val="58585A"/>
+                    </a:solidFill>
+                  </a:endParaRPr>
                 </a:p>
               </p:txBody>
             </p:sp>
@@ -19156,9 +19161,9 @@
           <p:grpSpPr>
             <a:xfrm>
               <a:off x="8506107" y="4847769"/>
-              <a:ext cx="1123950" cy="703732"/>
+              <a:ext cx="1437506" cy="857622"/>
               <a:chOff x="8468739" y="5733766"/>
-              <a:chExt cx="1123950" cy="703732"/>
+              <a:chExt cx="1437506" cy="857622"/>
             </a:xfrm>
           </p:grpSpPr>
           <p:grpSp>
@@ -19884,10 +19889,10 @@
             </p:nvGrpSpPr>
             <p:grpSpPr bwMode="auto">
               <a:xfrm>
-                <a:off x="8695751" y="5854416"/>
-                <a:ext cx="688975" cy="583082"/>
+                <a:off x="8695751" y="5854418"/>
+                <a:ext cx="1210494" cy="736970"/>
                 <a:chOff x="1087021" y="998717"/>
-                <a:chExt cx="689327" cy="583208"/>
+                <a:chExt cx="1211112" cy="737128"/>
               </a:xfrm>
             </p:grpSpPr>
             <p:sp>
@@ -20424,7 +20429,7 @@
               <p:spPr bwMode="auto">
                 <a:xfrm>
                   <a:off x="1087021" y="1366434"/>
-                  <a:ext cx="689327" cy="215491"/>
+                  <a:ext cx="1211112" cy="369411"/>
                 </a:xfrm>
                 <a:prstGeom prst="rect">
                   <a:avLst/>
@@ -20454,7 +20459,7 @@
                 </a:extLst>
               </p:spPr>
               <p:txBody>
-                <a:bodyPr>
+                <a:bodyPr wrap="square">
                   <a:spAutoFit/>
                 </a:bodyPr>
                 <a:lstStyle>
@@ -20567,13 +20572,18 @@
                 <a:p>
                   <a:pPr algn="ctr" eaLnBrk="1" hangingPunct="1"/>
                   <a:r>
-                    <a:rPr lang="en-US" altLang="en-US" sz="800" b="1" dirty="0">
+                    <a:rPr lang="en-US" altLang="en-US" sz="1800" b="1" dirty="0">
                       <a:solidFill>
                         <a:srgbClr val="58585A"/>
                       </a:solidFill>
                     </a:rPr>
                     <a:t>Subjects</a:t>
                   </a:r>
+                  <a:endParaRPr lang="en-US" altLang="en-US" sz="800" b="1" dirty="0">
+                    <a:solidFill>
+                      <a:srgbClr val="58585A"/>
+                    </a:solidFill>
+                  </a:endParaRPr>
                 </a:p>
               </p:txBody>
             </p:sp>
@@ -20762,10 +20772,10 @@
           </p:nvGrpSpPr>
           <p:grpSpPr bwMode="auto">
             <a:xfrm>
-              <a:off x="6284874" y="6055733"/>
-              <a:ext cx="688975" cy="583082"/>
+              <a:off x="6284874" y="6055734"/>
+              <a:ext cx="1354176" cy="736970"/>
               <a:chOff x="1087021" y="998717"/>
-              <a:chExt cx="689327" cy="583208"/>
+              <a:chExt cx="1354868" cy="737128"/>
             </a:xfrm>
           </p:grpSpPr>
           <p:sp>
@@ -21302,7 +21312,7 @@
             <p:spPr bwMode="auto">
               <a:xfrm>
                 <a:off x="1087021" y="1366434"/>
-                <a:ext cx="689327" cy="215491"/>
+                <a:ext cx="1354868" cy="369411"/>
               </a:xfrm>
               <a:prstGeom prst="rect">
                 <a:avLst/>
@@ -21332,7 +21342,7 @@
               </a:extLst>
             </p:spPr>
             <p:txBody>
-              <a:bodyPr>
+              <a:bodyPr wrap="square">
                 <a:spAutoFit/>
               </a:bodyPr>
               <a:lstStyle>
@@ -21445,7 +21455,7 @@
               <a:p>
                 <a:pPr algn="ctr" eaLnBrk="1" hangingPunct="1"/>
                 <a:r>
-                  <a:rPr lang="en-US" altLang="en-US" sz="800" b="1" dirty="0">
+                  <a:rPr lang="en-US" altLang="en-US" sz="1800" b="1" dirty="0">
                     <a:solidFill>
                       <a:srgbClr val="58585A"/>
                     </a:solidFill>
@@ -21471,9 +21481,9 @@
           <p:grpSpPr>
             <a:xfrm>
               <a:off x="2898396" y="5952137"/>
-              <a:ext cx="1123950" cy="748182"/>
+              <a:ext cx="1397379" cy="902071"/>
               <a:chOff x="287338" y="1560513"/>
-              <a:chExt cx="1123950" cy="748182"/>
+              <a:chExt cx="1397379" cy="902071"/>
             </a:xfrm>
           </p:grpSpPr>
           <p:grpSp>
@@ -22199,10 +22209,10 @@
             </p:nvGrpSpPr>
             <p:grpSpPr bwMode="auto">
               <a:xfrm>
-                <a:off x="514350" y="1725613"/>
-                <a:ext cx="688975" cy="583082"/>
+                <a:off x="514350" y="1725614"/>
+                <a:ext cx="1170367" cy="736970"/>
                 <a:chOff x="1087021" y="998717"/>
-                <a:chExt cx="689327" cy="583208"/>
+                <a:chExt cx="1170965" cy="737128"/>
               </a:xfrm>
             </p:grpSpPr>
             <p:sp>
@@ -22739,7 +22749,7 @@
               <p:spPr bwMode="auto">
                 <a:xfrm>
                   <a:off x="1087021" y="1366434"/>
-                  <a:ext cx="689327" cy="215491"/>
+                  <a:ext cx="1170965" cy="369411"/>
                 </a:xfrm>
                 <a:prstGeom prst="rect">
                   <a:avLst/>
@@ -22769,7 +22779,7 @@
                 </a:extLst>
               </p:spPr>
               <p:txBody>
-                <a:bodyPr>
+                <a:bodyPr wrap="square">
                   <a:spAutoFit/>
                 </a:bodyPr>
                 <a:lstStyle>
@@ -22882,13 +22892,18 @@
                 <a:p>
                   <a:pPr algn="ctr" eaLnBrk="1" hangingPunct="1"/>
                   <a:r>
-                    <a:rPr lang="en-US" altLang="en-US" sz="800" b="1" dirty="0">
+                    <a:rPr lang="en-US" altLang="en-US" sz="1800" b="1" dirty="0">
                       <a:solidFill>
                         <a:srgbClr val="58585A"/>
                       </a:solidFill>
                     </a:rPr>
                     <a:t>Subjects</a:t>
                   </a:r>
+                  <a:endParaRPr lang="en-US" altLang="en-US" sz="900" b="1" dirty="0">
+                    <a:solidFill>
+                      <a:srgbClr val="58585A"/>
+                    </a:solidFill>
+                  </a:endParaRPr>
                 </a:p>
               </p:txBody>
             </p:sp>
@@ -24323,7 +24338,7 @@
           <p:spPr>
             <a:xfrm>
               <a:off x="886090" y="4112468"/>
-              <a:ext cx="1574855" cy="338554"/>
+              <a:ext cx="1938031" cy="1200329"/>
             </a:xfrm>
             <a:prstGeom prst="rect">
               <a:avLst/>
@@ -24337,12 +24352,19 @@
             <a:lstStyle/>
             <a:p>
               <a:r>
-                <a:rPr lang="en-US" sz="1600" b="1" dirty="0" err="1"/>
+                <a:rPr lang="en-US" sz="3600" b="1" dirty="0" err="1"/>
                 <a:t>Controle</a:t>
               </a:r>
               <a:r>
-                <a:rPr lang="en-US" sz="1600" b="1" dirty="0"/>
-                <a:t> Central</a:t>
+                <a:rPr lang="en-US" sz="3600" b="1" dirty="0"/>
+                <a:t> </a:t>
+              </a:r>
+              <a:br>
+                <a:rPr lang="en-US" sz="3600" b="1" dirty="0"/>
+              </a:br>
+              <a:r>
+                <a:rPr lang="en-US" sz="3600" b="1" dirty="0"/>
+                <a:t>Central</a:t>
               </a:r>
             </a:p>
           </p:txBody>
